--- a/Jieyu You.pptx
+++ b/Jieyu You.pptx
@@ -5,10 +5,10 @@
     <p:sldMasterId id="2147483648" r:id="rId1"/>
   </p:sldMasterIdLst>
   <p:notesMasterIdLst>
-    <p:notesMasterId r:id="rId13"/>
+    <p:notesMasterId r:id="rId15"/>
   </p:notesMasterIdLst>
   <p:handoutMasterIdLst>
-    <p:handoutMasterId r:id="rId14"/>
+    <p:handoutMasterId r:id="rId16"/>
   </p:handoutMasterIdLst>
   <p:sldIdLst>
     <p:sldId id="256" r:id="rId2"/>
@@ -21,7 +21,9 @@
     <p:sldId id="275" r:id="rId9"/>
     <p:sldId id="274" r:id="rId10"/>
     <p:sldId id="273" r:id="rId11"/>
-    <p:sldId id="276" r:id="rId12"/>
+    <p:sldId id="278" r:id="rId12"/>
+    <p:sldId id="276" r:id="rId13"/>
+    <p:sldId id="277" r:id="rId14"/>
   </p:sldIdLst>
   <p:sldSz cx="12192000" cy="6858000"/>
   <p:notesSz cx="6858000" cy="9144000"/>
@@ -881,6 +883,90 @@
     <p:extLst>
       <p:ext uri="{BB962C8B-B14F-4D97-AF65-F5344CB8AC3E}">
         <p14:creationId xmlns:p14="http://schemas.microsoft.com/office/powerpoint/2010/main" val="1928950532"/>
+      </p:ext>
+    </p:extLst>
+  </p:cSld>
+  <p:clrMapOvr>
+    <a:masterClrMapping/>
+  </p:clrMapOvr>
+</p:notes>
+</file>
+
+<file path=ppt/notesSlides/notesSlide2.xml><?xml version="1.0" encoding="utf-8"?>
+<p:notes xmlns:a="http://schemas.openxmlformats.org/drawingml/2006/main" xmlns:r="http://schemas.openxmlformats.org/officeDocument/2006/relationships" xmlns:p="http://schemas.openxmlformats.org/presentationml/2006/main">
+  <p:cSld>
+    <p:spTree>
+      <p:nvGrpSpPr>
+        <p:cNvPr id="1" name=""/>
+        <p:cNvGrpSpPr/>
+        <p:nvPr/>
+      </p:nvGrpSpPr>
+      <p:grpSpPr>
+        <a:xfrm>
+          <a:off x="0" y="0"/>
+          <a:ext cx="0" cy="0"/>
+          <a:chOff x="0" y="0"/>
+          <a:chExt cx="0" cy="0"/>
+        </a:xfrm>
+      </p:grpSpPr>
+      <p:sp>
+        <p:nvSpPr>
+          <p:cNvPr id="2" name="Slide Image Placeholder 1"/>
+          <p:cNvSpPr>
+            <a:spLocks noGrp="1" noRot="1" noChangeAspect="1"/>
+          </p:cNvSpPr>
+          <p:nvPr>
+            <p:ph type="sldImg"/>
+          </p:nvPr>
+        </p:nvSpPr>
+        <p:spPr/>
+      </p:sp>
+      <p:sp>
+        <p:nvSpPr>
+          <p:cNvPr id="3" name="Notes Placeholder 2"/>
+          <p:cNvSpPr>
+            <a:spLocks noGrp="1"/>
+          </p:cNvSpPr>
+          <p:nvPr>
+            <p:ph type="body" idx="1"/>
+          </p:nvPr>
+        </p:nvSpPr>
+        <p:spPr/>
+        <p:txBody>
+          <a:bodyPr/>
+          <a:lstStyle/>
+          <a:p>
+            <a:endParaRPr lang="en-US" dirty="0"/>
+          </a:p>
+        </p:txBody>
+      </p:sp>
+      <p:sp>
+        <p:nvSpPr>
+          <p:cNvPr id="4" name="Slide Number Placeholder 3"/>
+          <p:cNvSpPr>
+            <a:spLocks noGrp="1"/>
+          </p:cNvSpPr>
+          <p:nvPr>
+            <p:ph type="sldNum" sz="quarter" idx="5"/>
+          </p:nvPr>
+        </p:nvSpPr>
+        <p:spPr/>
+        <p:txBody>
+          <a:bodyPr/>
+          <a:lstStyle/>
+          <a:p>
+            <a:fld id="{C2C3EAB0-8B79-42D2-B7E8-68780DC20FFF}" type="slidenum">
+              <a:rPr lang="en-US" smtClean="0"/>
+              <a:t>12</a:t>
+            </a:fld>
+            <a:endParaRPr lang="en-US"/>
+          </a:p>
+        </p:txBody>
+      </p:sp>
+    </p:spTree>
+    <p:extLst>
+      <p:ext uri="{BB962C8B-B14F-4D97-AF65-F5344CB8AC3E}">
+        <p14:creationId xmlns:p14="http://schemas.microsoft.com/office/powerpoint/2010/main" val="3954635313"/>
       </p:ext>
     </p:extLst>
   </p:cSld>
@@ -4357,8 +4443,8 @@
           </a:fontRef>
         </p:style>
       </p:cxnSp>
-      <mc:AlternateContent xmlns:mc="http://schemas.openxmlformats.org/markup-compatibility/2006">
-        <mc:Choice xmlns:a14="http://schemas.microsoft.com/office/drawing/2010/main" Requires="a14">
+      <mc:AlternateContent xmlns:mc="http://schemas.openxmlformats.org/markup-compatibility/2006" xmlns:a14="http://schemas.microsoft.com/office/drawing/2010/main">
+        <mc:Choice Requires="a14">
           <p:sp>
             <p:nvSpPr>
               <p:cNvPr id="11" name="TextBox 10">
@@ -4387,6 +4473,7 @@
               </a:bodyPr>
               <a:lstStyle/>
               <a:p>
+                <a:pPr/>
                 <a14:m>
                   <m:oMathPara xmlns:m="http://schemas.openxmlformats.org/officeDocument/2006/math">
                     <m:oMathParaPr>
@@ -4407,7 +4494,7 @@
             </p:txBody>
           </p:sp>
         </mc:Choice>
-        <mc:Fallback>
+        <mc:Fallback xmlns="">
           <p:sp>
             <p:nvSpPr>
               <p:cNvPr id="11" name="TextBox 10">
@@ -4584,12 +4671,13 @@
         </p:nvCxnSpPr>
         <p:spPr>
           <a:xfrm>
-            <a:off x="5609064" y="4700239"/>
+            <a:off x="5704092" y="4733351"/>
             <a:ext cx="0" cy="1694986"/>
           </a:xfrm>
           <a:prstGeom prst="line">
             <a:avLst/>
           </a:prstGeom>
+          <a:ln w="19050"/>
         </p:spPr>
         <p:style>
           <a:lnRef idx="1">
@@ -4626,6 +4714,7 @@
           <a:prstGeom prst="line">
             <a:avLst/>
           </a:prstGeom>
+          <a:ln w="19050"/>
         </p:spPr>
         <p:style>
           <a:lnRef idx="1">
@@ -4642,8 +4731,8 @@
           </a:fontRef>
         </p:style>
       </p:cxnSp>
-      <mc:AlternateContent xmlns:mc="http://schemas.openxmlformats.org/markup-compatibility/2006">
-        <mc:Choice xmlns:a14="http://schemas.microsoft.com/office/drawing/2010/main" Requires="a14">
+      <mc:AlternateContent xmlns:mc="http://schemas.openxmlformats.org/markup-compatibility/2006" xmlns:a14="http://schemas.microsoft.com/office/drawing/2010/main">
+        <mc:Choice Requires="a14">
           <p:sp>
             <p:nvSpPr>
               <p:cNvPr id="17" name="TextBox 16">
@@ -4672,6 +4761,7 @@
               </a:bodyPr>
               <a:lstStyle/>
               <a:p>
+                <a:pPr/>
                 <a14:m>
                   <m:oMathPara xmlns:m="http://schemas.openxmlformats.org/officeDocument/2006/math">
                     <m:oMathParaPr>
@@ -4711,7 +4801,7 @@
             </p:txBody>
           </p:sp>
         </mc:Choice>
-        <mc:Fallback>
+        <mc:Fallback xmlns="">
           <p:sp>
             <p:nvSpPr>
               <p:cNvPr id="17" name="TextBox 16">
@@ -4756,8 +4846,8 @@
           </p:sp>
         </mc:Fallback>
       </mc:AlternateContent>
-      <mc:AlternateContent xmlns:mc="http://schemas.openxmlformats.org/markup-compatibility/2006">
-        <mc:Choice xmlns:a14="http://schemas.microsoft.com/office/drawing/2010/main" Requires="a14">
+      <mc:AlternateContent xmlns:mc="http://schemas.openxmlformats.org/markup-compatibility/2006" xmlns:a14="http://schemas.microsoft.com/office/drawing/2010/main">
+        <mc:Choice Requires="a14">
           <p:sp>
             <p:nvSpPr>
               <p:cNvPr id="18" name="TextBox 17">
@@ -4786,6 +4876,7 @@
               </a:bodyPr>
               <a:lstStyle/>
               <a:p>
+                <a:pPr/>
                 <a14:m>
                   <m:oMathPara xmlns:m="http://schemas.openxmlformats.org/officeDocument/2006/math">
                     <m:oMathParaPr>
@@ -4825,7 +4916,7 @@
             </p:txBody>
           </p:sp>
         </mc:Choice>
-        <mc:Fallback>
+        <mc:Fallback xmlns="">
           <p:sp>
             <p:nvSpPr>
               <p:cNvPr id="18" name="TextBox 17">
@@ -4870,8 +4961,8 @@
           </p:sp>
         </mc:Fallback>
       </mc:AlternateContent>
-      <mc:AlternateContent xmlns:mc="http://schemas.openxmlformats.org/markup-compatibility/2006">
-        <mc:Choice xmlns:a14="http://schemas.microsoft.com/office/drawing/2010/main" Requires="a14">
+      <mc:AlternateContent xmlns:mc="http://schemas.openxmlformats.org/markup-compatibility/2006" xmlns:a14="http://schemas.microsoft.com/office/drawing/2010/main">
+        <mc:Choice Requires="a14">
           <p:sp>
             <p:nvSpPr>
               <p:cNvPr id="19" name="TextBox 18">
@@ -4900,6 +4991,7 @@
               </a:bodyPr>
               <a:lstStyle/>
               <a:p>
+                <a:pPr/>
                 <a14:m>
                   <m:oMathPara xmlns:m="http://schemas.openxmlformats.org/officeDocument/2006/math">
                     <m:oMathParaPr>
@@ -4939,7 +5031,7 @@
             </p:txBody>
           </p:sp>
         </mc:Choice>
-        <mc:Fallback>
+        <mc:Fallback xmlns="">
           <p:sp>
             <p:nvSpPr>
               <p:cNvPr id="19" name="TextBox 18">
@@ -4964,6 +5056,278 @@
               </a:prstGeom>
               <a:blipFill>
                 <a:blip r:embed="rId6"/>
+                <a:stretch>
+                  <a:fillRect/>
+                </a:stretch>
+              </a:blipFill>
+            </p:spPr>
+            <p:txBody>
+              <a:bodyPr/>
+              <a:lstStyle/>
+              <a:p>
+                <a:r>
+                  <a:rPr lang="en-US">
+                    <a:noFill/>
+                  </a:rPr>
+                  <a:t> </a:t>
+                </a:r>
+              </a:p>
+            </p:txBody>
+          </p:sp>
+        </mc:Fallback>
+      </mc:AlternateContent>
+      <p:cxnSp>
+        <p:nvCxnSpPr>
+          <p:cNvPr id="3" name="Straight Arrow Connector 2">
+            <a:extLst>
+              <a:ext uri="{FF2B5EF4-FFF2-40B4-BE49-F238E27FC236}">
+                <a16:creationId xmlns:a16="http://schemas.microsoft.com/office/drawing/2014/main" id="{65AAE861-9717-4B1A-AB93-2BF5CA2B42DD}"/>
+              </a:ext>
+            </a:extLst>
+          </p:cNvPr>
+          <p:cNvCxnSpPr/>
+          <p:nvPr/>
+        </p:nvCxnSpPr>
+        <p:spPr>
+          <a:xfrm>
+            <a:off x="3821152" y="4879571"/>
+            <a:ext cx="940406" cy="0"/>
+          </a:xfrm>
+          <a:prstGeom prst="straightConnector1">
+            <a:avLst/>
+          </a:prstGeom>
+          <a:ln>
+            <a:headEnd type="triangle"/>
+            <a:tailEnd type="triangle"/>
+          </a:ln>
+        </p:spPr>
+        <p:style>
+          <a:lnRef idx="1">
+            <a:schemeClr val="accent1"/>
+          </a:lnRef>
+          <a:fillRef idx="0">
+            <a:schemeClr val="accent1"/>
+          </a:fillRef>
+          <a:effectRef idx="0">
+            <a:schemeClr val="accent1"/>
+          </a:effectRef>
+          <a:fontRef idx="minor">
+            <a:schemeClr val="tx1"/>
+          </a:fontRef>
+        </p:style>
+      </p:cxnSp>
+      <p:cxnSp>
+        <p:nvCxnSpPr>
+          <p:cNvPr id="20" name="Straight Arrow Connector 19">
+            <a:extLst>
+              <a:ext uri="{FF2B5EF4-FFF2-40B4-BE49-F238E27FC236}">
+                <a16:creationId xmlns:a16="http://schemas.microsoft.com/office/drawing/2014/main" id="{DBF663AC-1251-4F25-B995-446672D39283}"/>
+              </a:ext>
+            </a:extLst>
+          </p:cNvPr>
+          <p:cNvCxnSpPr/>
+          <p:nvPr/>
+        </p:nvCxnSpPr>
+        <p:spPr>
+          <a:xfrm>
+            <a:off x="4763686" y="4879571"/>
+            <a:ext cx="940406" cy="0"/>
+          </a:xfrm>
+          <a:prstGeom prst="straightConnector1">
+            <a:avLst/>
+          </a:prstGeom>
+          <a:ln>
+            <a:headEnd type="triangle"/>
+            <a:tailEnd type="triangle"/>
+          </a:ln>
+        </p:spPr>
+        <p:style>
+          <a:lnRef idx="1">
+            <a:schemeClr val="accent1"/>
+          </a:lnRef>
+          <a:fillRef idx="0">
+            <a:schemeClr val="accent1"/>
+          </a:fillRef>
+          <a:effectRef idx="0">
+            <a:schemeClr val="accent1"/>
+          </a:effectRef>
+          <a:fontRef idx="minor">
+            <a:schemeClr val="tx1"/>
+          </a:fontRef>
+        </p:style>
+      </p:cxnSp>
+      <mc:AlternateContent xmlns:mc="http://schemas.openxmlformats.org/markup-compatibility/2006">
+        <mc:Choice xmlns:a14="http://schemas.microsoft.com/office/drawing/2010/main" Requires="a14">
+          <p:sp>
+            <p:nvSpPr>
+              <p:cNvPr id="21" name="TextBox 20">
+                <a:extLst>
+                  <a:ext uri="{FF2B5EF4-FFF2-40B4-BE49-F238E27FC236}">
+                    <a16:creationId xmlns:a16="http://schemas.microsoft.com/office/drawing/2014/main" id="{A509792F-5770-4DB2-A7FC-9355A693EAD9}"/>
+                  </a:ext>
+                </a:extLst>
+              </p:cNvPr>
+              <p:cNvSpPr txBox="1"/>
+              <p:nvPr/>
+            </p:nvSpPr>
+            <p:spPr>
+              <a:xfrm>
+                <a:off x="4768889" y="5082992"/>
+                <a:ext cx="806053" cy="584775"/>
+              </a:xfrm>
+              <a:prstGeom prst="rect">
+                <a:avLst/>
+              </a:prstGeom>
+              <a:noFill/>
+            </p:spPr>
+            <p:txBody>
+              <a:bodyPr wrap="none" rtlCol="0">
+                <a:spAutoFit/>
+              </a:bodyPr>
+              <a:lstStyle/>
+              <a:p>
+                <a:pPr/>
+                <a14:m>
+                  <m:oMathPara xmlns:m="http://schemas.openxmlformats.org/officeDocument/2006/math">
+                    <m:oMathParaPr>
+                      <m:jc m:val="centerGroup"/>
+                    </m:oMathParaPr>
+                    <m:oMath xmlns:m="http://schemas.openxmlformats.org/officeDocument/2006/math">
+                      <m:r>
+                        <a:rPr lang="en-US" sz="3200" b="0" i="1" smtClean="0">
+                          <a:latin typeface="Cambria Math" panose="02040503050406030204" pitchFamily="18" charset="0"/>
+                        </a:rPr>
+                        <m:t>𝛿𝜔</m:t>
+                      </m:r>
+                    </m:oMath>
+                  </m:oMathPara>
+                </a14:m>
+                <a:endParaRPr lang="en-US" sz="3200" dirty="0"/>
+              </a:p>
+            </p:txBody>
+          </p:sp>
+        </mc:Choice>
+        <mc:Fallback>
+          <p:sp>
+            <p:nvSpPr>
+              <p:cNvPr id="21" name="TextBox 20">
+                <a:extLst>
+                  <a:ext uri="{FF2B5EF4-FFF2-40B4-BE49-F238E27FC236}">
+                    <a16:creationId xmlns:a16="http://schemas.microsoft.com/office/drawing/2014/main" id="{A509792F-5770-4DB2-A7FC-9355A693EAD9}"/>
+                  </a:ext>
+                </a:extLst>
+              </p:cNvPr>
+              <p:cNvSpPr txBox="1">
+                <a:spLocks noRot="1" noChangeAspect="1" noMove="1" noResize="1" noEditPoints="1" noAdjustHandles="1" noChangeArrowheads="1" noChangeShapeType="1" noTextEdit="1"/>
+              </p:cNvSpPr>
+              <p:nvPr/>
+            </p:nvSpPr>
+            <p:spPr>
+              <a:xfrm>
+                <a:off x="4768889" y="5082992"/>
+                <a:ext cx="806053" cy="584775"/>
+              </a:xfrm>
+              <a:prstGeom prst="rect">
+                <a:avLst/>
+              </a:prstGeom>
+              <a:blipFill>
+                <a:blip r:embed="rId7"/>
+                <a:stretch>
+                  <a:fillRect/>
+                </a:stretch>
+              </a:blipFill>
+            </p:spPr>
+            <p:txBody>
+              <a:bodyPr/>
+              <a:lstStyle/>
+              <a:p>
+                <a:r>
+                  <a:rPr lang="en-US">
+                    <a:noFill/>
+                  </a:rPr>
+                  <a:t> </a:t>
+                </a:r>
+              </a:p>
+            </p:txBody>
+          </p:sp>
+        </mc:Fallback>
+      </mc:AlternateContent>
+      <mc:AlternateContent xmlns:mc="http://schemas.openxmlformats.org/markup-compatibility/2006">
+        <mc:Choice xmlns:a14="http://schemas.microsoft.com/office/drawing/2010/main" Requires="a14">
+          <p:sp>
+            <p:nvSpPr>
+              <p:cNvPr id="22" name="TextBox 21">
+                <a:extLst>
+                  <a:ext uri="{FF2B5EF4-FFF2-40B4-BE49-F238E27FC236}">
+                    <a16:creationId xmlns:a16="http://schemas.microsoft.com/office/drawing/2014/main" id="{65810985-95C6-411B-8737-D1CEB1108521}"/>
+                  </a:ext>
+                </a:extLst>
+              </p:cNvPr>
+              <p:cNvSpPr txBox="1"/>
+              <p:nvPr/>
+            </p:nvSpPr>
+            <p:spPr>
+              <a:xfrm>
+                <a:off x="3856726" y="5099562"/>
+                <a:ext cx="806053" cy="584775"/>
+              </a:xfrm>
+              <a:prstGeom prst="rect">
+                <a:avLst/>
+              </a:prstGeom>
+              <a:noFill/>
+            </p:spPr>
+            <p:txBody>
+              <a:bodyPr wrap="none" rtlCol="0">
+                <a:spAutoFit/>
+              </a:bodyPr>
+              <a:lstStyle/>
+              <a:p>
+                <a:pPr/>
+                <a14:m>
+                  <m:oMathPara xmlns:m="http://schemas.openxmlformats.org/officeDocument/2006/math">
+                    <m:oMathParaPr>
+                      <m:jc m:val="centerGroup"/>
+                    </m:oMathParaPr>
+                    <m:oMath xmlns:m="http://schemas.openxmlformats.org/officeDocument/2006/math">
+                      <m:r>
+                        <a:rPr lang="en-US" sz="3200" b="0" i="1" smtClean="0">
+                          <a:latin typeface="Cambria Math" panose="02040503050406030204" pitchFamily="18" charset="0"/>
+                        </a:rPr>
+                        <m:t>𝛿𝜔</m:t>
+                      </m:r>
+                    </m:oMath>
+                  </m:oMathPara>
+                </a14:m>
+                <a:endParaRPr lang="en-US" sz="3200" dirty="0"/>
+              </a:p>
+            </p:txBody>
+          </p:sp>
+        </mc:Choice>
+        <mc:Fallback>
+          <p:sp>
+            <p:nvSpPr>
+              <p:cNvPr id="22" name="TextBox 21">
+                <a:extLst>
+                  <a:ext uri="{FF2B5EF4-FFF2-40B4-BE49-F238E27FC236}">
+                    <a16:creationId xmlns:a16="http://schemas.microsoft.com/office/drawing/2014/main" id="{65810985-95C6-411B-8737-D1CEB1108521}"/>
+                  </a:ext>
+                </a:extLst>
+              </p:cNvPr>
+              <p:cNvSpPr txBox="1">
+                <a:spLocks noRot="1" noChangeAspect="1" noMove="1" noResize="1" noEditPoints="1" noAdjustHandles="1" noChangeArrowheads="1" noChangeShapeType="1" noTextEdit="1"/>
+              </p:cNvSpPr>
+              <p:nvPr/>
+            </p:nvSpPr>
+            <p:spPr>
+              <a:xfrm>
+                <a:off x="3856726" y="5099562"/>
+                <a:ext cx="806053" cy="584775"/>
+              </a:xfrm>
+              <a:prstGeom prst="rect">
+                <a:avLst/>
+              </a:prstGeom>
+              <a:blipFill>
+                <a:blip r:embed="rId8"/>
                 <a:stretch>
                   <a:fillRect/>
                 </a:stretch>
@@ -5014,10 +5378,4328 @@
           <a:chExt cx="0" cy="0"/>
         </a:xfrm>
       </p:grpSpPr>
+      <mc:AlternateContent xmlns:mc="http://schemas.openxmlformats.org/markup-compatibility/2006">
+        <mc:Choice xmlns:a14="http://schemas.microsoft.com/office/drawing/2010/main" Requires="a14">
+          <p:sp>
+            <p:nvSpPr>
+              <p:cNvPr id="4" name="TextBox 3">
+                <a:extLst>
+                  <a:ext uri="{FF2B5EF4-FFF2-40B4-BE49-F238E27FC236}">
+                    <a16:creationId xmlns:a16="http://schemas.microsoft.com/office/drawing/2014/main" id="{7976950B-2D47-40A8-A07D-284EF970AC46}"/>
+                  </a:ext>
+                </a:extLst>
+              </p:cNvPr>
+              <p:cNvSpPr txBox="1"/>
+              <p:nvPr/>
+            </p:nvSpPr>
+            <p:spPr>
+              <a:xfrm>
+                <a:off x="2289230" y="1300663"/>
+                <a:ext cx="7828567" cy="2599686"/>
+              </a:xfrm>
+              <a:prstGeom prst="rect">
+                <a:avLst/>
+              </a:prstGeom>
+              <a:noFill/>
+            </p:spPr>
+            <p:txBody>
+              <a:bodyPr wrap="square" rtlCol="0">
+                <a:spAutoFit/>
+              </a:bodyPr>
+              <a:lstStyle/>
+              <a:p>
+                <a14:m>
+                  <m:oMath xmlns:m="http://schemas.openxmlformats.org/officeDocument/2006/math">
+                    <m:acc>
+                      <m:accPr>
+                        <m:chr m:val="̇"/>
+                        <m:ctrlPr>
+                          <a:rPr lang="en-US" sz="2400" i="1">
+                            <a:latin typeface="Cambria Math" panose="02040503050406030204" pitchFamily="18" charset="0"/>
+                          </a:rPr>
+                        </m:ctrlPr>
+                      </m:accPr>
+                      <m:e>
+                        <m:sSup>
+                          <m:sSupPr>
+                            <m:ctrlPr>
+                              <a:rPr lang="en-US" sz="2400" i="1">
+                                <a:latin typeface="Cambria Math" panose="02040503050406030204" pitchFamily="18" charset="0"/>
+                              </a:rPr>
+                            </m:ctrlPr>
+                          </m:sSupPr>
+                          <m:e>
+                            <m:r>
+                              <a:rPr lang="en-US" sz="2400" i="1">
+                                <a:latin typeface="Cambria Math" panose="02040503050406030204" pitchFamily="18" charset="0"/>
+                              </a:rPr>
+                              <m:t>𝜌</m:t>
+                            </m:r>
+                          </m:e>
+                          <m:sup>
+                            <m:r>
+                              <a:rPr lang="en-US" sz="2400" i="1">
+                                <a:latin typeface="Cambria Math" panose="02040503050406030204" pitchFamily="18" charset="0"/>
+                              </a:rPr>
+                              <m:t>𝑆</m:t>
+                            </m:r>
+                          </m:sup>
+                        </m:sSup>
+                      </m:e>
+                    </m:acc>
+                    <m:r>
+                      <a:rPr lang="en-US" sz="2400" i="1">
+                        <a:latin typeface="Cambria Math" panose="02040503050406030204" pitchFamily="18" charset="0"/>
+                      </a:rPr>
+                      <m:t>=</m:t>
+                    </m:r>
+                  </m:oMath>
+                </a14:m>
+                <a:r>
+                  <a:rPr lang="en-US" sz="2400" dirty="0"/>
+                  <a:t> </a:t>
+                </a:r>
+                <a14:m>
+                  <m:oMath xmlns:m="http://schemas.openxmlformats.org/officeDocument/2006/math">
+                    <m:r>
+                      <a:rPr lang="en-US" sz="2400" i="1">
+                        <a:latin typeface="Cambria Math" panose="02040503050406030204" pitchFamily="18" charset="0"/>
+                      </a:rPr>
+                      <m:t>−</m:t>
+                    </m:r>
+                    <m:f>
+                      <m:fPr>
+                        <m:ctrlPr>
+                          <a:rPr lang="en-US" sz="2400" i="1">
+                            <a:latin typeface="Cambria Math" panose="02040503050406030204" pitchFamily="18" charset="0"/>
+                          </a:rPr>
+                        </m:ctrlPr>
+                      </m:fPr>
+                      <m:num>
+                        <m:r>
+                          <a:rPr lang="en-US" sz="2400" i="1">
+                            <a:latin typeface="Cambria Math" panose="02040503050406030204" pitchFamily="18" charset="0"/>
+                          </a:rPr>
+                          <m:t>1</m:t>
+                        </m:r>
+                      </m:num>
+                      <m:den>
+                        <m:r>
+                          <a:rPr lang="en-US" sz="2400" i="1">
+                            <a:latin typeface="Cambria Math" panose="02040503050406030204" pitchFamily="18" charset="0"/>
+                          </a:rPr>
+                          <m:t>2</m:t>
+                        </m:r>
+                      </m:den>
+                    </m:f>
+                    <m:nary>
+                      <m:naryPr>
+                        <m:chr m:val="∑"/>
+                        <m:subHide m:val="on"/>
+                        <m:supHide m:val="on"/>
+                        <m:ctrlPr>
+                          <a:rPr lang="en-US" sz="2400" i="1" smtClean="0">
+                            <a:solidFill>
+                              <a:schemeClr val="tx1"/>
+                            </a:solidFill>
+                            <a:latin typeface="Cambria Math" panose="02040503050406030204" pitchFamily="18" charset="0"/>
+                          </a:rPr>
+                        </m:ctrlPr>
+                      </m:naryPr>
+                      <m:sub/>
+                      <m:sup/>
+                      <m:e>
+                        <m:sSub>
+                          <m:sSubPr>
+                            <m:ctrlPr>
+                              <a:rPr lang="en-US" sz="2400" i="1">
+                                <a:solidFill>
+                                  <a:schemeClr val="tx1"/>
+                                </a:solidFill>
+                                <a:latin typeface="Cambria Math" panose="02040503050406030204" pitchFamily="18" charset="0"/>
+                              </a:rPr>
+                            </m:ctrlPr>
+                          </m:sSubPr>
+                          <m:e>
+                            <m:r>
+                              <a:rPr lang="en-US" sz="2400" i="1">
+                                <a:solidFill>
+                                  <a:schemeClr val="tx1"/>
+                                </a:solidFill>
+                                <a:latin typeface="Cambria Math" panose="02040503050406030204" pitchFamily="18" charset="0"/>
+                              </a:rPr>
+                              <m:t>𝛾</m:t>
+                            </m:r>
+                            <m:r>
+                              <a:rPr lang="en-US" sz="2400" i="1">
+                                <a:solidFill>
+                                  <a:schemeClr val="tx1"/>
+                                </a:solidFill>
+                                <a:latin typeface="Cambria Math" panose="02040503050406030204" pitchFamily="18" charset="0"/>
+                              </a:rPr>
+                              <m:t>′</m:t>
+                            </m:r>
+                          </m:e>
+                          <m:sub>
+                            <m:r>
+                              <a:rPr lang="en-US" sz="2400" i="1">
+                                <a:solidFill>
+                                  <a:schemeClr val="tx1"/>
+                                </a:solidFill>
+                                <a:latin typeface="Cambria Math" panose="02040503050406030204" pitchFamily="18" charset="0"/>
+                              </a:rPr>
+                              <m:t>𝑖𝑗</m:t>
+                            </m:r>
+                          </m:sub>
+                        </m:sSub>
+                        <m:r>
+                          <a:rPr lang="en-US" sz="2400" i="1">
+                            <a:solidFill>
+                              <a:schemeClr val="tx1"/>
+                            </a:solidFill>
+                            <a:latin typeface="Cambria Math" panose="02040503050406030204" pitchFamily="18" charset="0"/>
+                          </a:rPr>
+                          <m:t>𝑀</m:t>
+                        </m:r>
+                      </m:e>
+                    </m:nary>
+                    <m:d>
+                      <m:dPr>
+                        <m:ctrlPr>
+                          <a:rPr lang="en-US" sz="2400" i="1">
+                            <a:solidFill>
+                              <a:schemeClr val="tx1"/>
+                            </a:solidFill>
+                            <a:latin typeface="Cambria Math" panose="02040503050406030204" pitchFamily="18" charset="0"/>
+                          </a:rPr>
+                        </m:ctrlPr>
+                      </m:dPr>
+                      <m:e>
+                        <m:sSup>
+                          <m:sSupPr>
+                            <m:ctrlPr>
+                              <a:rPr lang="en-US" sz="2400" i="1">
+                                <a:solidFill>
+                                  <a:schemeClr val="tx1"/>
+                                </a:solidFill>
+                                <a:latin typeface="Cambria Math" panose="02040503050406030204" pitchFamily="18" charset="0"/>
+                              </a:rPr>
+                            </m:ctrlPr>
+                          </m:sSupPr>
+                          <m:e>
+                            <m:r>
+                              <a:rPr lang="en-US" sz="2400" i="1">
+                                <a:solidFill>
+                                  <a:schemeClr val="tx1"/>
+                                </a:solidFill>
+                                <a:latin typeface="Cambria Math" panose="02040503050406030204" pitchFamily="18" charset="0"/>
+                              </a:rPr>
+                              <m:t>𝜌</m:t>
+                            </m:r>
+                          </m:e>
+                          <m:sup>
+                            <m:r>
+                              <a:rPr lang="en-US" sz="2400" i="1">
+                                <a:solidFill>
+                                  <a:schemeClr val="tx1"/>
+                                </a:solidFill>
+                                <a:latin typeface="Cambria Math" panose="02040503050406030204" pitchFamily="18" charset="0"/>
+                              </a:rPr>
+                              <m:t>𝑆</m:t>
+                            </m:r>
+                          </m:sup>
+                        </m:sSup>
+                        <m:sSubSup>
+                          <m:sSubSupPr>
+                            <m:ctrlPr>
+                              <a:rPr lang="en-US" sz="2400" i="1">
+                                <a:solidFill>
+                                  <a:schemeClr val="tx1"/>
+                                </a:solidFill>
+                                <a:latin typeface="Cambria Math" panose="02040503050406030204" pitchFamily="18" charset="0"/>
+                              </a:rPr>
+                            </m:ctrlPr>
+                          </m:sSubSupPr>
+                          <m:e>
+                            <m:r>
+                              <a:rPr lang="en-US" sz="2400" i="1">
+                                <a:solidFill>
+                                  <a:schemeClr val="tx1"/>
+                                </a:solidFill>
+                                <a:latin typeface="Cambria Math" panose="02040503050406030204" pitchFamily="18" charset="0"/>
+                              </a:rPr>
+                              <m:t>𝑆</m:t>
+                            </m:r>
+                          </m:e>
+                          <m:sub>
+                            <m:r>
+                              <a:rPr lang="en-US" sz="2400" i="1">
+                                <a:solidFill>
+                                  <a:schemeClr val="tx1"/>
+                                </a:solidFill>
+                                <a:latin typeface="Cambria Math" panose="02040503050406030204" pitchFamily="18" charset="0"/>
+                              </a:rPr>
+                              <m:t>𝑖</m:t>
+                            </m:r>
+                          </m:sub>
+                          <m:sup>
+                            <m:r>
+                              <a:rPr lang="en-US" sz="2400" i="1">
+                                <a:solidFill>
+                                  <a:schemeClr val="tx1"/>
+                                </a:solidFill>
+                                <a:latin typeface="Cambria Math" panose="02040503050406030204" pitchFamily="18" charset="0"/>
+                              </a:rPr>
+                              <m:t>+</m:t>
+                            </m:r>
+                          </m:sup>
+                        </m:sSubSup>
+                        <m:sSubSup>
+                          <m:sSubSupPr>
+                            <m:ctrlPr>
+                              <a:rPr lang="en-US" sz="2400" i="1">
+                                <a:solidFill>
+                                  <a:schemeClr val="tx1"/>
+                                </a:solidFill>
+                                <a:latin typeface="Cambria Math" panose="02040503050406030204" pitchFamily="18" charset="0"/>
+                              </a:rPr>
+                            </m:ctrlPr>
+                          </m:sSubSupPr>
+                          <m:e>
+                            <m:r>
+                              <a:rPr lang="en-US" sz="2400" i="1">
+                                <a:solidFill>
+                                  <a:schemeClr val="tx1"/>
+                                </a:solidFill>
+                                <a:latin typeface="Cambria Math" panose="02040503050406030204" pitchFamily="18" charset="0"/>
+                              </a:rPr>
+                              <m:t>𝑆</m:t>
+                            </m:r>
+                          </m:e>
+                          <m:sub>
+                            <m:r>
+                              <a:rPr lang="en-US" sz="2400" i="1">
+                                <a:solidFill>
+                                  <a:schemeClr val="tx1"/>
+                                </a:solidFill>
+                                <a:latin typeface="Cambria Math" panose="02040503050406030204" pitchFamily="18" charset="0"/>
+                              </a:rPr>
+                              <m:t>𝑗</m:t>
+                            </m:r>
+                          </m:sub>
+                          <m:sup>
+                            <m:r>
+                              <a:rPr lang="en-US" sz="2400" i="1">
+                                <a:solidFill>
+                                  <a:schemeClr val="tx1"/>
+                                </a:solidFill>
+                                <a:latin typeface="Cambria Math" panose="02040503050406030204" pitchFamily="18" charset="0"/>
+                              </a:rPr>
+                              <m:t>+</m:t>
+                            </m:r>
+                          </m:sup>
+                        </m:sSubSup>
+                        <m:r>
+                          <a:rPr lang="en-US" sz="2400" i="1">
+                            <a:solidFill>
+                              <a:schemeClr val="tx1"/>
+                            </a:solidFill>
+                            <a:latin typeface="Cambria Math" panose="02040503050406030204" pitchFamily="18" charset="0"/>
+                          </a:rPr>
+                          <m:t>+</m:t>
+                        </m:r>
+                        <m:sSubSup>
+                          <m:sSubSupPr>
+                            <m:ctrlPr>
+                              <a:rPr lang="en-US" sz="2400" i="1">
+                                <a:solidFill>
+                                  <a:schemeClr val="tx1"/>
+                                </a:solidFill>
+                                <a:latin typeface="Cambria Math" panose="02040503050406030204" pitchFamily="18" charset="0"/>
+                              </a:rPr>
+                            </m:ctrlPr>
+                          </m:sSubSupPr>
+                          <m:e>
+                            <m:r>
+                              <a:rPr lang="en-US" sz="2400" i="1">
+                                <a:solidFill>
+                                  <a:schemeClr val="tx1"/>
+                                </a:solidFill>
+                                <a:latin typeface="Cambria Math" panose="02040503050406030204" pitchFamily="18" charset="0"/>
+                              </a:rPr>
+                              <m:t>𝑆</m:t>
+                            </m:r>
+                          </m:e>
+                          <m:sub>
+                            <m:r>
+                              <a:rPr lang="en-US" sz="2400" i="1">
+                                <a:solidFill>
+                                  <a:schemeClr val="tx1"/>
+                                </a:solidFill>
+                                <a:latin typeface="Cambria Math" panose="02040503050406030204" pitchFamily="18" charset="0"/>
+                              </a:rPr>
+                              <m:t>𝑖</m:t>
+                            </m:r>
+                          </m:sub>
+                          <m:sup>
+                            <m:r>
+                              <a:rPr lang="en-US" sz="2400" i="1">
+                                <a:solidFill>
+                                  <a:schemeClr val="tx1"/>
+                                </a:solidFill>
+                                <a:latin typeface="Cambria Math" panose="02040503050406030204" pitchFamily="18" charset="0"/>
+                              </a:rPr>
+                              <m:t>+</m:t>
+                            </m:r>
+                          </m:sup>
+                        </m:sSubSup>
+                        <m:sSubSup>
+                          <m:sSubSupPr>
+                            <m:ctrlPr>
+                              <a:rPr lang="en-US" sz="2400" i="1">
+                                <a:solidFill>
+                                  <a:schemeClr val="tx1"/>
+                                </a:solidFill>
+                                <a:latin typeface="Cambria Math" panose="02040503050406030204" pitchFamily="18" charset="0"/>
+                              </a:rPr>
+                            </m:ctrlPr>
+                          </m:sSubSupPr>
+                          <m:e>
+                            <m:r>
+                              <a:rPr lang="en-US" sz="2400" i="1">
+                                <a:solidFill>
+                                  <a:schemeClr val="tx1"/>
+                                </a:solidFill>
+                                <a:latin typeface="Cambria Math" panose="02040503050406030204" pitchFamily="18" charset="0"/>
+                              </a:rPr>
+                              <m:t>𝑆</m:t>
+                            </m:r>
+                          </m:e>
+                          <m:sub>
+                            <m:r>
+                              <a:rPr lang="en-US" sz="2400" i="1">
+                                <a:solidFill>
+                                  <a:schemeClr val="tx1"/>
+                                </a:solidFill>
+                                <a:latin typeface="Cambria Math" panose="02040503050406030204" pitchFamily="18" charset="0"/>
+                              </a:rPr>
+                              <m:t>𝑗</m:t>
+                            </m:r>
+                          </m:sub>
+                          <m:sup>
+                            <m:r>
+                              <a:rPr lang="en-US" sz="2400" i="1">
+                                <a:solidFill>
+                                  <a:schemeClr val="tx1"/>
+                                </a:solidFill>
+                                <a:latin typeface="Cambria Math" panose="02040503050406030204" pitchFamily="18" charset="0"/>
+                              </a:rPr>
+                              <m:t>+</m:t>
+                            </m:r>
+                          </m:sup>
+                        </m:sSubSup>
+                        <m:sSup>
+                          <m:sSupPr>
+                            <m:ctrlPr>
+                              <a:rPr lang="en-US" sz="2400" i="1">
+                                <a:solidFill>
+                                  <a:schemeClr val="tx1"/>
+                                </a:solidFill>
+                                <a:latin typeface="Cambria Math" panose="02040503050406030204" pitchFamily="18" charset="0"/>
+                              </a:rPr>
+                            </m:ctrlPr>
+                          </m:sSupPr>
+                          <m:e>
+                            <m:r>
+                              <a:rPr lang="en-US" sz="2400" i="1">
+                                <a:solidFill>
+                                  <a:schemeClr val="tx1"/>
+                                </a:solidFill>
+                                <a:latin typeface="Cambria Math" panose="02040503050406030204" pitchFamily="18" charset="0"/>
+                              </a:rPr>
+                              <m:t>𝜌</m:t>
+                            </m:r>
+                          </m:e>
+                          <m:sup>
+                            <m:r>
+                              <a:rPr lang="en-US" sz="2400" i="1">
+                                <a:solidFill>
+                                  <a:schemeClr val="tx1"/>
+                                </a:solidFill>
+                                <a:latin typeface="Cambria Math" panose="02040503050406030204" pitchFamily="18" charset="0"/>
+                              </a:rPr>
+                              <m:t>𝑆</m:t>
+                            </m:r>
+                          </m:sup>
+                        </m:sSup>
+                        <m:r>
+                          <a:rPr lang="en-US" sz="2400" i="1">
+                            <a:solidFill>
+                              <a:schemeClr val="tx1"/>
+                            </a:solidFill>
+                            <a:latin typeface="Cambria Math" panose="02040503050406030204" pitchFamily="18" charset="0"/>
+                          </a:rPr>
+                          <m:t>−2</m:t>
+                        </m:r>
+                        <m:sSubSup>
+                          <m:sSubSupPr>
+                            <m:ctrlPr>
+                              <a:rPr lang="en-US" sz="2400" i="1">
+                                <a:solidFill>
+                                  <a:schemeClr val="tx1"/>
+                                </a:solidFill>
+                                <a:latin typeface="Cambria Math" panose="02040503050406030204" pitchFamily="18" charset="0"/>
+                              </a:rPr>
+                            </m:ctrlPr>
+                          </m:sSubSupPr>
+                          <m:e>
+                            <m:r>
+                              <a:rPr lang="en-US" sz="2400" i="1">
+                                <a:solidFill>
+                                  <a:schemeClr val="tx1"/>
+                                </a:solidFill>
+                                <a:latin typeface="Cambria Math" panose="02040503050406030204" pitchFamily="18" charset="0"/>
+                              </a:rPr>
+                              <m:t>𝑆</m:t>
+                            </m:r>
+                          </m:e>
+                          <m:sub>
+                            <m:r>
+                              <a:rPr lang="en-US" sz="2400" i="1">
+                                <a:solidFill>
+                                  <a:schemeClr val="tx1"/>
+                                </a:solidFill>
+                                <a:latin typeface="Cambria Math" panose="02040503050406030204" pitchFamily="18" charset="0"/>
+                              </a:rPr>
+                              <m:t>𝑗</m:t>
+                            </m:r>
+                          </m:sub>
+                          <m:sup>
+                            <m:r>
+                              <a:rPr lang="en-US" sz="2400" i="1">
+                                <a:solidFill>
+                                  <a:schemeClr val="tx1"/>
+                                </a:solidFill>
+                                <a:latin typeface="Cambria Math" panose="02040503050406030204" pitchFamily="18" charset="0"/>
+                              </a:rPr>
+                              <m:t>+</m:t>
+                            </m:r>
+                          </m:sup>
+                        </m:sSubSup>
+                        <m:sSup>
+                          <m:sSupPr>
+                            <m:ctrlPr>
+                              <a:rPr lang="en-US" sz="2400" i="1">
+                                <a:solidFill>
+                                  <a:schemeClr val="tx1"/>
+                                </a:solidFill>
+                                <a:latin typeface="Cambria Math" panose="02040503050406030204" pitchFamily="18" charset="0"/>
+                              </a:rPr>
+                            </m:ctrlPr>
+                          </m:sSupPr>
+                          <m:e>
+                            <m:r>
+                              <a:rPr lang="en-US" sz="2400" i="1">
+                                <a:solidFill>
+                                  <a:schemeClr val="tx1"/>
+                                </a:solidFill>
+                                <a:latin typeface="Cambria Math" panose="02040503050406030204" pitchFamily="18" charset="0"/>
+                              </a:rPr>
+                              <m:t>𝜌</m:t>
+                            </m:r>
+                          </m:e>
+                          <m:sup>
+                            <m:r>
+                              <a:rPr lang="en-US" sz="2400" i="1">
+                                <a:solidFill>
+                                  <a:schemeClr val="tx1"/>
+                                </a:solidFill>
+                                <a:latin typeface="Cambria Math" panose="02040503050406030204" pitchFamily="18" charset="0"/>
+                              </a:rPr>
+                              <m:t>𝑆</m:t>
+                            </m:r>
+                          </m:sup>
+                        </m:sSup>
+                        <m:sSubSup>
+                          <m:sSubSupPr>
+                            <m:ctrlPr>
+                              <a:rPr lang="en-US" sz="2400" i="1">
+                                <a:solidFill>
+                                  <a:schemeClr val="tx1"/>
+                                </a:solidFill>
+                                <a:latin typeface="Cambria Math" panose="02040503050406030204" pitchFamily="18" charset="0"/>
+                              </a:rPr>
+                            </m:ctrlPr>
+                          </m:sSubSupPr>
+                          <m:e>
+                            <m:r>
+                              <a:rPr lang="en-US" sz="2400" i="1">
+                                <a:solidFill>
+                                  <a:schemeClr val="tx1"/>
+                                </a:solidFill>
+                                <a:latin typeface="Cambria Math" panose="02040503050406030204" pitchFamily="18" charset="0"/>
+                              </a:rPr>
+                              <m:t>𝑆</m:t>
+                            </m:r>
+                          </m:e>
+                          <m:sub>
+                            <m:r>
+                              <a:rPr lang="en-US" sz="2400" i="1">
+                                <a:solidFill>
+                                  <a:schemeClr val="tx1"/>
+                                </a:solidFill>
+                                <a:latin typeface="Cambria Math" panose="02040503050406030204" pitchFamily="18" charset="0"/>
+                              </a:rPr>
+                              <m:t>𝑖</m:t>
+                            </m:r>
+                          </m:sub>
+                          <m:sup>
+                            <m:r>
+                              <a:rPr lang="en-US" sz="2400" i="1">
+                                <a:solidFill>
+                                  <a:schemeClr val="tx1"/>
+                                </a:solidFill>
+                                <a:latin typeface="Cambria Math" panose="02040503050406030204" pitchFamily="18" charset="0"/>
+                              </a:rPr>
+                              <m:t>+</m:t>
+                            </m:r>
+                          </m:sup>
+                        </m:sSubSup>
+                      </m:e>
+                    </m:d>
+                  </m:oMath>
+                </a14:m>
+                <a:endParaRPr lang="en-US" sz="2400" dirty="0">
+                  <a:solidFill>
+                    <a:schemeClr val="tx1"/>
+                  </a:solidFill>
+                </a:endParaRPr>
+              </a:p>
+              <a:p>
+                <a:r>
+                  <a:rPr lang="en-US" sz="2400" dirty="0">
+                    <a:solidFill>
+                      <a:schemeClr val="tx1"/>
+                    </a:solidFill>
+                  </a:rPr>
+                  <a:t>           </a:t>
+                </a:r>
+                <a14:m>
+                  <m:oMath xmlns:m="http://schemas.openxmlformats.org/officeDocument/2006/math">
+                    <m:r>
+                      <a:rPr lang="en-US" sz="2400" i="1">
+                        <a:solidFill>
+                          <a:schemeClr val="tx1"/>
+                        </a:solidFill>
+                        <a:latin typeface="Cambria Math" panose="02040503050406030204" pitchFamily="18" charset="0"/>
+                      </a:rPr>
+                      <m:t>−</m:t>
+                    </m:r>
+                    <m:f>
+                      <m:fPr>
+                        <m:ctrlPr>
+                          <a:rPr lang="en-US" sz="2400" i="1">
+                            <a:solidFill>
+                              <a:schemeClr val="tx1"/>
+                            </a:solidFill>
+                            <a:latin typeface="Cambria Math" panose="02040503050406030204" pitchFamily="18" charset="0"/>
+                          </a:rPr>
+                        </m:ctrlPr>
+                      </m:fPr>
+                      <m:num>
+                        <m:r>
+                          <a:rPr lang="en-US" sz="2400" i="1">
+                            <a:solidFill>
+                              <a:schemeClr val="tx1"/>
+                            </a:solidFill>
+                            <a:latin typeface="Cambria Math" panose="02040503050406030204" pitchFamily="18" charset="0"/>
+                          </a:rPr>
+                          <m:t>1</m:t>
+                        </m:r>
+                      </m:num>
+                      <m:den>
+                        <m:r>
+                          <a:rPr lang="en-US" sz="2400" i="1">
+                            <a:solidFill>
+                              <a:schemeClr val="tx1"/>
+                            </a:solidFill>
+                            <a:latin typeface="Cambria Math" panose="02040503050406030204" pitchFamily="18" charset="0"/>
+                          </a:rPr>
+                          <m:t>2</m:t>
+                        </m:r>
+                      </m:den>
+                    </m:f>
+                    <m:nary>
+                      <m:naryPr>
+                        <m:chr m:val="∑"/>
+                        <m:subHide m:val="on"/>
+                        <m:supHide m:val="on"/>
+                        <m:ctrlPr>
+                          <a:rPr lang="en-US" sz="2400" i="1">
+                            <a:solidFill>
+                              <a:schemeClr val="tx1"/>
+                            </a:solidFill>
+                            <a:latin typeface="Cambria Math" panose="02040503050406030204" pitchFamily="18" charset="0"/>
+                          </a:rPr>
+                        </m:ctrlPr>
+                      </m:naryPr>
+                      <m:sub/>
+                      <m:sup/>
+                      <m:e>
+                        <m:sSub>
+                          <m:sSubPr>
+                            <m:ctrlPr>
+                              <a:rPr lang="en-US" sz="2400" i="1">
+                                <a:solidFill>
+                                  <a:schemeClr val="tx1"/>
+                                </a:solidFill>
+                                <a:latin typeface="Cambria Math" panose="02040503050406030204" pitchFamily="18" charset="0"/>
+                              </a:rPr>
+                            </m:ctrlPr>
+                          </m:sSubPr>
+                          <m:e>
+                            <m:r>
+                              <a:rPr lang="en-US" sz="2400" i="1">
+                                <a:solidFill>
+                                  <a:schemeClr val="tx1"/>
+                                </a:solidFill>
+                                <a:latin typeface="Cambria Math" panose="02040503050406030204" pitchFamily="18" charset="0"/>
+                              </a:rPr>
+                              <m:t>𝛾</m:t>
+                            </m:r>
+                            <m:r>
+                              <a:rPr lang="en-US" sz="2400" i="1">
+                                <a:solidFill>
+                                  <a:schemeClr val="tx1"/>
+                                </a:solidFill>
+                                <a:latin typeface="Cambria Math" panose="02040503050406030204" pitchFamily="18" charset="0"/>
+                              </a:rPr>
+                              <m:t>′</m:t>
+                            </m:r>
+                          </m:e>
+                          <m:sub>
+                            <m:r>
+                              <a:rPr lang="en-US" sz="2400" i="1">
+                                <a:solidFill>
+                                  <a:schemeClr val="tx1"/>
+                                </a:solidFill>
+                                <a:latin typeface="Cambria Math" panose="02040503050406030204" pitchFamily="18" charset="0"/>
+                              </a:rPr>
+                              <m:t>𝑖𝑗</m:t>
+                            </m:r>
+                          </m:sub>
+                        </m:sSub>
+                        <m:sSup>
+                          <m:sSupPr>
+                            <m:ctrlPr>
+                              <a:rPr lang="en-US" sz="2400" i="1">
+                                <a:solidFill>
+                                  <a:schemeClr val="tx1"/>
+                                </a:solidFill>
+                                <a:latin typeface="Cambria Math" panose="02040503050406030204" pitchFamily="18" charset="0"/>
+                              </a:rPr>
+                            </m:ctrlPr>
+                          </m:sSupPr>
+                          <m:e>
+                            <m:r>
+                              <a:rPr lang="en-US" sz="2400" i="1">
+                                <a:solidFill>
+                                  <a:schemeClr val="tx1"/>
+                                </a:solidFill>
+                                <a:latin typeface="Cambria Math" panose="02040503050406030204" pitchFamily="18" charset="0"/>
+                              </a:rPr>
+                              <m:t>𝑀</m:t>
+                            </m:r>
+                          </m:e>
+                          <m:sup>
+                            <m:r>
+                              <a:rPr lang="en-US" sz="2400" i="1">
+                                <a:solidFill>
+                                  <a:schemeClr val="tx1"/>
+                                </a:solidFill>
+                                <a:latin typeface="Cambria Math" panose="02040503050406030204" pitchFamily="18" charset="0"/>
+                              </a:rPr>
+                              <m:t>∗</m:t>
+                            </m:r>
+                          </m:sup>
+                        </m:sSup>
+                      </m:e>
+                    </m:nary>
+                    <m:d>
+                      <m:dPr>
+                        <m:ctrlPr>
+                          <a:rPr lang="en-US" sz="2400" i="1">
+                            <a:solidFill>
+                              <a:schemeClr val="tx1"/>
+                            </a:solidFill>
+                            <a:latin typeface="Cambria Math" panose="02040503050406030204" pitchFamily="18" charset="0"/>
+                          </a:rPr>
+                        </m:ctrlPr>
+                      </m:dPr>
+                      <m:e>
+                        <m:sSup>
+                          <m:sSupPr>
+                            <m:ctrlPr>
+                              <a:rPr lang="en-US" sz="2400" i="1">
+                                <a:solidFill>
+                                  <a:schemeClr val="tx1"/>
+                                </a:solidFill>
+                                <a:latin typeface="Cambria Math" panose="02040503050406030204" pitchFamily="18" charset="0"/>
+                              </a:rPr>
+                            </m:ctrlPr>
+                          </m:sSupPr>
+                          <m:e>
+                            <m:r>
+                              <a:rPr lang="en-US" sz="2400" i="1">
+                                <a:solidFill>
+                                  <a:schemeClr val="tx1"/>
+                                </a:solidFill>
+                                <a:latin typeface="Cambria Math" panose="02040503050406030204" pitchFamily="18" charset="0"/>
+                              </a:rPr>
+                              <m:t>𝜌</m:t>
+                            </m:r>
+                          </m:e>
+                          <m:sup>
+                            <m:r>
+                              <a:rPr lang="en-US" sz="2400" i="1">
+                                <a:solidFill>
+                                  <a:schemeClr val="tx1"/>
+                                </a:solidFill>
+                                <a:latin typeface="Cambria Math" panose="02040503050406030204" pitchFamily="18" charset="0"/>
+                              </a:rPr>
+                              <m:t>𝑆</m:t>
+                            </m:r>
+                          </m:sup>
+                        </m:sSup>
+                        <m:sSubSup>
+                          <m:sSubSupPr>
+                            <m:ctrlPr>
+                              <a:rPr lang="en-US" sz="2400" i="1">
+                                <a:solidFill>
+                                  <a:schemeClr val="tx1"/>
+                                </a:solidFill>
+                                <a:latin typeface="Cambria Math" panose="02040503050406030204" pitchFamily="18" charset="0"/>
+                              </a:rPr>
+                            </m:ctrlPr>
+                          </m:sSubSupPr>
+                          <m:e>
+                            <m:r>
+                              <a:rPr lang="en-US" sz="2400" i="1">
+                                <a:solidFill>
+                                  <a:schemeClr val="tx1"/>
+                                </a:solidFill>
+                                <a:latin typeface="Cambria Math" panose="02040503050406030204" pitchFamily="18" charset="0"/>
+                              </a:rPr>
+                              <m:t>𝑆</m:t>
+                            </m:r>
+                          </m:e>
+                          <m:sub>
+                            <m:r>
+                              <a:rPr lang="en-US" sz="2400" i="1">
+                                <a:solidFill>
+                                  <a:schemeClr val="tx1"/>
+                                </a:solidFill>
+                                <a:latin typeface="Cambria Math" panose="02040503050406030204" pitchFamily="18" charset="0"/>
+                              </a:rPr>
+                              <m:t>𝑖</m:t>
+                            </m:r>
+                          </m:sub>
+                          <m:sup>
+                            <m:r>
+                              <a:rPr lang="en-US" sz="2400" i="1">
+                                <a:solidFill>
+                                  <a:schemeClr val="tx1"/>
+                                </a:solidFill>
+                                <a:latin typeface="Cambria Math" panose="02040503050406030204" pitchFamily="18" charset="0"/>
+                              </a:rPr>
+                              <m:t>−</m:t>
+                            </m:r>
+                          </m:sup>
+                        </m:sSubSup>
+                        <m:sSubSup>
+                          <m:sSubSupPr>
+                            <m:ctrlPr>
+                              <a:rPr lang="en-US" sz="2400" i="1">
+                                <a:solidFill>
+                                  <a:schemeClr val="tx1"/>
+                                </a:solidFill>
+                                <a:latin typeface="Cambria Math" panose="02040503050406030204" pitchFamily="18" charset="0"/>
+                              </a:rPr>
+                            </m:ctrlPr>
+                          </m:sSubSupPr>
+                          <m:e>
+                            <m:r>
+                              <a:rPr lang="en-US" sz="2400" i="1">
+                                <a:solidFill>
+                                  <a:schemeClr val="tx1"/>
+                                </a:solidFill>
+                                <a:latin typeface="Cambria Math" panose="02040503050406030204" pitchFamily="18" charset="0"/>
+                              </a:rPr>
+                              <m:t>𝑆</m:t>
+                            </m:r>
+                          </m:e>
+                          <m:sub>
+                            <m:r>
+                              <a:rPr lang="en-US" sz="2400" i="1">
+                                <a:solidFill>
+                                  <a:schemeClr val="tx1"/>
+                                </a:solidFill>
+                                <a:latin typeface="Cambria Math" panose="02040503050406030204" pitchFamily="18" charset="0"/>
+                              </a:rPr>
+                              <m:t>𝑗</m:t>
+                            </m:r>
+                          </m:sub>
+                          <m:sup>
+                            <m:r>
+                              <a:rPr lang="en-US" sz="2400" i="1">
+                                <a:solidFill>
+                                  <a:schemeClr val="tx1"/>
+                                </a:solidFill>
+                                <a:latin typeface="Cambria Math" panose="02040503050406030204" pitchFamily="18" charset="0"/>
+                              </a:rPr>
+                              <m:t>−</m:t>
+                            </m:r>
+                          </m:sup>
+                        </m:sSubSup>
+                        <m:r>
+                          <a:rPr lang="en-US" sz="2400" i="1">
+                            <a:solidFill>
+                              <a:schemeClr val="tx1"/>
+                            </a:solidFill>
+                            <a:latin typeface="Cambria Math" panose="02040503050406030204" pitchFamily="18" charset="0"/>
+                          </a:rPr>
+                          <m:t>+</m:t>
+                        </m:r>
+                        <m:sSubSup>
+                          <m:sSubSupPr>
+                            <m:ctrlPr>
+                              <a:rPr lang="en-US" sz="2400" i="1">
+                                <a:solidFill>
+                                  <a:schemeClr val="tx1"/>
+                                </a:solidFill>
+                                <a:latin typeface="Cambria Math" panose="02040503050406030204" pitchFamily="18" charset="0"/>
+                              </a:rPr>
+                            </m:ctrlPr>
+                          </m:sSubSupPr>
+                          <m:e>
+                            <m:r>
+                              <a:rPr lang="en-US" sz="2400" i="1">
+                                <a:solidFill>
+                                  <a:schemeClr val="tx1"/>
+                                </a:solidFill>
+                                <a:latin typeface="Cambria Math" panose="02040503050406030204" pitchFamily="18" charset="0"/>
+                              </a:rPr>
+                              <m:t>𝑆</m:t>
+                            </m:r>
+                          </m:e>
+                          <m:sub>
+                            <m:r>
+                              <a:rPr lang="en-US" sz="2400" i="1">
+                                <a:solidFill>
+                                  <a:schemeClr val="tx1"/>
+                                </a:solidFill>
+                                <a:latin typeface="Cambria Math" panose="02040503050406030204" pitchFamily="18" charset="0"/>
+                              </a:rPr>
+                              <m:t>𝑖</m:t>
+                            </m:r>
+                          </m:sub>
+                          <m:sup>
+                            <m:r>
+                              <a:rPr lang="en-US" sz="2400" i="1">
+                                <a:solidFill>
+                                  <a:schemeClr val="tx1"/>
+                                </a:solidFill>
+                                <a:latin typeface="Cambria Math" panose="02040503050406030204" pitchFamily="18" charset="0"/>
+                              </a:rPr>
+                              <m:t>−</m:t>
+                            </m:r>
+                          </m:sup>
+                        </m:sSubSup>
+                        <m:sSubSup>
+                          <m:sSubSupPr>
+                            <m:ctrlPr>
+                              <a:rPr lang="en-US" sz="2400" i="1">
+                                <a:solidFill>
+                                  <a:schemeClr val="tx1"/>
+                                </a:solidFill>
+                                <a:latin typeface="Cambria Math" panose="02040503050406030204" pitchFamily="18" charset="0"/>
+                              </a:rPr>
+                            </m:ctrlPr>
+                          </m:sSubSupPr>
+                          <m:e>
+                            <m:r>
+                              <a:rPr lang="en-US" sz="2400" i="1">
+                                <a:solidFill>
+                                  <a:schemeClr val="tx1"/>
+                                </a:solidFill>
+                                <a:latin typeface="Cambria Math" panose="02040503050406030204" pitchFamily="18" charset="0"/>
+                              </a:rPr>
+                              <m:t>𝑆</m:t>
+                            </m:r>
+                          </m:e>
+                          <m:sub>
+                            <m:r>
+                              <a:rPr lang="en-US" sz="2400" i="1">
+                                <a:solidFill>
+                                  <a:schemeClr val="tx1"/>
+                                </a:solidFill>
+                                <a:latin typeface="Cambria Math" panose="02040503050406030204" pitchFamily="18" charset="0"/>
+                              </a:rPr>
+                              <m:t>𝑗</m:t>
+                            </m:r>
+                          </m:sub>
+                          <m:sup>
+                            <m:r>
+                              <a:rPr lang="en-US" sz="2400" i="1">
+                                <a:solidFill>
+                                  <a:schemeClr val="tx1"/>
+                                </a:solidFill>
+                                <a:latin typeface="Cambria Math" panose="02040503050406030204" pitchFamily="18" charset="0"/>
+                              </a:rPr>
+                              <m:t>−</m:t>
+                            </m:r>
+                          </m:sup>
+                        </m:sSubSup>
+                        <m:sSup>
+                          <m:sSupPr>
+                            <m:ctrlPr>
+                              <a:rPr lang="en-US" sz="2400" i="1">
+                                <a:solidFill>
+                                  <a:schemeClr val="tx1"/>
+                                </a:solidFill>
+                                <a:latin typeface="Cambria Math" panose="02040503050406030204" pitchFamily="18" charset="0"/>
+                              </a:rPr>
+                            </m:ctrlPr>
+                          </m:sSupPr>
+                          <m:e>
+                            <m:r>
+                              <a:rPr lang="en-US" sz="2400" i="1">
+                                <a:solidFill>
+                                  <a:schemeClr val="tx1"/>
+                                </a:solidFill>
+                                <a:latin typeface="Cambria Math" panose="02040503050406030204" pitchFamily="18" charset="0"/>
+                              </a:rPr>
+                              <m:t>𝜌</m:t>
+                            </m:r>
+                          </m:e>
+                          <m:sup>
+                            <m:r>
+                              <a:rPr lang="en-US" sz="2400" i="1">
+                                <a:solidFill>
+                                  <a:schemeClr val="tx1"/>
+                                </a:solidFill>
+                                <a:latin typeface="Cambria Math" panose="02040503050406030204" pitchFamily="18" charset="0"/>
+                              </a:rPr>
+                              <m:t>𝑆</m:t>
+                            </m:r>
+                          </m:sup>
+                        </m:sSup>
+                        <m:r>
+                          <a:rPr lang="en-US" sz="2400" i="1">
+                            <a:solidFill>
+                              <a:schemeClr val="tx1"/>
+                            </a:solidFill>
+                            <a:latin typeface="Cambria Math" panose="02040503050406030204" pitchFamily="18" charset="0"/>
+                          </a:rPr>
+                          <m:t>−2</m:t>
+                        </m:r>
+                        <m:sSubSup>
+                          <m:sSubSupPr>
+                            <m:ctrlPr>
+                              <a:rPr lang="en-US" sz="2400" i="1">
+                                <a:solidFill>
+                                  <a:schemeClr val="tx1"/>
+                                </a:solidFill>
+                                <a:latin typeface="Cambria Math" panose="02040503050406030204" pitchFamily="18" charset="0"/>
+                              </a:rPr>
+                            </m:ctrlPr>
+                          </m:sSubSupPr>
+                          <m:e>
+                            <m:r>
+                              <a:rPr lang="en-US" sz="2400" i="1">
+                                <a:solidFill>
+                                  <a:schemeClr val="tx1"/>
+                                </a:solidFill>
+                                <a:latin typeface="Cambria Math" panose="02040503050406030204" pitchFamily="18" charset="0"/>
+                              </a:rPr>
+                              <m:t>𝑆</m:t>
+                            </m:r>
+                          </m:e>
+                          <m:sub>
+                            <m:r>
+                              <a:rPr lang="en-US" sz="2400" i="1">
+                                <a:solidFill>
+                                  <a:schemeClr val="tx1"/>
+                                </a:solidFill>
+                                <a:latin typeface="Cambria Math" panose="02040503050406030204" pitchFamily="18" charset="0"/>
+                              </a:rPr>
+                              <m:t>𝑗</m:t>
+                            </m:r>
+                          </m:sub>
+                          <m:sup>
+                            <m:r>
+                              <a:rPr lang="en-US" sz="2400" i="1">
+                                <a:solidFill>
+                                  <a:schemeClr val="tx1"/>
+                                </a:solidFill>
+                                <a:latin typeface="Cambria Math" panose="02040503050406030204" pitchFamily="18" charset="0"/>
+                              </a:rPr>
+                              <m:t>−</m:t>
+                            </m:r>
+                          </m:sup>
+                        </m:sSubSup>
+                        <m:sSup>
+                          <m:sSupPr>
+                            <m:ctrlPr>
+                              <a:rPr lang="en-US" sz="2400" i="1">
+                                <a:solidFill>
+                                  <a:schemeClr val="tx1"/>
+                                </a:solidFill>
+                                <a:latin typeface="Cambria Math" panose="02040503050406030204" pitchFamily="18" charset="0"/>
+                              </a:rPr>
+                            </m:ctrlPr>
+                          </m:sSupPr>
+                          <m:e>
+                            <m:r>
+                              <a:rPr lang="en-US" sz="2400" i="1">
+                                <a:solidFill>
+                                  <a:schemeClr val="tx1"/>
+                                </a:solidFill>
+                                <a:latin typeface="Cambria Math" panose="02040503050406030204" pitchFamily="18" charset="0"/>
+                              </a:rPr>
+                              <m:t>𝜌</m:t>
+                            </m:r>
+                          </m:e>
+                          <m:sup>
+                            <m:r>
+                              <a:rPr lang="en-US" sz="2400" i="1">
+                                <a:solidFill>
+                                  <a:schemeClr val="tx1"/>
+                                </a:solidFill>
+                                <a:latin typeface="Cambria Math" panose="02040503050406030204" pitchFamily="18" charset="0"/>
+                              </a:rPr>
+                              <m:t>𝑆</m:t>
+                            </m:r>
+                          </m:sup>
+                        </m:sSup>
+                        <m:sSubSup>
+                          <m:sSubSupPr>
+                            <m:ctrlPr>
+                              <a:rPr lang="en-US" sz="2400" i="1">
+                                <a:solidFill>
+                                  <a:schemeClr val="tx1"/>
+                                </a:solidFill>
+                                <a:latin typeface="Cambria Math" panose="02040503050406030204" pitchFamily="18" charset="0"/>
+                              </a:rPr>
+                            </m:ctrlPr>
+                          </m:sSubSupPr>
+                          <m:e>
+                            <m:r>
+                              <a:rPr lang="en-US" sz="2400" i="1">
+                                <a:solidFill>
+                                  <a:schemeClr val="tx1"/>
+                                </a:solidFill>
+                                <a:latin typeface="Cambria Math" panose="02040503050406030204" pitchFamily="18" charset="0"/>
+                              </a:rPr>
+                              <m:t>𝑆</m:t>
+                            </m:r>
+                          </m:e>
+                          <m:sub>
+                            <m:r>
+                              <a:rPr lang="en-US" sz="2400" i="1">
+                                <a:solidFill>
+                                  <a:schemeClr val="tx1"/>
+                                </a:solidFill>
+                                <a:latin typeface="Cambria Math" panose="02040503050406030204" pitchFamily="18" charset="0"/>
+                              </a:rPr>
+                              <m:t>𝑖</m:t>
+                            </m:r>
+                          </m:sub>
+                          <m:sup>
+                            <m:r>
+                              <a:rPr lang="en-US" sz="2400" i="1">
+                                <a:solidFill>
+                                  <a:schemeClr val="tx1"/>
+                                </a:solidFill>
+                                <a:latin typeface="Cambria Math" panose="02040503050406030204" pitchFamily="18" charset="0"/>
+                              </a:rPr>
+                              <m:t>−</m:t>
+                            </m:r>
+                          </m:sup>
+                        </m:sSubSup>
+                      </m:e>
+                    </m:d>
+                  </m:oMath>
+                </a14:m>
+                <a:endParaRPr lang="en-US" sz="2400" dirty="0"/>
+              </a:p>
+              <a:p>
+                <a:r>
+                  <a:rPr lang="en-US" sz="2400" dirty="0"/>
+                  <a:t>           </a:t>
+                </a:r>
+                <a14:m>
+                  <m:oMath xmlns:m="http://schemas.openxmlformats.org/officeDocument/2006/math">
+                    <m:r>
+                      <a:rPr lang="en-US" sz="2400" i="1">
+                        <a:latin typeface="Cambria Math" panose="02040503050406030204" pitchFamily="18" charset="0"/>
+                      </a:rPr>
+                      <m:t>−</m:t>
+                    </m:r>
+                    <m:f>
+                      <m:fPr>
+                        <m:ctrlPr>
+                          <a:rPr lang="en-US" sz="2400" i="1">
+                            <a:latin typeface="Cambria Math" panose="02040503050406030204" pitchFamily="18" charset="0"/>
+                          </a:rPr>
+                        </m:ctrlPr>
+                      </m:fPr>
+                      <m:num>
+                        <m:r>
+                          <a:rPr lang="en-US" sz="2400" i="1">
+                            <a:latin typeface="Cambria Math" panose="02040503050406030204" pitchFamily="18" charset="0"/>
+                          </a:rPr>
+                          <m:t>1</m:t>
+                        </m:r>
+                      </m:num>
+                      <m:den>
+                        <m:r>
+                          <a:rPr lang="en-US" sz="2400" i="1">
+                            <a:latin typeface="Cambria Math" panose="02040503050406030204" pitchFamily="18" charset="0"/>
+                          </a:rPr>
+                          <m:t>2</m:t>
+                        </m:r>
+                      </m:den>
+                    </m:f>
+                    <m:nary>
+                      <m:naryPr>
+                        <m:chr m:val="∑"/>
+                        <m:subHide m:val="on"/>
+                        <m:supHide m:val="on"/>
+                        <m:ctrlPr>
+                          <a:rPr lang="en-US" sz="2400" i="1">
+                            <a:latin typeface="Cambria Math" panose="02040503050406030204" pitchFamily="18" charset="0"/>
+                          </a:rPr>
+                        </m:ctrlPr>
+                      </m:naryPr>
+                      <m:sub/>
+                      <m:sup/>
+                      <m:e>
+                        <m:sSub>
+                          <m:sSubPr>
+                            <m:ctrlPr>
+                              <a:rPr lang="en-US" sz="2400" i="1">
+                                <a:latin typeface="Cambria Math" panose="02040503050406030204" pitchFamily="18" charset="0"/>
+                              </a:rPr>
+                            </m:ctrlPr>
+                          </m:sSubPr>
+                          <m:e>
+                            <m:r>
+                              <a:rPr lang="en-US" sz="2400" i="1">
+                                <a:latin typeface="Cambria Math" panose="02040503050406030204" pitchFamily="18" charset="0"/>
+                              </a:rPr>
+                              <m:t>𝛾</m:t>
+                            </m:r>
+                          </m:e>
+                          <m:sub>
+                            <m:r>
+                              <a:rPr lang="en-US" sz="2400" i="1">
+                                <a:latin typeface="Cambria Math" panose="02040503050406030204" pitchFamily="18" charset="0"/>
+                              </a:rPr>
+                              <m:t>𝑖𝑗</m:t>
+                            </m:r>
+                          </m:sub>
+                        </m:sSub>
+                        <m:r>
+                          <a:rPr lang="en-US" sz="2400" i="1">
+                            <a:latin typeface="Cambria Math" panose="02040503050406030204" pitchFamily="18" charset="0"/>
+                          </a:rPr>
+                          <m:t>(1+</m:t>
+                        </m:r>
+                        <m:r>
+                          <a:rPr lang="en-US" sz="2400" i="1">
+                            <a:latin typeface="Cambria Math" panose="02040503050406030204" pitchFamily="18" charset="0"/>
+                          </a:rPr>
+                          <m:t>𝑁</m:t>
+                        </m:r>
+                        <m:r>
+                          <a:rPr lang="en-US" sz="2400" i="1">
+                            <a:latin typeface="Cambria Math" panose="02040503050406030204" pitchFamily="18" charset="0"/>
+                          </a:rPr>
+                          <m:t>)</m:t>
+                        </m:r>
+                      </m:e>
+                    </m:nary>
+                    <m:d>
+                      <m:dPr>
+                        <m:ctrlPr>
+                          <a:rPr lang="en-US" sz="2400" i="1">
+                            <a:latin typeface="Cambria Math" panose="02040503050406030204" pitchFamily="18" charset="0"/>
+                          </a:rPr>
+                        </m:ctrlPr>
+                      </m:dPr>
+                      <m:e>
+                        <m:sSup>
+                          <m:sSupPr>
+                            <m:ctrlPr>
+                              <a:rPr lang="en-US" sz="2400" i="1">
+                                <a:latin typeface="Cambria Math" panose="02040503050406030204" pitchFamily="18" charset="0"/>
+                              </a:rPr>
+                            </m:ctrlPr>
+                          </m:sSupPr>
+                          <m:e>
+                            <m:r>
+                              <a:rPr lang="en-US" sz="2400" i="1">
+                                <a:latin typeface="Cambria Math" panose="02040503050406030204" pitchFamily="18" charset="0"/>
+                              </a:rPr>
+                              <m:t>𝜌</m:t>
+                            </m:r>
+                          </m:e>
+                          <m:sup>
+                            <m:r>
+                              <a:rPr lang="en-US" sz="2400" i="1">
+                                <a:latin typeface="Cambria Math" panose="02040503050406030204" pitchFamily="18" charset="0"/>
+                              </a:rPr>
+                              <m:t>𝑆</m:t>
+                            </m:r>
+                          </m:sup>
+                        </m:sSup>
+                        <m:sSubSup>
+                          <m:sSubSupPr>
+                            <m:ctrlPr>
+                              <a:rPr lang="en-US" sz="2400" i="1">
+                                <a:latin typeface="Cambria Math" panose="02040503050406030204" pitchFamily="18" charset="0"/>
+                              </a:rPr>
+                            </m:ctrlPr>
+                          </m:sSubSupPr>
+                          <m:e>
+                            <m:r>
+                              <a:rPr lang="en-US" sz="2400" i="1">
+                                <a:latin typeface="Cambria Math" panose="02040503050406030204" pitchFamily="18" charset="0"/>
+                              </a:rPr>
+                              <m:t>𝑆</m:t>
+                            </m:r>
+                          </m:e>
+                          <m:sub>
+                            <m:r>
+                              <a:rPr lang="en-US" sz="2400" i="1">
+                                <a:latin typeface="Cambria Math" panose="02040503050406030204" pitchFamily="18" charset="0"/>
+                              </a:rPr>
+                              <m:t>𝑖</m:t>
+                            </m:r>
+                          </m:sub>
+                          <m:sup>
+                            <m:r>
+                              <a:rPr lang="en-US" sz="2400" i="1">
+                                <a:latin typeface="Cambria Math" panose="02040503050406030204" pitchFamily="18" charset="0"/>
+                              </a:rPr>
+                              <m:t>+</m:t>
+                            </m:r>
+                          </m:sup>
+                        </m:sSubSup>
+                        <m:sSubSup>
+                          <m:sSubSupPr>
+                            <m:ctrlPr>
+                              <a:rPr lang="en-US" sz="2400" i="1">
+                                <a:latin typeface="Cambria Math" panose="02040503050406030204" pitchFamily="18" charset="0"/>
+                              </a:rPr>
+                            </m:ctrlPr>
+                          </m:sSubSupPr>
+                          <m:e>
+                            <m:r>
+                              <a:rPr lang="en-US" sz="2400" i="1">
+                                <a:latin typeface="Cambria Math" panose="02040503050406030204" pitchFamily="18" charset="0"/>
+                              </a:rPr>
+                              <m:t>𝑆</m:t>
+                            </m:r>
+                          </m:e>
+                          <m:sub>
+                            <m:r>
+                              <a:rPr lang="en-US" sz="2400" i="1">
+                                <a:latin typeface="Cambria Math" panose="02040503050406030204" pitchFamily="18" charset="0"/>
+                              </a:rPr>
+                              <m:t>𝑗</m:t>
+                            </m:r>
+                          </m:sub>
+                          <m:sup>
+                            <m:r>
+                              <a:rPr lang="en-US" sz="2400" i="1">
+                                <a:latin typeface="Cambria Math" panose="02040503050406030204" pitchFamily="18" charset="0"/>
+                              </a:rPr>
+                              <m:t>−</m:t>
+                            </m:r>
+                          </m:sup>
+                        </m:sSubSup>
+                        <m:r>
+                          <a:rPr lang="en-US" sz="2400" i="1">
+                            <a:latin typeface="Cambria Math" panose="02040503050406030204" pitchFamily="18" charset="0"/>
+                          </a:rPr>
+                          <m:t>+</m:t>
+                        </m:r>
+                        <m:sSubSup>
+                          <m:sSubSupPr>
+                            <m:ctrlPr>
+                              <a:rPr lang="en-US" sz="2400" i="1">
+                                <a:latin typeface="Cambria Math" panose="02040503050406030204" pitchFamily="18" charset="0"/>
+                              </a:rPr>
+                            </m:ctrlPr>
+                          </m:sSubSupPr>
+                          <m:e>
+                            <m:r>
+                              <a:rPr lang="en-US" sz="2400" i="1">
+                                <a:latin typeface="Cambria Math" panose="02040503050406030204" pitchFamily="18" charset="0"/>
+                              </a:rPr>
+                              <m:t>𝑆</m:t>
+                            </m:r>
+                          </m:e>
+                          <m:sub>
+                            <m:r>
+                              <a:rPr lang="en-US" sz="2400" i="1">
+                                <a:latin typeface="Cambria Math" panose="02040503050406030204" pitchFamily="18" charset="0"/>
+                              </a:rPr>
+                              <m:t>𝑖</m:t>
+                            </m:r>
+                          </m:sub>
+                          <m:sup>
+                            <m:r>
+                              <a:rPr lang="en-US" sz="2400" i="1">
+                                <a:latin typeface="Cambria Math" panose="02040503050406030204" pitchFamily="18" charset="0"/>
+                              </a:rPr>
+                              <m:t>+</m:t>
+                            </m:r>
+                          </m:sup>
+                        </m:sSubSup>
+                        <m:sSubSup>
+                          <m:sSubSupPr>
+                            <m:ctrlPr>
+                              <a:rPr lang="en-US" sz="2400" i="1">
+                                <a:latin typeface="Cambria Math" panose="02040503050406030204" pitchFamily="18" charset="0"/>
+                              </a:rPr>
+                            </m:ctrlPr>
+                          </m:sSubSupPr>
+                          <m:e>
+                            <m:r>
+                              <a:rPr lang="en-US" sz="2400" i="1">
+                                <a:latin typeface="Cambria Math" panose="02040503050406030204" pitchFamily="18" charset="0"/>
+                              </a:rPr>
+                              <m:t>𝑆</m:t>
+                            </m:r>
+                          </m:e>
+                          <m:sub>
+                            <m:r>
+                              <a:rPr lang="en-US" sz="2400" i="1">
+                                <a:latin typeface="Cambria Math" panose="02040503050406030204" pitchFamily="18" charset="0"/>
+                              </a:rPr>
+                              <m:t>𝑗</m:t>
+                            </m:r>
+                          </m:sub>
+                          <m:sup>
+                            <m:r>
+                              <a:rPr lang="en-US" sz="2400" i="1">
+                                <a:latin typeface="Cambria Math" panose="02040503050406030204" pitchFamily="18" charset="0"/>
+                              </a:rPr>
+                              <m:t>−</m:t>
+                            </m:r>
+                          </m:sup>
+                        </m:sSubSup>
+                        <m:sSup>
+                          <m:sSupPr>
+                            <m:ctrlPr>
+                              <a:rPr lang="en-US" sz="2400" i="1">
+                                <a:latin typeface="Cambria Math" panose="02040503050406030204" pitchFamily="18" charset="0"/>
+                              </a:rPr>
+                            </m:ctrlPr>
+                          </m:sSupPr>
+                          <m:e>
+                            <m:r>
+                              <a:rPr lang="en-US" sz="2400" i="1">
+                                <a:latin typeface="Cambria Math" panose="02040503050406030204" pitchFamily="18" charset="0"/>
+                              </a:rPr>
+                              <m:t>𝜌</m:t>
+                            </m:r>
+                          </m:e>
+                          <m:sup>
+                            <m:r>
+                              <a:rPr lang="en-US" sz="2400" i="1">
+                                <a:latin typeface="Cambria Math" panose="02040503050406030204" pitchFamily="18" charset="0"/>
+                              </a:rPr>
+                              <m:t>𝑆</m:t>
+                            </m:r>
+                          </m:sup>
+                        </m:sSup>
+                        <m:r>
+                          <a:rPr lang="en-US" sz="2400" i="1">
+                            <a:latin typeface="Cambria Math" panose="02040503050406030204" pitchFamily="18" charset="0"/>
+                          </a:rPr>
+                          <m:t>−2</m:t>
+                        </m:r>
+                        <m:sSubSup>
+                          <m:sSubSupPr>
+                            <m:ctrlPr>
+                              <a:rPr lang="en-US" sz="2400" i="1">
+                                <a:latin typeface="Cambria Math" panose="02040503050406030204" pitchFamily="18" charset="0"/>
+                              </a:rPr>
+                            </m:ctrlPr>
+                          </m:sSubSupPr>
+                          <m:e>
+                            <m:r>
+                              <a:rPr lang="en-US" sz="2400" i="1">
+                                <a:latin typeface="Cambria Math" panose="02040503050406030204" pitchFamily="18" charset="0"/>
+                              </a:rPr>
+                              <m:t>𝑆</m:t>
+                            </m:r>
+                          </m:e>
+                          <m:sub>
+                            <m:r>
+                              <a:rPr lang="en-US" sz="2400" i="1">
+                                <a:latin typeface="Cambria Math" panose="02040503050406030204" pitchFamily="18" charset="0"/>
+                              </a:rPr>
+                              <m:t>𝑗</m:t>
+                            </m:r>
+                          </m:sub>
+                          <m:sup>
+                            <m:r>
+                              <a:rPr lang="en-US" sz="2400" i="1">
+                                <a:latin typeface="Cambria Math" panose="02040503050406030204" pitchFamily="18" charset="0"/>
+                              </a:rPr>
+                              <m:t>−</m:t>
+                            </m:r>
+                          </m:sup>
+                        </m:sSubSup>
+                        <m:sSup>
+                          <m:sSupPr>
+                            <m:ctrlPr>
+                              <a:rPr lang="en-US" sz="2400" i="1">
+                                <a:latin typeface="Cambria Math" panose="02040503050406030204" pitchFamily="18" charset="0"/>
+                              </a:rPr>
+                            </m:ctrlPr>
+                          </m:sSupPr>
+                          <m:e>
+                            <m:r>
+                              <a:rPr lang="en-US" sz="2400" i="1">
+                                <a:latin typeface="Cambria Math" panose="02040503050406030204" pitchFamily="18" charset="0"/>
+                              </a:rPr>
+                              <m:t>𝜌</m:t>
+                            </m:r>
+                          </m:e>
+                          <m:sup>
+                            <m:r>
+                              <a:rPr lang="en-US" sz="2400" i="1">
+                                <a:latin typeface="Cambria Math" panose="02040503050406030204" pitchFamily="18" charset="0"/>
+                              </a:rPr>
+                              <m:t>𝑆</m:t>
+                            </m:r>
+                          </m:sup>
+                        </m:sSup>
+                        <m:sSubSup>
+                          <m:sSubSupPr>
+                            <m:ctrlPr>
+                              <a:rPr lang="en-US" sz="2400" i="1">
+                                <a:latin typeface="Cambria Math" panose="02040503050406030204" pitchFamily="18" charset="0"/>
+                              </a:rPr>
+                            </m:ctrlPr>
+                          </m:sSubSupPr>
+                          <m:e>
+                            <m:r>
+                              <a:rPr lang="en-US" sz="2400" i="1">
+                                <a:latin typeface="Cambria Math" panose="02040503050406030204" pitchFamily="18" charset="0"/>
+                              </a:rPr>
+                              <m:t>𝑆</m:t>
+                            </m:r>
+                          </m:e>
+                          <m:sub>
+                            <m:r>
+                              <a:rPr lang="en-US" sz="2400" i="1">
+                                <a:latin typeface="Cambria Math" panose="02040503050406030204" pitchFamily="18" charset="0"/>
+                              </a:rPr>
+                              <m:t>𝑖</m:t>
+                            </m:r>
+                          </m:sub>
+                          <m:sup>
+                            <m:r>
+                              <a:rPr lang="en-US" sz="2400" i="1">
+                                <a:latin typeface="Cambria Math" panose="02040503050406030204" pitchFamily="18" charset="0"/>
+                              </a:rPr>
+                              <m:t>+</m:t>
+                            </m:r>
+                          </m:sup>
+                        </m:sSubSup>
+                      </m:e>
+                    </m:d>
+                  </m:oMath>
+                </a14:m>
+                <a:endParaRPr lang="en-US" sz="2400" dirty="0"/>
+              </a:p>
+              <a:p>
+                <a:r>
+                  <a:rPr lang="en-US" sz="2400" dirty="0"/>
+                  <a:t>           </a:t>
+                </a:r>
+                <a14:m>
+                  <m:oMath xmlns:m="http://schemas.openxmlformats.org/officeDocument/2006/math">
+                    <m:r>
+                      <a:rPr lang="en-US" sz="2400" i="1">
+                        <a:latin typeface="Cambria Math" panose="02040503050406030204" pitchFamily="18" charset="0"/>
+                      </a:rPr>
+                      <m:t>−</m:t>
+                    </m:r>
+                    <m:f>
+                      <m:fPr>
+                        <m:ctrlPr>
+                          <a:rPr lang="en-US" sz="2400" i="1">
+                            <a:latin typeface="Cambria Math" panose="02040503050406030204" pitchFamily="18" charset="0"/>
+                          </a:rPr>
+                        </m:ctrlPr>
+                      </m:fPr>
+                      <m:num>
+                        <m:r>
+                          <a:rPr lang="en-US" sz="2400" i="1">
+                            <a:latin typeface="Cambria Math" panose="02040503050406030204" pitchFamily="18" charset="0"/>
+                          </a:rPr>
+                          <m:t>1</m:t>
+                        </m:r>
+                      </m:num>
+                      <m:den>
+                        <m:r>
+                          <a:rPr lang="en-US" sz="2400" i="1">
+                            <a:latin typeface="Cambria Math" panose="02040503050406030204" pitchFamily="18" charset="0"/>
+                          </a:rPr>
+                          <m:t>2</m:t>
+                        </m:r>
+                      </m:den>
+                    </m:f>
+                    <m:nary>
+                      <m:naryPr>
+                        <m:chr m:val="∑"/>
+                        <m:subHide m:val="on"/>
+                        <m:supHide m:val="on"/>
+                        <m:ctrlPr>
+                          <a:rPr lang="en-US" sz="2400" i="1">
+                            <a:latin typeface="Cambria Math" panose="02040503050406030204" pitchFamily="18" charset="0"/>
+                          </a:rPr>
+                        </m:ctrlPr>
+                      </m:naryPr>
+                      <m:sub/>
+                      <m:sup/>
+                      <m:e>
+                        <m:sSub>
+                          <m:sSubPr>
+                            <m:ctrlPr>
+                              <a:rPr lang="en-US" sz="2400" i="1">
+                                <a:latin typeface="Cambria Math" panose="02040503050406030204" pitchFamily="18" charset="0"/>
+                              </a:rPr>
+                            </m:ctrlPr>
+                          </m:sSubPr>
+                          <m:e>
+                            <m:r>
+                              <a:rPr lang="en-US" sz="2400" i="1">
+                                <a:latin typeface="Cambria Math" panose="02040503050406030204" pitchFamily="18" charset="0"/>
+                              </a:rPr>
+                              <m:t>𝛾</m:t>
+                            </m:r>
+                          </m:e>
+                          <m:sub>
+                            <m:r>
+                              <a:rPr lang="en-US" sz="2400" i="1">
+                                <a:latin typeface="Cambria Math" panose="02040503050406030204" pitchFamily="18" charset="0"/>
+                              </a:rPr>
+                              <m:t>𝑖𝑗</m:t>
+                            </m:r>
+                          </m:sub>
+                        </m:sSub>
+                        <m:r>
+                          <a:rPr lang="en-US" sz="2400" i="1">
+                            <a:latin typeface="Cambria Math" panose="02040503050406030204" pitchFamily="18" charset="0"/>
+                          </a:rPr>
+                          <m:t>𝑁</m:t>
+                        </m:r>
+                      </m:e>
+                    </m:nary>
+                    <m:d>
+                      <m:dPr>
+                        <m:ctrlPr>
+                          <a:rPr lang="en-US" sz="2400" i="1">
+                            <a:latin typeface="Cambria Math" panose="02040503050406030204" pitchFamily="18" charset="0"/>
+                          </a:rPr>
+                        </m:ctrlPr>
+                      </m:dPr>
+                      <m:e>
+                        <m:sSup>
+                          <m:sSupPr>
+                            <m:ctrlPr>
+                              <a:rPr lang="en-US" sz="2400" i="1">
+                                <a:latin typeface="Cambria Math" panose="02040503050406030204" pitchFamily="18" charset="0"/>
+                              </a:rPr>
+                            </m:ctrlPr>
+                          </m:sSupPr>
+                          <m:e>
+                            <m:r>
+                              <a:rPr lang="en-US" sz="2400" i="1">
+                                <a:latin typeface="Cambria Math" panose="02040503050406030204" pitchFamily="18" charset="0"/>
+                              </a:rPr>
+                              <m:t>𝜌</m:t>
+                            </m:r>
+                          </m:e>
+                          <m:sup>
+                            <m:r>
+                              <a:rPr lang="en-US" sz="2400" i="1">
+                                <a:latin typeface="Cambria Math" panose="02040503050406030204" pitchFamily="18" charset="0"/>
+                              </a:rPr>
+                              <m:t>𝑆</m:t>
+                            </m:r>
+                          </m:sup>
+                        </m:sSup>
+                        <m:sSubSup>
+                          <m:sSubSupPr>
+                            <m:ctrlPr>
+                              <a:rPr lang="en-US" sz="2400" i="1">
+                                <a:latin typeface="Cambria Math" panose="02040503050406030204" pitchFamily="18" charset="0"/>
+                              </a:rPr>
+                            </m:ctrlPr>
+                          </m:sSubSupPr>
+                          <m:e>
+                            <m:r>
+                              <a:rPr lang="en-US" sz="2400" i="1">
+                                <a:latin typeface="Cambria Math" panose="02040503050406030204" pitchFamily="18" charset="0"/>
+                              </a:rPr>
+                              <m:t>𝑆</m:t>
+                            </m:r>
+                          </m:e>
+                          <m:sub>
+                            <m:r>
+                              <a:rPr lang="en-US" sz="2400" i="1">
+                                <a:latin typeface="Cambria Math" panose="02040503050406030204" pitchFamily="18" charset="0"/>
+                              </a:rPr>
+                              <m:t>𝑖</m:t>
+                            </m:r>
+                          </m:sub>
+                          <m:sup>
+                            <m:r>
+                              <a:rPr lang="en-US" sz="2400" i="1">
+                                <a:latin typeface="Cambria Math" panose="02040503050406030204" pitchFamily="18" charset="0"/>
+                              </a:rPr>
+                              <m:t>−</m:t>
+                            </m:r>
+                          </m:sup>
+                        </m:sSubSup>
+                        <m:sSubSup>
+                          <m:sSubSupPr>
+                            <m:ctrlPr>
+                              <a:rPr lang="en-US" sz="2400" i="1">
+                                <a:latin typeface="Cambria Math" panose="02040503050406030204" pitchFamily="18" charset="0"/>
+                              </a:rPr>
+                            </m:ctrlPr>
+                          </m:sSubSupPr>
+                          <m:e>
+                            <m:r>
+                              <a:rPr lang="en-US" sz="2400" i="1">
+                                <a:latin typeface="Cambria Math" panose="02040503050406030204" pitchFamily="18" charset="0"/>
+                              </a:rPr>
+                              <m:t>𝑆</m:t>
+                            </m:r>
+                          </m:e>
+                          <m:sub>
+                            <m:r>
+                              <a:rPr lang="en-US" sz="2400" i="1">
+                                <a:latin typeface="Cambria Math" panose="02040503050406030204" pitchFamily="18" charset="0"/>
+                              </a:rPr>
+                              <m:t>𝑗</m:t>
+                            </m:r>
+                          </m:sub>
+                          <m:sup>
+                            <m:r>
+                              <a:rPr lang="en-US" sz="2400" i="1">
+                                <a:latin typeface="Cambria Math" panose="02040503050406030204" pitchFamily="18" charset="0"/>
+                              </a:rPr>
+                              <m:t>+</m:t>
+                            </m:r>
+                          </m:sup>
+                        </m:sSubSup>
+                        <m:r>
+                          <a:rPr lang="en-US" sz="2400" i="1">
+                            <a:latin typeface="Cambria Math" panose="02040503050406030204" pitchFamily="18" charset="0"/>
+                          </a:rPr>
+                          <m:t>+</m:t>
+                        </m:r>
+                        <m:sSubSup>
+                          <m:sSubSupPr>
+                            <m:ctrlPr>
+                              <a:rPr lang="en-US" sz="2400" i="1">
+                                <a:latin typeface="Cambria Math" panose="02040503050406030204" pitchFamily="18" charset="0"/>
+                              </a:rPr>
+                            </m:ctrlPr>
+                          </m:sSubSupPr>
+                          <m:e>
+                            <m:r>
+                              <a:rPr lang="en-US" sz="2400" i="1">
+                                <a:latin typeface="Cambria Math" panose="02040503050406030204" pitchFamily="18" charset="0"/>
+                              </a:rPr>
+                              <m:t>𝑆</m:t>
+                            </m:r>
+                          </m:e>
+                          <m:sub>
+                            <m:r>
+                              <a:rPr lang="en-US" sz="2400" i="1">
+                                <a:latin typeface="Cambria Math" panose="02040503050406030204" pitchFamily="18" charset="0"/>
+                              </a:rPr>
+                              <m:t>𝑖</m:t>
+                            </m:r>
+                          </m:sub>
+                          <m:sup>
+                            <m:r>
+                              <a:rPr lang="en-US" sz="2400" i="1">
+                                <a:latin typeface="Cambria Math" panose="02040503050406030204" pitchFamily="18" charset="0"/>
+                              </a:rPr>
+                              <m:t>−</m:t>
+                            </m:r>
+                          </m:sup>
+                        </m:sSubSup>
+                        <m:sSubSup>
+                          <m:sSubSupPr>
+                            <m:ctrlPr>
+                              <a:rPr lang="en-US" sz="2400" i="1">
+                                <a:latin typeface="Cambria Math" panose="02040503050406030204" pitchFamily="18" charset="0"/>
+                              </a:rPr>
+                            </m:ctrlPr>
+                          </m:sSubSupPr>
+                          <m:e>
+                            <m:r>
+                              <a:rPr lang="en-US" sz="2400" i="1">
+                                <a:latin typeface="Cambria Math" panose="02040503050406030204" pitchFamily="18" charset="0"/>
+                              </a:rPr>
+                              <m:t>𝑆</m:t>
+                            </m:r>
+                          </m:e>
+                          <m:sub>
+                            <m:r>
+                              <a:rPr lang="en-US" sz="2400" i="1">
+                                <a:latin typeface="Cambria Math" panose="02040503050406030204" pitchFamily="18" charset="0"/>
+                              </a:rPr>
+                              <m:t>𝑗</m:t>
+                            </m:r>
+                          </m:sub>
+                          <m:sup>
+                            <m:r>
+                              <a:rPr lang="en-US" sz="2400" i="1">
+                                <a:latin typeface="Cambria Math" panose="02040503050406030204" pitchFamily="18" charset="0"/>
+                              </a:rPr>
+                              <m:t>+</m:t>
+                            </m:r>
+                          </m:sup>
+                        </m:sSubSup>
+                        <m:sSup>
+                          <m:sSupPr>
+                            <m:ctrlPr>
+                              <a:rPr lang="en-US" sz="2400" i="1">
+                                <a:latin typeface="Cambria Math" panose="02040503050406030204" pitchFamily="18" charset="0"/>
+                              </a:rPr>
+                            </m:ctrlPr>
+                          </m:sSupPr>
+                          <m:e>
+                            <m:r>
+                              <a:rPr lang="en-US" sz="2400" i="1">
+                                <a:latin typeface="Cambria Math" panose="02040503050406030204" pitchFamily="18" charset="0"/>
+                              </a:rPr>
+                              <m:t>𝜌</m:t>
+                            </m:r>
+                          </m:e>
+                          <m:sup>
+                            <m:r>
+                              <a:rPr lang="en-US" sz="2400" i="1">
+                                <a:latin typeface="Cambria Math" panose="02040503050406030204" pitchFamily="18" charset="0"/>
+                              </a:rPr>
+                              <m:t>𝑆</m:t>
+                            </m:r>
+                          </m:sup>
+                        </m:sSup>
+                        <m:r>
+                          <a:rPr lang="en-US" sz="2400" i="1">
+                            <a:latin typeface="Cambria Math" panose="02040503050406030204" pitchFamily="18" charset="0"/>
+                          </a:rPr>
+                          <m:t>−2</m:t>
+                        </m:r>
+                        <m:sSubSup>
+                          <m:sSubSupPr>
+                            <m:ctrlPr>
+                              <a:rPr lang="en-US" sz="2400" i="1">
+                                <a:latin typeface="Cambria Math" panose="02040503050406030204" pitchFamily="18" charset="0"/>
+                              </a:rPr>
+                            </m:ctrlPr>
+                          </m:sSubSupPr>
+                          <m:e>
+                            <m:r>
+                              <a:rPr lang="en-US" sz="2400" i="1">
+                                <a:latin typeface="Cambria Math" panose="02040503050406030204" pitchFamily="18" charset="0"/>
+                              </a:rPr>
+                              <m:t>𝑆</m:t>
+                            </m:r>
+                          </m:e>
+                          <m:sub>
+                            <m:r>
+                              <a:rPr lang="en-US" sz="2400" i="1">
+                                <a:latin typeface="Cambria Math" panose="02040503050406030204" pitchFamily="18" charset="0"/>
+                              </a:rPr>
+                              <m:t>𝑗</m:t>
+                            </m:r>
+                          </m:sub>
+                          <m:sup>
+                            <m:r>
+                              <a:rPr lang="en-US" sz="2400" i="1">
+                                <a:latin typeface="Cambria Math" panose="02040503050406030204" pitchFamily="18" charset="0"/>
+                              </a:rPr>
+                              <m:t>+</m:t>
+                            </m:r>
+                          </m:sup>
+                        </m:sSubSup>
+                        <m:sSup>
+                          <m:sSupPr>
+                            <m:ctrlPr>
+                              <a:rPr lang="en-US" sz="2400" i="1">
+                                <a:latin typeface="Cambria Math" panose="02040503050406030204" pitchFamily="18" charset="0"/>
+                              </a:rPr>
+                            </m:ctrlPr>
+                          </m:sSupPr>
+                          <m:e>
+                            <m:r>
+                              <a:rPr lang="en-US" sz="2400" i="1">
+                                <a:latin typeface="Cambria Math" panose="02040503050406030204" pitchFamily="18" charset="0"/>
+                              </a:rPr>
+                              <m:t>𝜌</m:t>
+                            </m:r>
+                          </m:e>
+                          <m:sup>
+                            <m:r>
+                              <a:rPr lang="en-US" sz="2400" i="1">
+                                <a:latin typeface="Cambria Math" panose="02040503050406030204" pitchFamily="18" charset="0"/>
+                              </a:rPr>
+                              <m:t>𝑆</m:t>
+                            </m:r>
+                          </m:sup>
+                        </m:sSup>
+                        <m:sSubSup>
+                          <m:sSubSupPr>
+                            <m:ctrlPr>
+                              <a:rPr lang="en-US" sz="2400" i="1">
+                                <a:latin typeface="Cambria Math" panose="02040503050406030204" pitchFamily="18" charset="0"/>
+                              </a:rPr>
+                            </m:ctrlPr>
+                          </m:sSubSupPr>
+                          <m:e>
+                            <m:r>
+                              <a:rPr lang="en-US" sz="2400" i="1">
+                                <a:latin typeface="Cambria Math" panose="02040503050406030204" pitchFamily="18" charset="0"/>
+                              </a:rPr>
+                              <m:t>𝑆</m:t>
+                            </m:r>
+                          </m:e>
+                          <m:sub>
+                            <m:r>
+                              <a:rPr lang="en-US" sz="2400" i="1">
+                                <a:latin typeface="Cambria Math" panose="02040503050406030204" pitchFamily="18" charset="0"/>
+                              </a:rPr>
+                              <m:t>𝑖</m:t>
+                            </m:r>
+                          </m:sub>
+                          <m:sup>
+                            <m:r>
+                              <a:rPr lang="en-US" sz="2400" i="1">
+                                <a:latin typeface="Cambria Math" panose="02040503050406030204" pitchFamily="18" charset="0"/>
+                              </a:rPr>
+                              <m:t>−</m:t>
+                            </m:r>
+                          </m:sup>
+                        </m:sSubSup>
+                      </m:e>
+                    </m:d>
+                  </m:oMath>
+                </a14:m>
+                <a:endParaRPr lang="en-US" sz="2400" dirty="0"/>
+              </a:p>
+              <a:p>
+                <a:r>
+                  <a:rPr lang="en-US" sz="2400" dirty="0"/>
+                  <a:t>           </a:t>
+                </a:r>
+                <a14:m>
+                  <m:oMath xmlns:m="http://schemas.openxmlformats.org/officeDocument/2006/math">
+                    <m:r>
+                      <a:rPr lang="en-US" sz="2400" i="1">
+                        <a:latin typeface="Cambria Math" panose="02040503050406030204" pitchFamily="18" charset="0"/>
+                      </a:rPr>
+                      <m:t>−</m:t>
+                    </m:r>
+                    <m:r>
+                      <a:rPr lang="en-US" sz="2400" i="1">
+                        <a:latin typeface="Cambria Math" panose="02040503050406030204" pitchFamily="18" charset="0"/>
+                      </a:rPr>
+                      <m:t>𝑖</m:t>
+                    </m:r>
+                    <m:nary>
+                      <m:naryPr>
+                        <m:chr m:val="∑"/>
+                        <m:subHide m:val="on"/>
+                        <m:supHide m:val="on"/>
+                        <m:ctrlPr>
+                          <a:rPr lang="en-US" sz="2400" i="1">
+                            <a:latin typeface="Cambria Math" panose="02040503050406030204" pitchFamily="18" charset="0"/>
+                          </a:rPr>
+                        </m:ctrlPr>
+                      </m:naryPr>
+                      <m:sub/>
+                      <m:sup/>
+                      <m:e>
+                        <m:sSub>
+                          <m:sSubPr>
+                            <m:ctrlPr>
+                              <a:rPr lang="en-US" sz="2400" i="1">
+                                <a:latin typeface="Cambria Math" panose="02040503050406030204" pitchFamily="18" charset="0"/>
+                              </a:rPr>
+                            </m:ctrlPr>
+                          </m:sSubPr>
+                          <m:e>
+                            <m:r>
+                              <m:rPr>
+                                <m:sty m:val="p"/>
+                              </m:rPr>
+                              <a:rPr lang="en-US" sz="2400">
+                                <a:latin typeface="Cambria Math" panose="02040503050406030204" pitchFamily="18" charset="0"/>
+                              </a:rPr>
+                              <m:t>Λ</m:t>
+                            </m:r>
+                          </m:e>
+                          <m:sub>
+                            <m:r>
+                              <a:rPr lang="en-US" sz="2400" i="1">
+                                <a:latin typeface="Cambria Math" panose="02040503050406030204" pitchFamily="18" charset="0"/>
+                              </a:rPr>
+                              <m:t>𝑖𝑗</m:t>
+                            </m:r>
+                          </m:sub>
+                        </m:sSub>
+                      </m:e>
+                    </m:nary>
+                    <m:r>
+                      <a:rPr lang="en-US" sz="2400" i="1">
+                        <a:latin typeface="Cambria Math" panose="02040503050406030204" pitchFamily="18" charset="0"/>
+                      </a:rPr>
+                      <m:t>[</m:t>
+                    </m:r>
+                    <m:sSubSup>
+                      <m:sSubSupPr>
+                        <m:ctrlPr>
+                          <a:rPr lang="en-US" sz="2400" i="1">
+                            <a:latin typeface="Cambria Math" panose="02040503050406030204" pitchFamily="18" charset="0"/>
+                          </a:rPr>
+                        </m:ctrlPr>
+                      </m:sSubSupPr>
+                      <m:e>
+                        <m:r>
+                          <a:rPr lang="en-US" sz="2400" i="1">
+                            <a:latin typeface="Cambria Math" panose="02040503050406030204" pitchFamily="18" charset="0"/>
+                          </a:rPr>
+                          <m:t>𝑆</m:t>
+                        </m:r>
+                      </m:e>
+                      <m:sub>
+                        <m:r>
+                          <a:rPr lang="en-US" sz="2400" i="1">
+                            <a:latin typeface="Cambria Math" panose="02040503050406030204" pitchFamily="18" charset="0"/>
+                          </a:rPr>
+                          <m:t>𝑖</m:t>
+                        </m:r>
+                      </m:sub>
+                      <m:sup>
+                        <m:r>
+                          <a:rPr lang="en-US" sz="2400" i="1">
+                            <a:latin typeface="Cambria Math" panose="02040503050406030204" pitchFamily="18" charset="0"/>
+                          </a:rPr>
+                          <m:t>+</m:t>
+                        </m:r>
+                      </m:sup>
+                    </m:sSubSup>
+                    <m:sSubSup>
+                      <m:sSubSupPr>
+                        <m:ctrlPr>
+                          <a:rPr lang="en-US" sz="2400" i="1">
+                            <a:latin typeface="Cambria Math" panose="02040503050406030204" pitchFamily="18" charset="0"/>
+                          </a:rPr>
+                        </m:ctrlPr>
+                      </m:sSubSupPr>
+                      <m:e>
+                        <m:r>
+                          <a:rPr lang="en-US" sz="2400" i="1">
+                            <a:latin typeface="Cambria Math" panose="02040503050406030204" pitchFamily="18" charset="0"/>
+                          </a:rPr>
+                          <m:t>𝑆</m:t>
+                        </m:r>
+                      </m:e>
+                      <m:sub>
+                        <m:r>
+                          <a:rPr lang="en-US" sz="2400" i="1">
+                            <a:latin typeface="Cambria Math" panose="02040503050406030204" pitchFamily="18" charset="0"/>
+                          </a:rPr>
+                          <m:t>𝑗</m:t>
+                        </m:r>
+                      </m:sub>
+                      <m:sup>
+                        <m:r>
+                          <a:rPr lang="en-US" sz="2400" i="1">
+                            <a:latin typeface="Cambria Math" panose="02040503050406030204" pitchFamily="18" charset="0"/>
+                          </a:rPr>
+                          <m:t>−</m:t>
+                        </m:r>
+                      </m:sup>
+                    </m:sSubSup>
+                    <m:r>
+                      <a:rPr lang="en-US" sz="2400" i="1">
+                        <a:latin typeface="Cambria Math" panose="02040503050406030204" pitchFamily="18" charset="0"/>
+                      </a:rPr>
+                      <m:t>,</m:t>
+                    </m:r>
+                    <m:sSup>
+                      <m:sSupPr>
+                        <m:ctrlPr>
+                          <a:rPr lang="en-US" sz="2400" i="1">
+                            <a:latin typeface="Cambria Math" panose="02040503050406030204" pitchFamily="18" charset="0"/>
+                          </a:rPr>
+                        </m:ctrlPr>
+                      </m:sSupPr>
+                      <m:e>
+                        <m:r>
+                          <a:rPr lang="en-US" sz="2400" i="1">
+                            <a:latin typeface="Cambria Math" panose="02040503050406030204" pitchFamily="18" charset="0"/>
+                          </a:rPr>
+                          <m:t>𝜌</m:t>
+                        </m:r>
+                      </m:e>
+                      <m:sup>
+                        <m:r>
+                          <a:rPr lang="en-US" sz="2400" i="1">
+                            <a:latin typeface="Cambria Math" panose="02040503050406030204" pitchFamily="18" charset="0"/>
+                          </a:rPr>
+                          <m:t>𝑆</m:t>
+                        </m:r>
+                      </m:sup>
+                    </m:sSup>
+                    <m:r>
+                      <a:rPr lang="en-US" sz="2400" i="1">
+                        <a:latin typeface="Cambria Math" panose="02040503050406030204" pitchFamily="18" charset="0"/>
+                      </a:rPr>
+                      <m:t>]</m:t>
+                    </m:r>
+                  </m:oMath>
+                </a14:m>
+                <a:endParaRPr lang="en-US" sz="2400" dirty="0"/>
+              </a:p>
+            </p:txBody>
+          </p:sp>
+        </mc:Choice>
+        <mc:Fallback>
+          <p:sp>
+            <p:nvSpPr>
+              <p:cNvPr id="4" name="TextBox 3">
+                <a:extLst>
+                  <a:ext uri="{FF2B5EF4-FFF2-40B4-BE49-F238E27FC236}">
+                    <a16:creationId xmlns:a16="http://schemas.microsoft.com/office/drawing/2014/main" id="{7976950B-2D47-40A8-A07D-284EF970AC46}"/>
+                  </a:ext>
+                </a:extLst>
+              </p:cNvPr>
+              <p:cNvSpPr txBox="1">
+                <a:spLocks noRot="1" noChangeAspect="1" noMove="1" noResize="1" noEditPoints="1" noAdjustHandles="1" noChangeArrowheads="1" noChangeShapeType="1" noTextEdit="1"/>
+              </p:cNvSpPr>
+              <p:nvPr/>
+            </p:nvSpPr>
+            <p:spPr>
+              <a:xfrm>
+                <a:off x="2289230" y="1300663"/>
+                <a:ext cx="7828567" cy="2599686"/>
+              </a:xfrm>
+              <a:prstGeom prst="rect">
+                <a:avLst/>
+              </a:prstGeom>
+              <a:blipFill>
+                <a:blip r:embed="rId2"/>
+                <a:stretch>
+                  <a:fillRect b="-37002"/>
+                </a:stretch>
+              </a:blipFill>
+            </p:spPr>
+            <p:txBody>
+              <a:bodyPr/>
+              <a:lstStyle/>
+              <a:p>
+                <a:r>
+                  <a:rPr lang="en-US">
+                    <a:noFill/>
+                  </a:rPr>
+                  <a:t> </a:t>
+                </a:r>
+              </a:p>
+            </p:txBody>
+          </p:sp>
+        </mc:Fallback>
+      </mc:AlternateContent>
+      <mc:AlternateContent xmlns:mc="http://schemas.openxmlformats.org/markup-compatibility/2006">
+        <mc:Choice xmlns:a14="http://schemas.microsoft.com/office/drawing/2010/main" Requires="a14">
+          <p:sp>
+            <p:nvSpPr>
+              <p:cNvPr id="5" name="TextBox 4">
+                <a:extLst>
+                  <a:ext uri="{FF2B5EF4-FFF2-40B4-BE49-F238E27FC236}">
+                    <a16:creationId xmlns:a16="http://schemas.microsoft.com/office/drawing/2014/main" id="{ACA7F76A-451C-4553-91A2-1CE8D2E1C970}"/>
+                  </a:ext>
+                </a:extLst>
+              </p:cNvPr>
+              <p:cNvSpPr txBox="1"/>
+              <p:nvPr/>
+            </p:nvSpPr>
+            <p:spPr>
+              <a:xfrm>
+                <a:off x="3170217" y="4583650"/>
+                <a:ext cx="3672800" cy="1232966"/>
+              </a:xfrm>
+              <a:prstGeom prst="rect">
+                <a:avLst/>
+              </a:prstGeom>
+              <a:noFill/>
+            </p:spPr>
+            <p:txBody>
+              <a:bodyPr wrap="none" rtlCol="0">
+                <a:spAutoFit/>
+              </a:bodyPr>
+              <a:lstStyle/>
+              <a:p>
+                <a14:m>
+                  <m:oMathPara xmlns:m="http://schemas.openxmlformats.org/officeDocument/2006/math">
+                    <m:oMathParaPr>
+                      <m:jc m:val="centerGroup"/>
+                    </m:oMathParaPr>
+                    <m:oMath xmlns:m="http://schemas.openxmlformats.org/officeDocument/2006/math">
+                      <m:r>
+                        <a:rPr lang="en-US" sz="2800" b="0" i="1" smtClean="0">
+                          <a:latin typeface="Cambria Math" panose="02040503050406030204" pitchFamily="18" charset="0"/>
+                        </a:rPr>
+                        <m:t>𝜌</m:t>
+                      </m:r>
+                      <m:r>
+                        <a:rPr lang="en-US" sz="2800" b="0" i="1" smtClean="0">
+                          <a:latin typeface="Cambria Math" panose="02040503050406030204" pitchFamily="18" charset="0"/>
+                        </a:rPr>
+                        <m:t>=</m:t>
+                      </m:r>
+                      <m:d>
+                        <m:dPr>
+                          <m:ctrlPr>
+                            <a:rPr lang="en-US" sz="2800" b="0" i="1" smtClean="0">
+                              <a:latin typeface="Cambria Math" panose="02040503050406030204" pitchFamily="18" charset="0"/>
+                            </a:rPr>
+                          </m:ctrlPr>
+                        </m:dPr>
+                        <m:e>
+                          <m:m>
+                            <m:mPr>
+                              <m:mcs>
+                                <m:mc>
+                                  <m:mcPr>
+                                    <m:count m:val="3"/>
+                                    <m:mcJc m:val="center"/>
+                                  </m:mcPr>
+                                </m:mc>
+                              </m:mcs>
+                              <m:ctrlPr>
+                                <a:rPr lang="en-US" sz="2800" i="1">
+                                  <a:latin typeface="Cambria Math" panose="02040503050406030204" pitchFamily="18" charset="0"/>
+                                </a:rPr>
+                              </m:ctrlPr>
+                            </m:mPr>
+                            <m:mr>
+                              <m:e>
+                                <m:sSub>
+                                  <m:sSubPr>
+                                    <m:ctrlPr>
+                                      <a:rPr lang="en-US" sz="2800" i="1">
+                                        <a:latin typeface="Cambria Math" panose="02040503050406030204" pitchFamily="18" charset="0"/>
+                                      </a:rPr>
+                                    </m:ctrlPr>
+                                  </m:sSubPr>
+                                  <m:e>
+                                    <m:r>
+                                      <a:rPr lang="en-US" sz="2800" i="1">
+                                        <a:latin typeface="Cambria Math" panose="02040503050406030204" pitchFamily="18" charset="0"/>
+                                      </a:rPr>
+                                      <m:t>𝜌</m:t>
+                                    </m:r>
+                                  </m:e>
+                                  <m:sub>
+                                    <m:r>
+                                      <a:rPr lang="en-US" sz="2800" i="1">
+                                        <a:latin typeface="Cambria Math" panose="02040503050406030204" pitchFamily="18" charset="0"/>
+                                      </a:rPr>
+                                      <m:t>𝑎𝑎</m:t>
+                                    </m:r>
+                                  </m:sub>
+                                </m:sSub>
+                              </m:e>
+                              <m:e>
+                                <m:sSub>
+                                  <m:sSubPr>
+                                    <m:ctrlPr>
+                                      <a:rPr lang="en-US" sz="2800" i="1">
+                                        <a:latin typeface="Cambria Math" panose="02040503050406030204" pitchFamily="18" charset="0"/>
+                                      </a:rPr>
+                                    </m:ctrlPr>
+                                  </m:sSubPr>
+                                  <m:e>
+                                    <m:r>
+                                      <a:rPr lang="en-US" sz="2800" i="1">
+                                        <a:latin typeface="Cambria Math" panose="02040503050406030204" pitchFamily="18" charset="0"/>
+                                      </a:rPr>
+                                      <m:t>𝜌</m:t>
+                                    </m:r>
+                                  </m:e>
+                                  <m:sub>
+                                    <m:r>
+                                      <a:rPr lang="en-US" sz="2800" i="1">
+                                        <a:latin typeface="Cambria Math" panose="02040503050406030204" pitchFamily="18" charset="0"/>
+                                      </a:rPr>
+                                      <m:t>𝑎𝑏</m:t>
+                                    </m:r>
+                                  </m:sub>
+                                </m:sSub>
+                              </m:e>
+                              <m:e>
+                                <m:sSub>
+                                  <m:sSubPr>
+                                    <m:ctrlPr>
+                                      <a:rPr lang="en-US" sz="2800" i="1">
+                                        <a:latin typeface="Cambria Math" panose="02040503050406030204" pitchFamily="18" charset="0"/>
+                                      </a:rPr>
+                                    </m:ctrlPr>
+                                  </m:sSubPr>
+                                  <m:e>
+                                    <m:r>
+                                      <a:rPr lang="en-US" sz="2800" i="1">
+                                        <a:latin typeface="Cambria Math" panose="02040503050406030204" pitchFamily="18" charset="0"/>
+                                      </a:rPr>
+                                      <m:t>𝜌</m:t>
+                                    </m:r>
+                                  </m:e>
+                                  <m:sub>
+                                    <m:r>
+                                      <a:rPr lang="en-US" sz="2800" i="1">
+                                        <a:latin typeface="Cambria Math" panose="02040503050406030204" pitchFamily="18" charset="0"/>
+                                      </a:rPr>
+                                      <m:t>𝑎𝑐</m:t>
+                                    </m:r>
+                                  </m:sub>
+                                </m:sSub>
+                              </m:e>
+                            </m:mr>
+                            <m:mr>
+                              <m:e>
+                                <m:sSub>
+                                  <m:sSubPr>
+                                    <m:ctrlPr>
+                                      <a:rPr lang="en-US" sz="2800" i="1">
+                                        <a:latin typeface="Cambria Math" panose="02040503050406030204" pitchFamily="18" charset="0"/>
+                                      </a:rPr>
+                                    </m:ctrlPr>
+                                  </m:sSubPr>
+                                  <m:e>
+                                    <m:r>
+                                      <a:rPr lang="en-US" sz="2800" i="1">
+                                        <a:latin typeface="Cambria Math" panose="02040503050406030204" pitchFamily="18" charset="0"/>
+                                      </a:rPr>
+                                      <m:t>𝜌</m:t>
+                                    </m:r>
+                                  </m:e>
+                                  <m:sub>
+                                    <m:r>
+                                      <a:rPr lang="en-US" sz="2800" i="1">
+                                        <a:latin typeface="Cambria Math" panose="02040503050406030204" pitchFamily="18" charset="0"/>
+                                      </a:rPr>
+                                      <m:t>𝑏𝑎</m:t>
+                                    </m:r>
+                                  </m:sub>
+                                </m:sSub>
+                              </m:e>
+                              <m:e>
+                                <m:sSub>
+                                  <m:sSubPr>
+                                    <m:ctrlPr>
+                                      <a:rPr lang="en-US" sz="2800" i="1">
+                                        <a:latin typeface="Cambria Math" panose="02040503050406030204" pitchFamily="18" charset="0"/>
+                                      </a:rPr>
+                                    </m:ctrlPr>
+                                  </m:sSubPr>
+                                  <m:e>
+                                    <m:r>
+                                      <a:rPr lang="en-US" sz="2800" i="1">
+                                        <a:latin typeface="Cambria Math" panose="02040503050406030204" pitchFamily="18" charset="0"/>
+                                      </a:rPr>
+                                      <m:t>𝜌</m:t>
+                                    </m:r>
+                                  </m:e>
+                                  <m:sub>
+                                    <m:r>
+                                      <a:rPr lang="en-US" sz="2800" i="1">
+                                        <a:latin typeface="Cambria Math" panose="02040503050406030204" pitchFamily="18" charset="0"/>
+                                      </a:rPr>
+                                      <m:t>𝑏𝑏</m:t>
+                                    </m:r>
+                                  </m:sub>
+                                </m:sSub>
+                              </m:e>
+                              <m:e>
+                                <m:sSub>
+                                  <m:sSubPr>
+                                    <m:ctrlPr>
+                                      <a:rPr lang="en-US" sz="2800" i="1">
+                                        <a:latin typeface="Cambria Math" panose="02040503050406030204" pitchFamily="18" charset="0"/>
+                                      </a:rPr>
+                                    </m:ctrlPr>
+                                  </m:sSubPr>
+                                  <m:e>
+                                    <m:r>
+                                      <a:rPr lang="en-US" sz="2800" i="1">
+                                        <a:latin typeface="Cambria Math" panose="02040503050406030204" pitchFamily="18" charset="0"/>
+                                      </a:rPr>
+                                      <m:t>𝜌</m:t>
+                                    </m:r>
+                                  </m:e>
+                                  <m:sub>
+                                    <m:r>
+                                      <a:rPr lang="en-US" sz="2800" i="1">
+                                        <a:latin typeface="Cambria Math" panose="02040503050406030204" pitchFamily="18" charset="0"/>
+                                      </a:rPr>
+                                      <m:t>𝑏𝑐</m:t>
+                                    </m:r>
+                                  </m:sub>
+                                </m:sSub>
+                              </m:e>
+                            </m:mr>
+                            <m:mr>
+                              <m:e>
+                                <m:sSub>
+                                  <m:sSubPr>
+                                    <m:ctrlPr>
+                                      <a:rPr lang="en-US" sz="2800" i="1">
+                                        <a:latin typeface="Cambria Math" panose="02040503050406030204" pitchFamily="18" charset="0"/>
+                                      </a:rPr>
+                                    </m:ctrlPr>
+                                  </m:sSubPr>
+                                  <m:e>
+                                    <m:r>
+                                      <a:rPr lang="en-US" sz="2800" i="1">
+                                        <a:latin typeface="Cambria Math" panose="02040503050406030204" pitchFamily="18" charset="0"/>
+                                      </a:rPr>
+                                      <m:t>𝜌</m:t>
+                                    </m:r>
+                                  </m:e>
+                                  <m:sub>
+                                    <m:r>
+                                      <a:rPr lang="en-US" sz="2800" i="1">
+                                        <a:latin typeface="Cambria Math" panose="02040503050406030204" pitchFamily="18" charset="0"/>
+                                      </a:rPr>
+                                      <m:t>𝑐𝑎</m:t>
+                                    </m:r>
+                                  </m:sub>
+                                </m:sSub>
+                              </m:e>
+                              <m:e>
+                                <m:sSub>
+                                  <m:sSubPr>
+                                    <m:ctrlPr>
+                                      <a:rPr lang="en-US" sz="2800" i="1">
+                                        <a:latin typeface="Cambria Math" panose="02040503050406030204" pitchFamily="18" charset="0"/>
+                                      </a:rPr>
+                                    </m:ctrlPr>
+                                  </m:sSubPr>
+                                  <m:e>
+                                    <m:r>
+                                      <a:rPr lang="en-US" sz="2800" i="1">
+                                        <a:latin typeface="Cambria Math" panose="02040503050406030204" pitchFamily="18" charset="0"/>
+                                      </a:rPr>
+                                      <m:t>𝜌</m:t>
+                                    </m:r>
+                                  </m:e>
+                                  <m:sub>
+                                    <m:r>
+                                      <a:rPr lang="en-US" sz="2800" i="1">
+                                        <a:latin typeface="Cambria Math" panose="02040503050406030204" pitchFamily="18" charset="0"/>
+                                      </a:rPr>
+                                      <m:t>𝑐𝑏</m:t>
+                                    </m:r>
+                                  </m:sub>
+                                </m:sSub>
+                              </m:e>
+                              <m:e>
+                                <m:sSub>
+                                  <m:sSubPr>
+                                    <m:ctrlPr>
+                                      <a:rPr lang="en-US" sz="2800" i="1">
+                                        <a:latin typeface="Cambria Math" panose="02040503050406030204" pitchFamily="18" charset="0"/>
+                                      </a:rPr>
+                                    </m:ctrlPr>
+                                  </m:sSubPr>
+                                  <m:e>
+                                    <m:r>
+                                      <a:rPr lang="en-US" sz="2800" i="1">
+                                        <a:latin typeface="Cambria Math" panose="02040503050406030204" pitchFamily="18" charset="0"/>
+                                      </a:rPr>
+                                      <m:t>𝜌</m:t>
+                                    </m:r>
+                                  </m:e>
+                                  <m:sub>
+                                    <m:r>
+                                      <a:rPr lang="en-US" sz="2800" i="1">
+                                        <a:latin typeface="Cambria Math" panose="02040503050406030204" pitchFamily="18" charset="0"/>
+                                      </a:rPr>
+                                      <m:t>𝑐𝑐</m:t>
+                                    </m:r>
+                                  </m:sub>
+                                </m:sSub>
+                              </m:e>
+                            </m:mr>
+                          </m:m>
+                        </m:e>
+                      </m:d>
+                    </m:oMath>
+                  </m:oMathPara>
+                </a14:m>
+                <a:endParaRPr lang="en-US" sz="2800" dirty="0"/>
+              </a:p>
+            </p:txBody>
+          </p:sp>
+        </mc:Choice>
+        <mc:Fallback>
+          <p:sp>
+            <p:nvSpPr>
+              <p:cNvPr id="5" name="TextBox 4">
+                <a:extLst>
+                  <a:ext uri="{FF2B5EF4-FFF2-40B4-BE49-F238E27FC236}">
+                    <a16:creationId xmlns:a16="http://schemas.microsoft.com/office/drawing/2014/main" id="{ACA7F76A-451C-4553-91A2-1CE8D2E1C970}"/>
+                  </a:ext>
+                </a:extLst>
+              </p:cNvPr>
+              <p:cNvSpPr txBox="1">
+                <a:spLocks noRot="1" noChangeAspect="1" noMove="1" noResize="1" noEditPoints="1" noAdjustHandles="1" noChangeArrowheads="1" noChangeShapeType="1" noTextEdit="1"/>
+              </p:cNvSpPr>
+              <p:nvPr/>
+            </p:nvSpPr>
+            <p:spPr>
+              <a:xfrm>
+                <a:off x="3170217" y="4583650"/>
+                <a:ext cx="3672800" cy="1232966"/>
+              </a:xfrm>
+              <a:prstGeom prst="rect">
+                <a:avLst/>
+              </a:prstGeom>
+              <a:blipFill>
+                <a:blip r:embed="rId3"/>
+                <a:stretch>
+                  <a:fillRect/>
+                </a:stretch>
+              </a:blipFill>
+            </p:spPr>
+            <p:txBody>
+              <a:bodyPr/>
+              <a:lstStyle/>
+              <a:p>
+                <a:r>
+                  <a:rPr lang="en-US">
+                    <a:noFill/>
+                  </a:rPr>
+                  <a:t> </a:t>
+                </a:r>
+              </a:p>
+            </p:txBody>
+          </p:sp>
+        </mc:Fallback>
+      </mc:AlternateContent>
+    </p:spTree>
+    <p:extLst>
+      <p:ext uri="{BB962C8B-B14F-4D97-AF65-F5344CB8AC3E}">
+        <p14:creationId xmlns:p14="http://schemas.microsoft.com/office/powerpoint/2010/main" val="2089929265"/>
+      </p:ext>
+    </p:extLst>
+  </p:cSld>
+  <p:clrMapOvr>
+    <a:masterClrMapping/>
+  </p:clrMapOvr>
+</p:sld>
+</file>
+
+<file path=ppt/slides/slide12.xml><?xml version="1.0" encoding="utf-8"?>
+<p:sld xmlns:a="http://schemas.openxmlformats.org/drawingml/2006/main" xmlns:r="http://schemas.openxmlformats.org/officeDocument/2006/relationships" xmlns:p="http://schemas.openxmlformats.org/presentationml/2006/main">
+  <p:cSld>
+    <p:spTree>
+      <p:nvGrpSpPr>
+        <p:cNvPr id="1" name=""/>
+        <p:cNvGrpSpPr/>
+        <p:nvPr/>
+      </p:nvGrpSpPr>
+      <p:grpSpPr>
+        <a:xfrm>
+          <a:off x="0" y="0"/>
+          <a:ext cx="0" cy="0"/>
+          <a:chOff x="0" y="0"/>
+          <a:chExt cx="0" cy="0"/>
+        </a:xfrm>
+      </p:grpSpPr>
+      <p:pic>
+        <p:nvPicPr>
+          <p:cNvPr id="3" name="Picture 2">
+            <a:extLst>
+              <a:ext uri="{FF2B5EF4-FFF2-40B4-BE49-F238E27FC236}">
+                <a16:creationId xmlns:a16="http://schemas.microsoft.com/office/drawing/2014/main" id="{12D55E68-A511-4017-8948-25549B0AE3E6}"/>
+              </a:ext>
+            </a:extLst>
+          </p:cNvPr>
+          <p:cNvPicPr>
+            <a:picLocks noChangeAspect="1"/>
+          </p:cNvPicPr>
+          <p:nvPr/>
+        </p:nvPicPr>
+        <p:blipFill>
+          <a:blip r:embed="rId3"/>
+          <a:stretch>
+            <a:fillRect/>
+          </a:stretch>
+        </p:blipFill>
+        <p:spPr>
+          <a:xfrm>
+            <a:off x="762083" y="704603"/>
+            <a:ext cx="10355126" cy="2618960"/>
+          </a:xfrm>
+          <a:prstGeom prst="rect">
+            <a:avLst/>
+          </a:prstGeom>
+        </p:spPr>
+      </p:pic>
+      <p:pic>
+        <p:nvPicPr>
+          <p:cNvPr id="4" name="Picture 3">
+            <a:extLst>
+              <a:ext uri="{FF2B5EF4-FFF2-40B4-BE49-F238E27FC236}">
+                <a16:creationId xmlns:a16="http://schemas.microsoft.com/office/drawing/2014/main" id="{D3F96942-641E-40E9-9415-2C478E60D82A}"/>
+              </a:ext>
+            </a:extLst>
+          </p:cNvPr>
+          <p:cNvPicPr>
+            <a:picLocks noChangeAspect="1"/>
+          </p:cNvPicPr>
+          <p:nvPr/>
+        </p:nvPicPr>
+        <p:blipFill>
+          <a:blip r:embed="rId4"/>
+          <a:stretch>
+            <a:fillRect/>
+          </a:stretch>
+        </p:blipFill>
+        <p:spPr>
+          <a:xfrm>
+            <a:off x="267236" y="4083082"/>
+            <a:ext cx="3885632" cy="2556510"/>
+          </a:xfrm>
+          <a:prstGeom prst="rect">
+            <a:avLst/>
+          </a:prstGeom>
+        </p:spPr>
+      </p:pic>
+      <p:pic>
+        <p:nvPicPr>
+          <p:cNvPr id="5" name="Picture 4">
+            <a:extLst>
+              <a:ext uri="{FF2B5EF4-FFF2-40B4-BE49-F238E27FC236}">
+                <a16:creationId xmlns:a16="http://schemas.microsoft.com/office/drawing/2014/main" id="{8763BA18-66D0-4AC9-B4D5-3C36EBEE5F9F}"/>
+              </a:ext>
+            </a:extLst>
+          </p:cNvPr>
+          <p:cNvPicPr>
+            <a:picLocks noChangeAspect="1"/>
+          </p:cNvPicPr>
+          <p:nvPr/>
+        </p:nvPicPr>
+        <p:blipFill>
+          <a:blip r:embed="rId5"/>
+          <a:stretch>
+            <a:fillRect/>
+          </a:stretch>
+        </p:blipFill>
+        <p:spPr>
+          <a:xfrm>
+            <a:off x="7543579" y="3656479"/>
+            <a:ext cx="4275500" cy="3173568"/>
+          </a:xfrm>
+          <a:prstGeom prst="rect">
+            <a:avLst/>
+          </a:prstGeom>
+        </p:spPr>
+      </p:pic>
+      <p:grpSp>
+        <p:nvGrpSpPr>
+          <p:cNvPr id="30" name="Group 29">
+            <a:extLst>
+              <a:ext uri="{FF2B5EF4-FFF2-40B4-BE49-F238E27FC236}">
+                <a16:creationId xmlns:a16="http://schemas.microsoft.com/office/drawing/2014/main" id="{E941E497-5398-46EA-9AF7-FF435593C81F}"/>
+              </a:ext>
+            </a:extLst>
+          </p:cNvPr>
+          <p:cNvGrpSpPr/>
+          <p:nvPr/>
+        </p:nvGrpSpPr>
+        <p:grpSpPr>
+          <a:xfrm>
+            <a:off x="4228764" y="3648167"/>
+            <a:ext cx="3350209" cy="2921877"/>
+            <a:chOff x="4685169" y="3717715"/>
+            <a:chExt cx="3350209" cy="2921877"/>
+          </a:xfrm>
+        </p:grpSpPr>
+        <p:cxnSp>
+          <p:nvCxnSpPr>
+            <p:cNvPr id="7" name="Straight Arrow Connector 6">
+              <a:extLst>
+                <a:ext uri="{FF2B5EF4-FFF2-40B4-BE49-F238E27FC236}">
+                  <a16:creationId xmlns:a16="http://schemas.microsoft.com/office/drawing/2014/main" id="{920B54DC-57D0-44DD-A11C-97526F994F8F}"/>
+                </a:ext>
+              </a:extLst>
+            </p:cNvPr>
+            <p:cNvCxnSpPr>
+              <a:cxnSpLocks/>
+            </p:cNvCxnSpPr>
+            <p:nvPr/>
+          </p:nvCxnSpPr>
+          <p:spPr>
+            <a:xfrm flipV="1">
+              <a:off x="4938925" y="4327884"/>
+              <a:ext cx="0" cy="2311708"/>
+            </a:xfrm>
+            <a:prstGeom prst="straightConnector1">
+              <a:avLst/>
+            </a:prstGeom>
+            <a:ln w="38100">
+              <a:solidFill>
+                <a:schemeClr val="accent6"/>
+              </a:solidFill>
+              <a:tailEnd type="triangle"/>
+            </a:ln>
+          </p:spPr>
+          <p:style>
+            <a:lnRef idx="1">
+              <a:schemeClr val="accent1"/>
+            </a:lnRef>
+            <a:fillRef idx="0">
+              <a:schemeClr val="accent1"/>
+            </a:fillRef>
+            <a:effectRef idx="0">
+              <a:schemeClr val="accent1"/>
+            </a:effectRef>
+            <a:fontRef idx="minor">
+              <a:schemeClr val="tx1"/>
+            </a:fontRef>
+          </p:style>
+        </p:cxnSp>
+        <p:cxnSp>
+          <p:nvCxnSpPr>
+            <p:cNvPr id="10" name="Straight Arrow Connector 9">
+              <a:extLst>
+                <a:ext uri="{FF2B5EF4-FFF2-40B4-BE49-F238E27FC236}">
+                  <a16:creationId xmlns:a16="http://schemas.microsoft.com/office/drawing/2014/main" id="{74A9B4DC-4614-43B3-9492-68D6C0A2F6CC}"/>
+                </a:ext>
+              </a:extLst>
+            </p:cNvPr>
+            <p:cNvCxnSpPr>
+              <a:cxnSpLocks/>
+            </p:cNvCxnSpPr>
+            <p:nvPr/>
+          </p:nvCxnSpPr>
+          <p:spPr>
+            <a:xfrm>
+              <a:off x="4938925" y="6603399"/>
+              <a:ext cx="2572218" cy="0"/>
+            </a:xfrm>
+            <a:prstGeom prst="straightConnector1">
+              <a:avLst/>
+            </a:prstGeom>
+            <a:ln w="38100">
+              <a:solidFill>
+                <a:schemeClr val="accent2"/>
+              </a:solidFill>
+              <a:tailEnd type="triangle"/>
+            </a:ln>
+          </p:spPr>
+          <p:style>
+            <a:lnRef idx="1">
+              <a:schemeClr val="accent1"/>
+            </a:lnRef>
+            <a:fillRef idx="0">
+              <a:schemeClr val="accent1"/>
+            </a:fillRef>
+            <a:effectRef idx="0">
+              <a:schemeClr val="accent1"/>
+            </a:effectRef>
+            <a:fontRef idx="minor">
+              <a:schemeClr val="tx1"/>
+            </a:fontRef>
+          </p:style>
+        </p:cxnSp>
+        <p:cxnSp>
+          <p:nvCxnSpPr>
+            <p:cNvPr id="13" name="Straight Arrow Connector 12">
+              <a:extLst>
+                <a:ext uri="{FF2B5EF4-FFF2-40B4-BE49-F238E27FC236}">
+                  <a16:creationId xmlns:a16="http://schemas.microsoft.com/office/drawing/2014/main" id="{4F97B082-D0DE-43C2-A68A-799479CA409E}"/>
+                </a:ext>
+              </a:extLst>
+            </p:cNvPr>
+            <p:cNvCxnSpPr>
+              <a:cxnSpLocks/>
+            </p:cNvCxnSpPr>
+            <p:nvPr/>
+          </p:nvCxnSpPr>
+          <p:spPr>
+            <a:xfrm flipV="1">
+              <a:off x="4960245" y="5205008"/>
+              <a:ext cx="1348026" cy="1393072"/>
+            </a:xfrm>
+            <a:prstGeom prst="straightConnector1">
+              <a:avLst/>
+            </a:prstGeom>
+            <a:ln w="38100">
+              <a:solidFill>
+                <a:schemeClr val="accent1"/>
+              </a:solidFill>
+              <a:tailEnd type="triangle"/>
+            </a:ln>
+          </p:spPr>
+          <p:style>
+            <a:lnRef idx="1">
+              <a:schemeClr val="accent1"/>
+            </a:lnRef>
+            <a:fillRef idx="0">
+              <a:schemeClr val="accent1"/>
+            </a:fillRef>
+            <a:effectRef idx="0">
+              <a:schemeClr val="accent1"/>
+            </a:effectRef>
+            <a:fontRef idx="minor">
+              <a:schemeClr val="tx1"/>
+            </a:fontRef>
+          </p:style>
+        </p:cxnSp>
+        <mc:AlternateContent xmlns:mc="http://schemas.openxmlformats.org/markup-compatibility/2006">
+          <mc:Choice xmlns:a14="http://schemas.microsoft.com/office/drawing/2010/main" Requires="a14">
+            <p:sp>
+              <p:nvSpPr>
+                <p:cNvPr id="23" name="TextBox 22">
+                  <a:extLst>
+                    <a:ext uri="{FF2B5EF4-FFF2-40B4-BE49-F238E27FC236}">
+                      <a16:creationId xmlns:a16="http://schemas.microsoft.com/office/drawing/2014/main" id="{FD7B6A4B-B69B-40FF-8A53-F93166079936}"/>
+                    </a:ext>
+                  </a:extLst>
+                </p:cNvPr>
+                <p:cNvSpPr txBox="1"/>
+                <p:nvPr/>
+              </p:nvSpPr>
+              <p:spPr>
+                <a:xfrm>
+                  <a:off x="7128335" y="5901544"/>
+                  <a:ext cx="907043" cy="657681"/>
+                </a:xfrm>
+                <a:prstGeom prst="rect">
+                  <a:avLst/>
+                </a:prstGeom>
+                <a:noFill/>
+              </p:spPr>
+              <p:txBody>
+                <a:bodyPr wrap="none" rtlCol="0">
+                  <a:spAutoFit/>
+                </a:bodyPr>
+                <a:lstStyle/>
+                <a:p>
+                  <a14:m>
+                    <m:oMathPara xmlns:m="http://schemas.openxmlformats.org/officeDocument/2006/math">
+                      <m:oMathParaPr>
+                        <m:jc m:val="centerGroup"/>
+                      </m:oMathParaPr>
+                      <m:oMath xmlns:m="http://schemas.openxmlformats.org/officeDocument/2006/math">
+                        <m:sSub>
+                          <m:sSubPr>
+                            <m:ctrlPr>
+                              <a:rPr lang="en-US" sz="3200" b="0" i="1" smtClean="0">
+                                <a:latin typeface="Cambria Math" panose="02040503050406030204" pitchFamily="18" charset="0"/>
+                              </a:rPr>
+                            </m:ctrlPr>
+                          </m:sSubPr>
+                          <m:e>
+                            <m:acc>
+                              <m:accPr>
+                                <m:chr m:val="⃗"/>
+                                <m:ctrlPr>
+                                  <a:rPr lang="en-US" sz="3200" b="0" i="1" smtClean="0">
+                                    <a:latin typeface="Cambria Math" panose="02040503050406030204" pitchFamily="18" charset="0"/>
+                                  </a:rPr>
+                                </m:ctrlPr>
+                              </m:accPr>
+                              <m:e>
+                                <m:r>
+                                  <a:rPr lang="en-US" sz="3200" b="0" i="1" smtClean="0">
+                                    <a:latin typeface="Cambria Math" panose="02040503050406030204" pitchFamily="18" charset="0"/>
+                                  </a:rPr>
+                                  <m:t>𝑑</m:t>
+                                </m:r>
+                              </m:e>
+                            </m:acc>
+                          </m:e>
+                          <m:sub>
+                            <m:r>
+                              <a:rPr lang="en-US" sz="3200" b="0" i="1" smtClean="0">
+                                <a:latin typeface="Cambria Math" panose="02040503050406030204" pitchFamily="18" charset="0"/>
+                              </a:rPr>
+                              <m:t>𝑎𝑏</m:t>
+                            </m:r>
+                          </m:sub>
+                        </m:sSub>
+                      </m:oMath>
+                    </m:oMathPara>
+                  </a14:m>
+                  <a:endParaRPr lang="en-US" sz="3200" dirty="0"/>
+                </a:p>
+              </p:txBody>
+            </p:sp>
+          </mc:Choice>
+          <mc:Fallback>
+            <p:sp>
+              <p:nvSpPr>
+                <p:cNvPr id="23" name="TextBox 22">
+                  <a:extLst>
+                    <a:ext uri="{FF2B5EF4-FFF2-40B4-BE49-F238E27FC236}">
+                      <a16:creationId xmlns:a16="http://schemas.microsoft.com/office/drawing/2014/main" id="{FD7B6A4B-B69B-40FF-8A53-F93166079936}"/>
+                    </a:ext>
+                  </a:extLst>
+                </p:cNvPr>
+                <p:cNvSpPr txBox="1">
+                  <a:spLocks noRot="1" noChangeAspect="1" noMove="1" noResize="1" noEditPoints="1" noAdjustHandles="1" noChangeArrowheads="1" noChangeShapeType="1" noTextEdit="1"/>
+                </p:cNvSpPr>
+                <p:nvPr/>
+              </p:nvSpPr>
+              <p:spPr>
+                <a:xfrm>
+                  <a:off x="7128335" y="5901544"/>
+                  <a:ext cx="907043" cy="657681"/>
+                </a:xfrm>
+                <a:prstGeom prst="rect">
+                  <a:avLst/>
+                </a:prstGeom>
+                <a:blipFill>
+                  <a:blip r:embed="rId6"/>
+                  <a:stretch>
+                    <a:fillRect/>
+                  </a:stretch>
+                </a:blipFill>
+              </p:spPr>
+              <p:txBody>
+                <a:bodyPr/>
+                <a:lstStyle/>
+                <a:p>
+                  <a:r>
+                    <a:rPr lang="en-US">
+                      <a:noFill/>
+                    </a:rPr>
+                    <a:t> </a:t>
+                  </a:r>
+                </a:p>
+              </p:txBody>
+            </p:sp>
+          </mc:Fallback>
+        </mc:AlternateContent>
+        <mc:AlternateContent xmlns:mc="http://schemas.openxmlformats.org/markup-compatibility/2006">
+          <mc:Choice xmlns:a14="http://schemas.microsoft.com/office/drawing/2010/main" Requires="a14">
+            <p:sp>
+              <p:nvSpPr>
+                <p:cNvPr id="24" name="TextBox 23">
+                  <a:extLst>
+                    <a:ext uri="{FF2B5EF4-FFF2-40B4-BE49-F238E27FC236}">
+                      <a16:creationId xmlns:a16="http://schemas.microsoft.com/office/drawing/2014/main" id="{65F6035E-9474-4CF2-A4D5-8179690EB882}"/>
+                    </a:ext>
+                  </a:extLst>
+                </p:cNvPr>
+                <p:cNvSpPr txBox="1"/>
+                <p:nvPr/>
+              </p:nvSpPr>
+              <p:spPr>
+                <a:xfrm>
+                  <a:off x="6308271" y="4655130"/>
+                  <a:ext cx="871649" cy="657681"/>
+                </a:xfrm>
+                <a:prstGeom prst="rect">
+                  <a:avLst/>
+                </a:prstGeom>
+                <a:noFill/>
+              </p:spPr>
+              <p:txBody>
+                <a:bodyPr wrap="none" rtlCol="0">
+                  <a:spAutoFit/>
+                </a:bodyPr>
+                <a:lstStyle/>
+                <a:p>
+                  <a14:m>
+                    <m:oMathPara xmlns:m="http://schemas.openxmlformats.org/officeDocument/2006/math">
+                      <m:oMathParaPr>
+                        <m:jc m:val="centerGroup"/>
+                      </m:oMathParaPr>
+                      <m:oMath xmlns:m="http://schemas.openxmlformats.org/officeDocument/2006/math">
+                        <m:sSub>
+                          <m:sSubPr>
+                            <m:ctrlPr>
+                              <a:rPr lang="en-US" sz="3200" b="0" i="1" smtClean="0">
+                                <a:latin typeface="Cambria Math" panose="02040503050406030204" pitchFamily="18" charset="0"/>
+                              </a:rPr>
+                            </m:ctrlPr>
+                          </m:sSubPr>
+                          <m:e>
+                            <m:acc>
+                              <m:accPr>
+                                <m:chr m:val="⃗"/>
+                                <m:ctrlPr>
+                                  <a:rPr lang="en-US" sz="3200" b="0" i="1" smtClean="0">
+                                    <a:latin typeface="Cambria Math" panose="02040503050406030204" pitchFamily="18" charset="0"/>
+                                  </a:rPr>
+                                </m:ctrlPr>
+                              </m:accPr>
+                              <m:e>
+                                <m:r>
+                                  <a:rPr lang="en-US" sz="3200" b="0" i="1" smtClean="0">
+                                    <a:latin typeface="Cambria Math" panose="02040503050406030204" pitchFamily="18" charset="0"/>
+                                  </a:rPr>
+                                  <m:t>𝑑</m:t>
+                                </m:r>
+                              </m:e>
+                            </m:acc>
+                          </m:e>
+                          <m:sub>
+                            <m:r>
+                              <a:rPr lang="en-US" sz="3200" b="0" i="1" smtClean="0">
+                                <a:latin typeface="Cambria Math" panose="02040503050406030204" pitchFamily="18" charset="0"/>
+                              </a:rPr>
+                              <m:t>𝑏𝑐</m:t>
+                            </m:r>
+                          </m:sub>
+                        </m:sSub>
+                      </m:oMath>
+                    </m:oMathPara>
+                  </a14:m>
+                  <a:endParaRPr lang="en-US" sz="3200" dirty="0"/>
+                </a:p>
+              </p:txBody>
+            </p:sp>
+          </mc:Choice>
+          <mc:Fallback>
+            <p:sp>
+              <p:nvSpPr>
+                <p:cNvPr id="24" name="TextBox 23">
+                  <a:extLst>
+                    <a:ext uri="{FF2B5EF4-FFF2-40B4-BE49-F238E27FC236}">
+                      <a16:creationId xmlns:a16="http://schemas.microsoft.com/office/drawing/2014/main" id="{65F6035E-9474-4CF2-A4D5-8179690EB882}"/>
+                    </a:ext>
+                  </a:extLst>
+                </p:cNvPr>
+                <p:cNvSpPr txBox="1">
+                  <a:spLocks noRot="1" noChangeAspect="1" noMove="1" noResize="1" noEditPoints="1" noAdjustHandles="1" noChangeArrowheads="1" noChangeShapeType="1" noTextEdit="1"/>
+                </p:cNvSpPr>
+                <p:nvPr/>
+              </p:nvSpPr>
+              <p:spPr>
+                <a:xfrm>
+                  <a:off x="6308271" y="4655130"/>
+                  <a:ext cx="871649" cy="657681"/>
+                </a:xfrm>
+                <a:prstGeom prst="rect">
+                  <a:avLst/>
+                </a:prstGeom>
+                <a:blipFill>
+                  <a:blip r:embed="rId7"/>
+                  <a:stretch>
+                    <a:fillRect/>
+                  </a:stretch>
+                </a:blipFill>
+              </p:spPr>
+              <p:txBody>
+                <a:bodyPr/>
+                <a:lstStyle/>
+                <a:p>
+                  <a:r>
+                    <a:rPr lang="en-US">
+                      <a:noFill/>
+                    </a:rPr>
+                    <a:t> </a:t>
+                  </a:r>
+                </a:p>
+              </p:txBody>
+            </p:sp>
+          </mc:Fallback>
+        </mc:AlternateContent>
+        <mc:AlternateContent xmlns:mc="http://schemas.openxmlformats.org/markup-compatibility/2006">
+          <mc:Choice xmlns:a14="http://schemas.microsoft.com/office/drawing/2010/main" Requires="a14">
+            <p:sp>
+              <p:nvSpPr>
+                <p:cNvPr id="25" name="TextBox 24">
+                  <a:extLst>
+                    <a:ext uri="{FF2B5EF4-FFF2-40B4-BE49-F238E27FC236}">
+                      <a16:creationId xmlns:a16="http://schemas.microsoft.com/office/drawing/2014/main" id="{52E05306-20C1-43F3-89DC-D94CE6C2B716}"/>
+                    </a:ext>
+                  </a:extLst>
+                </p:cNvPr>
+                <p:cNvSpPr txBox="1"/>
+                <p:nvPr/>
+              </p:nvSpPr>
+              <p:spPr>
+                <a:xfrm>
+                  <a:off x="4685169" y="3717715"/>
+                  <a:ext cx="550151" cy="644664"/>
+                </a:xfrm>
+                <a:prstGeom prst="rect">
+                  <a:avLst/>
+                </a:prstGeom>
+                <a:noFill/>
+              </p:spPr>
+              <p:txBody>
+                <a:bodyPr wrap="none" rtlCol="0">
+                  <a:spAutoFit/>
+                </a:bodyPr>
+                <a:lstStyle/>
+                <a:p>
+                  <a14:m>
+                    <m:oMathPara xmlns:m="http://schemas.openxmlformats.org/officeDocument/2006/math">
+                      <m:oMathParaPr>
+                        <m:jc m:val="centerGroup"/>
+                      </m:oMathParaPr>
+                      <m:oMath xmlns:m="http://schemas.openxmlformats.org/officeDocument/2006/math">
+                        <m:acc>
+                          <m:accPr>
+                            <m:chr m:val="⃗"/>
+                            <m:ctrlPr>
+                              <a:rPr lang="en-US" sz="3200" b="0" i="1" smtClean="0">
+                                <a:latin typeface="Cambria Math" panose="02040503050406030204" pitchFamily="18" charset="0"/>
+                              </a:rPr>
+                            </m:ctrlPr>
+                          </m:accPr>
+                          <m:e>
+                            <m:r>
+                              <a:rPr lang="en-US" sz="3200" b="0" i="1" smtClean="0">
+                                <a:latin typeface="Cambria Math" panose="02040503050406030204" pitchFamily="18" charset="0"/>
+                              </a:rPr>
+                              <m:t>𝐸</m:t>
+                            </m:r>
+                          </m:e>
+                        </m:acc>
+                      </m:oMath>
+                    </m:oMathPara>
+                  </a14:m>
+                  <a:endParaRPr lang="en-US" sz="3200" dirty="0"/>
+                </a:p>
+              </p:txBody>
+            </p:sp>
+          </mc:Choice>
+          <mc:Fallback>
+            <p:sp>
+              <p:nvSpPr>
+                <p:cNvPr id="25" name="TextBox 24">
+                  <a:extLst>
+                    <a:ext uri="{FF2B5EF4-FFF2-40B4-BE49-F238E27FC236}">
+                      <a16:creationId xmlns:a16="http://schemas.microsoft.com/office/drawing/2014/main" id="{52E05306-20C1-43F3-89DC-D94CE6C2B716}"/>
+                    </a:ext>
+                  </a:extLst>
+                </p:cNvPr>
+                <p:cNvSpPr txBox="1">
+                  <a:spLocks noRot="1" noChangeAspect="1" noMove="1" noResize="1" noEditPoints="1" noAdjustHandles="1" noChangeArrowheads="1" noChangeShapeType="1" noTextEdit="1"/>
+                </p:cNvSpPr>
+                <p:nvPr/>
+              </p:nvSpPr>
+              <p:spPr>
+                <a:xfrm>
+                  <a:off x="4685169" y="3717715"/>
+                  <a:ext cx="550151" cy="644664"/>
+                </a:xfrm>
+                <a:prstGeom prst="rect">
+                  <a:avLst/>
+                </a:prstGeom>
+                <a:blipFill>
+                  <a:blip r:embed="rId8"/>
+                  <a:stretch>
+                    <a:fillRect/>
+                  </a:stretch>
+                </a:blipFill>
+              </p:spPr>
+              <p:txBody>
+                <a:bodyPr/>
+                <a:lstStyle/>
+                <a:p>
+                  <a:r>
+                    <a:rPr lang="en-US">
+                      <a:noFill/>
+                    </a:rPr>
+                    <a:t> </a:t>
+                  </a:r>
+                </a:p>
+              </p:txBody>
+            </p:sp>
+          </mc:Fallback>
+        </mc:AlternateContent>
+      </p:grpSp>
+      <p:sp>
+        <p:nvSpPr>
+          <p:cNvPr id="26" name="Multiplication Sign 25">
+            <a:extLst>
+              <a:ext uri="{FF2B5EF4-FFF2-40B4-BE49-F238E27FC236}">
+                <a16:creationId xmlns:a16="http://schemas.microsoft.com/office/drawing/2014/main" id="{32E43AC4-ADEA-4298-994B-91377D972613}"/>
+              </a:ext>
+            </a:extLst>
+          </p:cNvPr>
+          <p:cNvSpPr/>
+          <p:nvPr/>
+        </p:nvSpPr>
+        <p:spPr>
+          <a:xfrm>
+            <a:off x="1064914" y="4538812"/>
+            <a:ext cx="589490" cy="576130"/>
+          </a:xfrm>
+          <a:prstGeom prst="mathMultiply">
+            <a:avLst/>
+          </a:prstGeom>
+          <a:solidFill>
+            <a:srgbClr val="FF0000"/>
+          </a:solidFill>
+        </p:spPr>
+        <p:style>
+          <a:lnRef idx="2">
+            <a:schemeClr val="accent1">
+              <a:shade val="50000"/>
+            </a:schemeClr>
+          </a:lnRef>
+          <a:fillRef idx="1">
+            <a:schemeClr val="accent1"/>
+          </a:fillRef>
+          <a:effectRef idx="0">
+            <a:schemeClr val="accent1"/>
+          </a:effectRef>
+          <a:fontRef idx="minor">
+            <a:schemeClr val="lt1"/>
+          </a:fontRef>
+        </p:style>
+        <p:txBody>
+          <a:bodyPr rtlCol="0" anchor="ctr"/>
+          <a:lstStyle/>
+          <a:p>
+            <a:pPr algn="ctr"/>
+            <a:endParaRPr lang="en-US"/>
+          </a:p>
+        </p:txBody>
+      </p:sp>
+      <p:sp>
+        <p:nvSpPr>
+          <p:cNvPr id="27" name="Arrow: Right 26">
+            <a:extLst>
+              <a:ext uri="{FF2B5EF4-FFF2-40B4-BE49-F238E27FC236}">
+                <a16:creationId xmlns:a16="http://schemas.microsoft.com/office/drawing/2014/main" id="{5C0EE04D-1D71-4B24-A388-D74389C9FE4A}"/>
+              </a:ext>
+            </a:extLst>
+          </p:cNvPr>
+          <p:cNvSpPr/>
+          <p:nvPr/>
+        </p:nvSpPr>
+        <p:spPr>
+          <a:xfrm rot="16200000">
+            <a:off x="1132945" y="5868017"/>
+            <a:ext cx="1039372" cy="112852"/>
+          </a:xfrm>
+          <a:prstGeom prst="rightArrow">
+            <a:avLst/>
+          </a:prstGeom>
+          <a:solidFill>
+            <a:schemeClr val="accent6"/>
+          </a:solidFill>
+        </p:spPr>
+        <p:style>
+          <a:lnRef idx="2">
+            <a:schemeClr val="accent1">
+              <a:shade val="50000"/>
+            </a:schemeClr>
+          </a:lnRef>
+          <a:fillRef idx="1">
+            <a:schemeClr val="accent1"/>
+          </a:fillRef>
+          <a:effectRef idx="0">
+            <a:schemeClr val="accent1"/>
+          </a:effectRef>
+          <a:fontRef idx="minor">
+            <a:schemeClr val="lt1"/>
+          </a:fontRef>
+        </p:style>
+        <p:txBody>
+          <a:bodyPr rtlCol="0" anchor="ctr"/>
+          <a:lstStyle/>
+          <a:p>
+            <a:pPr algn="ctr"/>
+            <a:endParaRPr lang="en-US"/>
+          </a:p>
+        </p:txBody>
+      </p:sp>
+      <p:sp>
+        <p:nvSpPr>
+          <p:cNvPr id="28" name="Arrow: Right 27">
+            <a:extLst>
+              <a:ext uri="{FF2B5EF4-FFF2-40B4-BE49-F238E27FC236}">
+                <a16:creationId xmlns:a16="http://schemas.microsoft.com/office/drawing/2014/main" id="{F788D28C-130A-47D0-92EE-C1BD13AF8F78}"/>
+              </a:ext>
+            </a:extLst>
+          </p:cNvPr>
+          <p:cNvSpPr/>
+          <p:nvPr/>
+        </p:nvSpPr>
+        <p:spPr>
+          <a:xfrm rot="512423">
+            <a:off x="2010462" y="5364849"/>
+            <a:ext cx="712491" cy="156588"/>
+          </a:xfrm>
+          <a:prstGeom prst="rightArrow">
+            <a:avLst/>
+          </a:prstGeom>
+          <a:solidFill>
+            <a:schemeClr val="accent6"/>
+          </a:solidFill>
+        </p:spPr>
+        <p:style>
+          <a:lnRef idx="2">
+            <a:schemeClr val="accent1">
+              <a:shade val="50000"/>
+            </a:schemeClr>
+          </a:lnRef>
+          <a:fillRef idx="1">
+            <a:schemeClr val="accent1"/>
+          </a:fillRef>
+          <a:effectRef idx="0">
+            <a:schemeClr val="accent1"/>
+          </a:effectRef>
+          <a:fontRef idx="minor">
+            <a:schemeClr val="lt1"/>
+          </a:fontRef>
+        </p:style>
+        <p:txBody>
+          <a:bodyPr rtlCol="0" anchor="ctr"/>
+          <a:lstStyle/>
+          <a:p>
+            <a:pPr algn="ctr"/>
+            <a:endParaRPr lang="en-US"/>
+          </a:p>
+        </p:txBody>
+      </p:sp>
+      <p:sp>
+        <p:nvSpPr>
+          <p:cNvPr id="29" name="Arrow: Right 28">
+            <a:extLst>
+              <a:ext uri="{FF2B5EF4-FFF2-40B4-BE49-F238E27FC236}">
+                <a16:creationId xmlns:a16="http://schemas.microsoft.com/office/drawing/2014/main" id="{6D372C9A-6953-4F85-9FB3-869D5AB87896}"/>
+              </a:ext>
+            </a:extLst>
+          </p:cNvPr>
+          <p:cNvSpPr/>
+          <p:nvPr/>
+        </p:nvSpPr>
+        <p:spPr>
+          <a:xfrm rot="13214849">
+            <a:off x="1870031" y="4636359"/>
+            <a:ext cx="1127243" cy="123176"/>
+          </a:xfrm>
+          <a:prstGeom prst="rightArrow">
+            <a:avLst/>
+          </a:prstGeom>
+          <a:solidFill>
+            <a:schemeClr val="accent6"/>
+          </a:solidFill>
+        </p:spPr>
+        <p:style>
+          <a:lnRef idx="2">
+            <a:schemeClr val="accent1">
+              <a:shade val="50000"/>
+            </a:schemeClr>
+          </a:lnRef>
+          <a:fillRef idx="1">
+            <a:schemeClr val="accent1"/>
+          </a:fillRef>
+          <a:effectRef idx="0">
+            <a:schemeClr val="accent1"/>
+          </a:effectRef>
+          <a:fontRef idx="minor">
+            <a:schemeClr val="lt1"/>
+          </a:fontRef>
+        </p:style>
+        <p:txBody>
+          <a:bodyPr rtlCol="0" anchor="ctr"/>
+          <a:lstStyle/>
+          <a:p>
+            <a:pPr algn="ctr"/>
+            <a:endParaRPr lang="en-US"/>
+          </a:p>
+        </p:txBody>
+      </p:sp>
+      <p:sp>
+        <p:nvSpPr>
+          <p:cNvPr id="31" name="Rectangle 30">
+            <a:extLst>
+              <a:ext uri="{FF2B5EF4-FFF2-40B4-BE49-F238E27FC236}">
+                <a16:creationId xmlns:a16="http://schemas.microsoft.com/office/drawing/2014/main" id="{D74F18A4-DE74-46B5-9C4D-C99EA71C2D6C}"/>
+              </a:ext>
+            </a:extLst>
+          </p:cNvPr>
+          <p:cNvSpPr/>
+          <p:nvPr/>
+        </p:nvSpPr>
+        <p:spPr>
+          <a:xfrm>
+            <a:off x="5598979" y="634838"/>
+            <a:ext cx="3306229" cy="751323"/>
+          </a:xfrm>
+          <a:prstGeom prst="rect">
+            <a:avLst/>
+          </a:prstGeom>
+          <a:noFill/>
+          <a:ln w="38100">
+            <a:solidFill>
+              <a:srgbClr val="FF0000"/>
+            </a:solidFill>
+          </a:ln>
+        </p:spPr>
+        <p:style>
+          <a:lnRef idx="2">
+            <a:schemeClr val="accent1">
+              <a:shade val="50000"/>
+            </a:schemeClr>
+          </a:lnRef>
+          <a:fillRef idx="1">
+            <a:schemeClr val="accent1"/>
+          </a:fillRef>
+          <a:effectRef idx="0">
+            <a:schemeClr val="accent1"/>
+          </a:effectRef>
+          <a:fontRef idx="minor">
+            <a:schemeClr val="lt1"/>
+          </a:fontRef>
+        </p:style>
+        <p:txBody>
+          <a:bodyPr rtlCol="0" anchor="ctr"/>
+          <a:lstStyle/>
+          <a:p>
+            <a:pPr algn="ctr"/>
+            <a:endParaRPr lang="en-US"/>
+          </a:p>
+        </p:txBody>
+      </p:sp>
+      <p:sp>
+        <p:nvSpPr>
+          <p:cNvPr id="32" name="Rectangle 31">
+            <a:extLst>
+              <a:ext uri="{FF2B5EF4-FFF2-40B4-BE49-F238E27FC236}">
+                <a16:creationId xmlns:a16="http://schemas.microsoft.com/office/drawing/2014/main" id="{0188BFE4-9C08-42F5-BA3B-28E8533F9A3F}"/>
+              </a:ext>
+            </a:extLst>
+          </p:cNvPr>
+          <p:cNvSpPr/>
+          <p:nvPr/>
+        </p:nvSpPr>
+        <p:spPr>
+          <a:xfrm>
+            <a:off x="8081060" y="1418247"/>
+            <a:ext cx="2979103" cy="457147"/>
+          </a:xfrm>
+          <a:prstGeom prst="rect">
+            <a:avLst/>
+          </a:prstGeom>
+          <a:noFill/>
+          <a:ln w="38100">
+            <a:solidFill>
+              <a:srgbClr val="FF0000"/>
+            </a:solidFill>
+          </a:ln>
+        </p:spPr>
+        <p:style>
+          <a:lnRef idx="2">
+            <a:schemeClr val="accent1">
+              <a:shade val="50000"/>
+            </a:schemeClr>
+          </a:lnRef>
+          <a:fillRef idx="1">
+            <a:schemeClr val="accent1"/>
+          </a:fillRef>
+          <a:effectRef idx="0">
+            <a:schemeClr val="accent1"/>
+          </a:effectRef>
+          <a:fontRef idx="minor">
+            <a:schemeClr val="lt1"/>
+          </a:fontRef>
+        </p:style>
+        <p:txBody>
+          <a:bodyPr rtlCol="0" anchor="ctr"/>
+          <a:lstStyle/>
+          <a:p>
+            <a:pPr algn="ctr"/>
+            <a:endParaRPr lang="en-US"/>
+          </a:p>
+        </p:txBody>
+      </p:sp>
+      <p:sp>
+        <p:nvSpPr>
+          <p:cNvPr id="33" name="Rectangle 32">
+            <a:extLst>
+              <a:ext uri="{FF2B5EF4-FFF2-40B4-BE49-F238E27FC236}">
+                <a16:creationId xmlns:a16="http://schemas.microsoft.com/office/drawing/2014/main" id="{CBD407D8-1F31-4350-B9F9-1A67E73C9FBC}"/>
+              </a:ext>
+            </a:extLst>
+          </p:cNvPr>
+          <p:cNvSpPr/>
+          <p:nvPr/>
+        </p:nvSpPr>
+        <p:spPr>
+          <a:xfrm>
+            <a:off x="5177853" y="1892004"/>
+            <a:ext cx="3306229" cy="751323"/>
+          </a:xfrm>
+          <a:prstGeom prst="rect">
+            <a:avLst/>
+          </a:prstGeom>
+          <a:noFill/>
+          <a:ln w="38100">
+            <a:solidFill>
+              <a:srgbClr val="FF0000"/>
+            </a:solidFill>
+          </a:ln>
+        </p:spPr>
+        <p:style>
+          <a:lnRef idx="2">
+            <a:schemeClr val="accent1">
+              <a:shade val="50000"/>
+            </a:schemeClr>
+          </a:lnRef>
+          <a:fillRef idx="1">
+            <a:schemeClr val="accent1"/>
+          </a:fillRef>
+          <a:effectRef idx="0">
+            <a:schemeClr val="accent1"/>
+          </a:effectRef>
+          <a:fontRef idx="minor">
+            <a:schemeClr val="lt1"/>
+          </a:fontRef>
+        </p:style>
+        <p:txBody>
+          <a:bodyPr rtlCol="0" anchor="ctr"/>
+          <a:lstStyle/>
+          <a:p>
+            <a:pPr algn="ctr"/>
+            <a:endParaRPr lang="en-US"/>
+          </a:p>
+        </p:txBody>
+      </p:sp>
+      <p:sp>
+        <p:nvSpPr>
+          <p:cNvPr id="34" name="Rectangle 33">
+            <a:extLst>
+              <a:ext uri="{FF2B5EF4-FFF2-40B4-BE49-F238E27FC236}">
+                <a16:creationId xmlns:a16="http://schemas.microsoft.com/office/drawing/2014/main" id="{E15466BA-2FDC-418F-BEDE-DD65E8D9C643}"/>
+              </a:ext>
+            </a:extLst>
+          </p:cNvPr>
+          <p:cNvSpPr/>
+          <p:nvPr/>
+        </p:nvSpPr>
+        <p:spPr>
+          <a:xfrm>
+            <a:off x="6764791" y="2647822"/>
+            <a:ext cx="3829436" cy="668288"/>
+          </a:xfrm>
+          <a:prstGeom prst="rect">
+            <a:avLst/>
+          </a:prstGeom>
+          <a:noFill/>
+          <a:ln w="38100">
+            <a:solidFill>
+              <a:srgbClr val="FF0000"/>
+            </a:solidFill>
+          </a:ln>
+        </p:spPr>
+        <p:style>
+          <a:lnRef idx="2">
+            <a:schemeClr val="accent1">
+              <a:shade val="50000"/>
+            </a:schemeClr>
+          </a:lnRef>
+          <a:fillRef idx="1">
+            <a:schemeClr val="accent1"/>
+          </a:fillRef>
+          <a:effectRef idx="0">
+            <a:schemeClr val="accent1"/>
+          </a:effectRef>
+          <a:fontRef idx="minor">
+            <a:schemeClr val="lt1"/>
+          </a:fontRef>
+        </p:style>
+        <p:txBody>
+          <a:bodyPr rtlCol="0" anchor="ctr"/>
+          <a:lstStyle/>
+          <a:p>
+            <a:pPr algn="ctr"/>
+            <a:endParaRPr lang="en-US"/>
+          </a:p>
+        </p:txBody>
+      </p:sp>
     </p:spTree>
     <p:extLst>
       <p:ext uri="{BB962C8B-B14F-4D97-AF65-F5344CB8AC3E}">
         <p14:creationId xmlns:p14="http://schemas.microsoft.com/office/powerpoint/2010/main" val="1395785294"/>
+      </p:ext>
+    </p:extLst>
+  </p:cSld>
+  <p:clrMapOvr>
+    <a:masterClrMapping/>
+  </p:clrMapOvr>
+  <p:timing>
+    <p:tnLst>
+      <p:par>
+        <p:cTn id="1" dur="indefinite" restart="never" nodeType="tmRoot">
+          <p:childTnLst>
+            <p:seq concurrent="1" nextAc="seek">
+              <p:cTn id="2" dur="indefinite" nodeType="mainSeq">
+                <p:childTnLst>
+                  <p:par>
+                    <p:cTn id="3" fill="hold">
+                      <p:stCondLst>
+                        <p:cond delay="indefinite"/>
+                      </p:stCondLst>
+                      <p:childTnLst>
+                        <p:par>
+                          <p:cTn id="4" fill="hold">
+                            <p:stCondLst>
+                              <p:cond delay="0"/>
+                            </p:stCondLst>
+                            <p:childTnLst>
+                              <p:par>
+                                <p:cTn id="5" presetID="10" presetClass="entr" presetSubtype="0" fill="hold" nodeType="clickEffect">
+                                  <p:stCondLst>
+                                    <p:cond delay="0"/>
+                                  </p:stCondLst>
+                                  <p:childTnLst>
+                                    <p:set>
+                                      <p:cBhvr>
+                                        <p:cTn id="6" dur="1" fill="hold">
+                                          <p:stCondLst>
+                                            <p:cond delay="0"/>
+                                          </p:stCondLst>
+                                        </p:cTn>
+                                        <p:tgtEl>
+                                          <p:spTgt spid="4"/>
+                                        </p:tgtEl>
+                                        <p:attrNameLst>
+                                          <p:attrName>style.visibility</p:attrName>
+                                        </p:attrNameLst>
+                                      </p:cBhvr>
+                                      <p:to>
+                                        <p:strVal val="visible"/>
+                                      </p:to>
+                                    </p:set>
+                                    <p:animEffect transition="in" filter="fade">
+                                      <p:cBhvr>
+                                        <p:cTn id="7" dur="500"/>
+                                        <p:tgtEl>
+                                          <p:spTgt spid="4"/>
+                                        </p:tgtEl>
+                                      </p:cBhvr>
+                                    </p:animEffect>
+                                  </p:childTnLst>
+                                </p:cTn>
+                              </p:par>
+                            </p:childTnLst>
+                          </p:cTn>
+                        </p:par>
+                      </p:childTnLst>
+                    </p:cTn>
+                  </p:par>
+                  <p:par>
+                    <p:cTn id="8" fill="hold">
+                      <p:stCondLst>
+                        <p:cond delay="indefinite"/>
+                      </p:stCondLst>
+                      <p:childTnLst>
+                        <p:par>
+                          <p:cTn id="9" fill="hold">
+                            <p:stCondLst>
+                              <p:cond delay="0"/>
+                            </p:stCondLst>
+                            <p:childTnLst>
+                              <p:par>
+                                <p:cTn id="10" presetID="10" presetClass="entr" presetSubtype="0" fill="hold" grpId="0" nodeType="clickEffect">
+                                  <p:stCondLst>
+                                    <p:cond delay="0"/>
+                                  </p:stCondLst>
+                                  <p:childTnLst>
+                                    <p:set>
+                                      <p:cBhvr>
+                                        <p:cTn id="11" dur="1" fill="hold">
+                                          <p:stCondLst>
+                                            <p:cond delay="0"/>
+                                          </p:stCondLst>
+                                        </p:cTn>
+                                        <p:tgtEl>
+                                          <p:spTgt spid="26"/>
+                                        </p:tgtEl>
+                                        <p:attrNameLst>
+                                          <p:attrName>style.visibility</p:attrName>
+                                        </p:attrNameLst>
+                                      </p:cBhvr>
+                                      <p:to>
+                                        <p:strVal val="visible"/>
+                                      </p:to>
+                                    </p:set>
+                                    <p:animEffect transition="in" filter="fade">
+                                      <p:cBhvr>
+                                        <p:cTn id="12" dur="500"/>
+                                        <p:tgtEl>
+                                          <p:spTgt spid="26"/>
+                                        </p:tgtEl>
+                                      </p:cBhvr>
+                                    </p:animEffect>
+                                  </p:childTnLst>
+                                </p:cTn>
+                              </p:par>
+                            </p:childTnLst>
+                          </p:cTn>
+                        </p:par>
+                      </p:childTnLst>
+                    </p:cTn>
+                  </p:par>
+                  <p:par>
+                    <p:cTn id="13" fill="hold">
+                      <p:stCondLst>
+                        <p:cond delay="indefinite"/>
+                      </p:stCondLst>
+                      <p:childTnLst>
+                        <p:par>
+                          <p:cTn id="14" fill="hold">
+                            <p:stCondLst>
+                              <p:cond delay="0"/>
+                            </p:stCondLst>
+                            <p:childTnLst>
+                              <p:par>
+                                <p:cTn id="15" presetID="10" presetClass="entr" presetSubtype="0" fill="hold" grpId="0" nodeType="clickEffect">
+                                  <p:stCondLst>
+                                    <p:cond delay="0"/>
+                                  </p:stCondLst>
+                                  <p:childTnLst>
+                                    <p:set>
+                                      <p:cBhvr>
+                                        <p:cTn id="16" dur="1" fill="hold">
+                                          <p:stCondLst>
+                                            <p:cond delay="0"/>
+                                          </p:stCondLst>
+                                        </p:cTn>
+                                        <p:tgtEl>
+                                          <p:spTgt spid="29"/>
+                                        </p:tgtEl>
+                                        <p:attrNameLst>
+                                          <p:attrName>style.visibility</p:attrName>
+                                        </p:attrNameLst>
+                                      </p:cBhvr>
+                                      <p:to>
+                                        <p:strVal val="visible"/>
+                                      </p:to>
+                                    </p:set>
+                                    <p:animEffect transition="in" filter="fade">
+                                      <p:cBhvr>
+                                        <p:cTn id="17" dur="500"/>
+                                        <p:tgtEl>
+                                          <p:spTgt spid="29"/>
+                                        </p:tgtEl>
+                                      </p:cBhvr>
+                                    </p:animEffect>
+                                  </p:childTnLst>
+                                </p:cTn>
+                              </p:par>
+                              <p:par>
+                                <p:cTn id="18" presetID="10" presetClass="entr" presetSubtype="0" fill="hold" grpId="0" nodeType="withEffect">
+                                  <p:stCondLst>
+                                    <p:cond delay="0"/>
+                                  </p:stCondLst>
+                                  <p:childTnLst>
+                                    <p:set>
+                                      <p:cBhvr>
+                                        <p:cTn id="19" dur="1" fill="hold">
+                                          <p:stCondLst>
+                                            <p:cond delay="0"/>
+                                          </p:stCondLst>
+                                        </p:cTn>
+                                        <p:tgtEl>
+                                          <p:spTgt spid="28"/>
+                                        </p:tgtEl>
+                                        <p:attrNameLst>
+                                          <p:attrName>style.visibility</p:attrName>
+                                        </p:attrNameLst>
+                                      </p:cBhvr>
+                                      <p:to>
+                                        <p:strVal val="visible"/>
+                                      </p:to>
+                                    </p:set>
+                                    <p:animEffect transition="in" filter="fade">
+                                      <p:cBhvr>
+                                        <p:cTn id="20" dur="500"/>
+                                        <p:tgtEl>
+                                          <p:spTgt spid="28"/>
+                                        </p:tgtEl>
+                                      </p:cBhvr>
+                                    </p:animEffect>
+                                  </p:childTnLst>
+                                </p:cTn>
+                              </p:par>
+                              <p:par>
+                                <p:cTn id="21" presetID="10" presetClass="entr" presetSubtype="0" fill="hold" grpId="0" nodeType="withEffect">
+                                  <p:stCondLst>
+                                    <p:cond delay="0"/>
+                                  </p:stCondLst>
+                                  <p:childTnLst>
+                                    <p:set>
+                                      <p:cBhvr>
+                                        <p:cTn id="22" dur="1" fill="hold">
+                                          <p:stCondLst>
+                                            <p:cond delay="0"/>
+                                          </p:stCondLst>
+                                        </p:cTn>
+                                        <p:tgtEl>
+                                          <p:spTgt spid="27"/>
+                                        </p:tgtEl>
+                                        <p:attrNameLst>
+                                          <p:attrName>style.visibility</p:attrName>
+                                        </p:attrNameLst>
+                                      </p:cBhvr>
+                                      <p:to>
+                                        <p:strVal val="visible"/>
+                                      </p:to>
+                                    </p:set>
+                                    <p:animEffect transition="in" filter="fade">
+                                      <p:cBhvr>
+                                        <p:cTn id="23" dur="500"/>
+                                        <p:tgtEl>
+                                          <p:spTgt spid="27"/>
+                                        </p:tgtEl>
+                                      </p:cBhvr>
+                                    </p:animEffect>
+                                  </p:childTnLst>
+                                </p:cTn>
+                              </p:par>
+                            </p:childTnLst>
+                          </p:cTn>
+                        </p:par>
+                      </p:childTnLst>
+                    </p:cTn>
+                  </p:par>
+                  <p:par>
+                    <p:cTn id="24" fill="hold">
+                      <p:stCondLst>
+                        <p:cond delay="indefinite"/>
+                      </p:stCondLst>
+                      <p:childTnLst>
+                        <p:par>
+                          <p:cTn id="25" fill="hold">
+                            <p:stCondLst>
+                              <p:cond delay="0"/>
+                            </p:stCondLst>
+                            <p:childTnLst>
+                              <p:par>
+                                <p:cTn id="26" presetID="10" presetClass="entr" presetSubtype="0" fill="hold" nodeType="clickEffect">
+                                  <p:stCondLst>
+                                    <p:cond delay="0"/>
+                                  </p:stCondLst>
+                                  <p:childTnLst>
+                                    <p:set>
+                                      <p:cBhvr>
+                                        <p:cTn id="27" dur="1" fill="hold">
+                                          <p:stCondLst>
+                                            <p:cond delay="0"/>
+                                          </p:stCondLst>
+                                        </p:cTn>
+                                        <p:tgtEl>
+                                          <p:spTgt spid="30"/>
+                                        </p:tgtEl>
+                                        <p:attrNameLst>
+                                          <p:attrName>style.visibility</p:attrName>
+                                        </p:attrNameLst>
+                                      </p:cBhvr>
+                                      <p:to>
+                                        <p:strVal val="visible"/>
+                                      </p:to>
+                                    </p:set>
+                                    <p:animEffect transition="in" filter="fade">
+                                      <p:cBhvr>
+                                        <p:cTn id="28" dur="500"/>
+                                        <p:tgtEl>
+                                          <p:spTgt spid="30"/>
+                                        </p:tgtEl>
+                                      </p:cBhvr>
+                                    </p:animEffect>
+                                  </p:childTnLst>
+                                </p:cTn>
+                              </p:par>
+                            </p:childTnLst>
+                          </p:cTn>
+                        </p:par>
+                      </p:childTnLst>
+                    </p:cTn>
+                  </p:par>
+                  <p:par>
+                    <p:cTn id="29" fill="hold">
+                      <p:stCondLst>
+                        <p:cond delay="indefinite"/>
+                      </p:stCondLst>
+                      <p:childTnLst>
+                        <p:par>
+                          <p:cTn id="30" fill="hold">
+                            <p:stCondLst>
+                              <p:cond delay="0"/>
+                            </p:stCondLst>
+                            <p:childTnLst>
+                              <p:par>
+                                <p:cTn id="31" presetID="10" presetClass="entr" presetSubtype="0" fill="hold" nodeType="clickEffect">
+                                  <p:stCondLst>
+                                    <p:cond delay="0"/>
+                                  </p:stCondLst>
+                                  <p:childTnLst>
+                                    <p:set>
+                                      <p:cBhvr>
+                                        <p:cTn id="32" dur="1" fill="hold">
+                                          <p:stCondLst>
+                                            <p:cond delay="0"/>
+                                          </p:stCondLst>
+                                        </p:cTn>
+                                        <p:tgtEl>
+                                          <p:spTgt spid="5"/>
+                                        </p:tgtEl>
+                                        <p:attrNameLst>
+                                          <p:attrName>style.visibility</p:attrName>
+                                        </p:attrNameLst>
+                                      </p:cBhvr>
+                                      <p:to>
+                                        <p:strVal val="visible"/>
+                                      </p:to>
+                                    </p:set>
+                                    <p:animEffect transition="in" filter="fade">
+                                      <p:cBhvr>
+                                        <p:cTn id="33" dur="500"/>
+                                        <p:tgtEl>
+                                          <p:spTgt spid="5"/>
+                                        </p:tgtEl>
+                                      </p:cBhvr>
+                                    </p:animEffect>
+                                  </p:childTnLst>
+                                </p:cTn>
+                              </p:par>
+                            </p:childTnLst>
+                          </p:cTn>
+                        </p:par>
+                      </p:childTnLst>
+                    </p:cTn>
+                  </p:par>
+                </p:childTnLst>
+              </p:cTn>
+              <p:prevCondLst>
+                <p:cond evt="onPrev" delay="0">
+                  <p:tgtEl>
+                    <p:sldTgt/>
+                  </p:tgtEl>
+                </p:cond>
+              </p:prevCondLst>
+              <p:nextCondLst>
+                <p:cond evt="onNext" delay="0">
+                  <p:tgtEl>
+                    <p:sldTgt/>
+                  </p:tgtEl>
+                </p:cond>
+              </p:nextCondLst>
+            </p:seq>
+          </p:childTnLst>
+        </p:cTn>
+      </p:par>
+    </p:tnLst>
+    <p:bldLst>
+      <p:bldP spid="26" grpId="0" animBg="1"/>
+      <p:bldP spid="27" grpId="0" animBg="1"/>
+      <p:bldP spid="28" grpId="0" animBg="1"/>
+      <p:bldP spid="29" grpId="0" animBg="1"/>
+    </p:bldLst>
+  </p:timing>
+</p:sld>
+</file>
+
+<file path=ppt/slides/slide13.xml><?xml version="1.0" encoding="utf-8"?>
+<p:sld xmlns:a="http://schemas.openxmlformats.org/drawingml/2006/main" xmlns:r="http://schemas.openxmlformats.org/officeDocument/2006/relationships" xmlns:p="http://schemas.openxmlformats.org/presentationml/2006/main">
+  <p:cSld>
+    <p:spTree>
+      <p:nvGrpSpPr>
+        <p:cNvPr id="1" name=""/>
+        <p:cNvGrpSpPr/>
+        <p:nvPr/>
+      </p:nvGrpSpPr>
+      <p:grpSpPr>
+        <a:xfrm>
+          <a:off x="0" y="0"/>
+          <a:ext cx="0" cy="0"/>
+          <a:chOff x="0" y="0"/>
+          <a:chExt cx="0" cy="0"/>
+        </a:xfrm>
+      </p:grpSpPr>
+      <p:sp>
+        <p:nvSpPr>
+          <p:cNvPr id="4" name="Rectangle 3">
+            <a:extLst>
+              <a:ext uri="{FF2B5EF4-FFF2-40B4-BE49-F238E27FC236}">
+                <a16:creationId xmlns:a16="http://schemas.microsoft.com/office/drawing/2014/main" id="{4DCD9741-ED5B-475D-841A-0267869F2E71}"/>
+              </a:ext>
+            </a:extLst>
+          </p:cNvPr>
+          <p:cNvSpPr/>
+          <p:nvPr/>
+        </p:nvSpPr>
+        <p:spPr>
+          <a:xfrm>
+            <a:off x="0" y="594291"/>
+            <a:ext cx="12192000" cy="829312"/>
+          </a:xfrm>
+          <a:prstGeom prst="rect">
+            <a:avLst/>
+          </a:prstGeom>
+          <a:solidFill>
+            <a:schemeClr val="tx1"/>
+          </a:solidFill>
+        </p:spPr>
+        <p:style>
+          <a:lnRef idx="2">
+            <a:schemeClr val="accent1">
+              <a:shade val="50000"/>
+            </a:schemeClr>
+          </a:lnRef>
+          <a:fillRef idx="1">
+            <a:schemeClr val="accent1"/>
+          </a:fillRef>
+          <a:effectRef idx="0">
+            <a:schemeClr val="accent1"/>
+          </a:effectRef>
+          <a:fontRef idx="minor">
+            <a:schemeClr val="lt1"/>
+          </a:fontRef>
+        </p:style>
+        <p:txBody>
+          <a:bodyPr rtlCol="0" anchor="ctr"/>
+          <a:lstStyle/>
+          <a:p>
+            <a:pPr algn="ctr"/>
+            <a:r>
+              <a:rPr lang="en-US" sz="3200" dirty="0">
+                <a:latin typeface="Arial" panose="020B0604020202020204" pitchFamily="34" charset="0"/>
+                <a:cs typeface="Arial" panose="020B0604020202020204" pitchFamily="34" charset="0"/>
+              </a:rPr>
+              <a:t>multiple three-level atoms</a:t>
+            </a:r>
+          </a:p>
+        </p:txBody>
+      </p:sp>
+      <p:pic>
+        <p:nvPicPr>
+          <p:cNvPr id="5" name="Picture 4">
+            <a:extLst>
+              <a:ext uri="{FF2B5EF4-FFF2-40B4-BE49-F238E27FC236}">
+                <a16:creationId xmlns:a16="http://schemas.microsoft.com/office/drawing/2014/main" id="{3E277853-968F-451C-B847-461ACCD41260}"/>
+              </a:ext>
+            </a:extLst>
+          </p:cNvPr>
+          <p:cNvPicPr>
+            <a:picLocks noChangeAspect="1"/>
+          </p:cNvPicPr>
+          <p:nvPr/>
+        </p:nvPicPr>
+        <p:blipFill>
+          <a:blip r:embed="rId2"/>
+          <a:stretch>
+            <a:fillRect/>
+          </a:stretch>
+        </p:blipFill>
+        <p:spPr>
+          <a:xfrm>
+            <a:off x="3738069" y="1757657"/>
+            <a:ext cx="6830637" cy="833787"/>
+          </a:xfrm>
+          <a:prstGeom prst="rect">
+            <a:avLst/>
+          </a:prstGeom>
+        </p:spPr>
+      </p:pic>
+      <p:sp>
+        <p:nvSpPr>
+          <p:cNvPr id="6" name="TextBox 5">
+            <a:extLst>
+              <a:ext uri="{FF2B5EF4-FFF2-40B4-BE49-F238E27FC236}">
+                <a16:creationId xmlns:a16="http://schemas.microsoft.com/office/drawing/2014/main" id="{3B98BFC0-381F-4FC0-A5B6-8F5BE9A039F4}"/>
+              </a:ext>
+            </a:extLst>
+          </p:cNvPr>
+          <p:cNvSpPr txBox="1"/>
+          <p:nvPr/>
+        </p:nvSpPr>
+        <p:spPr>
+          <a:xfrm>
+            <a:off x="1009016" y="1857516"/>
+            <a:ext cx="2507418" cy="584775"/>
+          </a:xfrm>
+          <a:prstGeom prst="rect">
+            <a:avLst/>
+          </a:prstGeom>
+          <a:noFill/>
+        </p:spPr>
+        <p:txBody>
+          <a:bodyPr wrap="none" rtlCol="0">
+            <a:spAutoFit/>
+          </a:bodyPr>
+          <a:lstStyle/>
+          <a:p>
+            <a:r>
+              <a:rPr lang="en-US" sz="3200" dirty="0">
+                <a:latin typeface="Arial" panose="020B0604020202020204" pitchFamily="34" charset="0"/>
+                <a:cs typeface="Arial" panose="020B0604020202020204" pitchFamily="34" charset="0"/>
+              </a:rPr>
+              <a:t>steady state:</a:t>
+            </a:r>
+          </a:p>
+        </p:txBody>
+      </p:sp>
+      <p:pic>
+        <p:nvPicPr>
+          <p:cNvPr id="8" name="Picture 7">
+            <a:extLst>
+              <a:ext uri="{FF2B5EF4-FFF2-40B4-BE49-F238E27FC236}">
+                <a16:creationId xmlns:a16="http://schemas.microsoft.com/office/drawing/2014/main" id="{03EF2004-00C1-4EAF-8190-F6B42AD3B688}"/>
+              </a:ext>
+            </a:extLst>
+          </p:cNvPr>
+          <p:cNvPicPr>
+            <a:picLocks noChangeAspect="1"/>
+          </p:cNvPicPr>
+          <p:nvPr/>
+        </p:nvPicPr>
+        <p:blipFill>
+          <a:blip r:embed="rId3"/>
+          <a:stretch>
+            <a:fillRect/>
+          </a:stretch>
+        </p:blipFill>
+        <p:spPr>
+          <a:xfrm>
+            <a:off x="6390156" y="2720435"/>
+            <a:ext cx="4526399" cy="3337559"/>
+          </a:xfrm>
+          <a:prstGeom prst="rect">
+            <a:avLst/>
+          </a:prstGeom>
+        </p:spPr>
+      </p:pic>
+      <p:pic>
+        <p:nvPicPr>
+          <p:cNvPr id="9" name="Picture 8">
+            <a:extLst>
+              <a:ext uri="{FF2B5EF4-FFF2-40B4-BE49-F238E27FC236}">
+                <a16:creationId xmlns:a16="http://schemas.microsoft.com/office/drawing/2014/main" id="{C762AEC6-4390-4481-8192-BE952DF50E29}"/>
+              </a:ext>
+            </a:extLst>
+          </p:cNvPr>
+          <p:cNvPicPr>
+            <a:picLocks noChangeAspect="1"/>
+          </p:cNvPicPr>
+          <p:nvPr/>
+        </p:nvPicPr>
+        <p:blipFill>
+          <a:blip r:embed="rId4"/>
+          <a:stretch>
+            <a:fillRect/>
+          </a:stretch>
+        </p:blipFill>
+        <p:spPr>
+          <a:xfrm>
+            <a:off x="640499" y="2720435"/>
+            <a:ext cx="4686599" cy="3337559"/>
+          </a:xfrm>
+          <a:prstGeom prst="rect">
+            <a:avLst/>
+          </a:prstGeom>
+        </p:spPr>
+      </p:pic>
+      <p:sp>
+        <p:nvSpPr>
+          <p:cNvPr id="10" name="Rectangle 9">
+            <a:extLst>
+              <a:ext uri="{FF2B5EF4-FFF2-40B4-BE49-F238E27FC236}">
+                <a16:creationId xmlns:a16="http://schemas.microsoft.com/office/drawing/2014/main" id="{D6AFB728-BCA9-495F-BD55-88C6B5BB7219}"/>
+              </a:ext>
+            </a:extLst>
+          </p:cNvPr>
+          <p:cNvSpPr/>
+          <p:nvPr/>
+        </p:nvSpPr>
+        <p:spPr>
+          <a:xfrm>
+            <a:off x="391538" y="2876204"/>
+            <a:ext cx="497924" cy="731520"/>
+          </a:xfrm>
+          <a:prstGeom prst="rect">
+            <a:avLst/>
+          </a:prstGeom>
+          <a:solidFill>
+            <a:schemeClr val="bg1"/>
+          </a:solidFill>
+          <a:ln>
+            <a:noFill/>
+          </a:ln>
+        </p:spPr>
+        <p:style>
+          <a:lnRef idx="2">
+            <a:schemeClr val="accent1">
+              <a:shade val="50000"/>
+            </a:schemeClr>
+          </a:lnRef>
+          <a:fillRef idx="1">
+            <a:schemeClr val="accent1"/>
+          </a:fillRef>
+          <a:effectRef idx="0">
+            <a:schemeClr val="accent1"/>
+          </a:effectRef>
+          <a:fontRef idx="minor">
+            <a:schemeClr val="lt1"/>
+          </a:fontRef>
+        </p:style>
+        <p:txBody>
+          <a:bodyPr rtlCol="0" anchor="ctr"/>
+          <a:lstStyle/>
+          <a:p>
+            <a:pPr algn="ctr"/>
+            <a:endParaRPr lang="en-US"/>
+          </a:p>
+        </p:txBody>
+      </p:sp>
+      <p:sp>
+        <p:nvSpPr>
+          <p:cNvPr id="11" name="Rectangle 10">
+            <a:extLst>
+              <a:ext uri="{FF2B5EF4-FFF2-40B4-BE49-F238E27FC236}">
+                <a16:creationId xmlns:a16="http://schemas.microsoft.com/office/drawing/2014/main" id="{90922BBF-A1A9-4571-9364-55504BBEA5AD}"/>
+              </a:ext>
+            </a:extLst>
+          </p:cNvPr>
+          <p:cNvSpPr/>
+          <p:nvPr/>
+        </p:nvSpPr>
+        <p:spPr>
+          <a:xfrm>
+            <a:off x="6051085" y="2956366"/>
+            <a:ext cx="497924" cy="731520"/>
+          </a:xfrm>
+          <a:prstGeom prst="rect">
+            <a:avLst/>
+          </a:prstGeom>
+          <a:solidFill>
+            <a:schemeClr val="bg1"/>
+          </a:solidFill>
+          <a:ln>
+            <a:noFill/>
+          </a:ln>
+        </p:spPr>
+        <p:style>
+          <a:lnRef idx="2">
+            <a:schemeClr val="accent1">
+              <a:shade val="50000"/>
+            </a:schemeClr>
+          </a:lnRef>
+          <a:fillRef idx="1">
+            <a:schemeClr val="accent1"/>
+          </a:fillRef>
+          <a:effectRef idx="0">
+            <a:schemeClr val="accent1"/>
+          </a:effectRef>
+          <a:fontRef idx="minor">
+            <a:schemeClr val="lt1"/>
+          </a:fontRef>
+        </p:style>
+        <p:txBody>
+          <a:bodyPr rtlCol="0" anchor="ctr"/>
+          <a:lstStyle/>
+          <a:p>
+            <a:pPr algn="ctr"/>
+            <a:endParaRPr lang="en-US"/>
+          </a:p>
+        </p:txBody>
+      </p:sp>
+      <p:sp>
+        <p:nvSpPr>
+          <p:cNvPr id="12" name="TextBox 11">
+            <a:extLst>
+              <a:ext uri="{FF2B5EF4-FFF2-40B4-BE49-F238E27FC236}">
+                <a16:creationId xmlns:a16="http://schemas.microsoft.com/office/drawing/2014/main" id="{8312832C-2659-4A98-933E-C25C58BA9FE9}"/>
+              </a:ext>
+            </a:extLst>
+          </p:cNvPr>
+          <p:cNvSpPr txBox="1"/>
+          <p:nvPr/>
+        </p:nvSpPr>
+        <p:spPr>
+          <a:xfrm>
+            <a:off x="1009016" y="6063092"/>
+            <a:ext cx="10522432" cy="461665"/>
+          </a:xfrm>
+          <a:prstGeom prst="rect">
+            <a:avLst/>
+          </a:prstGeom>
+          <a:noFill/>
+        </p:spPr>
+        <p:txBody>
+          <a:bodyPr wrap="none" rtlCol="0">
+            <a:spAutoFit/>
+          </a:bodyPr>
+          <a:lstStyle/>
+          <a:p>
+            <a:r>
+              <a:rPr lang="en-US" sz="2400" dirty="0">
+                <a:latin typeface="Arial" panose="020B0604020202020204" pitchFamily="34" charset="0"/>
+                <a:cs typeface="Arial" panose="020B0604020202020204" pitchFamily="34" charset="0"/>
+              </a:rPr>
+              <a:t>100% population inversion for arbitrary number of atoms in the </a:t>
+            </a:r>
+            <a:r>
+              <a:rPr lang="en-US" sz="2400" dirty="0">
+                <a:solidFill>
+                  <a:srgbClr val="FF0000"/>
+                </a:solidFill>
+                <a:latin typeface="Arial" panose="020B0604020202020204" pitchFamily="34" charset="0"/>
+                <a:cs typeface="Arial" panose="020B0604020202020204" pitchFamily="34" charset="0"/>
+              </a:rPr>
+              <a:t>steady state</a:t>
+            </a:r>
+            <a:r>
+              <a:rPr lang="en-US" sz="2400" dirty="0">
+                <a:latin typeface="Arial" panose="020B0604020202020204" pitchFamily="34" charset="0"/>
+                <a:cs typeface="Arial" panose="020B0604020202020204" pitchFamily="34" charset="0"/>
+              </a:rPr>
+              <a:t>!</a:t>
+            </a:r>
+          </a:p>
+        </p:txBody>
+      </p:sp>
+    </p:spTree>
+    <p:extLst>
+      <p:ext uri="{BB962C8B-B14F-4D97-AF65-F5344CB8AC3E}">
+        <p14:creationId xmlns:p14="http://schemas.microsoft.com/office/powerpoint/2010/main" val="1271228011"/>
       </p:ext>
     </p:extLst>
   </p:cSld>
@@ -5109,7 +9791,7 @@
         </p:blipFill>
         <p:spPr>
           <a:xfrm>
-            <a:off x="3440311" y="1555882"/>
+            <a:off x="1702423" y="1550628"/>
             <a:ext cx="4574347" cy="2287173"/>
           </a:xfrm>
           <a:prstGeom prst="rect">
@@ -5691,6 +10373,66 @@
           <a:xfrm>
             <a:off x="4089037" y="6309531"/>
             <a:ext cx="2470218" cy="457448"/>
+          </a:xfrm>
+          <a:prstGeom prst="rect">
+            <a:avLst/>
+          </a:prstGeom>
+        </p:spPr>
+      </p:pic>
+      <p:pic>
+        <p:nvPicPr>
+          <p:cNvPr id="5" name="Picture 4">
+            <a:extLst>
+              <a:ext uri="{FF2B5EF4-FFF2-40B4-BE49-F238E27FC236}">
+                <a16:creationId xmlns:a16="http://schemas.microsoft.com/office/drawing/2014/main" id="{9A536374-D7B5-4381-9B8B-9C81E077E8EC}"/>
+              </a:ext>
+            </a:extLst>
+          </p:cNvPr>
+          <p:cNvPicPr>
+            <a:picLocks noChangeAspect="1"/>
+          </p:cNvPicPr>
+          <p:nvPr/>
+        </p:nvPicPr>
+        <p:blipFill>
+          <a:blip r:embed="rId9"/>
+          <a:stretch>
+            <a:fillRect/>
+          </a:stretch>
+        </p:blipFill>
+        <p:spPr>
+          <a:xfrm>
+            <a:off x="6625131" y="1904635"/>
+            <a:ext cx="2867692" cy="1239924"/>
+          </a:xfrm>
+          <a:prstGeom prst="rect">
+            <a:avLst/>
+          </a:prstGeom>
+        </p:spPr>
+      </p:pic>
+      <p:pic>
+        <p:nvPicPr>
+          <p:cNvPr id="6" name="Picture 5">
+            <a:extLst>
+              <a:ext uri="{FF2B5EF4-FFF2-40B4-BE49-F238E27FC236}">
+                <a16:creationId xmlns:a16="http://schemas.microsoft.com/office/drawing/2014/main" id="{4D270A57-EF31-4A80-AB2F-2B17B89E630E}"/>
+              </a:ext>
+            </a:extLst>
+          </p:cNvPr>
+          <p:cNvPicPr>
+            <a:picLocks noChangeAspect="1"/>
+          </p:cNvPicPr>
+          <p:nvPr/>
+        </p:nvPicPr>
+        <p:blipFill>
+          <a:blip r:embed="rId10"/>
+          <a:stretch>
+            <a:fillRect/>
+          </a:stretch>
+        </p:blipFill>
+        <p:spPr>
+          <a:xfrm>
+            <a:off x="9433140" y="1796814"/>
+            <a:ext cx="2566783" cy="2059764"/>
           </a:xfrm>
           <a:prstGeom prst="rect">
             <a:avLst/>
@@ -6094,196 +10836,6 @@
           </a:prstGeom>
         </p:spPr>
       </p:pic>
-      <p:sp>
-        <p:nvSpPr>
-          <p:cNvPr id="6" name="Arrow: Down 5"/>
-          <p:cNvSpPr/>
-          <p:nvPr/>
-        </p:nvSpPr>
-        <p:spPr>
-          <a:xfrm>
-            <a:off x="3488586" y="185127"/>
-            <a:ext cx="457200" cy="480265"/>
-          </a:xfrm>
-          <a:prstGeom prst="downArrow">
-            <a:avLst/>
-          </a:prstGeom>
-          <a:solidFill>
-            <a:schemeClr val="dk1">
-              <a:alpha val="0"/>
-            </a:schemeClr>
-          </a:solidFill>
-        </p:spPr>
-        <p:style>
-          <a:lnRef idx="2">
-            <a:schemeClr val="dk1">
-              <a:shade val="50000"/>
-            </a:schemeClr>
-          </a:lnRef>
-          <a:fillRef idx="1">
-            <a:schemeClr val="dk1"/>
-          </a:fillRef>
-          <a:effectRef idx="0">
-            <a:schemeClr val="dk1"/>
-          </a:effectRef>
-          <a:fontRef idx="minor">
-            <a:schemeClr val="lt1"/>
-          </a:fontRef>
-        </p:style>
-        <p:txBody>
-          <a:bodyPr rtlCol="0" anchor="ctr"/>
-          <a:lstStyle/>
-          <a:p>
-            <a:pPr algn="ctr"/>
-            <a:endParaRPr lang="en-US" dirty="0"/>
-          </a:p>
-        </p:txBody>
-      </p:sp>
-      <mc:AlternateContent xmlns:mc="http://schemas.openxmlformats.org/markup-compatibility/2006" xmlns:a14="http://schemas.microsoft.com/office/drawing/2010/main">
-        <mc:Choice Requires="a14">
-          <p:sp>
-            <p:nvSpPr>
-              <p:cNvPr id="7" name="TextBox 6"/>
-              <p:cNvSpPr txBox="1"/>
-              <p:nvPr/>
-            </p:nvSpPr>
-            <p:spPr>
-              <a:xfrm>
-                <a:off x="4009017" y="201640"/>
-                <a:ext cx="1556426" cy="381451"/>
-              </a:xfrm>
-              <a:prstGeom prst="rect">
-                <a:avLst/>
-              </a:prstGeom>
-              <a:noFill/>
-            </p:spPr>
-            <p:txBody>
-              <a:bodyPr wrap="square" rtlCol="0">
-                <a:spAutoFit/>
-              </a:bodyPr>
-              <a:lstStyle/>
-              <a:p>
-                <a:pPr/>
-                <a14:m>
-                  <m:oMathPara xmlns:m="http://schemas.openxmlformats.org/officeDocument/2006/math">
-                    <m:oMathParaPr>
-                      <m:jc m:val="centerGroup"/>
-                    </m:oMathParaPr>
-                    <m:oMath xmlns:m="http://schemas.openxmlformats.org/officeDocument/2006/math">
-                      <m:r>
-                        <a:rPr lang="en-US" i="1">
-                          <a:latin typeface="Cambria Math" panose="02040503050406030204" pitchFamily="18" charset="0"/>
-                        </a:rPr>
-                        <m:t>𝜉</m:t>
-                      </m:r>
-                      <m:r>
-                        <a:rPr lang="en-US" i="1">
-                          <a:latin typeface="Cambria Math" panose="02040503050406030204" pitchFamily="18" charset="0"/>
-                        </a:rPr>
-                        <m:t>=</m:t>
-                      </m:r>
-                      <m:r>
-                        <a:rPr lang="en-US" i="1">
-                          <a:latin typeface="Cambria Math" panose="02040503050406030204" pitchFamily="18" charset="0"/>
-                        </a:rPr>
-                        <m:t>𝜂</m:t>
-                      </m:r>
-                      <m:r>
-                        <a:rPr lang="en-US" i="1">
-                          <a:latin typeface="Cambria Math" panose="02040503050406030204" pitchFamily="18" charset="0"/>
-                        </a:rPr>
-                        <m:t>𝑡</m:t>
-                      </m:r>
-                      <m:r>
-                        <a:rPr lang="en-US" i="1">
-                          <a:latin typeface="Cambria Math" panose="02040503050406030204" pitchFamily="18" charset="0"/>
-                        </a:rPr>
-                        <m:t>=</m:t>
-                      </m:r>
-                      <m:r>
-                        <a:rPr lang="en-US" i="1">
-                          <a:latin typeface="Cambria Math" panose="02040503050406030204" pitchFamily="18" charset="0"/>
-                        </a:rPr>
-                        <m:t>𝑟</m:t>
-                      </m:r>
-                      <m:sSup>
-                        <m:sSupPr>
-                          <m:ctrlPr>
-                            <a:rPr lang="en-US" i="1">
-                              <a:latin typeface="Cambria Math" panose="02040503050406030204" pitchFamily="18" charset="0"/>
-                            </a:rPr>
-                          </m:ctrlPr>
-                        </m:sSupPr>
-                        <m:e>
-                          <m:r>
-                            <a:rPr lang="en-US" i="1">
-                              <a:latin typeface="Cambria Math" panose="02040503050406030204" pitchFamily="18" charset="0"/>
-                            </a:rPr>
-                            <m:t>𝑒</m:t>
-                          </m:r>
-                        </m:e>
-                        <m:sup>
-                          <m:r>
-                            <a:rPr lang="en-US" i="1">
-                              <a:latin typeface="Cambria Math" panose="02040503050406030204" pitchFamily="18" charset="0"/>
-                            </a:rPr>
-                            <m:t>𝑖</m:t>
-                          </m:r>
-                          <m:r>
-                            <a:rPr lang="en-US" i="1">
-                              <a:latin typeface="Cambria Math" panose="02040503050406030204" pitchFamily="18" charset="0"/>
-                            </a:rPr>
-                            <m:t>𝜃</m:t>
-                          </m:r>
-                        </m:sup>
-                      </m:sSup>
-                    </m:oMath>
-                  </m:oMathPara>
-                </a14:m>
-                <a:endParaRPr lang="en-US" dirty="0"/>
-              </a:p>
-            </p:txBody>
-          </p:sp>
-        </mc:Choice>
-        <mc:Fallback xmlns="">
-          <p:sp>
-            <p:nvSpPr>
-              <p:cNvPr id="7" name="TextBox 6"/>
-              <p:cNvSpPr txBox="1">
-                <a:spLocks noRot="1" noChangeAspect="1" noMove="1" noResize="1" noEditPoints="1" noAdjustHandles="1" noChangeArrowheads="1" noChangeShapeType="1" noTextEdit="1"/>
-              </p:cNvSpPr>
-              <p:nvPr/>
-            </p:nvSpPr>
-            <p:spPr>
-              <a:xfrm>
-                <a:off x="4009017" y="201640"/>
-                <a:ext cx="1556426" cy="381451"/>
-              </a:xfrm>
-              <a:prstGeom prst="rect">
-                <a:avLst/>
-              </a:prstGeom>
-              <a:blipFill>
-                <a:blip r:embed="rId3"/>
-                <a:stretch>
-                  <a:fillRect l="-392" b="-12698"/>
-                </a:stretch>
-              </a:blipFill>
-            </p:spPr>
-            <p:txBody>
-              <a:bodyPr/>
-              <a:lstStyle/>
-              <a:p>
-                <a:r>
-                  <a:rPr lang="en-US">
-                    <a:noFill/>
-                  </a:rPr>
-                  <a:t> </a:t>
-                </a:r>
-              </a:p>
-            </p:txBody>
-          </p:sp>
-        </mc:Fallback>
-      </mc:AlternateContent>
       <p:pic>
         <p:nvPicPr>
           <p:cNvPr id="8" name="Picture 7"/>
@@ -6293,7 +10845,7 @@
           <p:nvPr/>
         </p:nvPicPr>
         <p:blipFill>
-          <a:blip r:embed="rId4"/>
+          <a:blip r:embed="rId3"/>
           <a:stretch>
             <a:fillRect/>
           </a:stretch>
@@ -6317,7 +10869,7 @@
           <p:nvPr/>
         </p:nvPicPr>
         <p:blipFill>
-          <a:blip r:embed="rId5"/>
+          <a:blip r:embed="rId4"/>
           <a:stretch>
             <a:fillRect/>
           </a:stretch>
@@ -6386,7 +10938,7 @@
           <p:nvPr/>
         </p:nvPicPr>
         <p:blipFill>
-          <a:blip r:embed="rId6"/>
+          <a:blip r:embed="rId5"/>
           <a:stretch>
             <a:fillRect/>
           </a:stretch>
@@ -6410,7 +10962,7 @@
           <p:nvPr/>
         </p:nvPicPr>
         <p:blipFill>
-          <a:blip r:embed="rId7"/>
+          <a:blip r:embed="rId6"/>
           <a:stretch>
             <a:fillRect/>
           </a:stretch>
@@ -6434,7 +10986,7 @@
           <p:nvPr/>
         </p:nvPicPr>
         <p:blipFill>
-          <a:blip r:embed="rId8"/>
+          <a:blip r:embed="rId7"/>
           <a:stretch>
             <a:fillRect/>
           </a:stretch>
@@ -6693,6 +11245,85 @@
           </p:sp>
         </mc:Fallback>
       </mc:AlternateContent>
+      <p:cxnSp>
+        <p:nvCxnSpPr>
+          <p:cNvPr id="3" name="Straight Arrow Connector 2">
+            <a:extLst>
+              <a:ext uri="{FF2B5EF4-FFF2-40B4-BE49-F238E27FC236}">
+                <a16:creationId xmlns:a16="http://schemas.microsoft.com/office/drawing/2014/main" id="{F0D55848-5B93-4FC3-8A1A-BCB66EDF3F50}"/>
+              </a:ext>
+            </a:extLst>
+          </p:cNvPr>
+          <p:cNvCxnSpPr>
+            <a:cxnSpLocks/>
+          </p:cNvCxnSpPr>
+          <p:nvPr/>
+        </p:nvCxnSpPr>
+        <p:spPr>
+          <a:xfrm>
+            <a:off x="4717605" y="483409"/>
+            <a:ext cx="297034" cy="302859"/>
+          </a:xfrm>
+          <a:prstGeom prst="straightConnector1">
+            <a:avLst/>
+          </a:prstGeom>
+          <a:ln w="38100">
+            <a:tailEnd type="triangle"/>
+          </a:ln>
+        </p:spPr>
+        <p:style>
+          <a:lnRef idx="1">
+            <a:schemeClr val="accent1"/>
+          </a:lnRef>
+          <a:fillRef idx="0">
+            <a:schemeClr val="accent1"/>
+          </a:fillRef>
+          <a:effectRef idx="0">
+            <a:schemeClr val="accent1"/>
+          </a:effectRef>
+          <a:fontRef idx="minor">
+            <a:schemeClr val="tx1"/>
+          </a:fontRef>
+        </p:style>
+      </p:cxnSp>
+      <p:sp>
+        <p:nvSpPr>
+          <p:cNvPr id="17" name="TextBox 16">
+            <a:extLst>
+              <a:ext uri="{FF2B5EF4-FFF2-40B4-BE49-F238E27FC236}">
+                <a16:creationId xmlns:a16="http://schemas.microsoft.com/office/drawing/2014/main" id="{F7147786-582A-407A-A631-27026E21D0EA}"/>
+              </a:ext>
+            </a:extLst>
+          </p:cNvPr>
+          <p:cNvSpPr txBox="1"/>
+          <p:nvPr/>
+        </p:nvSpPr>
+        <p:spPr>
+          <a:xfrm>
+            <a:off x="2297167" y="148694"/>
+            <a:ext cx="3044423" cy="369332"/>
+          </a:xfrm>
+          <a:prstGeom prst="rect">
+            <a:avLst/>
+          </a:prstGeom>
+          <a:noFill/>
+        </p:spPr>
+        <p:txBody>
+          <a:bodyPr wrap="none" rtlCol="0">
+            <a:spAutoFit/>
+          </a:bodyPr>
+          <a:lstStyle/>
+          <a:p>
+            <a:r>
+              <a:rPr lang="en-US" dirty="0">
+                <a:latin typeface="Arial" panose="020B0604020202020204" pitchFamily="34" charset="0"/>
+                <a:cs typeface="Arial" panose="020B0604020202020204" pitchFamily="34" charset="0"/>
+              </a:rPr>
+              <a:t>two mode squeeze operator</a:t>
+            </a:r>
+          </a:p>
+        </p:txBody>
+      </p:sp>
     </p:spTree>
     <p:extLst>
       <p:ext uri="{BB962C8B-B14F-4D97-AF65-F5344CB8AC3E}">
@@ -7385,6 +12016,100 @@
   <p:clrMapOvr>
     <a:masterClrMapping/>
   </p:clrMapOvr>
+  <mc:AlternateContent xmlns:mc="http://schemas.openxmlformats.org/markup-compatibility/2006">
+    <mc:Choice xmlns:p14="http://schemas.microsoft.com/office/powerpoint/2010/main" Requires="p14">
+      <p:transition p14:dur="10"/>
+    </mc:Choice>
+    <mc:Fallback>
+      <p:transition/>
+    </mc:Fallback>
+  </mc:AlternateContent>
+  <p:timing>
+    <p:tnLst>
+      <p:par>
+        <p:cTn id="1" dur="indefinite" restart="never" nodeType="tmRoot">
+          <p:childTnLst>
+            <p:seq concurrent="1" nextAc="seek">
+              <p:cTn id="2" dur="indefinite" nodeType="mainSeq">
+                <p:childTnLst>
+                  <p:par>
+                    <p:cTn id="3" fill="hold">
+                      <p:stCondLst>
+                        <p:cond delay="indefinite"/>
+                      </p:stCondLst>
+                      <p:childTnLst>
+                        <p:par>
+                          <p:cTn id="4" fill="hold">
+                            <p:stCondLst>
+                              <p:cond delay="0"/>
+                            </p:stCondLst>
+                            <p:childTnLst>
+                              <p:par>
+                                <p:cTn id="5" presetID="10" presetClass="entr" presetSubtype="0" fill="hold" grpId="0" nodeType="clickEffect">
+                                  <p:stCondLst>
+                                    <p:cond delay="0"/>
+                                  </p:stCondLst>
+                                  <p:childTnLst>
+                                    <p:set>
+                                      <p:cBhvr>
+                                        <p:cTn id="6" dur="1" fill="hold">
+                                          <p:stCondLst>
+                                            <p:cond delay="0"/>
+                                          </p:stCondLst>
+                                        </p:cTn>
+                                        <p:tgtEl>
+                                          <p:spTgt spid="31"/>
+                                        </p:tgtEl>
+                                        <p:attrNameLst>
+                                          <p:attrName>style.visibility</p:attrName>
+                                        </p:attrNameLst>
+                                      </p:cBhvr>
+                                      <p:to>
+                                        <p:strVal val="visible"/>
+                                      </p:to>
+                                    </p:set>
+                                    <p:animEffect transition="in" filter="fade">
+                                      <p:cBhvr>
+                                        <p:cTn id="7" dur="500"/>
+                                        <p:tgtEl>
+                                          <p:spTgt spid="31"/>
+                                        </p:tgtEl>
+                                      </p:cBhvr>
+                                    </p:animEffect>
+                                  </p:childTnLst>
+                                </p:cTn>
+                              </p:par>
+                            </p:childTnLst>
+                          </p:cTn>
+                        </p:par>
+                      </p:childTnLst>
+                    </p:cTn>
+                  </p:par>
+                </p:childTnLst>
+              </p:cTn>
+              <p:prevCondLst>
+                <p:cond evt="onPrev" delay="0">
+                  <p:tgtEl>
+                    <p:sldTgt/>
+                  </p:tgtEl>
+                </p:cond>
+              </p:prevCondLst>
+              <p:nextCondLst>
+                <p:cond evt="onNext" delay="0">
+                  <p:tgtEl>
+                    <p:sldTgt/>
+                  </p:tgtEl>
+                </p:cond>
+              </p:nextCondLst>
+            </p:seq>
+          </p:childTnLst>
+        </p:cTn>
+      </p:par>
+    </p:tnLst>
+    <p:bldLst>
+      <p:bldP spid="31" grpId="0"/>
+    </p:bldLst>
+  </p:timing>
 </p:sld>
 </file>
 
@@ -8576,129 +13301,482 @@
           </a:prstGeom>
         </p:spPr>
       </p:pic>
-      <mc:AlternateContent xmlns:mc="http://schemas.openxmlformats.org/markup-compatibility/2006" xmlns:a14="http://schemas.microsoft.com/office/drawing/2010/main">
-        <mc:Choice Requires="a14">
-          <p:sp>
-            <p:nvSpPr>
-              <p:cNvPr id="14" name="Rectangle 13"/>
-              <p:cNvSpPr/>
-              <p:nvPr/>
-            </p:nvSpPr>
-            <p:spPr>
-              <a:xfrm>
-                <a:off x="5987086" y="3811647"/>
-                <a:ext cx="4768851" cy="1107996"/>
-              </a:xfrm>
-              <a:prstGeom prst="rect">
-                <a:avLst/>
-              </a:prstGeom>
-            </p:spPr>
-            <p:txBody>
-              <a:bodyPr wrap="square">
-                <a:spAutoFit/>
-              </a:bodyPr>
-              <a:lstStyle/>
-              <a:p>
-                <a:pPr marL="285750" indent="-285750">
-                  <a:buFont typeface="Wingdings" panose="05000000000000000000" pitchFamily="2" charset="2"/>
-                  <a:buChar char="Ø"/>
-                </a:pPr>
-                <a:r>
-                  <a:rPr lang="en-US" sz="2200" dirty="0"/>
-                  <a:t>We put the dipole at the center of waveguide,  aligning along y direction</a:t>
-                </a:r>
-              </a:p>
-              <a:p>
-                <a:pPr marL="285750" indent="-285750">
-                  <a:buFont typeface="Wingdings" panose="05000000000000000000" pitchFamily="2" charset="2"/>
-                  <a:buChar char="Ø"/>
-                </a:pPr>
-                <a:r>
-                  <a:rPr lang="en-US" sz="2200" dirty="0"/>
-                  <a:t>The atom only couples to </a:t>
-                </a:r>
-                <a14:m>
-                  <m:oMath xmlns:m="http://schemas.openxmlformats.org/officeDocument/2006/math">
-                    <m:r>
-                      <a:rPr lang="en-US" sz="2200" i="1">
-                        <a:latin typeface="Cambria Math" panose="02040503050406030204" pitchFamily="18" charset="0"/>
-                      </a:rPr>
-                      <m:t>𝑇</m:t>
-                    </m:r>
-                    <m:sSub>
-                      <m:sSubPr>
-                        <m:ctrlPr>
-                          <a:rPr lang="en-US" sz="2200" i="1">
+      <p:grpSp>
+        <p:nvGrpSpPr>
+          <p:cNvPr id="21" name="Group 20">
+            <a:extLst>
+              <a:ext uri="{FF2B5EF4-FFF2-40B4-BE49-F238E27FC236}">
+                <a16:creationId xmlns:a16="http://schemas.microsoft.com/office/drawing/2014/main" id="{60BB2E1E-D06B-4BF8-9392-E0A8BB305A70}"/>
+              </a:ext>
+            </a:extLst>
+          </p:cNvPr>
+          <p:cNvGrpSpPr/>
+          <p:nvPr/>
+        </p:nvGrpSpPr>
+        <p:grpSpPr>
+          <a:xfrm>
+            <a:off x="6364061" y="3351950"/>
+            <a:ext cx="3984695" cy="2692711"/>
+            <a:chOff x="6963955" y="2953959"/>
+            <a:chExt cx="3420955" cy="2064134"/>
+          </a:xfrm>
+        </p:grpSpPr>
+        <p:cxnSp>
+          <p:nvCxnSpPr>
+            <p:cNvPr id="3" name="Straight Arrow Connector 2">
+              <a:extLst>
+                <a:ext uri="{FF2B5EF4-FFF2-40B4-BE49-F238E27FC236}">
+                  <a16:creationId xmlns:a16="http://schemas.microsoft.com/office/drawing/2014/main" id="{2D23B733-2F01-41DE-8234-CE8B6F7FD2B5}"/>
+                </a:ext>
+              </a:extLst>
+            </p:cNvPr>
+            <p:cNvCxnSpPr/>
+            <p:nvPr/>
+          </p:nvCxnSpPr>
+          <p:spPr>
+            <a:xfrm>
+              <a:off x="7222013" y="4919643"/>
+              <a:ext cx="2189900" cy="0"/>
+            </a:xfrm>
+            <a:prstGeom prst="straightConnector1">
+              <a:avLst/>
+            </a:prstGeom>
+            <a:ln w="38100">
+              <a:solidFill>
+                <a:schemeClr val="accent1"/>
+              </a:solidFill>
+              <a:tailEnd type="triangle"/>
+            </a:ln>
+          </p:spPr>
+          <p:style>
+            <a:lnRef idx="1">
+              <a:schemeClr val="accent1"/>
+            </a:lnRef>
+            <a:fillRef idx="0">
+              <a:schemeClr val="accent1"/>
+            </a:fillRef>
+            <a:effectRef idx="0">
+              <a:schemeClr val="accent1"/>
+            </a:effectRef>
+            <a:fontRef idx="minor">
+              <a:schemeClr val="tx1"/>
+            </a:fontRef>
+          </p:style>
+        </p:cxnSp>
+        <p:cxnSp>
+          <p:nvCxnSpPr>
+            <p:cNvPr id="10" name="Straight Arrow Connector 9">
+              <a:extLst>
+                <a:ext uri="{FF2B5EF4-FFF2-40B4-BE49-F238E27FC236}">
+                  <a16:creationId xmlns:a16="http://schemas.microsoft.com/office/drawing/2014/main" id="{3D29222F-A22A-4946-A8BA-D46A41393B1C}"/>
+                </a:ext>
+              </a:extLst>
+            </p:cNvPr>
+            <p:cNvCxnSpPr>
+              <a:cxnSpLocks/>
+            </p:cNvCxnSpPr>
+            <p:nvPr/>
+          </p:nvCxnSpPr>
+          <p:spPr>
+            <a:xfrm flipV="1">
+              <a:off x="7227837" y="3220784"/>
+              <a:ext cx="0" cy="1710507"/>
+            </a:xfrm>
+            <a:prstGeom prst="straightConnector1">
+              <a:avLst/>
+            </a:prstGeom>
+            <a:ln w="38100">
+              <a:solidFill>
+                <a:schemeClr val="accent1"/>
+              </a:solidFill>
+              <a:tailEnd type="triangle"/>
+            </a:ln>
+          </p:spPr>
+          <p:style>
+            <a:lnRef idx="1">
+              <a:schemeClr val="accent1"/>
+            </a:lnRef>
+            <a:fillRef idx="0">
+              <a:schemeClr val="accent1"/>
+            </a:fillRef>
+            <a:effectRef idx="0">
+              <a:schemeClr val="accent1"/>
+            </a:effectRef>
+            <a:fontRef idx="minor">
+              <a:schemeClr val="tx1"/>
+            </a:fontRef>
+          </p:style>
+        </p:cxnSp>
+        <p:sp>
+          <p:nvSpPr>
+            <p:cNvPr id="13" name="Oval 12">
+              <a:extLst>
+                <a:ext uri="{FF2B5EF4-FFF2-40B4-BE49-F238E27FC236}">
+                  <a16:creationId xmlns:a16="http://schemas.microsoft.com/office/drawing/2014/main" id="{778B0A47-05CA-42B8-9656-E9761C280DE6}"/>
+                </a:ext>
+              </a:extLst>
+            </p:cNvPr>
+            <p:cNvSpPr/>
+            <p:nvPr/>
+          </p:nvSpPr>
+          <p:spPr>
+            <a:xfrm>
+              <a:off x="7687950" y="4407815"/>
+              <a:ext cx="215495" cy="198021"/>
+            </a:xfrm>
+            <a:prstGeom prst="ellipse">
+              <a:avLst/>
+            </a:prstGeom>
+            <a:solidFill>
+              <a:schemeClr val="accent6"/>
+            </a:solidFill>
+          </p:spPr>
+          <p:style>
+            <a:lnRef idx="2">
+              <a:schemeClr val="accent1">
+                <a:shade val="50000"/>
+              </a:schemeClr>
+            </a:lnRef>
+            <a:fillRef idx="1">
+              <a:schemeClr val="accent1"/>
+            </a:fillRef>
+            <a:effectRef idx="0">
+              <a:schemeClr val="accent1"/>
+            </a:effectRef>
+            <a:fontRef idx="minor">
+              <a:schemeClr val="lt1"/>
+            </a:fontRef>
+          </p:style>
+          <p:txBody>
+            <a:bodyPr rtlCol="0" anchor="ctr"/>
+            <a:lstStyle/>
+            <a:p>
+              <a:pPr algn="ctr"/>
+              <a:endParaRPr lang="en-US"/>
+            </a:p>
+          </p:txBody>
+        </p:sp>
+        <p:cxnSp>
+          <p:nvCxnSpPr>
+            <p:cNvPr id="17" name="Straight Arrow Connector 16">
+              <a:extLst>
+                <a:ext uri="{FF2B5EF4-FFF2-40B4-BE49-F238E27FC236}">
+                  <a16:creationId xmlns:a16="http://schemas.microsoft.com/office/drawing/2014/main" id="{73AF2763-CB65-4DC4-8650-B6684FC130F6}"/>
+                </a:ext>
+              </a:extLst>
+            </p:cNvPr>
+            <p:cNvCxnSpPr>
+              <a:cxnSpLocks/>
+            </p:cNvCxnSpPr>
+            <p:nvPr/>
+          </p:nvCxnSpPr>
+          <p:spPr>
+            <a:xfrm>
+              <a:off x="7795697" y="4506825"/>
+              <a:ext cx="372748" cy="0"/>
+            </a:xfrm>
+            <a:prstGeom prst="straightConnector1">
+              <a:avLst/>
+            </a:prstGeom>
+            <a:ln w="38100">
+              <a:solidFill>
+                <a:srgbClr val="00B050"/>
+              </a:solidFill>
+              <a:tailEnd type="triangle"/>
+            </a:ln>
+          </p:spPr>
+          <p:style>
+            <a:lnRef idx="1">
+              <a:schemeClr val="accent1"/>
+            </a:lnRef>
+            <a:fillRef idx="0">
+              <a:schemeClr val="accent1"/>
+            </a:fillRef>
+            <a:effectRef idx="0">
+              <a:schemeClr val="accent1"/>
+            </a:effectRef>
+            <a:fontRef idx="minor">
+              <a:schemeClr val="tx1"/>
+            </a:fontRef>
+          </p:style>
+        </p:cxnSp>
+        <mc:AlternateContent xmlns:mc="http://schemas.openxmlformats.org/markup-compatibility/2006">
+          <mc:Choice xmlns:a14="http://schemas.microsoft.com/office/drawing/2010/main" Requires="a14">
+            <p:sp>
+              <p:nvSpPr>
+                <p:cNvPr id="19" name="TextBox 18">
+                  <a:extLst>
+                    <a:ext uri="{FF2B5EF4-FFF2-40B4-BE49-F238E27FC236}">
+                      <a16:creationId xmlns:a16="http://schemas.microsoft.com/office/drawing/2014/main" id="{65727270-FF59-4881-ABE5-F5876D23C1A4}"/>
+                    </a:ext>
+                  </a:extLst>
+                </p:cNvPr>
+                <p:cNvSpPr txBox="1"/>
+                <p:nvPr/>
+              </p:nvSpPr>
+              <p:spPr>
+                <a:xfrm>
+                  <a:off x="9493453" y="4734977"/>
+                  <a:ext cx="891457" cy="283116"/>
+                </a:xfrm>
+                <a:prstGeom prst="rect">
+                  <a:avLst/>
+                </a:prstGeom>
+                <a:noFill/>
+              </p:spPr>
+              <p:txBody>
+                <a:bodyPr wrap="none" rtlCol="0">
+                  <a:spAutoFit/>
+                </a:bodyPr>
+                <a:lstStyle/>
+                <a:p>
+                  <a14:m>
+                    <m:oMathPara xmlns:m="http://schemas.openxmlformats.org/officeDocument/2006/math">
+                      <m:oMathParaPr>
+                        <m:jc m:val="centerGroup"/>
+                      </m:oMathParaPr>
+                      <m:oMath xmlns:m="http://schemas.openxmlformats.org/officeDocument/2006/math">
+                        <m:r>
+                          <a:rPr lang="en-US" b="0" i="1" smtClean="0">
                             <a:latin typeface="Cambria Math" panose="02040503050406030204" pitchFamily="18" charset="0"/>
                           </a:rPr>
-                        </m:ctrlPr>
-                      </m:sSubPr>
-                      <m:e>
+                          <m:t>𝑇</m:t>
+                        </m:r>
+                        <m:sSub>
+                          <m:sSubPr>
+                            <m:ctrlPr>
+                              <a:rPr lang="en-US" b="0" i="1" smtClean="0">
+                                <a:latin typeface="Cambria Math" panose="02040503050406030204" pitchFamily="18" charset="0"/>
+                              </a:rPr>
+                            </m:ctrlPr>
+                          </m:sSubPr>
+                          <m:e>
+                            <m:r>
+                              <a:rPr lang="en-US" b="0" i="1" smtClean="0">
+                                <a:latin typeface="Cambria Math" panose="02040503050406030204" pitchFamily="18" charset="0"/>
+                              </a:rPr>
+                              <m:t>𝐸</m:t>
+                            </m:r>
+                          </m:e>
+                          <m:sub>
+                            <m:r>
+                              <a:rPr lang="en-US" b="0" i="1" smtClean="0">
+                                <a:latin typeface="Cambria Math" panose="02040503050406030204" pitchFamily="18" charset="0"/>
+                              </a:rPr>
+                              <m:t>10</m:t>
+                            </m:r>
+                          </m:sub>
+                        </m:sSub>
                         <m:r>
-                          <a:rPr lang="en-US" sz="2200" i="1">
+                          <a:rPr lang="en-US" b="0" i="1" smtClean="0">
                             <a:latin typeface="Cambria Math" panose="02040503050406030204" pitchFamily="18" charset="0"/>
                           </a:rPr>
-                          <m:t>𝐸</m:t>
+                          <m:t>(</m:t>
                         </m:r>
-                      </m:e>
-                      <m:sub>
                         <m:r>
-                          <a:rPr lang="en-US" sz="2200" i="1">
+                          <a:rPr lang="en-US" b="0" i="1" smtClean="0">
                             <a:latin typeface="Cambria Math" panose="02040503050406030204" pitchFamily="18" charset="0"/>
                           </a:rPr>
-                          <m:t>10</m:t>
+                          <m:t>𝑦</m:t>
                         </m:r>
-                      </m:sub>
-                    </m:sSub>
-                  </m:oMath>
-                </a14:m>
-                <a:r>
-                  <a:rPr lang="en-US" sz="2200" dirty="0"/>
-                  <a:t> mode</a:t>
-                </a:r>
-              </a:p>
-            </p:txBody>
-          </p:sp>
-        </mc:Choice>
-        <mc:Fallback xmlns="">
-          <p:sp>
-            <p:nvSpPr>
-              <p:cNvPr id="14" name="Rectangle 13"/>
-              <p:cNvSpPr>
-                <a:spLocks noRot="1" noChangeAspect="1" noMove="1" noResize="1" noEditPoints="1" noAdjustHandles="1" noChangeArrowheads="1" noChangeShapeType="1" noTextEdit="1"/>
-              </p:cNvSpPr>
-              <p:nvPr/>
-            </p:nvSpPr>
-            <p:spPr>
-              <a:xfrm>
-                <a:off x="5987086" y="3811647"/>
-                <a:ext cx="4768851" cy="1107996"/>
-              </a:xfrm>
-              <a:prstGeom prst="rect">
-                <a:avLst/>
-              </a:prstGeom>
-              <a:blipFill>
-                <a:blip r:embed="rId6"/>
-                <a:stretch>
-                  <a:fillRect l="-1407" t="-3297" r="-512" b="-10440"/>
-                </a:stretch>
-              </a:blipFill>
-            </p:spPr>
-            <p:txBody>
-              <a:bodyPr/>
-              <a:lstStyle/>
-              <a:p>
-                <a:r>
-                  <a:rPr lang="en-US">
-                    <a:noFill/>
-                  </a:rPr>
-                  <a:t> </a:t>
-                </a:r>
-              </a:p>
-            </p:txBody>
-          </p:sp>
-        </mc:Fallback>
-      </mc:AlternateContent>
+                        <m:r>
+                          <a:rPr lang="en-US" b="0" i="1" smtClean="0">
+                            <a:latin typeface="Cambria Math" panose="02040503050406030204" pitchFamily="18" charset="0"/>
+                          </a:rPr>
+                          <m:t>)</m:t>
+                        </m:r>
+                      </m:oMath>
+                    </m:oMathPara>
+                  </a14:m>
+                  <a:endParaRPr lang="en-US" dirty="0"/>
+                </a:p>
+              </p:txBody>
+            </p:sp>
+          </mc:Choice>
+          <mc:Fallback>
+            <p:sp>
+              <p:nvSpPr>
+                <p:cNvPr id="19" name="TextBox 18">
+                  <a:extLst>
+                    <a:ext uri="{FF2B5EF4-FFF2-40B4-BE49-F238E27FC236}">
+                      <a16:creationId xmlns:a16="http://schemas.microsoft.com/office/drawing/2014/main" id="{65727270-FF59-4881-ABE5-F5876D23C1A4}"/>
+                    </a:ext>
+                  </a:extLst>
+                </p:cNvPr>
+                <p:cNvSpPr txBox="1">
+                  <a:spLocks noRot="1" noChangeAspect="1" noMove="1" noResize="1" noEditPoints="1" noAdjustHandles="1" noChangeArrowheads="1" noChangeShapeType="1" noTextEdit="1"/>
+                </p:cNvSpPr>
+                <p:nvPr/>
+              </p:nvSpPr>
+              <p:spPr>
+                <a:xfrm>
+                  <a:off x="9493453" y="4734977"/>
+                  <a:ext cx="891457" cy="283116"/>
+                </a:xfrm>
+                <a:prstGeom prst="rect">
+                  <a:avLst/>
+                </a:prstGeom>
+                <a:blipFill>
+                  <a:blip r:embed="rId6"/>
+                  <a:stretch>
+                    <a:fillRect b="-11475"/>
+                  </a:stretch>
+                </a:blipFill>
+              </p:spPr>
+              <p:txBody>
+                <a:bodyPr/>
+                <a:lstStyle/>
+                <a:p>
+                  <a:r>
+                    <a:rPr lang="en-US">
+                      <a:noFill/>
+                    </a:rPr>
+                    <a:t> </a:t>
+                  </a:r>
+                </a:p>
+              </p:txBody>
+            </p:sp>
+          </mc:Fallback>
+        </mc:AlternateContent>
+        <mc:AlternateContent xmlns:mc="http://schemas.openxmlformats.org/markup-compatibility/2006">
+          <mc:Choice xmlns:a14="http://schemas.microsoft.com/office/drawing/2010/main" Requires="a14">
+            <p:sp>
+              <p:nvSpPr>
+                <p:cNvPr id="20" name="TextBox 19">
+                  <a:extLst>
+                    <a:ext uri="{FF2B5EF4-FFF2-40B4-BE49-F238E27FC236}">
+                      <a16:creationId xmlns:a16="http://schemas.microsoft.com/office/drawing/2014/main" id="{1E77E2B9-D5AA-4279-83FF-0CFE0E0C16EB}"/>
+                    </a:ext>
+                  </a:extLst>
+                </p:cNvPr>
+                <p:cNvSpPr txBox="1"/>
+                <p:nvPr/>
+              </p:nvSpPr>
+              <p:spPr>
+                <a:xfrm>
+                  <a:off x="6963955" y="2953959"/>
+                  <a:ext cx="893109" cy="283116"/>
+                </a:xfrm>
+                <a:prstGeom prst="rect">
+                  <a:avLst/>
+                </a:prstGeom>
+                <a:noFill/>
+              </p:spPr>
+              <p:txBody>
+                <a:bodyPr wrap="none" rtlCol="0">
+                  <a:spAutoFit/>
+                </a:bodyPr>
+                <a:lstStyle/>
+                <a:p>
+                  <a14:m>
+                    <m:oMathPara xmlns:m="http://schemas.openxmlformats.org/officeDocument/2006/math">
+                      <m:oMathParaPr>
+                        <m:jc m:val="centerGroup"/>
+                      </m:oMathParaPr>
+                      <m:oMath xmlns:m="http://schemas.openxmlformats.org/officeDocument/2006/math">
+                        <m:r>
+                          <a:rPr lang="en-US" b="0" i="1" smtClean="0">
+                            <a:latin typeface="Cambria Math" panose="02040503050406030204" pitchFamily="18" charset="0"/>
+                          </a:rPr>
+                          <m:t>𝑇</m:t>
+                        </m:r>
+                        <m:sSub>
+                          <m:sSubPr>
+                            <m:ctrlPr>
+                              <a:rPr lang="en-US" b="0" i="1" smtClean="0">
+                                <a:latin typeface="Cambria Math" panose="02040503050406030204" pitchFamily="18" charset="0"/>
+                              </a:rPr>
+                            </m:ctrlPr>
+                          </m:sSubPr>
+                          <m:e>
+                            <m:r>
+                              <a:rPr lang="en-US" b="0" i="1" smtClean="0">
+                                <a:latin typeface="Cambria Math" panose="02040503050406030204" pitchFamily="18" charset="0"/>
+                              </a:rPr>
+                              <m:t>𝐸</m:t>
+                            </m:r>
+                          </m:e>
+                          <m:sub>
+                            <m:r>
+                              <a:rPr lang="en-US" b="0" i="1" smtClean="0">
+                                <a:latin typeface="Cambria Math" panose="02040503050406030204" pitchFamily="18" charset="0"/>
+                              </a:rPr>
+                              <m:t>01</m:t>
+                            </m:r>
+                          </m:sub>
+                        </m:sSub>
+                        <m:r>
+                          <a:rPr lang="en-US" b="0" i="1" smtClean="0">
+                            <a:latin typeface="Cambria Math" panose="02040503050406030204" pitchFamily="18" charset="0"/>
+                          </a:rPr>
+                          <m:t>(</m:t>
+                        </m:r>
+                        <m:r>
+                          <a:rPr lang="en-US" b="0" i="1" smtClean="0">
+                            <a:latin typeface="Cambria Math" panose="02040503050406030204" pitchFamily="18" charset="0"/>
+                          </a:rPr>
+                          <m:t>𝑥</m:t>
+                        </m:r>
+                        <m:r>
+                          <a:rPr lang="en-US" b="0" i="1" smtClean="0">
+                            <a:latin typeface="Cambria Math" panose="02040503050406030204" pitchFamily="18" charset="0"/>
+                          </a:rPr>
+                          <m:t>)</m:t>
+                        </m:r>
+                      </m:oMath>
+                    </m:oMathPara>
+                  </a14:m>
+                  <a:endParaRPr lang="en-US" dirty="0"/>
+                </a:p>
+              </p:txBody>
+            </p:sp>
+          </mc:Choice>
+          <mc:Fallback>
+            <p:sp>
+              <p:nvSpPr>
+                <p:cNvPr id="20" name="TextBox 19">
+                  <a:extLst>
+                    <a:ext uri="{FF2B5EF4-FFF2-40B4-BE49-F238E27FC236}">
+                      <a16:creationId xmlns:a16="http://schemas.microsoft.com/office/drawing/2014/main" id="{1E77E2B9-D5AA-4279-83FF-0CFE0E0C16EB}"/>
+                    </a:ext>
+                  </a:extLst>
+                </p:cNvPr>
+                <p:cNvSpPr txBox="1">
+                  <a:spLocks noRot="1" noChangeAspect="1" noMove="1" noResize="1" noEditPoints="1" noAdjustHandles="1" noChangeArrowheads="1" noChangeShapeType="1" noTextEdit="1"/>
+                </p:cNvSpPr>
+                <p:nvPr/>
+              </p:nvSpPr>
+              <p:spPr>
+                <a:xfrm>
+                  <a:off x="6963955" y="2953959"/>
+                  <a:ext cx="893109" cy="283116"/>
+                </a:xfrm>
+                <a:prstGeom prst="rect">
+                  <a:avLst/>
+                </a:prstGeom>
+                <a:blipFill>
+                  <a:blip r:embed="rId7"/>
+                  <a:stretch>
+                    <a:fillRect b="-13333"/>
+                  </a:stretch>
+                </a:blipFill>
+              </p:spPr>
+              <p:txBody>
+                <a:bodyPr/>
+                <a:lstStyle/>
+                <a:p>
+                  <a:r>
+                    <a:rPr lang="en-US">
+                      <a:noFill/>
+                    </a:rPr>
+                    <a:t> </a:t>
+                  </a:r>
+                </a:p>
+              </p:txBody>
+            </p:sp>
+          </mc:Fallback>
+        </mc:AlternateContent>
+      </p:grpSp>
     </p:spTree>
     <p:extLst>
       <p:ext uri="{BB962C8B-B14F-4D97-AF65-F5344CB8AC3E}">
@@ -8743,7 +13821,7 @@
                                           </p:stCondLst>
                                         </p:cTn>
                                         <p:tgtEl>
-                                          <p:spTgt spid="12"/>
+                                          <p:spTgt spid="21"/>
                                         </p:tgtEl>
                                         <p:attrNameLst>
                                           <p:attrName>style.visibility</p:attrName>
@@ -8757,7 +13835,7 @@
                                       <p:cBhvr>
                                         <p:cTn id="7" dur="500"/>
                                         <p:tgtEl>
-                                          <p:spTgt spid="12"/>
+                                          <p:spTgt spid="21"/>
                                         </p:tgtEl>
                                       </p:cBhvr>
                                     </p:animEffect>
@@ -8765,7 +13843,7 @@
                                 </p:cTn>
                               </p:par>
                               <p:par>
-                                <p:cTn id="8" presetID="10" presetClass="entr" presetSubtype="0" fill="hold" grpId="0" nodeType="withEffect">
+                                <p:cTn id="8" presetID="10" presetClass="entr" presetSubtype="0" fill="hold" nodeType="withEffect">
                                   <p:stCondLst>
                                     <p:cond delay="0"/>
                                   </p:stCondLst>
@@ -8778,7 +13856,7 @@
                                           </p:stCondLst>
                                         </p:cTn>
                                         <p:tgtEl>
-                                          <p:spTgt spid="14"/>
+                                          <p:spTgt spid="12"/>
                                         </p:tgtEl>
                                         <p:attrNameLst>
                                           <p:attrName>style.visibility</p:attrName>
@@ -8792,7 +13870,7 @@
                                       <p:cBhvr>
                                         <p:cTn id="10" dur="500"/>
                                         <p:tgtEl>
-                                          <p:spTgt spid="14"/>
+                                          <p:spTgt spid="12"/>
                                         </p:tgtEl>
                                       </p:cBhvr>
                                     </p:animEffect>
@@ -8826,9 +13904,6 @@
         </p:cTn>
       </p:par>
     </p:tnLst>
-    <p:bldLst>
-      <p:bldP spid="14" grpId="0"/>
-    </p:bldLst>
   </p:timing>
 </p:sld>
 </file>
@@ -10992,7 +16067,7 @@
               <a:blipFill>
                 <a:blip r:embed="rId2"/>
                 <a:stretch>
-                  <a:fillRect b="-32319"/>
+                  <a:fillRect b="-37002"/>
                 </a:stretch>
               </a:blipFill>
             </p:spPr>
@@ -11033,7 +16108,7 @@
         </p:blipFill>
         <p:spPr>
           <a:xfrm>
-            <a:off x="1702251" y="4729547"/>
+            <a:off x="3650024" y="4817758"/>
             <a:ext cx="3721995" cy="1682212"/>
           </a:xfrm>
           <a:prstGeom prst="rect">
@@ -11430,6 +16505,491 @@
           </a:fontRef>
         </p:style>
       </p:cxnSp>
+      <p:cxnSp>
+        <p:nvCxnSpPr>
+          <p:cNvPr id="3" name="Straight Arrow Connector 2">
+            <a:extLst>
+              <a:ext uri="{FF2B5EF4-FFF2-40B4-BE49-F238E27FC236}">
+                <a16:creationId xmlns:a16="http://schemas.microsoft.com/office/drawing/2014/main" id="{0AF656DC-C109-457A-AF92-C173A9ECA54F}"/>
+              </a:ext>
+            </a:extLst>
+          </p:cNvPr>
+          <p:cNvCxnSpPr>
+            <a:cxnSpLocks/>
+          </p:cNvCxnSpPr>
+          <p:nvPr/>
+        </p:nvCxnSpPr>
+        <p:spPr>
+          <a:xfrm flipH="1">
+            <a:off x="2754848" y="1728893"/>
+            <a:ext cx="460114" cy="292106"/>
+          </a:xfrm>
+          <a:prstGeom prst="straightConnector1">
+            <a:avLst/>
+          </a:prstGeom>
+          <a:ln w="38100">
+            <a:tailEnd type="triangle"/>
+          </a:ln>
+        </p:spPr>
+        <p:style>
+          <a:lnRef idx="1">
+            <a:schemeClr val="accent1"/>
+          </a:lnRef>
+          <a:fillRef idx="0">
+            <a:schemeClr val="accent1"/>
+          </a:fillRef>
+          <a:effectRef idx="0">
+            <a:schemeClr val="accent1"/>
+          </a:effectRef>
+          <a:fontRef idx="minor">
+            <a:schemeClr val="tx1"/>
+          </a:fontRef>
+        </p:style>
+      </p:cxnSp>
+      <mc:AlternateContent xmlns:mc="http://schemas.openxmlformats.org/markup-compatibility/2006">
+        <mc:Choice xmlns:a14="http://schemas.microsoft.com/office/drawing/2010/main" Requires="a14">
+          <p:sp>
+            <p:nvSpPr>
+              <p:cNvPr id="19" name="TextBox 18">
+                <a:extLst>
+                  <a:ext uri="{FF2B5EF4-FFF2-40B4-BE49-F238E27FC236}">
+                    <a16:creationId xmlns:a16="http://schemas.microsoft.com/office/drawing/2014/main" id="{B6FB1FE5-BC9D-4E97-A92F-43C687768BE5}"/>
+                  </a:ext>
+                </a:extLst>
+              </p:cNvPr>
+              <p:cNvSpPr txBox="1"/>
+              <p:nvPr/>
+            </p:nvSpPr>
+            <p:spPr>
+              <a:xfrm>
+                <a:off x="3145070" y="1529422"/>
+                <a:ext cx="949299" cy="369332"/>
+              </a:xfrm>
+              <a:prstGeom prst="rect">
+                <a:avLst/>
+              </a:prstGeom>
+              <a:noFill/>
+            </p:spPr>
+            <p:txBody>
+              <a:bodyPr wrap="none" rtlCol="0">
+                <a:spAutoFit/>
+              </a:bodyPr>
+              <a:lstStyle/>
+              <a:p>
+                <a14:m>
+                  <m:oMathPara xmlns:m="http://schemas.openxmlformats.org/officeDocument/2006/math">
+                    <m:oMathParaPr>
+                      <m:jc m:val="centerGroup"/>
+                    </m:oMathParaPr>
+                    <m:oMath xmlns:m="http://schemas.openxmlformats.org/officeDocument/2006/math">
+                      <m:r>
+                        <a:rPr lang="en-US" b="0" i="1" smtClean="0">
+                          <a:latin typeface="Cambria Math" panose="02040503050406030204" pitchFamily="18" charset="0"/>
+                        </a:rPr>
+                        <m:t>⟨</m:t>
+                      </m:r>
+                      <m:sSub>
+                        <m:sSubPr>
+                          <m:ctrlPr>
+                            <a:rPr lang="en-US" b="0" i="1" smtClean="0">
+                              <a:latin typeface="Cambria Math" panose="02040503050406030204" pitchFamily="18" charset="0"/>
+                            </a:rPr>
+                          </m:ctrlPr>
+                        </m:sSubPr>
+                        <m:e>
+                          <m:r>
+                            <a:rPr lang="en-US" b="0" i="1" smtClean="0">
+                              <a:latin typeface="Cambria Math" panose="02040503050406030204" pitchFamily="18" charset="0"/>
+                            </a:rPr>
+                            <m:t>𝑎</m:t>
+                          </m:r>
+                        </m:e>
+                        <m:sub>
+                          <m:r>
+                            <a:rPr lang="en-US" b="0" i="1" smtClean="0">
+                              <a:latin typeface="Cambria Math" panose="02040503050406030204" pitchFamily="18" charset="0"/>
+                            </a:rPr>
+                            <m:t>𝑘</m:t>
+                          </m:r>
+                        </m:sub>
+                      </m:sSub>
+                      <m:sSub>
+                        <m:sSubPr>
+                          <m:ctrlPr>
+                            <a:rPr lang="en-US" b="0" i="1" smtClean="0">
+                              <a:latin typeface="Cambria Math" panose="02040503050406030204" pitchFamily="18" charset="0"/>
+                            </a:rPr>
+                          </m:ctrlPr>
+                        </m:sSubPr>
+                        <m:e>
+                          <m:r>
+                            <a:rPr lang="en-US" b="0" i="1" smtClean="0">
+                              <a:latin typeface="Cambria Math" panose="02040503050406030204" pitchFamily="18" charset="0"/>
+                            </a:rPr>
+                            <m:t>𝑎</m:t>
+                          </m:r>
+                        </m:e>
+                        <m:sub>
+                          <m:r>
+                            <a:rPr lang="en-US" b="0" i="1" smtClean="0">
+                              <a:latin typeface="Cambria Math" panose="02040503050406030204" pitchFamily="18" charset="0"/>
+                            </a:rPr>
+                            <m:t>𝑘</m:t>
+                          </m:r>
+                          <m:r>
+                            <a:rPr lang="en-US" b="0" i="1" smtClean="0">
+                              <a:latin typeface="Cambria Math" panose="02040503050406030204" pitchFamily="18" charset="0"/>
+                            </a:rPr>
+                            <m:t>′</m:t>
+                          </m:r>
+                        </m:sub>
+                      </m:sSub>
+                      <m:r>
+                        <a:rPr lang="en-US" b="0" i="1" smtClean="0">
+                          <a:latin typeface="Cambria Math" panose="02040503050406030204" pitchFamily="18" charset="0"/>
+                        </a:rPr>
+                        <m:t>⟩</m:t>
+                      </m:r>
+                    </m:oMath>
+                  </m:oMathPara>
+                </a14:m>
+                <a:endParaRPr lang="en-US" dirty="0"/>
+              </a:p>
+            </p:txBody>
+          </p:sp>
+        </mc:Choice>
+        <mc:Fallback>
+          <p:sp>
+            <p:nvSpPr>
+              <p:cNvPr id="19" name="TextBox 18">
+                <a:extLst>
+                  <a:ext uri="{FF2B5EF4-FFF2-40B4-BE49-F238E27FC236}">
+                    <a16:creationId xmlns:a16="http://schemas.microsoft.com/office/drawing/2014/main" id="{B6FB1FE5-BC9D-4E97-A92F-43C687768BE5}"/>
+                  </a:ext>
+                </a:extLst>
+              </p:cNvPr>
+              <p:cNvSpPr txBox="1">
+                <a:spLocks noRot="1" noChangeAspect="1" noMove="1" noResize="1" noEditPoints="1" noAdjustHandles="1" noChangeArrowheads="1" noChangeShapeType="1" noTextEdit="1"/>
+              </p:cNvSpPr>
+              <p:nvPr/>
+            </p:nvSpPr>
+            <p:spPr>
+              <a:xfrm>
+                <a:off x="3145070" y="1529422"/>
+                <a:ext cx="949299" cy="369332"/>
+              </a:xfrm>
+              <a:prstGeom prst="rect">
+                <a:avLst/>
+              </a:prstGeom>
+              <a:blipFill>
+                <a:blip r:embed="rId4"/>
+                <a:stretch>
+                  <a:fillRect b="-13333"/>
+                </a:stretch>
+              </a:blipFill>
+            </p:spPr>
+            <p:txBody>
+              <a:bodyPr/>
+              <a:lstStyle/>
+              <a:p>
+                <a:r>
+                  <a:rPr lang="en-US">
+                    <a:noFill/>
+                  </a:rPr>
+                  <a:t> </a:t>
+                </a:r>
+              </a:p>
+            </p:txBody>
+          </p:sp>
+        </mc:Fallback>
+      </mc:AlternateContent>
+      <p:cxnSp>
+        <p:nvCxnSpPr>
+          <p:cNvPr id="21" name="Straight Arrow Connector 20">
+            <a:extLst>
+              <a:ext uri="{FF2B5EF4-FFF2-40B4-BE49-F238E27FC236}">
+                <a16:creationId xmlns:a16="http://schemas.microsoft.com/office/drawing/2014/main" id="{7E23539F-F80A-41B8-A97D-F4401096F0B8}"/>
+              </a:ext>
+            </a:extLst>
+          </p:cNvPr>
+          <p:cNvCxnSpPr>
+            <a:cxnSpLocks/>
+          </p:cNvCxnSpPr>
+          <p:nvPr/>
+        </p:nvCxnSpPr>
+        <p:spPr>
+          <a:xfrm flipV="1">
+            <a:off x="2422869" y="3942986"/>
+            <a:ext cx="215495" cy="629014"/>
+          </a:xfrm>
+          <a:prstGeom prst="straightConnector1">
+            <a:avLst/>
+          </a:prstGeom>
+          <a:ln w="38100">
+            <a:tailEnd type="triangle"/>
+          </a:ln>
+        </p:spPr>
+        <p:style>
+          <a:lnRef idx="1">
+            <a:schemeClr val="accent1"/>
+          </a:lnRef>
+          <a:fillRef idx="0">
+            <a:schemeClr val="accent1"/>
+          </a:fillRef>
+          <a:effectRef idx="0">
+            <a:schemeClr val="accent1"/>
+          </a:effectRef>
+          <a:fontRef idx="minor">
+            <a:schemeClr val="tx1"/>
+          </a:fontRef>
+        </p:style>
+      </p:cxnSp>
+      <mc:AlternateContent xmlns:mc="http://schemas.openxmlformats.org/markup-compatibility/2006">
+        <mc:Choice xmlns:a14="http://schemas.microsoft.com/office/drawing/2010/main" Requires="a14">
+          <p:sp>
+            <p:nvSpPr>
+              <p:cNvPr id="23" name="TextBox 22">
+                <a:extLst>
+                  <a:ext uri="{FF2B5EF4-FFF2-40B4-BE49-F238E27FC236}">
+                    <a16:creationId xmlns:a16="http://schemas.microsoft.com/office/drawing/2014/main" id="{263CE501-6D12-475A-AA90-F2628CB25F14}"/>
+                  </a:ext>
+                </a:extLst>
+              </p:cNvPr>
+              <p:cNvSpPr txBox="1"/>
+              <p:nvPr/>
+            </p:nvSpPr>
+            <p:spPr>
+              <a:xfrm>
+                <a:off x="1992849" y="4572000"/>
+                <a:ext cx="1020536" cy="372859"/>
+              </a:xfrm>
+              <a:prstGeom prst="rect">
+                <a:avLst/>
+              </a:prstGeom>
+              <a:noFill/>
+            </p:spPr>
+            <p:txBody>
+              <a:bodyPr wrap="none" rtlCol="0">
+                <a:spAutoFit/>
+              </a:bodyPr>
+              <a:lstStyle/>
+              <a:p>
+                <a14:m>
+                  <m:oMathPara xmlns:m="http://schemas.openxmlformats.org/officeDocument/2006/math">
+                    <m:oMathParaPr>
+                      <m:jc m:val="centerGroup"/>
+                    </m:oMathParaPr>
+                    <m:oMath xmlns:m="http://schemas.openxmlformats.org/officeDocument/2006/math">
+                      <m:r>
+                        <a:rPr lang="en-US" b="0" i="1" smtClean="0">
+                          <a:latin typeface="Cambria Math" panose="02040503050406030204" pitchFamily="18" charset="0"/>
+                        </a:rPr>
+                        <m:t>⟨</m:t>
+                      </m:r>
+                      <m:sSubSup>
+                        <m:sSubSupPr>
+                          <m:ctrlPr>
+                            <a:rPr lang="en-US" b="0" i="1" smtClean="0">
+                              <a:latin typeface="Cambria Math" panose="02040503050406030204" pitchFamily="18" charset="0"/>
+                            </a:rPr>
+                          </m:ctrlPr>
+                        </m:sSubSupPr>
+                        <m:e>
+                          <m:r>
+                            <a:rPr lang="en-US" b="0" i="1" smtClean="0">
+                              <a:latin typeface="Cambria Math" panose="02040503050406030204" pitchFamily="18" charset="0"/>
+                            </a:rPr>
+                            <m:t>𝑎</m:t>
+                          </m:r>
+                        </m:e>
+                        <m:sub>
+                          <m:r>
+                            <a:rPr lang="en-US" b="0" i="1" smtClean="0">
+                              <a:latin typeface="Cambria Math" panose="02040503050406030204" pitchFamily="18" charset="0"/>
+                            </a:rPr>
+                            <m:t>𝑘</m:t>
+                          </m:r>
+                        </m:sub>
+                        <m:sup>
+                          <m:r>
+                            <a:rPr lang="en-US" b="0" i="1" smtClean="0">
+                              <a:latin typeface="Cambria Math" panose="02040503050406030204" pitchFamily="18" charset="0"/>
+                            </a:rPr>
+                            <m:t>+</m:t>
+                          </m:r>
+                        </m:sup>
+                      </m:sSubSup>
+                      <m:r>
+                        <a:rPr lang="en-US" b="0" i="1" smtClean="0">
+                          <a:latin typeface="Cambria Math" panose="02040503050406030204" pitchFamily="18" charset="0"/>
+                        </a:rPr>
+                        <m:t> </m:t>
+                      </m:r>
+                      <m:sSub>
+                        <m:sSubPr>
+                          <m:ctrlPr>
+                            <a:rPr lang="en-US" b="0" i="1" smtClean="0">
+                              <a:latin typeface="Cambria Math" panose="02040503050406030204" pitchFamily="18" charset="0"/>
+                            </a:rPr>
+                          </m:ctrlPr>
+                        </m:sSubPr>
+                        <m:e>
+                          <m:r>
+                            <a:rPr lang="en-US" b="0" i="1" smtClean="0">
+                              <a:latin typeface="Cambria Math" panose="02040503050406030204" pitchFamily="18" charset="0"/>
+                            </a:rPr>
+                            <m:t>𝑎</m:t>
+                          </m:r>
+                        </m:e>
+                        <m:sub>
+                          <m:r>
+                            <a:rPr lang="en-US" b="0" i="1" smtClean="0">
+                              <a:latin typeface="Cambria Math" panose="02040503050406030204" pitchFamily="18" charset="0"/>
+                            </a:rPr>
+                            <m:t>𝑘</m:t>
+                          </m:r>
+                          <m:r>
+                            <a:rPr lang="en-US" b="0" i="1" smtClean="0">
+                              <a:latin typeface="Cambria Math" panose="02040503050406030204" pitchFamily="18" charset="0"/>
+                            </a:rPr>
+                            <m:t>′</m:t>
+                          </m:r>
+                        </m:sub>
+                      </m:sSub>
+                      <m:r>
+                        <a:rPr lang="en-US" b="0" i="1" smtClean="0">
+                          <a:latin typeface="Cambria Math" panose="02040503050406030204" pitchFamily="18" charset="0"/>
+                        </a:rPr>
+                        <m:t>⟩</m:t>
+                      </m:r>
+                    </m:oMath>
+                  </m:oMathPara>
+                </a14:m>
+                <a:endParaRPr lang="en-US" dirty="0"/>
+              </a:p>
+            </p:txBody>
+          </p:sp>
+        </mc:Choice>
+        <mc:Fallback>
+          <p:sp>
+            <p:nvSpPr>
+              <p:cNvPr id="23" name="TextBox 22">
+                <a:extLst>
+                  <a:ext uri="{FF2B5EF4-FFF2-40B4-BE49-F238E27FC236}">
+                    <a16:creationId xmlns:a16="http://schemas.microsoft.com/office/drawing/2014/main" id="{263CE501-6D12-475A-AA90-F2628CB25F14}"/>
+                  </a:ext>
+                </a:extLst>
+              </p:cNvPr>
+              <p:cNvSpPr txBox="1">
+                <a:spLocks noRot="1" noChangeAspect="1" noMove="1" noResize="1" noEditPoints="1" noAdjustHandles="1" noChangeArrowheads="1" noChangeShapeType="1" noTextEdit="1"/>
+              </p:cNvSpPr>
+              <p:nvPr/>
+            </p:nvSpPr>
+            <p:spPr>
+              <a:xfrm>
+                <a:off x="1992849" y="4572000"/>
+                <a:ext cx="1020536" cy="372859"/>
+              </a:xfrm>
+              <a:prstGeom prst="rect">
+                <a:avLst/>
+              </a:prstGeom>
+              <a:blipFill>
+                <a:blip r:embed="rId5"/>
+                <a:stretch>
+                  <a:fillRect b="-13115"/>
+                </a:stretch>
+              </a:blipFill>
+            </p:spPr>
+            <p:txBody>
+              <a:bodyPr/>
+              <a:lstStyle/>
+              <a:p>
+                <a:r>
+                  <a:rPr lang="en-US">
+                    <a:noFill/>
+                  </a:rPr>
+                  <a:t> </a:t>
+                </a:r>
+              </a:p>
+            </p:txBody>
+          </p:sp>
+        </mc:Fallback>
+      </mc:AlternateContent>
+      <p:cxnSp>
+        <p:nvCxnSpPr>
+          <p:cNvPr id="26" name="Straight Connector 25">
+            <a:extLst>
+              <a:ext uri="{FF2B5EF4-FFF2-40B4-BE49-F238E27FC236}">
+                <a16:creationId xmlns:a16="http://schemas.microsoft.com/office/drawing/2014/main" id="{D3941CEA-36DE-4100-8A41-2E0BBDA2C90F}"/>
+              </a:ext>
+            </a:extLst>
+          </p:cNvPr>
+          <p:cNvCxnSpPr/>
+          <p:nvPr/>
+        </p:nvCxnSpPr>
+        <p:spPr>
+          <a:xfrm>
+            <a:off x="6096000" y="6471008"/>
+            <a:ext cx="914400" cy="0"/>
+          </a:xfrm>
+          <a:prstGeom prst="line">
+            <a:avLst/>
+          </a:prstGeom>
+          <a:ln w="38100"/>
+        </p:spPr>
+        <p:style>
+          <a:lnRef idx="1">
+            <a:schemeClr val="accent1"/>
+          </a:lnRef>
+          <a:fillRef idx="0">
+            <a:schemeClr val="accent1"/>
+          </a:fillRef>
+          <a:effectRef idx="0">
+            <a:schemeClr val="accent1"/>
+          </a:effectRef>
+          <a:fontRef idx="minor">
+            <a:schemeClr val="tx1"/>
+          </a:fontRef>
+        </p:style>
+      </p:cxnSp>
+      <p:sp>
+        <p:nvSpPr>
+          <p:cNvPr id="27" name="TextBox 26">
+            <a:extLst>
+              <a:ext uri="{FF2B5EF4-FFF2-40B4-BE49-F238E27FC236}">
+                <a16:creationId xmlns:a16="http://schemas.microsoft.com/office/drawing/2014/main" id="{29AFDA51-BA8F-4AA3-A17F-5E84484518EF}"/>
+              </a:ext>
+            </a:extLst>
+          </p:cNvPr>
+          <p:cNvSpPr txBox="1"/>
+          <p:nvPr/>
+        </p:nvSpPr>
+        <p:spPr>
+          <a:xfrm>
+            <a:off x="7476976" y="5976750"/>
+            <a:ext cx="1023037" cy="523220"/>
+          </a:xfrm>
+          <a:prstGeom prst="rect">
+            <a:avLst/>
+          </a:prstGeom>
+          <a:noFill/>
+        </p:spPr>
+        <p:txBody>
+          <a:bodyPr wrap="none" rtlCol="0">
+            <a:spAutoFit/>
+          </a:bodyPr>
+          <a:lstStyle/>
+          <a:p>
+            <a:r>
+              <a:rPr lang="en-US" sz="2800" dirty="0">
+                <a:latin typeface="Arial" panose="020B0604020202020204" pitchFamily="34" charset="0"/>
+                <a:cs typeface="Arial" panose="020B0604020202020204" pitchFamily="34" charset="0"/>
+              </a:rPr>
+              <a:t>COM</a:t>
+            </a:r>
+          </a:p>
+        </p:txBody>
+      </p:sp>
     </p:spTree>
     <p:extLst>
       <p:ext uri="{BB962C8B-B14F-4D97-AF65-F5344CB8AC3E}">
@@ -11440,95 +17000,6 @@
   <p:clrMapOvr>
     <a:masterClrMapping/>
   </p:clrMapOvr>
-  <p:timing>
-    <p:tnLst>
-      <p:par>
-        <p:cTn id="1" dur="indefinite" restart="never" nodeType="tmRoot">
-          <p:childTnLst>
-            <p:seq concurrent="1" nextAc="seek">
-              <p:cTn id="2" dur="indefinite" nodeType="mainSeq">
-                <p:childTnLst>
-                  <p:par>
-                    <p:cTn id="3" fill="hold">
-                      <p:stCondLst>
-                        <p:cond delay="indefinite"/>
-                        <p:cond evt="onBegin" delay="0">
-                          <p:tn val="2"/>
-                        </p:cond>
-                      </p:stCondLst>
-                      <p:childTnLst>
-                        <p:par>
-                          <p:cTn id="4" fill="hold">
-                            <p:stCondLst>
-                              <p:cond delay="0"/>
-                            </p:stCondLst>
-                            <p:childTnLst>
-                              <p:par>
-                                <p:cTn id="5" presetID="10" presetClass="entr" presetSubtype="0" fill="hold" grpId="0" nodeType="withEffect">
-                                  <p:stCondLst>
-                                    <p:cond delay="0"/>
-                                  </p:stCondLst>
-                                  <p:childTnLst>
-                                    <p:set>
-                                      <p:cBhvr>
-                                        <p:cTn id="6" dur="1" fill="hold">
-                                          <p:stCondLst>
-                                            <p:cond delay="0"/>
-                                          </p:stCondLst>
-                                        </p:cTn>
-                                        <p:tgtEl>
-                                          <p:spTgt spid="4"/>
-                                        </p:tgtEl>
-                                        <p:attrNameLst>
-                                          <p:attrName>style.visibility</p:attrName>
-                                        </p:attrNameLst>
-                                      </p:cBhvr>
-                                      <p:to>
-                                        <p:strVal val="visible"/>
-                                      </p:to>
-                                    </p:set>
-                                    <p:animEffect transition="in" filter="fade">
-                                      <p:cBhvr>
-                                        <p:cTn id="7" dur="500"/>
-                                        <p:tgtEl>
-                                          <p:spTgt spid="4"/>
-                                        </p:tgtEl>
-                                      </p:cBhvr>
-                                    </p:animEffect>
-                                  </p:childTnLst>
-                                </p:cTn>
-                              </p:par>
-                            </p:childTnLst>
-                          </p:cTn>
-                        </p:par>
-                      </p:childTnLst>
-                    </p:cTn>
-                  </p:par>
-                </p:childTnLst>
-              </p:cTn>
-              <p:prevCondLst>
-                <p:cond evt="onPrev" delay="0">
-                  <p:tgtEl>
-                    <p:sldTgt/>
-                  </p:tgtEl>
-                </p:cond>
-              </p:prevCondLst>
-              <p:nextCondLst>
-                <p:cond evt="onNext" delay="0">
-                  <p:tgtEl>
-                    <p:sldTgt/>
-                  </p:tgtEl>
-                </p:cond>
-              </p:nextCondLst>
-            </p:seq>
-          </p:childTnLst>
-        </p:cTn>
-      </p:par>
-    </p:tnLst>
-    <p:bldLst>
-      <p:bldP spid="4" grpId="0"/>
-    </p:bldLst>
-  </p:timing>
 </p:sld>
 </file>
 
@@ -11632,7 +17103,7 @@
         </p:blipFill>
         <p:spPr>
           <a:xfrm>
-            <a:off x="438616" y="2089860"/>
+            <a:off x="6385243" y="1673005"/>
             <a:ext cx="5371598" cy="3828692"/>
           </a:xfrm>
           <a:prstGeom prst="rect">
@@ -11656,8 +17127,8 @@
             </p:nvSpPr>
             <p:spPr>
               <a:xfrm>
-                <a:off x="6381787" y="2884940"/>
-                <a:ext cx="5620642" cy="1593962"/>
+                <a:off x="1047623" y="5751099"/>
+                <a:ext cx="10327047" cy="1025217"/>
               </a:xfrm>
               <a:prstGeom prst="rect">
                 <a:avLst/>
@@ -11674,208 +17145,193 @@
                   <a:rPr lang="en-US" sz="2400" dirty="0"/>
                   <a:t>maximum entangled dark state: </a:t>
                 </a:r>
-              </a:p>
-              <a:p>
-                <a:pPr/>
                 <a14:m>
-                  <m:oMathPara xmlns:m="http://schemas.openxmlformats.org/officeDocument/2006/math">
-                    <m:oMathParaPr>
-                      <m:jc m:val="left"/>
-                    </m:oMathParaPr>
-                    <m:oMath xmlns:m="http://schemas.openxmlformats.org/officeDocument/2006/math">
-                      <m:f>
-                        <m:fPr>
-                          <m:ctrlPr>
-                            <a:rPr lang="en-US" sz="2400" i="1" dirty="0">
-                              <a:latin typeface="Cambria Math" panose="02040503050406030204" pitchFamily="18" charset="0"/>
-                            </a:rPr>
-                          </m:ctrlPr>
-                        </m:fPr>
-                        <m:num>
-                          <m:r>
-                            <a:rPr lang="en-US" sz="2400" i="1" dirty="0">
-                              <a:latin typeface="Cambria Math" panose="02040503050406030204" pitchFamily="18" charset="0"/>
-                            </a:rPr>
-                            <m:t>1</m:t>
-                          </m:r>
-                        </m:num>
-                        <m:den>
-                          <m:rad>
-                            <m:radPr>
-                              <m:degHide m:val="on"/>
-                              <m:ctrlPr>
-                                <a:rPr lang="en-US" sz="2400" i="1" dirty="0">
-                                  <a:latin typeface="Cambria Math" panose="02040503050406030204" pitchFamily="18" charset="0"/>
-                                </a:rPr>
-                              </m:ctrlPr>
-                            </m:radPr>
-                            <m:deg/>
-                            <m:e>
-                              <m:r>
-                                <a:rPr lang="en-US" sz="2400" i="1" dirty="0">
-                                  <a:latin typeface="Cambria Math" panose="02040503050406030204" pitchFamily="18" charset="0"/>
-                                </a:rPr>
-                                <m:t>2</m:t>
-                              </m:r>
-                              <m:r>
-                                <a:rPr lang="en-US" sz="2400" i="1" dirty="0">
-                                  <a:latin typeface="Cambria Math" panose="02040503050406030204" pitchFamily="18" charset="0"/>
-                                </a:rPr>
-                                <m:t>𝑁</m:t>
-                              </m:r>
-                              <m:r>
-                                <a:rPr lang="en-US" sz="2400" i="1" dirty="0">
-                                  <a:latin typeface="Cambria Math" panose="02040503050406030204" pitchFamily="18" charset="0"/>
-                                </a:rPr>
-                                <m:t>+1</m:t>
-                              </m:r>
-                            </m:e>
-                          </m:rad>
-                        </m:den>
-                      </m:f>
-                      <m:r>
-                        <a:rPr lang="en-US" sz="2400" i="1" dirty="0">
-                          <a:latin typeface="Cambria Math" panose="02040503050406030204" pitchFamily="18" charset="0"/>
-                        </a:rPr>
-                        <m:t>(</m:t>
-                      </m:r>
-                      <m:rad>
-                        <m:radPr>
-                          <m:degHide m:val="on"/>
-                          <m:ctrlPr>
-                            <a:rPr lang="en-US" sz="2400" i="1" dirty="0">
-                              <a:latin typeface="Cambria Math" panose="02040503050406030204" pitchFamily="18" charset="0"/>
-                            </a:rPr>
-                          </m:ctrlPr>
-                        </m:radPr>
-                        <m:deg/>
-                        <m:e>
-                          <m:r>
-                            <a:rPr lang="en-US" sz="2400" i="1" dirty="0">
-                              <a:latin typeface="Cambria Math" panose="02040503050406030204" pitchFamily="18" charset="0"/>
-                            </a:rPr>
-                            <m:t>𝑁</m:t>
-                          </m:r>
-                          <m:r>
-                            <a:rPr lang="en-US" sz="2400" i="1" dirty="0">
-                              <a:latin typeface="Cambria Math" panose="02040503050406030204" pitchFamily="18" charset="0"/>
-                            </a:rPr>
-                            <m:t>+1</m:t>
-                          </m:r>
-                        </m:e>
-                      </m:rad>
-                      <m:d>
-                        <m:dPr>
-                          <m:begChr m:val="|"/>
-                          <m:endChr m:val="|"/>
-                          <m:ctrlPr>
-                            <a:rPr lang="en-US" sz="2400" i="1" dirty="0">
-                              <a:latin typeface="Cambria Math" panose="02040503050406030204" pitchFamily="18" charset="0"/>
-                            </a:rPr>
-                          </m:ctrlPr>
-                        </m:dPr>
-                        <m:e>
-                          <m:r>
-                            <a:rPr lang="en-US" sz="2400" i="1" dirty="0">
-                              <a:latin typeface="Cambria Math" panose="02040503050406030204" pitchFamily="18" charset="0"/>
-                            </a:rPr>
-                            <m:t>𝑔𝑔</m:t>
-                          </m:r>
-                          <m:r>
-                            <a:rPr lang="en-US" sz="2400" b="0" i="1" dirty="0" smtClean="0">
-                              <a:latin typeface="Cambria Math" panose="02040503050406030204" pitchFamily="18" charset="0"/>
-                            </a:rPr>
-                            <m:t>⟩</m:t>
-                          </m:r>
-                          <m:r>
-                            <a:rPr lang="en-US" sz="2400" i="1" dirty="0">
-                              <a:latin typeface="Cambria Math" panose="02040503050406030204" pitchFamily="18" charset="0"/>
-                            </a:rPr>
-                            <m:t>+</m:t>
-                          </m:r>
-                          <m:sSup>
-                            <m:sSupPr>
-                              <m:ctrlPr>
-                                <a:rPr lang="en-US" sz="2400" i="1" dirty="0">
-                                  <a:latin typeface="Cambria Math" panose="02040503050406030204" pitchFamily="18" charset="0"/>
-                                </a:rPr>
-                              </m:ctrlPr>
-                            </m:sSupPr>
-                            <m:e>
-                              <m:d>
-                                <m:dPr>
-                                  <m:ctrlPr>
-                                    <a:rPr lang="en-US" sz="2400" i="1" dirty="0">
-                                      <a:latin typeface="Cambria Math" panose="02040503050406030204" pitchFamily="18" charset="0"/>
-                                    </a:rPr>
-                                  </m:ctrlPr>
-                                </m:dPr>
-                                <m:e>
-                                  <m:r>
-                                    <a:rPr lang="en-US" sz="2400" i="1" dirty="0">
-                                      <a:latin typeface="Cambria Math" panose="02040503050406030204" pitchFamily="18" charset="0"/>
-                                    </a:rPr>
-                                    <m:t>−1</m:t>
-                                  </m:r>
-                                </m:e>
-                              </m:d>
-                            </m:e>
-                            <m:sup>
-                              <m:r>
-                                <a:rPr lang="en-US" sz="2400" i="1" dirty="0">
-                                  <a:latin typeface="Cambria Math" panose="02040503050406030204" pitchFamily="18" charset="0"/>
-                                </a:rPr>
-                                <m:t>𝑛</m:t>
-                              </m:r>
-                              <m:r>
-                                <a:rPr lang="en-US" sz="2400" i="1" dirty="0">
-                                  <a:latin typeface="Cambria Math" panose="02040503050406030204" pitchFamily="18" charset="0"/>
-                                </a:rPr>
-                                <m:t>+1</m:t>
-                              </m:r>
-                            </m:sup>
-                          </m:sSup>
-                          <m:rad>
-                            <m:radPr>
-                              <m:degHide m:val="on"/>
-                              <m:ctrlPr>
-                                <a:rPr lang="en-US" sz="2400" i="1" dirty="0">
-                                  <a:latin typeface="Cambria Math" panose="02040503050406030204" pitchFamily="18" charset="0"/>
-                                </a:rPr>
-                              </m:ctrlPr>
-                            </m:radPr>
-                            <m:deg/>
-                            <m:e>
-                              <m:r>
-                                <a:rPr lang="en-US" sz="2400" i="1" dirty="0">
-                                  <a:latin typeface="Cambria Math" panose="02040503050406030204" pitchFamily="18" charset="0"/>
-                                </a:rPr>
-                                <m:t>𝑁</m:t>
-                              </m:r>
-                            </m:e>
-                          </m:rad>
-                        </m:e>
-                      </m:d>
-                      <m:r>
-                        <a:rPr lang="en-US" sz="2400" i="1" dirty="0">
-                          <a:latin typeface="Cambria Math" panose="02040503050406030204" pitchFamily="18" charset="0"/>
-                        </a:rPr>
-                        <m:t>𝑒𝑒</m:t>
-                      </m:r>
-                      <m:r>
-                        <a:rPr lang="en-US" sz="2400" b="0" i="1" dirty="0" smtClean="0">
-                          <a:latin typeface="Cambria Math" panose="02040503050406030204" pitchFamily="18" charset="0"/>
-                        </a:rPr>
-                        <m:t>⟩</m:t>
-                      </m:r>
-                      <m:r>
-                        <a:rPr lang="en-US" sz="2400" i="1" dirty="0">
-                          <a:latin typeface="Cambria Math" panose="02040503050406030204" pitchFamily="18" charset="0"/>
-                        </a:rPr>
-                        <m:t>)</m:t>
-                      </m:r>
-                    </m:oMath>
-                  </m:oMathPara>
+                  <m:oMath xmlns:m="http://schemas.openxmlformats.org/officeDocument/2006/math">
+                    <m:f>
+                      <m:fPr>
+                        <m:ctrlPr>
+                          <a:rPr lang="en-US" sz="2400" i="1" dirty="0">
+                            <a:latin typeface="Cambria Math" panose="02040503050406030204" pitchFamily="18" charset="0"/>
+                          </a:rPr>
+                        </m:ctrlPr>
+                      </m:fPr>
+                      <m:num>
+                        <m:r>
+                          <a:rPr lang="en-US" sz="2400" i="1" dirty="0">
+                            <a:latin typeface="Cambria Math" panose="02040503050406030204" pitchFamily="18" charset="0"/>
+                          </a:rPr>
+                          <m:t>1</m:t>
+                        </m:r>
+                      </m:num>
+                      <m:den>
+                        <m:rad>
+                          <m:radPr>
+                            <m:degHide m:val="on"/>
+                            <m:ctrlPr>
+                              <a:rPr lang="en-US" sz="2400" i="1" dirty="0">
+                                <a:latin typeface="Cambria Math" panose="02040503050406030204" pitchFamily="18" charset="0"/>
+                              </a:rPr>
+                            </m:ctrlPr>
+                          </m:radPr>
+                          <m:deg/>
+                          <m:e>
+                            <m:r>
+                              <a:rPr lang="en-US" sz="2400" i="1" dirty="0">
+                                <a:latin typeface="Cambria Math" panose="02040503050406030204" pitchFamily="18" charset="0"/>
+                              </a:rPr>
+                              <m:t>2</m:t>
+                            </m:r>
+                            <m:r>
+                              <a:rPr lang="en-US" sz="2400" i="1" dirty="0">
+                                <a:latin typeface="Cambria Math" panose="02040503050406030204" pitchFamily="18" charset="0"/>
+                              </a:rPr>
+                              <m:t>𝑁</m:t>
+                            </m:r>
+                            <m:r>
+                              <a:rPr lang="en-US" sz="2400" i="1" dirty="0">
+                                <a:latin typeface="Cambria Math" panose="02040503050406030204" pitchFamily="18" charset="0"/>
+                              </a:rPr>
+                              <m:t>+1</m:t>
+                            </m:r>
+                          </m:e>
+                        </m:rad>
+                      </m:den>
+                    </m:f>
+                    <m:r>
+                      <a:rPr lang="en-US" sz="2400" i="1" dirty="0">
+                        <a:latin typeface="Cambria Math" panose="02040503050406030204" pitchFamily="18" charset="0"/>
+                      </a:rPr>
+                      <m:t>(</m:t>
+                    </m:r>
+                    <m:rad>
+                      <m:radPr>
+                        <m:degHide m:val="on"/>
+                        <m:ctrlPr>
+                          <a:rPr lang="en-US" sz="2400" i="1" dirty="0">
+                            <a:latin typeface="Cambria Math" panose="02040503050406030204" pitchFamily="18" charset="0"/>
+                          </a:rPr>
+                        </m:ctrlPr>
+                      </m:radPr>
+                      <m:deg/>
+                      <m:e>
+                        <m:r>
+                          <a:rPr lang="en-US" sz="2400" i="1" dirty="0">
+                            <a:latin typeface="Cambria Math" panose="02040503050406030204" pitchFamily="18" charset="0"/>
+                          </a:rPr>
+                          <m:t>𝑁</m:t>
+                        </m:r>
+                        <m:r>
+                          <a:rPr lang="en-US" sz="2400" i="1" dirty="0">
+                            <a:latin typeface="Cambria Math" panose="02040503050406030204" pitchFamily="18" charset="0"/>
+                          </a:rPr>
+                          <m:t>+1</m:t>
+                        </m:r>
+                      </m:e>
+                    </m:rad>
+                    <m:r>
+                      <a:rPr lang="en-US" sz="2400" b="0" i="1" dirty="0" smtClean="0">
+                        <a:latin typeface="Cambria Math" panose="02040503050406030204" pitchFamily="18" charset="0"/>
+                      </a:rPr>
+                      <m:t>|</m:t>
+                    </m:r>
+                    <m:r>
+                      <a:rPr lang="en-US" sz="2400" i="1" dirty="0">
+                        <a:latin typeface="Cambria Math" panose="02040503050406030204" pitchFamily="18" charset="0"/>
+                      </a:rPr>
+                      <m:t>𝑔𝑔</m:t>
+                    </m:r>
+                    <m:r>
+                      <a:rPr lang="en-US" sz="2400" i="1" dirty="0">
+                        <a:latin typeface="Cambria Math" panose="02040503050406030204" pitchFamily="18" charset="0"/>
+                      </a:rPr>
+                      <m:t>⟩+</m:t>
+                    </m:r>
+                    <m:sSup>
+                      <m:sSupPr>
+                        <m:ctrlPr>
+                          <a:rPr lang="en-US" sz="2400" i="1" dirty="0">
+                            <a:latin typeface="Cambria Math" panose="02040503050406030204" pitchFamily="18" charset="0"/>
+                          </a:rPr>
+                        </m:ctrlPr>
+                      </m:sSupPr>
+                      <m:e>
+                        <m:d>
+                          <m:dPr>
+                            <m:ctrlPr>
+                              <a:rPr lang="en-US" sz="2400" i="1" dirty="0">
+                                <a:latin typeface="Cambria Math" panose="02040503050406030204" pitchFamily="18" charset="0"/>
+                              </a:rPr>
+                            </m:ctrlPr>
+                          </m:dPr>
+                          <m:e>
+                            <m:r>
+                              <a:rPr lang="en-US" sz="2400" i="1" dirty="0">
+                                <a:latin typeface="Cambria Math" panose="02040503050406030204" pitchFamily="18" charset="0"/>
+                              </a:rPr>
+                              <m:t>−1</m:t>
+                            </m:r>
+                          </m:e>
+                        </m:d>
+                      </m:e>
+                      <m:sup>
+                        <m:r>
+                          <a:rPr lang="en-US" sz="2400" i="1" dirty="0">
+                            <a:latin typeface="Cambria Math" panose="02040503050406030204" pitchFamily="18" charset="0"/>
+                          </a:rPr>
+                          <m:t>𝑛</m:t>
+                        </m:r>
+                        <m:r>
+                          <a:rPr lang="en-US" sz="2400" i="1" dirty="0">
+                            <a:latin typeface="Cambria Math" panose="02040503050406030204" pitchFamily="18" charset="0"/>
+                          </a:rPr>
+                          <m:t>+1</m:t>
+                        </m:r>
+                      </m:sup>
+                    </m:sSup>
+                    <m:rad>
+                      <m:radPr>
+                        <m:degHide m:val="on"/>
+                        <m:ctrlPr>
+                          <a:rPr lang="en-US" sz="2400" i="1" dirty="0">
+                            <a:latin typeface="Cambria Math" panose="02040503050406030204" pitchFamily="18" charset="0"/>
+                          </a:rPr>
+                        </m:ctrlPr>
+                      </m:radPr>
+                      <m:deg/>
+                      <m:e>
+                        <m:r>
+                          <a:rPr lang="en-US" sz="2400" i="1" dirty="0">
+                            <a:latin typeface="Cambria Math" panose="02040503050406030204" pitchFamily="18" charset="0"/>
+                          </a:rPr>
+                          <m:t>𝑁</m:t>
+                        </m:r>
+                      </m:e>
+                    </m:rad>
+                    <m:r>
+                      <a:rPr lang="en-US" sz="2400" b="0" i="1" dirty="0" smtClean="0">
+                        <a:latin typeface="Cambria Math" panose="02040503050406030204" pitchFamily="18" charset="0"/>
+                      </a:rPr>
+                      <m:t>|</m:t>
+                    </m:r>
+                    <m:r>
+                      <a:rPr lang="en-US" sz="2400" i="1" dirty="0">
+                        <a:latin typeface="Cambria Math" panose="02040503050406030204" pitchFamily="18" charset="0"/>
+                      </a:rPr>
+                      <m:t>𝑒𝑒</m:t>
+                    </m:r>
+                    <m:r>
+                      <a:rPr lang="en-US" sz="2400" b="0" i="1" dirty="0" smtClean="0">
+                        <a:latin typeface="Cambria Math" panose="02040503050406030204" pitchFamily="18" charset="0"/>
+                      </a:rPr>
+                      <m:t>⟩</m:t>
+                    </m:r>
+                    <m:r>
+                      <a:rPr lang="en-US" sz="2400" i="1" dirty="0">
+                        <a:latin typeface="Cambria Math" panose="02040503050406030204" pitchFamily="18" charset="0"/>
+                      </a:rPr>
+                      <m:t>)</m:t>
+                    </m:r>
+                  </m:oMath>
                 </a14:m>
                 <a:endParaRPr lang="en-US" sz="2400" dirty="0"/>
               </a:p>
@@ -11906,7 +17362,7 @@
                 </a14:m>
                 <a:r>
                   <a:rPr lang="en-US" sz="2400" dirty="0"/>
-                  <a:t> </a:t>
+                  <a:t> (steady Bell state)</a:t>
                 </a:r>
               </a:p>
             </p:txBody>
@@ -11929,8 +17385,8 @@
             </p:nvSpPr>
             <p:spPr>
               <a:xfrm>
-                <a:off x="6381787" y="2884940"/>
-                <a:ext cx="5620642" cy="1593962"/>
+                <a:off x="1047623" y="5751099"/>
+                <a:ext cx="10327047" cy="1025217"/>
               </a:xfrm>
               <a:prstGeom prst="rect">
                 <a:avLst/>
@@ -11938,7 +17394,825 @@
               <a:blipFill>
                 <a:blip r:embed="rId3"/>
                 <a:stretch>
-                  <a:fillRect l="-1735" t="-3053" b="-7634"/>
+                  <a:fillRect l="-945" b="-10059"/>
+                </a:stretch>
+              </a:blipFill>
+            </p:spPr>
+            <p:txBody>
+              <a:bodyPr/>
+              <a:lstStyle/>
+              <a:p>
+                <a:r>
+                  <a:rPr lang="en-US">
+                    <a:noFill/>
+                  </a:rPr>
+                  <a:t> </a:t>
+                </a:r>
+              </a:p>
+            </p:txBody>
+          </p:sp>
+        </mc:Fallback>
+      </mc:AlternateContent>
+      <p:cxnSp>
+        <p:nvCxnSpPr>
+          <p:cNvPr id="3" name="Straight Arrow Connector 2">
+            <a:extLst>
+              <a:ext uri="{FF2B5EF4-FFF2-40B4-BE49-F238E27FC236}">
+                <a16:creationId xmlns:a16="http://schemas.microsoft.com/office/drawing/2014/main" id="{377FAE0B-2D76-43E6-9F46-66AAE14E8DC3}"/>
+              </a:ext>
+            </a:extLst>
+          </p:cNvPr>
+          <p:cNvCxnSpPr>
+            <a:cxnSpLocks/>
+          </p:cNvCxnSpPr>
+          <p:nvPr/>
+        </p:nvCxnSpPr>
+        <p:spPr>
+          <a:xfrm flipV="1">
+            <a:off x="1244487" y="2551560"/>
+            <a:ext cx="2152296" cy="1202806"/>
+          </a:xfrm>
+          <a:prstGeom prst="straightConnector1">
+            <a:avLst/>
+          </a:prstGeom>
+          <a:ln w="38100">
+            <a:solidFill>
+              <a:srgbClr val="FF0000"/>
+            </a:solidFill>
+            <a:tailEnd type="triangle"/>
+          </a:ln>
+        </p:spPr>
+        <p:style>
+          <a:lnRef idx="1">
+            <a:schemeClr val="accent1"/>
+          </a:lnRef>
+          <a:fillRef idx="0">
+            <a:schemeClr val="accent1"/>
+          </a:fillRef>
+          <a:effectRef idx="0">
+            <a:schemeClr val="accent1"/>
+          </a:effectRef>
+          <a:fontRef idx="minor">
+            <a:schemeClr val="tx1"/>
+          </a:fontRef>
+        </p:style>
+      </p:cxnSp>
+      <p:cxnSp>
+        <p:nvCxnSpPr>
+          <p:cNvPr id="8" name="Straight Arrow Connector 7">
+            <a:extLst>
+              <a:ext uri="{FF2B5EF4-FFF2-40B4-BE49-F238E27FC236}">
+                <a16:creationId xmlns:a16="http://schemas.microsoft.com/office/drawing/2014/main" id="{6F38A8F6-0817-491B-B04A-7C6A24BC03EF}"/>
+              </a:ext>
+            </a:extLst>
+          </p:cNvPr>
+          <p:cNvCxnSpPr>
+            <a:cxnSpLocks/>
+          </p:cNvCxnSpPr>
+          <p:nvPr/>
+        </p:nvCxnSpPr>
+        <p:spPr>
+          <a:xfrm>
+            <a:off x="1244487" y="3754366"/>
+            <a:ext cx="2119196" cy="777256"/>
+          </a:xfrm>
+          <a:prstGeom prst="straightConnector1">
+            <a:avLst/>
+          </a:prstGeom>
+          <a:ln w="38100">
+            <a:solidFill>
+              <a:srgbClr val="00B050"/>
+            </a:solidFill>
+            <a:tailEnd type="triangle"/>
+          </a:ln>
+        </p:spPr>
+        <p:style>
+          <a:lnRef idx="1">
+            <a:schemeClr val="accent1"/>
+          </a:lnRef>
+          <a:fillRef idx="0">
+            <a:schemeClr val="accent1"/>
+          </a:fillRef>
+          <a:effectRef idx="0">
+            <a:schemeClr val="accent1"/>
+          </a:effectRef>
+          <a:fontRef idx="minor">
+            <a:schemeClr val="tx1"/>
+          </a:fontRef>
+        </p:style>
+      </p:cxnSp>
+      <p:cxnSp>
+        <p:nvCxnSpPr>
+          <p:cNvPr id="12" name="Straight Connector 11">
+            <a:extLst>
+              <a:ext uri="{FF2B5EF4-FFF2-40B4-BE49-F238E27FC236}">
+                <a16:creationId xmlns:a16="http://schemas.microsoft.com/office/drawing/2014/main" id="{5BE21CBB-7162-4487-B50F-0552ED5255DA}"/>
+              </a:ext>
+            </a:extLst>
+          </p:cNvPr>
+          <p:cNvCxnSpPr/>
+          <p:nvPr/>
+        </p:nvCxnSpPr>
+        <p:spPr>
+          <a:xfrm>
+            <a:off x="3100820" y="2196234"/>
+            <a:ext cx="895885" cy="0"/>
+          </a:xfrm>
+          <a:prstGeom prst="line">
+            <a:avLst/>
+          </a:prstGeom>
+          <a:ln w="25400">
+            <a:solidFill>
+              <a:schemeClr val="tx1"/>
+            </a:solidFill>
+          </a:ln>
+        </p:spPr>
+        <p:style>
+          <a:lnRef idx="1">
+            <a:schemeClr val="accent1"/>
+          </a:lnRef>
+          <a:fillRef idx="0">
+            <a:schemeClr val="accent1"/>
+          </a:fillRef>
+          <a:effectRef idx="0">
+            <a:schemeClr val="accent1"/>
+          </a:effectRef>
+          <a:fontRef idx="minor">
+            <a:schemeClr val="tx1"/>
+          </a:fontRef>
+        </p:style>
+      </p:cxnSp>
+      <p:cxnSp>
+        <p:nvCxnSpPr>
+          <p:cNvPr id="13" name="Straight Connector 12">
+            <a:extLst>
+              <a:ext uri="{FF2B5EF4-FFF2-40B4-BE49-F238E27FC236}">
+                <a16:creationId xmlns:a16="http://schemas.microsoft.com/office/drawing/2014/main" id="{B2DA653D-45EE-41C4-B698-4AB10419F7DA}"/>
+              </a:ext>
+            </a:extLst>
+          </p:cNvPr>
+          <p:cNvCxnSpPr/>
+          <p:nvPr/>
+        </p:nvCxnSpPr>
+        <p:spPr>
+          <a:xfrm>
+            <a:off x="3100820" y="3200970"/>
+            <a:ext cx="895885" cy="0"/>
+          </a:xfrm>
+          <a:prstGeom prst="line">
+            <a:avLst/>
+          </a:prstGeom>
+          <a:ln w="25400">
+            <a:solidFill>
+              <a:schemeClr val="tx1"/>
+            </a:solidFill>
+          </a:ln>
+        </p:spPr>
+        <p:style>
+          <a:lnRef idx="1">
+            <a:schemeClr val="accent1"/>
+          </a:lnRef>
+          <a:fillRef idx="0">
+            <a:schemeClr val="accent1"/>
+          </a:fillRef>
+          <a:effectRef idx="0">
+            <a:schemeClr val="accent1"/>
+          </a:effectRef>
+          <a:fontRef idx="minor">
+            <a:schemeClr val="tx1"/>
+          </a:fontRef>
+        </p:style>
+      </p:cxnSp>
+      <p:cxnSp>
+        <p:nvCxnSpPr>
+          <p:cNvPr id="15" name="Straight Arrow Connector 14">
+            <a:extLst>
+              <a:ext uri="{FF2B5EF4-FFF2-40B4-BE49-F238E27FC236}">
+                <a16:creationId xmlns:a16="http://schemas.microsoft.com/office/drawing/2014/main" id="{FBE106FA-74B9-4229-9C5D-ED38C8ABF416}"/>
+              </a:ext>
+            </a:extLst>
+          </p:cNvPr>
+          <p:cNvCxnSpPr/>
+          <p:nvPr/>
+        </p:nvCxnSpPr>
+        <p:spPr>
+          <a:xfrm>
+            <a:off x="3548762" y="2196234"/>
+            <a:ext cx="0" cy="1004736"/>
+          </a:xfrm>
+          <a:prstGeom prst="straightConnector1">
+            <a:avLst/>
+          </a:prstGeom>
+          <a:ln w="25400">
+            <a:solidFill>
+              <a:schemeClr val="tx1"/>
+            </a:solidFill>
+            <a:headEnd type="triangle"/>
+            <a:tailEnd type="triangle"/>
+          </a:ln>
+        </p:spPr>
+        <p:style>
+          <a:lnRef idx="1">
+            <a:schemeClr val="accent1"/>
+          </a:lnRef>
+          <a:fillRef idx="0">
+            <a:schemeClr val="accent1"/>
+          </a:fillRef>
+          <a:effectRef idx="0">
+            <a:schemeClr val="accent1"/>
+          </a:effectRef>
+          <a:fontRef idx="minor">
+            <a:schemeClr val="tx1"/>
+          </a:fontRef>
+        </p:style>
+      </p:cxnSp>
+      <p:cxnSp>
+        <p:nvCxnSpPr>
+          <p:cNvPr id="18" name="Straight Connector 17">
+            <a:extLst>
+              <a:ext uri="{FF2B5EF4-FFF2-40B4-BE49-F238E27FC236}">
+                <a16:creationId xmlns:a16="http://schemas.microsoft.com/office/drawing/2014/main" id="{A6FD1DDD-BF8F-4979-8122-5AC6A5C7E819}"/>
+              </a:ext>
+            </a:extLst>
+          </p:cNvPr>
+          <p:cNvCxnSpPr/>
+          <p:nvPr/>
+        </p:nvCxnSpPr>
+        <p:spPr>
+          <a:xfrm>
+            <a:off x="3100820" y="3978831"/>
+            <a:ext cx="895885" cy="0"/>
+          </a:xfrm>
+          <a:prstGeom prst="line">
+            <a:avLst/>
+          </a:prstGeom>
+          <a:ln w="25400">
+            <a:solidFill>
+              <a:schemeClr val="tx1"/>
+            </a:solidFill>
+          </a:ln>
+        </p:spPr>
+        <p:style>
+          <a:lnRef idx="1">
+            <a:schemeClr val="accent1"/>
+          </a:lnRef>
+          <a:fillRef idx="0">
+            <a:schemeClr val="accent1"/>
+          </a:fillRef>
+          <a:effectRef idx="0">
+            <a:schemeClr val="accent1"/>
+          </a:effectRef>
+          <a:fontRef idx="minor">
+            <a:schemeClr val="tx1"/>
+          </a:fontRef>
+        </p:style>
+      </p:cxnSp>
+      <p:cxnSp>
+        <p:nvCxnSpPr>
+          <p:cNvPr id="19" name="Straight Connector 18">
+            <a:extLst>
+              <a:ext uri="{FF2B5EF4-FFF2-40B4-BE49-F238E27FC236}">
+                <a16:creationId xmlns:a16="http://schemas.microsoft.com/office/drawing/2014/main" id="{6B2954FD-8963-4D7A-8CE0-1128359FE9FC}"/>
+              </a:ext>
+            </a:extLst>
+          </p:cNvPr>
+          <p:cNvCxnSpPr/>
+          <p:nvPr/>
+        </p:nvCxnSpPr>
+        <p:spPr>
+          <a:xfrm>
+            <a:off x="3100820" y="4983567"/>
+            <a:ext cx="895885" cy="0"/>
+          </a:xfrm>
+          <a:prstGeom prst="line">
+            <a:avLst/>
+          </a:prstGeom>
+          <a:ln w="25400">
+            <a:solidFill>
+              <a:schemeClr val="tx1"/>
+            </a:solidFill>
+          </a:ln>
+        </p:spPr>
+        <p:style>
+          <a:lnRef idx="1">
+            <a:schemeClr val="accent1"/>
+          </a:lnRef>
+          <a:fillRef idx="0">
+            <a:schemeClr val="accent1"/>
+          </a:fillRef>
+          <a:effectRef idx="0">
+            <a:schemeClr val="accent1"/>
+          </a:effectRef>
+          <a:fontRef idx="minor">
+            <a:schemeClr val="tx1"/>
+          </a:fontRef>
+        </p:style>
+      </p:cxnSp>
+      <p:cxnSp>
+        <p:nvCxnSpPr>
+          <p:cNvPr id="20" name="Straight Arrow Connector 19">
+            <a:extLst>
+              <a:ext uri="{FF2B5EF4-FFF2-40B4-BE49-F238E27FC236}">
+                <a16:creationId xmlns:a16="http://schemas.microsoft.com/office/drawing/2014/main" id="{B30872C2-D4E1-4F2E-B07D-E0B3A5683F2B}"/>
+              </a:ext>
+            </a:extLst>
+          </p:cNvPr>
+          <p:cNvCxnSpPr/>
+          <p:nvPr/>
+        </p:nvCxnSpPr>
+        <p:spPr>
+          <a:xfrm>
+            <a:off x="3548762" y="3978831"/>
+            <a:ext cx="0" cy="1004736"/>
+          </a:xfrm>
+          <a:prstGeom prst="straightConnector1">
+            <a:avLst/>
+          </a:prstGeom>
+          <a:ln w="25400">
+            <a:solidFill>
+              <a:schemeClr val="tx1"/>
+            </a:solidFill>
+            <a:headEnd type="triangle"/>
+            <a:tailEnd type="triangle"/>
+          </a:ln>
+        </p:spPr>
+        <p:style>
+          <a:lnRef idx="1">
+            <a:schemeClr val="accent1"/>
+          </a:lnRef>
+          <a:fillRef idx="0">
+            <a:schemeClr val="accent1"/>
+          </a:fillRef>
+          <a:effectRef idx="0">
+            <a:schemeClr val="accent1"/>
+          </a:effectRef>
+          <a:fontRef idx="minor">
+            <a:schemeClr val="tx1"/>
+          </a:fontRef>
+        </p:style>
+      </p:cxnSp>
+      <mc:AlternateContent xmlns:mc="http://schemas.openxmlformats.org/markup-compatibility/2006">
+        <mc:Choice xmlns:a14="http://schemas.microsoft.com/office/drawing/2010/main" Requires="a14">
+          <p:sp>
+            <p:nvSpPr>
+              <p:cNvPr id="23" name="TextBox 22">
+                <a:extLst>
+                  <a:ext uri="{FF2B5EF4-FFF2-40B4-BE49-F238E27FC236}">
+                    <a16:creationId xmlns:a16="http://schemas.microsoft.com/office/drawing/2014/main" id="{AF0E2913-B092-414C-9845-1195DBF4A46E}"/>
+                  </a:ext>
+                </a:extLst>
+              </p:cNvPr>
+              <p:cNvSpPr txBox="1"/>
+              <p:nvPr/>
+            </p:nvSpPr>
+            <p:spPr>
+              <a:xfrm>
+                <a:off x="3700742" y="2476313"/>
+                <a:ext cx="511614" cy="369332"/>
+              </a:xfrm>
+              <a:prstGeom prst="rect">
+                <a:avLst/>
+              </a:prstGeom>
+              <a:noFill/>
+            </p:spPr>
+            <p:txBody>
+              <a:bodyPr wrap="none" rtlCol="0">
+                <a:spAutoFit/>
+              </a:bodyPr>
+              <a:lstStyle/>
+              <a:p>
+                <a14:m>
+                  <m:oMathPara xmlns:m="http://schemas.openxmlformats.org/officeDocument/2006/math">
+                    <m:oMathParaPr>
+                      <m:jc m:val="centerGroup"/>
+                    </m:oMathParaPr>
+                    <m:oMath xmlns:m="http://schemas.openxmlformats.org/officeDocument/2006/math">
+                      <m:sSub>
+                        <m:sSubPr>
+                          <m:ctrlPr>
+                            <a:rPr lang="en-US" b="0" i="1" smtClean="0">
+                              <a:latin typeface="Cambria Math" panose="02040503050406030204" pitchFamily="18" charset="0"/>
+                            </a:rPr>
+                          </m:ctrlPr>
+                        </m:sSubPr>
+                        <m:e>
+                          <m:r>
+                            <a:rPr lang="en-US" b="0" i="1" smtClean="0">
+                              <a:latin typeface="Cambria Math" panose="02040503050406030204" pitchFamily="18" charset="0"/>
+                            </a:rPr>
+                            <m:t>𝜔</m:t>
+                          </m:r>
+                        </m:e>
+                        <m:sub>
+                          <m:r>
+                            <a:rPr lang="en-US" b="0" i="1" smtClean="0">
+                              <a:latin typeface="Cambria Math" panose="02040503050406030204" pitchFamily="18" charset="0"/>
+                            </a:rPr>
+                            <m:t>0</m:t>
+                          </m:r>
+                        </m:sub>
+                      </m:sSub>
+                    </m:oMath>
+                  </m:oMathPara>
+                </a14:m>
+                <a:endParaRPr lang="en-US" dirty="0"/>
+              </a:p>
+            </p:txBody>
+          </p:sp>
+        </mc:Choice>
+        <mc:Fallback>
+          <p:sp>
+            <p:nvSpPr>
+              <p:cNvPr id="23" name="TextBox 22">
+                <a:extLst>
+                  <a:ext uri="{FF2B5EF4-FFF2-40B4-BE49-F238E27FC236}">
+                    <a16:creationId xmlns:a16="http://schemas.microsoft.com/office/drawing/2014/main" id="{AF0E2913-B092-414C-9845-1195DBF4A46E}"/>
+                  </a:ext>
+                </a:extLst>
+              </p:cNvPr>
+              <p:cNvSpPr txBox="1">
+                <a:spLocks noRot="1" noChangeAspect="1" noMove="1" noResize="1" noEditPoints="1" noAdjustHandles="1" noChangeArrowheads="1" noChangeShapeType="1" noTextEdit="1"/>
+              </p:cNvSpPr>
+              <p:nvPr/>
+            </p:nvSpPr>
+            <p:spPr>
+              <a:xfrm>
+                <a:off x="3700742" y="2476313"/>
+                <a:ext cx="511614" cy="369332"/>
+              </a:xfrm>
+              <a:prstGeom prst="rect">
+                <a:avLst/>
+              </a:prstGeom>
+              <a:blipFill>
+                <a:blip r:embed="rId4"/>
+                <a:stretch>
+                  <a:fillRect/>
+                </a:stretch>
+              </a:blipFill>
+            </p:spPr>
+            <p:txBody>
+              <a:bodyPr/>
+              <a:lstStyle/>
+              <a:p>
+                <a:r>
+                  <a:rPr lang="en-US">
+                    <a:noFill/>
+                  </a:rPr>
+                  <a:t> </a:t>
+                </a:r>
+              </a:p>
+            </p:txBody>
+          </p:sp>
+        </mc:Fallback>
+      </mc:AlternateContent>
+      <mc:AlternateContent xmlns:mc="http://schemas.openxmlformats.org/markup-compatibility/2006">
+        <mc:Choice xmlns:a14="http://schemas.microsoft.com/office/drawing/2010/main" Requires="a14">
+          <p:sp>
+            <p:nvSpPr>
+              <p:cNvPr id="24" name="TextBox 23">
+                <a:extLst>
+                  <a:ext uri="{FF2B5EF4-FFF2-40B4-BE49-F238E27FC236}">
+                    <a16:creationId xmlns:a16="http://schemas.microsoft.com/office/drawing/2014/main" id="{13A34FB5-4987-4051-A38B-A7F55DECDC2B}"/>
+                  </a:ext>
+                </a:extLst>
+              </p:cNvPr>
+              <p:cNvSpPr txBox="1"/>
+              <p:nvPr/>
+            </p:nvSpPr>
+            <p:spPr>
+              <a:xfrm>
+                <a:off x="3700742" y="4296533"/>
+                <a:ext cx="511614" cy="369332"/>
+              </a:xfrm>
+              <a:prstGeom prst="rect">
+                <a:avLst/>
+              </a:prstGeom>
+              <a:noFill/>
+            </p:spPr>
+            <p:txBody>
+              <a:bodyPr wrap="none" rtlCol="0">
+                <a:spAutoFit/>
+              </a:bodyPr>
+              <a:lstStyle/>
+              <a:p>
+                <a14:m>
+                  <m:oMathPara xmlns:m="http://schemas.openxmlformats.org/officeDocument/2006/math">
+                    <m:oMathParaPr>
+                      <m:jc m:val="centerGroup"/>
+                    </m:oMathParaPr>
+                    <m:oMath xmlns:m="http://schemas.openxmlformats.org/officeDocument/2006/math">
+                      <m:sSub>
+                        <m:sSubPr>
+                          <m:ctrlPr>
+                            <a:rPr lang="en-US" b="0" i="1" smtClean="0">
+                              <a:latin typeface="Cambria Math" panose="02040503050406030204" pitchFamily="18" charset="0"/>
+                            </a:rPr>
+                          </m:ctrlPr>
+                        </m:sSubPr>
+                        <m:e>
+                          <m:r>
+                            <a:rPr lang="en-US" b="0" i="1" smtClean="0">
+                              <a:latin typeface="Cambria Math" panose="02040503050406030204" pitchFamily="18" charset="0"/>
+                            </a:rPr>
+                            <m:t>𝜔</m:t>
+                          </m:r>
+                        </m:e>
+                        <m:sub>
+                          <m:r>
+                            <a:rPr lang="en-US" b="0" i="1" smtClean="0">
+                              <a:latin typeface="Cambria Math" panose="02040503050406030204" pitchFamily="18" charset="0"/>
+                            </a:rPr>
+                            <m:t>0</m:t>
+                          </m:r>
+                        </m:sub>
+                      </m:sSub>
+                    </m:oMath>
+                  </m:oMathPara>
+                </a14:m>
+                <a:endParaRPr lang="en-US" dirty="0"/>
+              </a:p>
+            </p:txBody>
+          </p:sp>
+        </mc:Choice>
+        <mc:Fallback>
+          <p:sp>
+            <p:nvSpPr>
+              <p:cNvPr id="24" name="TextBox 23">
+                <a:extLst>
+                  <a:ext uri="{FF2B5EF4-FFF2-40B4-BE49-F238E27FC236}">
+                    <a16:creationId xmlns:a16="http://schemas.microsoft.com/office/drawing/2014/main" id="{13A34FB5-4987-4051-A38B-A7F55DECDC2B}"/>
+                  </a:ext>
+                </a:extLst>
+              </p:cNvPr>
+              <p:cNvSpPr txBox="1">
+                <a:spLocks noRot="1" noChangeAspect="1" noMove="1" noResize="1" noEditPoints="1" noAdjustHandles="1" noChangeArrowheads="1" noChangeShapeType="1" noTextEdit="1"/>
+              </p:cNvSpPr>
+              <p:nvPr/>
+            </p:nvSpPr>
+            <p:spPr>
+              <a:xfrm>
+                <a:off x="3700742" y="4296533"/>
+                <a:ext cx="511614" cy="369332"/>
+              </a:xfrm>
+              <a:prstGeom prst="rect">
+                <a:avLst/>
+              </a:prstGeom>
+              <a:blipFill>
+                <a:blip r:embed="rId5"/>
+                <a:stretch>
+                  <a:fillRect/>
+                </a:stretch>
+              </a:blipFill>
+            </p:spPr>
+            <p:txBody>
+              <a:bodyPr/>
+              <a:lstStyle/>
+              <a:p>
+                <a:r>
+                  <a:rPr lang="en-US">
+                    <a:noFill/>
+                  </a:rPr>
+                  <a:t> </a:t>
+                </a:r>
+              </a:p>
+            </p:txBody>
+          </p:sp>
+        </mc:Fallback>
+      </mc:AlternateContent>
+      <mc:AlternateContent xmlns:mc="http://schemas.openxmlformats.org/markup-compatibility/2006">
+        <mc:Choice xmlns:a14="http://schemas.microsoft.com/office/drawing/2010/main" Requires="a14">
+          <p:sp>
+            <p:nvSpPr>
+              <p:cNvPr id="25" name="TextBox 24">
+                <a:extLst>
+                  <a:ext uri="{FF2B5EF4-FFF2-40B4-BE49-F238E27FC236}">
+                    <a16:creationId xmlns:a16="http://schemas.microsoft.com/office/drawing/2014/main" id="{4C5F8B7C-9BC2-4BC3-975D-D637D6E5C1B4}"/>
+                  </a:ext>
+                </a:extLst>
+              </p:cNvPr>
+              <p:cNvSpPr txBox="1"/>
+              <p:nvPr/>
+            </p:nvSpPr>
+            <p:spPr>
+              <a:xfrm>
+                <a:off x="1700983" y="2698134"/>
+                <a:ext cx="1082539" cy="369332"/>
+              </a:xfrm>
+              <a:prstGeom prst="rect">
+                <a:avLst/>
+              </a:prstGeom>
+              <a:noFill/>
+            </p:spPr>
+            <p:txBody>
+              <a:bodyPr wrap="none" rtlCol="0">
+                <a:spAutoFit/>
+              </a:bodyPr>
+              <a:lstStyle/>
+              <a:p>
+                <a14:m>
+                  <m:oMathPara xmlns:m="http://schemas.openxmlformats.org/officeDocument/2006/math">
+                    <m:oMathParaPr>
+                      <m:jc m:val="centerGroup"/>
+                    </m:oMathParaPr>
+                    <m:oMath xmlns:m="http://schemas.openxmlformats.org/officeDocument/2006/math">
+                      <m:sSub>
+                        <m:sSubPr>
+                          <m:ctrlPr>
+                            <a:rPr lang="en-US" b="0" i="1" smtClean="0">
+                              <a:latin typeface="Cambria Math" panose="02040503050406030204" pitchFamily="18" charset="0"/>
+                            </a:rPr>
+                          </m:ctrlPr>
+                        </m:sSubPr>
+                        <m:e>
+                          <m:r>
+                            <a:rPr lang="en-US" b="0" i="1" smtClean="0">
+                              <a:latin typeface="Cambria Math" panose="02040503050406030204" pitchFamily="18" charset="0"/>
+                            </a:rPr>
+                            <m:t>𝜔</m:t>
+                          </m:r>
+                        </m:e>
+                        <m:sub>
+                          <m:r>
+                            <a:rPr lang="en-US" b="0" i="1" smtClean="0">
+                              <a:latin typeface="Cambria Math" panose="02040503050406030204" pitchFamily="18" charset="0"/>
+                            </a:rPr>
+                            <m:t>0</m:t>
+                          </m:r>
+                        </m:sub>
+                      </m:sSub>
+                      <m:r>
+                        <a:rPr lang="en-US" b="0" i="1" smtClean="0">
+                          <a:latin typeface="Cambria Math" panose="02040503050406030204" pitchFamily="18" charset="0"/>
+                        </a:rPr>
+                        <m:t>+</m:t>
+                      </m:r>
+                      <m:r>
+                        <a:rPr lang="en-US" b="0" i="1" smtClean="0">
+                          <a:latin typeface="Cambria Math" panose="02040503050406030204" pitchFamily="18" charset="0"/>
+                        </a:rPr>
+                        <m:t>𝛿𝜔</m:t>
+                      </m:r>
+                    </m:oMath>
+                  </m:oMathPara>
+                </a14:m>
+                <a:endParaRPr lang="en-US" dirty="0"/>
+              </a:p>
+            </p:txBody>
+          </p:sp>
+        </mc:Choice>
+        <mc:Fallback>
+          <p:sp>
+            <p:nvSpPr>
+              <p:cNvPr id="25" name="TextBox 24">
+                <a:extLst>
+                  <a:ext uri="{FF2B5EF4-FFF2-40B4-BE49-F238E27FC236}">
+                    <a16:creationId xmlns:a16="http://schemas.microsoft.com/office/drawing/2014/main" id="{4C5F8B7C-9BC2-4BC3-975D-D637D6E5C1B4}"/>
+                  </a:ext>
+                </a:extLst>
+              </p:cNvPr>
+              <p:cNvSpPr txBox="1">
+                <a:spLocks noRot="1" noChangeAspect="1" noMove="1" noResize="1" noEditPoints="1" noAdjustHandles="1" noChangeArrowheads="1" noChangeShapeType="1" noTextEdit="1"/>
+              </p:cNvSpPr>
+              <p:nvPr/>
+            </p:nvSpPr>
+            <p:spPr>
+              <a:xfrm>
+                <a:off x="1700983" y="2698134"/>
+                <a:ext cx="1082539" cy="369332"/>
+              </a:xfrm>
+              <a:prstGeom prst="rect">
+                <a:avLst/>
+              </a:prstGeom>
+              <a:blipFill>
+                <a:blip r:embed="rId6"/>
+                <a:stretch>
+                  <a:fillRect/>
+                </a:stretch>
+              </a:blipFill>
+            </p:spPr>
+            <p:txBody>
+              <a:bodyPr/>
+              <a:lstStyle/>
+              <a:p>
+                <a:r>
+                  <a:rPr lang="en-US">
+                    <a:noFill/>
+                  </a:rPr>
+                  <a:t> </a:t>
+                </a:r>
+              </a:p>
+            </p:txBody>
+          </p:sp>
+        </mc:Fallback>
+      </mc:AlternateContent>
+      <mc:AlternateContent xmlns:mc="http://schemas.openxmlformats.org/markup-compatibility/2006">
+        <mc:Choice xmlns:a14="http://schemas.microsoft.com/office/drawing/2010/main" Requires="a14">
+          <p:sp>
+            <p:nvSpPr>
+              <p:cNvPr id="26" name="TextBox 25">
+                <a:extLst>
+                  <a:ext uri="{FF2B5EF4-FFF2-40B4-BE49-F238E27FC236}">
+                    <a16:creationId xmlns:a16="http://schemas.microsoft.com/office/drawing/2014/main" id="{02F88AD5-B964-4218-998F-1144392D5203}"/>
+                  </a:ext>
+                </a:extLst>
+              </p:cNvPr>
+              <p:cNvSpPr txBox="1"/>
+              <p:nvPr/>
+            </p:nvSpPr>
+            <p:spPr>
+              <a:xfrm>
+                <a:off x="1632455" y="4239932"/>
+                <a:ext cx="1082539" cy="369332"/>
+              </a:xfrm>
+              <a:prstGeom prst="rect">
+                <a:avLst/>
+              </a:prstGeom>
+              <a:noFill/>
+            </p:spPr>
+            <p:txBody>
+              <a:bodyPr wrap="none" rtlCol="0">
+                <a:spAutoFit/>
+              </a:bodyPr>
+              <a:lstStyle/>
+              <a:p>
+                <a14:m>
+                  <m:oMathPara xmlns:m="http://schemas.openxmlformats.org/officeDocument/2006/math">
+                    <m:oMathParaPr>
+                      <m:jc m:val="centerGroup"/>
+                    </m:oMathParaPr>
+                    <m:oMath xmlns:m="http://schemas.openxmlformats.org/officeDocument/2006/math">
+                      <m:sSub>
+                        <m:sSubPr>
+                          <m:ctrlPr>
+                            <a:rPr lang="en-US" b="0" i="1" smtClean="0">
+                              <a:latin typeface="Cambria Math" panose="02040503050406030204" pitchFamily="18" charset="0"/>
+                            </a:rPr>
+                          </m:ctrlPr>
+                        </m:sSubPr>
+                        <m:e>
+                          <m:r>
+                            <a:rPr lang="en-US" b="0" i="1" smtClean="0">
+                              <a:latin typeface="Cambria Math" panose="02040503050406030204" pitchFamily="18" charset="0"/>
+                            </a:rPr>
+                            <m:t>𝜔</m:t>
+                          </m:r>
+                        </m:e>
+                        <m:sub>
+                          <m:r>
+                            <a:rPr lang="en-US" b="0" i="1" smtClean="0">
+                              <a:latin typeface="Cambria Math" panose="02040503050406030204" pitchFamily="18" charset="0"/>
+                            </a:rPr>
+                            <m:t>0</m:t>
+                          </m:r>
+                        </m:sub>
+                      </m:sSub>
+                      <m:r>
+                        <a:rPr lang="en-US" b="0" i="1" smtClean="0">
+                          <a:latin typeface="Cambria Math" panose="02040503050406030204" pitchFamily="18" charset="0"/>
+                        </a:rPr>
+                        <m:t>−</m:t>
+                      </m:r>
+                      <m:r>
+                        <a:rPr lang="en-US" b="0" i="1" smtClean="0">
+                          <a:latin typeface="Cambria Math" panose="02040503050406030204" pitchFamily="18" charset="0"/>
+                        </a:rPr>
+                        <m:t>𝛿𝜔</m:t>
+                      </m:r>
+                    </m:oMath>
+                  </m:oMathPara>
+                </a14:m>
+                <a:endParaRPr lang="en-US" dirty="0"/>
+              </a:p>
+            </p:txBody>
+          </p:sp>
+        </mc:Choice>
+        <mc:Fallback>
+          <p:sp>
+            <p:nvSpPr>
+              <p:cNvPr id="26" name="TextBox 25">
+                <a:extLst>
+                  <a:ext uri="{FF2B5EF4-FFF2-40B4-BE49-F238E27FC236}">
+                    <a16:creationId xmlns:a16="http://schemas.microsoft.com/office/drawing/2014/main" id="{02F88AD5-B964-4218-998F-1144392D5203}"/>
+                  </a:ext>
+                </a:extLst>
+              </p:cNvPr>
+              <p:cNvSpPr txBox="1">
+                <a:spLocks noRot="1" noChangeAspect="1" noMove="1" noResize="1" noEditPoints="1" noAdjustHandles="1" noChangeArrowheads="1" noChangeShapeType="1" noTextEdit="1"/>
+              </p:cNvSpPr>
+              <p:nvPr/>
+            </p:nvSpPr>
+            <p:spPr>
+              <a:xfrm>
+                <a:off x="1632455" y="4239932"/>
+                <a:ext cx="1082539" cy="369332"/>
+              </a:xfrm>
+              <a:prstGeom prst="rect">
+                <a:avLst/>
+              </a:prstGeom>
+              <a:blipFill>
+                <a:blip r:embed="rId7"/>
+                <a:stretch>
+                  <a:fillRect/>
                 </a:stretch>
               </a:blipFill>
             </p:spPr>

--- a/Jieyu You.pptx
+++ b/Jieyu You.pptx
@@ -5,10 +5,10 @@
     <p:sldMasterId id="2147483648" r:id="rId1"/>
   </p:sldMasterIdLst>
   <p:notesMasterIdLst>
-    <p:notesMasterId r:id="rId15"/>
+    <p:notesMasterId r:id="rId14"/>
   </p:notesMasterIdLst>
   <p:handoutMasterIdLst>
-    <p:handoutMasterId r:id="rId16"/>
+    <p:handoutMasterId r:id="rId15"/>
   </p:handoutMasterIdLst>
   <p:sldIdLst>
     <p:sldId id="256" r:id="rId2"/>
@@ -21,9 +21,8 @@
     <p:sldId id="275" r:id="rId9"/>
     <p:sldId id="274" r:id="rId10"/>
     <p:sldId id="273" r:id="rId11"/>
-    <p:sldId id="278" r:id="rId12"/>
-    <p:sldId id="276" r:id="rId13"/>
-    <p:sldId id="277" r:id="rId14"/>
+    <p:sldId id="276" r:id="rId12"/>
+    <p:sldId id="277" r:id="rId13"/>
   </p:sldIdLst>
   <p:sldSz cx="12192000" cy="6858000"/>
   <p:notesSz cx="6858000" cy="9144000"/>
@@ -357,7 +356,7 @@
           <a:p>
             <a:fld id="{3D5C334A-7055-4D6B-A6B7-1B1A4944AE5E}" type="datetimeFigureOut">
               <a:rPr lang="en-US" smtClean="0"/>
-              <a:t>3/26/2019</a:t>
+              <a:t>3/27/2019</a:t>
             </a:fld>
             <a:endParaRPr lang="en-US"/>
           </a:p>
@@ -535,7 +534,7 @@
           <a:p>
             <a:fld id="{65E25093-331F-4666-AA75-0D41CB5876CA}" type="datetimeFigureOut">
               <a:rPr lang="en-US" smtClean="0"/>
-              <a:t>3/26/2019</a:t>
+              <a:t>3/27/2019</a:t>
             </a:fld>
             <a:endParaRPr lang="en-US"/>
           </a:p>
@@ -957,7 +956,7 @@
           <a:p>
             <a:fld id="{C2C3EAB0-8B79-42D2-B7E8-68780DC20FFF}" type="slidenum">
               <a:rPr lang="en-US" smtClean="0"/>
-              <a:t>12</a:t>
+              <a:t>11</a:t>
             </a:fld>
             <a:endParaRPr lang="en-US"/>
           </a:p>
@@ -1123,7 +1122,7 @@
           <a:p>
             <a:fld id="{0462BF80-84A5-4645-869F-614F8EFC48B0}" type="datetimeFigureOut">
               <a:rPr lang="en-US" smtClean="0"/>
-              <a:t>3/26/2019</a:t>
+              <a:t>3/27/2019</a:t>
             </a:fld>
             <a:endParaRPr lang="en-US"/>
           </a:p>
@@ -1321,7 +1320,7 @@
           <a:p>
             <a:fld id="{0462BF80-84A5-4645-869F-614F8EFC48B0}" type="datetimeFigureOut">
               <a:rPr lang="en-US" smtClean="0"/>
-              <a:t>3/26/2019</a:t>
+              <a:t>3/27/2019</a:t>
             </a:fld>
             <a:endParaRPr lang="en-US"/>
           </a:p>
@@ -1529,7 +1528,7 @@
           <a:p>
             <a:fld id="{0462BF80-84A5-4645-869F-614F8EFC48B0}" type="datetimeFigureOut">
               <a:rPr lang="en-US" smtClean="0"/>
-              <a:t>3/26/2019</a:t>
+              <a:t>3/27/2019</a:t>
             </a:fld>
             <a:endParaRPr lang="en-US"/>
           </a:p>
@@ -1727,7 +1726,7 @@
           <a:p>
             <a:fld id="{0462BF80-84A5-4645-869F-614F8EFC48B0}" type="datetimeFigureOut">
               <a:rPr lang="en-US" smtClean="0"/>
-              <a:t>3/26/2019</a:t>
+              <a:t>3/27/2019</a:t>
             </a:fld>
             <a:endParaRPr lang="en-US"/>
           </a:p>
@@ -2002,7 +2001,7 @@
           <a:p>
             <a:fld id="{0462BF80-84A5-4645-869F-614F8EFC48B0}" type="datetimeFigureOut">
               <a:rPr lang="en-US" smtClean="0"/>
-              <a:t>3/26/2019</a:t>
+              <a:t>3/27/2019</a:t>
             </a:fld>
             <a:endParaRPr lang="en-US"/>
           </a:p>
@@ -2267,7 +2266,7 @@
           <a:p>
             <a:fld id="{0462BF80-84A5-4645-869F-614F8EFC48B0}" type="datetimeFigureOut">
               <a:rPr lang="en-US" smtClean="0"/>
-              <a:t>3/26/2019</a:t>
+              <a:t>3/27/2019</a:t>
             </a:fld>
             <a:endParaRPr lang="en-US"/>
           </a:p>
@@ -2679,7 +2678,7 @@
           <a:p>
             <a:fld id="{0462BF80-84A5-4645-869F-614F8EFC48B0}" type="datetimeFigureOut">
               <a:rPr lang="en-US" smtClean="0"/>
-              <a:t>3/26/2019</a:t>
+              <a:t>3/27/2019</a:t>
             </a:fld>
             <a:endParaRPr lang="en-US"/>
           </a:p>
@@ -2820,7 +2819,7 @@
           <a:p>
             <a:fld id="{0462BF80-84A5-4645-869F-614F8EFC48B0}" type="datetimeFigureOut">
               <a:rPr lang="en-US" smtClean="0"/>
-              <a:t>3/26/2019</a:t>
+              <a:t>3/27/2019</a:t>
             </a:fld>
             <a:endParaRPr lang="en-US"/>
           </a:p>
@@ -2933,7 +2932,7 @@
           <a:p>
             <a:fld id="{0462BF80-84A5-4645-869F-614F8EFC48B0}" type="datetimeFigureOut">
               <a:rPr lang="en-US" smtClean="0"/>
-              <a:t>3/26/2019</a:t>
+              <a:t>3/27/2019</a:t>
             </a:fld>
             <a:endParaRPr lang="en-US"/>
           </a:p>
@@ -3244,7 +3243,7 @@
           <a:p>
             <a:fld id="{0462BF80-84A5-4645-869F-614F8EFC48B0}" type="datetimeFigureOut">
               <a:rPr lang="en-US" smtClean="0"/>
-              <a:t>3/26/2019</a:t>
+              <a:t>3/27/2019</a:t>
             </a:fld>
             <a:endParaRPr lang="en-US"/>
           </a:p>
@@ -3532,7 +3531,7 @@
           <a:p>
             <a:fld id="{0462BF80-84A5-4645-869F-614F8EFC48B0}" type="datetimeFigureOut">
               <a:rPr lang="en-US" smtClean="0"/>
-              <a:t>3/26/2019</a:t>
+              <a:t>3/27/2019</a:t>
             </a:fld>
             <a:endParaRPr lang="en-US"/>
           </a:p>
@@ -3773,7 +3772,7 @@
           <a:p>
             <a:fld id="{0462BF80-84A5-4645-869F-614F8EFC48B0}" type="datetimeFigureOut">
               <a:rPr lang="en-US" smtClean="0"/>
-              <a:t>3/26/2019</a:t>
+              <a:t>3/27/2019</a:t>
             </a:fld>
             <a:endParaRPr lang="en-US"/>
           </a:p>
@@ -5156,8 +5155,8 @@
           </a:fontRef>
         </p:style>
       </p:cxnSp>
-      <mc:AlternateContent xmlns:mc="http://schemas.openxmlformats.org/markup-compatibility/2006">
-        <mc:Choice xmlns:a14="http://schemas.microsoft.com/office/drawing/2010/main" Requires="a14">
+      <mc:AlternateContent xmlns:mc="http://schemas.openxmlformats.org/markup-compatibility/2006" xmlns:a14="http://schemas.microsoft.com/office/drawing/2010/main">
+        <mc:Choice Requires="a14">
           <p:sp>
             <p:nvSpPr>
               <p:cNvPr id="21" name="TextBox 20">
@@ -5207,7 +5206,7 @@
             </p:txBody>
           </p:sp>
         </mc:Choice>
-        <mc:Fallback>
+        <mc:Fallback xmlns="">
           <p:sp>
             <p:nvSpPr>
               <p:cNvPr id="21" name="TextBox 20">
@@ -5252,8 +5251,8 @@
           </p:sp>
         </mc:Fallback>
       </mc:AlternateContent>
-      <mc:AlternateContent xmlns:mc="http://schemas.openxmlformats.org/markup-compatibility/2006">
-        <mc:Choice xmlns:a14="http://schemas.microsoft.com/office/drawing/2010/main" Requires="a14">
+      <mc:AlternateContent xmlns:mc="http://schemas.openxmlformats.org/markup-compatibility/2006" xmlns:a14="http://schemas.microsoft.com/office/drawing/2010/main">
+        <mc:Choice Requires="a14">
           <p:sp>
             <p:nvSpPr>
               <p:cNvPr id="22" name="TextBox 21">
@@ -5303,7 +5302,7 @@
             </p:txBody>
           </p:sp>
         </mc:Choice>
-        <mc:Fallback>
+        <mc:Fallback xmlns="">
           <p:sp>
             <p:nvSpPr>
               <p:cNvPr id="22" name="TextBox 21">
@@ -5362,2575 +5361,6 @@
 </file>
 
 <file path=ppt/slides/slide11.xml><?xml version="1.0" encoding="utf-8"?>
-<p:sld xmlns:a="http://schemas.openxmlformats.org/drawingml/2006/main" xmlns:r="http://schemas.openxmlformats.org/officeDocument/2006/relationships" xmlns:p="http://schemas.openxmlformats.org/presentationml/2006/main">
-  <p:cSld>
-    <p:spTree>
-      <p:nvGrpSpPr>
-        <p:cNvPr id="1" name=""/>
-        <p:cNvGrpSpPr/>
-        <p:nvPr/>
-      </p:nvGrpSpPr>
-      <p:grpSpPr>
-        <a:xfrm>
-          <a:off x="0" y="0"/>
-          <a:ext cx="0" cy="0"/>
-          <a:chOff x="0" y="0"/>
-          <a:chExt cx="0" cy="0"/>
-        </a:xfrm>
-      </p:grpSpPr>
-      <mc:AlternateContent xmlns:mc="http://schemas.openxmlformats.org/markup-compatibility/2006">
-        <mc:Choice xmlns:a14="http://schemas.microsoft.com/office/drawing/2010/main" Requires="a14">
-          <p:sp>
-            <p:nvSpPr>
-              <p:cNvPr id="4" name="TextBox 3">
-                <a:extLst>
-                  <a:ext uri="{FF2B5EF4-FFF2-40B4-BE49-F238E27FC236}">
-                    <a16:creationId xmlns:a16="http://schemas.microsoft.com/office/drawing/2014/main" id="{7976950B-2D47-40A8-A07D-284EF970AC46}"/>
-                  </a:ext>
-                </a:extLst>
-              </p:cNvPr>
-              <p:cNvSpPr txBox="1"/>
-              <p:nvPr/>
-            </p:nvSpPr>
-            <p:spPr>
-              <a:xfrm>
-                <a:off x="2289230" y="1300663"/>
-                <a:ext cx="7828567" cy="2599686"/>
-              </a:xfrm>
-              <a:prstGeom prst="rect">
-                <a:avLst/>
-              </a:prstGeom>
-              <a:noFill/>
-            </p:spPr>
-            <p:txBody>
-              <a:bodyPr wrap="square" rtlCol="0">
-                <a:spAutoFit/>
-              </a:bodyPr>
-              <a:lstStyle/>
-              <a:p>
-                <a14:m>
-                  <m:oMath xmlns:m="http://schemas.openxmlformats.org/officeDocument/2006/math">
-                    <m:acc>
-                      <m:accPr>
-                        <m:chr m:val="̇"/>
-                        <m:ctrlPr>
-                          <a:rPr lang="en-US" sz="2400" i="1">
-                            <a:latin typeface="Cambria Math" panose="02040503050406030204" pitchFamily="18" charset="0"/>
-                          </a:rPr>
-                        </m:ctrlPr>
-                      </m:accPr>
-                      <m:e>
-                        <m:sSup>
-                          <m:sSupPr>
-                            <m:ctrlPr>
-                              <a:rPr lang="en-US" sz="2400" i="1">
-                                <a:latin typeface="Cambria Math" panose="02040503050406030204" pitchFamily="18" charset="0"/>
-                              </a:rPr>
-                            </m:ctrlPr>
-                          </m:sSupPr>
-                          <m:e>
-                            <m:r>
-                              <a:rPr lang="en-US" sz="2400" i="1">
-                                <a:latin typeface="Cambria Math" panose="02040503050406030204" pitchFamily="18" charset="0"/>
-                              </a:rPr>
-                              <m:t>𝜌</m:t>
-                            </m:r>
-                          </m:e>
-                          <m:sup>
-                            <m:r>
-                              <a:rPr lang="en-US" sz="2400" i="1">
-                                <a:latin typeface="Cambria Math" panose="02040503050406030204" pitchFamily="18" charset="0"/>
-                              </a:rPr>
-                              <m:t>𝑆</m:t>
-                            </m:r>
-                          </m:sup>
-                        </m:sSup>
-                      </m:e>
-                    </m:acc>
-                    <m:r>
-                      <a:rPr lang="en-US" sz="2400" i="1">
-                        <a:latin typeface="Cambria Math" panose="02040503050406030204" pitchFamily="18" charset="0"/>
-                      </a:rPr>
-                      <m:t>=</m:t>
-                    </m:r>
-                  </m:oMath>
-                </a14:m>
-                <a:r>
-                  <a:rPr lang="en-US" sz="2400" dirty="0"/>
-                  <a:t> </a:t>
-                </a:r>
-                <a14:m>
-                  <m:oMath xmlns:m="http://schemas.openxmlformats.org/officeDocument/2006/math">
-                    <m:r>
-                      <a:rPr lang="en-US" sz="2400" i="1">
-                        <a:latin typeface="Cambria Math" panose="02040503050406030204" pitchFamily="18" charset="0"/>
-                      </a:rPr>
-                      <m:t>−</m:t>
-                    </m:r>
-                    <m:f>
-                      <m:fPr>
-                        <m:ctrlPr>
-                          <a:rPr lang="en-US" sz="2400" i="1">
-                            <a:latin typeface="Cambria Math" panose="02040503050406030204" pitchFamily="18" charset="0"/>
-                          </a:rPr>
-                        </m:ctrlPr>
-                      </m:fPr>
-                      <m:num>
-                        <m:r>
-                          <a:rPr lang="en-US" sz="2400" i="1">
-                            <a:latin typeface="Cambria Math" panose="02040503050406030204" pitchFamily="18" charset="0"/>
-                          </a:rPr>
-                          <m:t>1</m:t>
-                        </m:r>
-                      </m:num>
-                      <m:den>
-                        <m:r>
-                          <a:rPr lang="en-US" sz="2400" i="1">
-                            <a:latin typeface="Cambria Math" panose="02040503050406030204" pitchFamily="18" charset="0"/>
-                          </a:rPr>
-                          <m:t>2</m:t>
-                        </m:r>
-                      </m:den>
-                    </m:f>
-                    <m:nary>
-                      <m:naryPr>
-                        <m:chr m:val="∑"/>
-                        <m:subHide m:val="on"/>
-                        <m:supHide m:val="on"/>
-                        <m:ctrlPr>
-                          <a:rPr lang="en-US" sz="2400" i="1" smtClean="0">
-                            <a:solidFill>
-                              <a:schemeClr val="tx1"/>
-                            </a:solidFill>
-                            <a:latin typeface="Cambria Math" panose="02040503050406030204" pitchFamily="18" charset="0"/>
-                          </a:rPr>
-                        </m:ctrlPr>
-                      </m:naryPr>
-                      <m:sub/>
-                      <m:sup/>
-                      <m:e>
-                        <m:sSub>
-                          <m:sSubPr>
-                            <m:ctrlPr>
-                              <a:rPr lang="en-US" sz="2400" i="1">
-                                <a:solidFill>
-                                  <a:schemeClr val="tx1"/>
-                                </a:solidFill>
-                                <a:latin typeface="Cambria Math" panose="02040503050406030204" pitchFamily="18" charset="0"/>
-                              </a:rPr>
-                            </m:ctrlPr>
-                          </m:sSubPr>
-                          <m:e>
-                            <m:r>
-                              <a:rPr lang="en-US" sz="2400" i="1">
-                                <a:solidFill>
-                                  <a:schemeClr val="tx1"/>
-                                </a:solidFill>
-                                <a:latin typeface="Cambria Math" panose="02040503050406030204" pitchFamily="18" charset="0"/>
-                              </a:rPr>
-                              <m:t>𝛾</m:t>
-                            </m:r>
-                            <m:r>
-                              <a:rPr lang="en-US" sz="2400" i="1">
-                                <a:solidFill>
-                                  <a:schemeClr val="tx1"/>
-                                </a:solidFill>
-                                <a:latin typeface="Cambria Math" panose="02040503050406030204" pitchFamily="18" charset="0"/>
-                              </a:rPr>
-                              <m:t>′</m:t>
-                            </m:r>
-                          </m:e>
-                          <m:sub>
-                            <m:r>
-                              <a:rPr lang="en-US" sz="2400" i="1">
-                                <a:solidFill>
-                                  <a:schemeClr val="tx1"/>
-                                </a:solidFill>
-                                <a:latin typeface="Cambria Math" panose="02040503050406030204" pitchFamily="18" charset="0"/>
-                              </a:rPr>
-                              <m:t>𝑖𝑗</m:t>
-                            </m:r>
-                          </m:sub>
-                        </m:sSub>
-                        <m:r>
-                          <a:rPr lang="en-US" sz="2400" i="1">
-                            <a:solidFill>
-                              <a:schemeClr val="tx1"/>
-                            </a:solidFill>
-                            <a:latin typeface="Cambria Math" panose="02040503050406030204" pitchFamily="18" charset="0"/>
-                          </a:rPr>
-                          <m:t>𝑀</m:t>
-                        </m:r>
-                      </m:e>
-                    </m:nary>
-                    <m:d>
-                      <m:dPr>
-                        <m:ctrlPr>
-                          <a:rPr lang="en-US" sz="2400" i="1">
-                            <a:solidFill>
-                              <a:schemeClr val="tx1"/>
-                            </a:solidFill>
-                            <a:latin typeface="Cambria Math" panose="02040503050406030204" pitchFamily="18" charset="0"/>
-                          </a:rPr>
-                        </m:ctrlPr>
-                      </m:dPr>
-                      <m:e>
-                        <m:sSup>
-                          <m:sSupPr>
-                            <m:ctrlPr>
-                              <a:rPr lang="en-US" sz="2400" i="1">
-                                <a:solidFill>
-                                  <a:schemeClr val="tx1"/>
-                                </a:solidFill>
-                                <a:latin typeface="Cambria Math" panose="02040503050406030204" pitchFamily="18" charset="0"/>
-                              </a:rPr>
-                            </m:ctrlPr>
-                          </m:sSupPr>
-                          <m:e>
-                            <m:r>
-                              <a:rPr lang="en-US" sz="2400" i="1">
-                                <a:solidFill>
-                                  <a:schemeClr val="tx1"/>
-                                </a:solidFill>
-                                <a:latin typeface="Cambria Math" panose="02040503050406030204" pitchFamily="18" charset="0"/>
-                              </a:rPr>
-                              <m:t>𝜌</m:t>
-                            </m:r>
-                          </m:e>
-                          <m:sup>
-                            <m:r>
-                              <a:rPr lang="en-US" sz="2400" i="1">
-                                <a:solidFill>
-                                  <a:schemeClr val="tx1"/>
-                                </a:solidFill>
-                                <a:latin typeface="Cambria Math" panose="02040503050406030204" pitchFamily="18" charset="0"/>
-                              </a:rPr>
-                              <m:t>𝑆</m:t>
-                            </m:r>
-                          </m:sup>
-                        </m:sSup>
-                        <m:sSubSup>
-                          <m:sSubSupPr>
-                            <m:ctrlPr>
-                              <a:rPr lang="en-US" sz="2400" i="1">
-                                <a:solidFill>
-                                  <a:schemeClr val="tx1"/>
-                                </a:solidFill>
-                                <a:latin typeface="Cambria Math" panose="02040503050406030204" pitchFamily="18" charset="0"/>
-                              </a:rPr>
-                            </m:ctrlPr>
-                          </m:sSubSupPr>
-                          <m:e>
-                            <m:r>
-                              <a:rPr lang="en-US" sz="2400" i="1">
-                                <a:solidFill>
-                                  <a:schemeClr val="tx1"/>
-                                </a:solidFill>
-                                <a:latin typeface="Cambria Math" panose="02040503050406030204" pitchFamily="18" charset="0"/>
-                              </a:rPr>
-                              <m:t>𝑆</m:t>
-                            </m:r>
-                          </m:e>
-                          <m:sub>
-                            <m:r>
-                              <a:rPr lang="en-US" sz="2400" i="1">
-                                <a:solidFill>
-                                  <a:schemeClr val="tx1"/>
-                                </a:solidFill>
-                                <a:latin typeface="Cambria Math" panose="02040503050406030204" pitchFamily="18" charset="0"/>
-                              </a:rPr>
-                              <m:t>𝑖</m:t>
-                            </m:r>
-                          </m:sub>
-                          <m:sup>
-                            <m:r>
-                              <a:rPr lang="en-US" sz="2400" i="1">
-                                <a:solidFill>
-                                  <a:schemeClr val="tx1"/>
-                                </a:solidFill>
-                                <a:latin typeface="Cambria Math" panose="02040503050406030204" pitchFamily="18" charset="0"/>
-                              </a:rPr>
-                              <m:t>+</m:t>
-                            </m:r>
-                          </m:sup>
-                        </m:sSubSup>
-                        <m:sSubSup>
-                          <m:sSubSupPr>
-                            <m:ctrlPr>
-                              <a:rPr lang="en-US" sz="2400" i="1">
-                                <a:solidFill>
-                                  <a:schemeClr val="tx1"/>
-                                </a:solidFill>
-                                <a:latin typeface="Cambria Math" panose="02040503050406030204" pitchFamily="18" charset="0"/>
-                              </a:rPr>
-                            </m:ctrlPr>
-                          </m:sSubSupPr>
-                          <m:e>
-                            <m:r>
-                              <a:rPr lang="en-US" sz="2400" i="1">
-                                <a:solidFill>
-                                  <a:schemeClr val="tx1"/>
-                                </a:solidFill>
-                                <a:latin typeface="Cambria Math" panose="02040503050406030204" pitchFamily="18" charset="0"/>
-                              </a:rPr>
-                              <m:t>𝑆</m:t>
-                            </m:r>
-                          </m:e>
-                          <m:sub>
-                            <m:r>
-                              <a:rPr lang="en-US" sz="2400" i="1">
-                                <a:solidFill>
-                                  <a:schemeClr val="tx1"/>
-                                </a:solidFill>
-                                <a:latin typeface="Cambria Math" panose="02040503050406030204" pitchFamily="18" charset="0"/>
-                              </a:rPr>
-                              <m:t>𝑗</m:t>
-                            </m:r>
-                          </m:sub>
-                          <m:sup>
-                            <m:r>
-                              <a:rPr lang="en-US" sz="2400" i="1">
-                                <a:solidFill>
-                                  <a:schemeClr val="tx1"/>
-                                </a:solidFill>
-                                <a:latin typeface="Cambria Math" panose="02040503050406030204" pitchFamily="18" charset="0"/>
-                              </a:rPr>
-                              <m:t>+</m:t>
-                            </m:r>
-                          </m:sup>
-                        </m:sSubSup>
-                        <m:r>
-                          <a:rPr lang="en-US" sz="2400" i="1">
-                            <a:solidFill>
-                              <a:schemeClr val="tx1"/>
-                            </a:solidFill>
-                            <a:latin typeface="Cambria Math" panose="02040503050406030204" pitchFamily="18" charset="0"/>
-                          </a:rPr>
-                          <m:t>+</m:t>
-                        </m:r>
-                        <m:sSubSup>
-                          <m:sSubSupPr>
-                            <m:ctrlPr>
-                              <a:rPr lang="en-US" sz="2400" i="1">
-                                <a:solidFill>
-                                  <a:schemeClr val="tx1"/>
-                                </a:solidFill>
-                                <a:latin typeface="Cambria Math" panose="02040503050406030204" pitchFamily="18" charset="0"/>
-                              </a:rPr>
-                            </m:ctrlPr>
-                          </m:sSubSupPr>
-                          <m:e>
-                            <m:r>
-                              <a:rPr lang="en-US" sz="2400" i="1">
-                                <a:solidFill>
-                                  <a:schemeClr val="tx1"/>
-                                </a:solidFill>
-                                <a:latin typeface="Cambria Math" panose="02040503050406030204" pitchFamily="18" charset="0"/>
-                              </a:rPr>
-                              <m:t>𝑆</m:t>
-                            </m:r>
-                          </m:e>
-                          <m:sub>
-                            <m:r>
-                              <a:rPr lang="en-US" sz="2400" i="1">
-                                <a:solidFill>
-                                  <a:schemeClr val="tx1"/>
-                                </a:solidFill>
-                                <a:latin typeface="Cambria Math" panose="02040503050406030204" pitchFamily="18" charset="0"/>
-                              </a:rPr>
-                              <m:t>𝑖</m:t>
-                            </m:r>
-                          </m:sub>
-                          <m:sup>
-                            <m:r>
-                              <a:rPr lang="en-US" sz="2400" i="1">
-                                <a:solidFill>
-                                  <a:schemeClr val="tx1"/>
-                                </a:solidFill>
-                                <a:latin typeface="Cambria Math" panose="02040503050406030204" pitchFamily="18" charset="0"/>
-                              </a:rPr>
-                              <m:t>+</m:t>
-                            </m:r>
-                          </m:sup>
-                        </m:sSubSup>
-                        <m:sSubSup>
-                          <m:sSubSupPr>
-                            <m:ctrlPr>
-                              <a:rPr lang="en-US" sz="2400" i="1">
-                                <a:solidFill>
-                                  <a:schemeClr val="tx1"/>
-                                </a:solidFill>
-                                <a:latin typeface="Cambria Math" panose="02040503050406030204" pitchFamily="18" charset="0"/>
-                              </a:rPr>
-                            </m:ctrlPr>
-                          </m:sSubSupPr>
-                          <m:e>
-                            <m:r>
-                              <a:rPr lang="en-US" sz="2400" i="1">
-                                <a:solidFill>
-                                  <a:schemeClr val="tx1"/>
-                                </a:solidFill>
-                                <a:latin typeface="Cambria Math" panose="02040503050406030204" pitchFamily="18" charset="0"/>
-                              </a:rPr>
-                              <m:t>𝑆</m:t>
-                            </m:r>
-                          </m:e>
-                          <m:sub>
-                            <m:r>
-                              <a:rPr lang="en-US" sz="2400" i="1">
-                                <a:solidFill>
-                                  <a:schemeClr val="tx1"/>
-                                </a:solidFill>
-                                <a:latin typeface="Cambria Math" panose="02040503050406030204" pitchFamily="18" charset="0"/>
-                              </a:rPr>
-                              <m:t>𝑗</m:t>
-                            </m:r>
-                          </m:sub>
-                          <m:sup>
-                            <m:r>
-                              <a:rPr lang="en-US" sz="2400" i="1">
-                                <a:solidFill>
-                                  <a:schemeClr val="tx1"/>
-                                </a:solidFill>
-                                <a:latin typeface="Cambria Math" panose="02040503050406030204" pitchFamily="18" charset="0"/>
-                              </a:rPr>
-                              <m:t>+</m:t>
-                            </m:r>
-                          </m:sup>
-                        </m:sSubSup>
-                        <m:sSup>
-                          <m:sSupPr>
-                            <m:ctrlPr>
-                              <a:rPr lang="en-US" sz="2400" i="1">
-                                <a:solidFill>
-                                  <a:schemeClr val="tx1"/>
-                                </a:solidFill>
-                                <a:latin typeface="Cambria Math" panose="02040503050406030204" pitchFamily="18" charset="0"/>
-                              </a:rPr>
-                            </m:ctrlPr>
-                          </m:sSupPr>
-                          <m:e>
-                            <m:r>
-                              <a:rPr lang="en-US" sz="2400" i="1">
-                                <a:solidFill>
-                                  <a:schemeClr val="tx1"/>
-                                </a:solidFill>
-                                <a:latin typeface="Cambria Math" panose="02040503050406030204" pitchFamily="18" charset="0"/>
-                              </a:rPr>
-                              <m:t>𝜌</m:t>
-                            </m:r>
-                          </m:e>
-                          <m:sup>
-                            <m:r>
-                              <a:rPr lang="en-US" sz="2400" i="1">
-                                <a:solidFill>
-                                  <a:schemeClr val="tx1"/>
-                                </a:solidFill>
-                                <a:latin typeface="Cambria Math" panose="02040503050406030204" pitchFamily="18" charset="0"/>
-                              </a:rPr>
-                              <m:t>𝑆</m:t>
-                            </m:r>
-                          </m:sup>
-                        </m:sSup>
-                        <m:r>
-                          <a:rPr lang="en-US" sz="2400" i="1">
-                            <a:solidFill>
-                              <a:schemeClr val="tx1"/>
-                            </a:solidFill>
-                            <a:latin typeface="Cambria Math" panose="02040503050406030204" pitchFamily="18" charset="0"/>
-                          </a:rPr>
-                          <m:t>−2</m:t>
-                        </m:r>
-                        <m:sSubSup>
-                          <m:sSubSupPr>
-                            <m:ctrlPr>
-                              <a:rPr lang="en-US" sz="2400" i="1">
-                                <a:solidFill>
-                                  <a:schemeClr val="tx1"/>
-                                </a:solidFill>
-                                <a:latin typeface="Cambria Math" panose="02040503050406030204" pitchFamily="18" charset="0"/>
-                              </a:rPr>
-                            </m:ctrlPr>
-                          </m:sSubSupPr>
-                          <m:e>
-                            <m:r>
-                              <a:rPr lang="en-US" sz="2400" i="1">
-                                <a:solidFill>
-                                  <a:schemeClr val="tx1"/>
-                                </a:solidFill>
-                                <a:latin typeface="Cambria Math" panose="02040503050406030204" pitchFamily="18" charset="0"/>
-                              </a:rPr>
-                              <m:t>𝑆</m:t>
-                            </m:r>
-                          </m:e>
-                          <m:sub>
-                            <m:r>
-                              <a:rPr lang="en-US" sz="2400" i="1">
-                                <a:solidFill>
-                                  <a:schemeClr val="tx1"/>
-                                </a:solidFill>
-                                <a:latin typeface="Cambria Math" panose="02040503050406030204" pitchFamily="18" charset="0"/>
-                              </a:rPr>
-                              <m:t>𝑗</m:t>
-                            </m:r>
-                          </m:sub>
-                          <m:sup>
-                            <m:r>
-                              <a:rPr lang="en-US" sz="2400" i="1">
-                                <a:solidFill>
-                                  <a:schemeClr val="tx1"/>
-                                </a:solidFill>
-                                <a:latin typeface="Cambria Math" panose="02040503050406030204" pitchFamily="18" charset="0"/>
-                              </a:rPr>
-                              <m:t>+</m:t>
-                            </m:r>
-                          </m:sup>
-                        </m:sSubSup>
-                        <m:sSup>
-                          <m:sSupPr>
-                            <m:ctrlPr>
-                              <a:rPr lang="en-US" sz="2400" i="1">
-                                <a:solidFill>
-                                  <a:schemeClr val="tx1"/>
-                                </a:solidFill>
-                                <a:latin typeface="Cambria Math" panose="02040503050406030204" pitchFamily="18" charset="0"/>
-                              </a:rPr>
-                            </m:ctrlPr>
-                          </m:sSupPr>
-                          <m:e>
-                            <m:r>
-                              <a:rPr lang="en-US" sz="2400" i="1">
-                                <a:solidFill>
-                                  <a:schemeClr val="tx1"/>
-                                </a:solidFill>
-                                <a:latin typeface="Cambria Math" panose="02040503050406030204" pitchFamily="18" charset="0"/>
-                              </a:rPr>
-                              <m:t>𝜌</m:t>
-                            </m:r>
-                          </m:e>
-                          <m:sup>
-                            <m:r>
-                              <a:rPr lang="en-US" sz="2400" i="1">
-                                <a:solidFill>
-                                  <a:schemeClr val="tx1"/>
-                                </a:solidFill>
-                                <a:latin typeface="Cambria Math" panose="02040503050406030204" pitchFamily="18" charset="0"/>
-                              </a:rPr>
-                              <m:t>𝑆</m:t>
-                            </m:r>
-                          </m:sup>
-                        </m:sSup>
-                        <m:sSubSup>
-                          <m:sSubSupPr>
-                            <m:ctrlPr>
-                              <a:rPr lang="en-US" sz="2400" i="1">
-                                <a:solidFill>
-                                  <a:schemeClr val="tx1"/>
-                                </a:solidFill>
-                                <a:latin typeface="Cambria Math" panose="02040503050406030204" pitchFamily="18" charset="0"/>
-                              </a:rPr>
-                            </m:ctrlPr>
-                          </m:sSubSupPr>
-                          <m:e>
-                            <m:r>
-                              <a:rPr lang="en-US" sz="2400" i="1">
-                                <a:solidFill>
-                                  <a:schemeClr val="tx1"/>
-                                </a:solidFill>
-                                <a:latin typeface="Cambria Math" panose="02040503050406030204" pitchFamily="18" charset="0"/>
-                              </a:rPr>
-                              <m:t>𝑆</m:t>
-                            </m:r>
-                          </m:e>
-                          <m:sub>
-                            <m:r>
-                              <a:rPr lang="en-US" sz="2400" i="1">
-                                <a:solidFill>
-                                  <a:schemeClr val="tx1"/>
-                                </a:solidFill>
-                                <a:latin typeface="Cambria Math" panose="02040503050406030204" pitchFamily="18" charset="0"/>
-                              </a:rPr>
-                              <m:t>𝑖</m:t>
-                            </m:r>
-                          </m:sub>
-                          <m:sup>
-                            <m:r>
-                              <a:rPr lang="en-US" sz="2400" i="1">
-                                <a:solidFill>
-                                  <a:schemeClr val="tx1"/>
-                                </a:solidFill>
-                                <a:latin typeface="Cambria Math" panose="02040503050406030204" pitchFamily="18" charset="0"/>
-                              </a:rPr>
-                              <m:t>+</m:t>
-                            </m:r>
-                          </m:sup>
-                        </m:sSubSup>
-                      </m:e>
-                    </m:d>
-                  </m:oMath>
-                </a14:m>
-                <a:endParaRPr lang="en-US" sz="2400" dirty="0">
-                  <a:solidFill>
-                    <a:schemeClr val="tx1"/>
-                  </a:solidFill>
-                </a:endParaRPr>
-              </a:p>
-              <a:p>
-                <a:r>
-                  <a:rPr lang="en-US" sz="2400" dirty="0">
-                    <a:solidFill>
-                      <a:schemeClr val="tx1"/>
-                    </a:solidFill>
-                  </a:rPr>
-                  <a:t>           </a:t>
-                </a:r>
-                <a14:m>
-                  <m:oMath xmlns:m="http://schemas.openxmlformats.org/officeDocument/2006/math">
-                    <m:r>
-                      <a:rPr lang="en-US" sz="2400" i="1">
-                        <a:solidFill>
-                          <a:schemeClr val="tx1"/>
-                        </a:solidFill>
-                        <a:latin typeface="Cambria Math" panose="02040503050406030204" pitchFamily="18" charset="0"/>
-                      </a:rPr>
-                      <m:t>−</m:t>
-                    </m:r>
-                    <m:f>
-                      <m:fPr>
-                        <m:ctrlPr>
-                          <a:rPr lang="en-US" sz="2400" i="1">
-                            <a:solidFill>
-                              <a:schemeClr val="tx1"/>
-                            </a:solidFill>
-                            <a:latin typeface="Cambria Math" panose="02040503050406030204" pitchFamily="18" charset="0"/>
-                          </a:rPr>
-                        </m:ctrlPr>
-                      </m:fPr>
-                      <m:num>
-                        <m:r>
-                          <a:rPr lang="en-US" sz="2400" i="1">
-                            <a:solidFill>
-                              <a:schemeClr val="tx1"/>
-                            </a:solidFill>
-                            <a:latin typeface="Cambria Math" panose="02040503050406030204" pitchFamily="18" charset="0"/>
-                          </a:rPr>
-                          <m:t>1</m:t>
-                        </m:r>
-                      </m:num>
-                      <m:den>
-                        <m:r>
-                          <a:rPr lang="en-US" sz="2400" i="1">
-                            <a:solidFill>
-                              <a:schemeClr val="tx1"/>
-                            </a:solidFill>
-                            <a:latin typeface="Cambria Math" panose="02040503050406030204" pitchFamily="18" charset="0"/>
-                          </a:rPr>
-                          <m:t>2</m:t>
-                        </m:r>
-                      </m:den>
-                    </m:f>
-                    <m:nary>
-                      <m:naryPr>
-                        <m:chr m:val="∑"/>
-                        <m:subHide m:val="on"/>
-                        <m:supHide m:val="on"/>
-                        <m:ctrlPr>
-                          <a:rPr lang="en-US" sz="2400" i="1">
-                            <a:solidFill>
-                              <a:schemeClr val="tx1"/>
-                            </a:solidFill>
-                            <a:latin typeface="Cambria Math" panose="02040503050406030204" pitchFamily="18" charset="0"/>
-                          </a:rPr>
-                        </m:ctrlPr>
-                      </m:naryPr>
-                      <m:sub/>
-                      <m:sup/>
-                      <m:e>
-                        <m:sSub>
-                          <m:sSubPr>
-                            <m:ctrlPr>
-                              <a:rPr lang="en-US" sz="2400" i="1">
-                                <a:solidFill>
-                                  <a:schemeClr val="tx1"/>
-                                </a:solidFill>
-                                <a:latin typeface="Cambria Math" panose="02040503050406030204" pitchFamily="18" charset="0"/>
-                              </a:rPr>
-                            </m:ctrlPr>
-                          </m:sSubPr>
-                          <m:e>
-                            <m:r>
-                              <a:rPr lang="en-US" sz="2400" i="1">
-                                <a:solidFill>
-                                  <a:schemeClr val="tx1"/>
-                                </a:solidFill>
-                                <a:latin typeface="Cambria Math" panose="02040503050406030204" pitchFamily="18" charset="0"/>
-                              </a:rPr>
-                              <m:t>𝛾</m:t>
-                            </m:r>
-                            <m:r>
-                              <a:rPr lang="en-US" sz="2400" i="1">
-                                <a:solidFill>
-                                  <a:schemeClr val="tx1"/>
-                                </a:solidFill>
-                                <a:latin typeface="Cambria Math" panose="02040503050406030204" pitchFamily="18" charset="0"/>
-                              </a:rPr>
-                              <m:t>′</m:t>
-                            </m:r>
-                          </m:e>
-                          <m:sub>
-                            <m:r>
-                              <a:rPr lang="en-US" sz="2400" i="1">
-                                <a:solidFill>
-                                  <a:schemeClr val="tx1"/>
-                                </a:solidFill>
-                                <a:latin typeface="Cambria Math" panose="02040503050406030204" pitchFamily="18" charset="0"/>
-                              </a:rPr>
-                              <m:t>𝑖𝑗</m:t>
-                            </m:r>
-                          </m:sub>
-                        </m:sSub>
-                        <m:sSup>
-                          <m:sSupPr>
-                            <m:ctrlPr>
-                              <a:rPr lang="en-US" sz="2400" i="1">
-                                <a:solidFill>
-                                  <a:schemeClr val="tx1"/>
-                                </a:solidFill>
-                                <a:latin typeface="Cambria Math" panose="02040503050406030204" pitchFamily="18" charset="0"/>
-                              </a:rPr>
-                            </m:ctrlPr>
-                          </m:sSupPr>
-                          <m:e>
-                            <m:r>
-                              <a:rPr lang="en-US" sz="2400" i="1">
-                                <a:solidFill>
-                                  <a:schemeClr val="tx1"/>
-                                </a:solidFill>
-                                <a:latin typeface="Cambria Math" panose="02040503050406030204" pitchFamily="18" charset="0"/>
-                              </a:rPr>
-                              <m:t>𝑀</m:t>
-                            </m:r>
-                          </m:e>
-                          <m:sup>
-                            <m:r>
-                              <a:rPr lang="en-US" sz="2400" i="1">
-                                <a:solidFill>
-                                  <a:schemeClr val="tx1"/>
-                                </a:solidFill>
-                                <a:latin typeface="Cambria Math" panose="02040503050406030204" pitchFamily="18" charset="0"/>
-                              </a:rPr>
-                              <m:t>∗</m:t>
-                            </m:r>
-                          </m:sup>
-                        </m:sSup>
-                      </m:e>
-                    </m:nary>
-                    <m:d>
-                      <m:dPr>
-                        <m:ctrlPr>
-                          <a:rPr lang="en-US" sz="2400" i="1">
-                            <a:solidFill>
-                              <a:schemeClr val="tx1"/>
-                            </a:solidFill>
-                            <a:latin typeface="Cambria Math" panose="02040503050406030204" pitchFamily="18" charset="0"/>
-                          </a:rPr>
-                        </m:ctrlPr>
-                      </m:dPr>
-                      <m:e>
-                        <m:sSup>
-                          <m:sSupPr>
-                            <m:ctrlPr>
-                              <a:rPr lang="en-US" sz="2400" i="1">
-                                <a:solidFill>
-                                  <a:schemeClr val="tx1"/>
-                                </a:solidFill>
-                                <a:latin typeface="Cambria Math" panose="02040503050406030204" pitchFamily="18" charset="0"/>
-                              </a:rPr>
-                            </m:ctrlPr>
-                          </m:sSupPr>
-                          <m:e>
-                            <m:r>
-                              <a:rPr lang="en-US" sz="2400" i="1">
-                                <a:solidFill>
-                                  <a:schemeClr val="tx1"/>
-                                </a:solidFill>
-                                <a:latin typeface="Cambria Math" panose="02040503050406030204" pitchFamily="18" charset="0"/>
-                              </a:rPr>
-                              <m:t>𝜌</m:t>
-                            </m:r>
-                          </m:e>
-                          <m:sup>
-                            <m:r>
-                              <a:rPr lang="en-US" sz="2400" i="1">
-                                <a:solidFill>
-                                  <a:schemeClr val="tx1"/>
-                                </a:solidFill>
-                                <a:latin typeface="Cambria Math" panose="02040503050406030204" pitchFamily="18" charset="0"/>
-                              </a:rPr>
-                              <m:t>𝑆</m:t>
-                            </m:r>
-                          </m:sup>
-                        </m:sSup>
-                        <m:sSubSup>
-                          <m:sSubSupPr>
-                            <m:ctrlPr>
-                              <a:rPr lang="en-US" sz="2400" i="1">
-                                <a:solidFill>
-                                  <a:schemeClr val="tx1"/>
-                                </a:solidFill>
-                                <a:latin typeface="Cambria Math" panose="02040503050406030204" pitchFamily="18" charset="0"/>
-                              </a:rPr>
-                            </m:ctrlPr>
-                          </m:sSubSupPr>
-                          <m:e>
-                            <m:r>
-                              <a:rPr lang="en-US" sz="2400" i="1">
-                                <a:solidFill>
-                                  <a:schemeClr val="tx1"/>
-                                </a:solidFill>
-                                <a:latin typeface="Cambria Math" panose="02040503050406030204" pitchFamily="18" charset="0"/>
-                              </a:rPr>
-                              <m:t>𝑆</m:t>
-                            </m:r>
-                          </m:e>
-                          <m:sub>
-                            <m:r>
-                              <a:rPr lang="en-US" sz="2400" i="1">
-                                <a:solidFill>
-                                  <a:schemeClr val="tx1"/>
-                                </a:solidFill>
-                                <a:latin typeface="Cambria Math" panose="02040503050406030204" pitchFamily="18" charset="0"/>
-                              </a:rPr>
-                              <m:t>𝑖</m:t>
-                            </m:r>
-                          </m:sub>
-                          <m:sup>
-                            <m:r>
-                              <a:rPr lang="en-US" sz="2400" i="1">
-                                <a:solidFill>
-                                  <a:schemeClr val="tx1"/>
-                                </a:solidFill>
-                                <a:latin typeface="Cambria Math" panose="02040503050406030204" pitchFamily="18" charset="0"/>
-                              </a:rPr>
-                              <m:t>−</m:t>
-                            </m:r>
-                          </m:sup>
-                        </m:sSubSup>
-                        <m:sSubSup>
-                          <m:sSubSupPr>
-                            <m:ctrlPr>
-                              <a:rPr lang="en-US" sz="2400" i="1">
-                                <a:solidFill>
-                                  <a:schemeClr val="tx1"/>
-                                </a:solidFill>
-                                <a:latin typeface="Cambria Math" panose="02040503050406030204" pitchFamily="18" charset="0"/>
-                              </a:rPr>
-                            </m:ctrlPr>
-                          </m:sSubSupPr>
-                          <m:e>
-                            <m:r>
-                              <a:rPr lang="en-US" sz="2400" i="1">
-                                <a:solidFill>
-                                  <a:schemeClr val="tx1"/>
-                                </a:solidFill>
-                                <a:latin typeface="Cambria Math" panose="02040503050406030204" pitchFamily="18" charset="0"/>
-                              </a:rPr>
-                              <m:t>𝑆</m:t>
-                            </m:r>
-                          </m:e>
-                          <m:sub>
-                            <m:r>
-                              <a:rPr lang="en-US" sz="2400" i="1">
-                                <a:solidFill>
-                                  <a:schemeClr val="tx1"/>
-                                </a:solidFill>
-                                <a:latin typeface="Cambria Math" panose="02040503050406030204" pitchFamily="18" charset="0"/>
-                              </a:rPr>
-                              <m:t>𝑗</m:t>
-                            </m:r>
-                          </m:sub>
-                          <m:sup>
-                            <m:r>
-                              <a:rPr lang="en-US" sz="2400" i="1">
-                                <a:solidFill>
-                                  <a:schemeClr val="tx1"/>
-                                </a:solidFill>
-                                <a:latin typeface="Cambria Math" panose="02040503050406030204" pitchFamily="18" charset="0"/>
-                              </a:rPr>
-                              <m:t>−</m:t>
-                            </m:r>
-                          </m:sup>
-                        </m:sSubSup>
-                        <m:r>
-                          <a:rPr lang="en-US" sz="2400" i="1">
-                            <a:solidFill>
-                              <a:schemeClr val="tx1"/>
-                            </a:solidFill>
-                            <a:latin typeface="Cambria Math" panose="02040503050406030204" pitchFamily="18" charset="0"/>
-                          </a:rPr>
-                          <m:t>+</m:t>
-                        </m:r>
-                        <m:sSubSup>
-                          <m:sSubSupPr>
-                            <m:ctrlPr>
-                              <a:rPr lang="en-US" sz="2400" i="1">
-                                <a:solidFill>
-                                  <a:schemeClr val="tx1"/>
-                                </a:solidFill>
-                                <a:latin typeface="Cambria Math" panose="02040503050406030204" pitchFamily="18" charset="0"/>
-                              </a:rPr>
-                            </m:ctrlPr>
-                          </m:sSubSupPr>
-                          <m:e>
-                            <m:r>
-                              <a:rPr lang="en-US" sz="2400" i="1">
-                                <a:solidFill>
-                                  <a:schemeClr val="tx1"/>
-                                </a:solidFill>
-                                <a:latin typeface="Cambria Math" panose="02040503050406030204" pitchFamily="18" charset="0"/>
-                              </a:rPr>
-                              <m:t>𝑆</m:t>
-                            </m:r>
-                          </m:e>
-                          <m:sub>
-                            <m:r>
-                              <a:rPr lang="en-US" sz="2400" i="1">
-                                <a:solidFill>
-                                  <a:schemeClr val="tx1"/>
-                                </a:solidFill>
-                                <a:latin typeface="Cambria Math" panose="02040503050406030204" pitchFamily="18" charset="0"/>
-                              </a:rPr>
-                              <m:t>𝑖</m:t>
-                            </m:r>
-                          </m:sub>
-                          <m:sup>
-                            <m:r>
-                              <a:rPr lang="en-US" sz="2400" i="1">
-                                <a:solidFill>
-                                  <a:schemeClr val="tx1"/>
-                                </a:solidFill>
-                                <a:latin typeface="Cambria Math" panose="02040503050406030204" pitchFamily="18" charset="0"/>
-                              </a:rPr>
-                              <m:t>−</m:t>
-                            </m:r>
-                          </m:sup>
-                        </m:sSubSup>
-                        <m:sSubSup>
-                          <m:sSubSupPr>
-                            <m:ctrlPr>
-                              <a:rPr lang="en-US" sz="2400" i="1">
-                                <a:solidFill>
-                                  <a:schemeClr val="tx1"/>
-                                </a:solidFill>
-                                <a:latin typeface="Cambria Math" panose="02040503050406030204" pitchFamily="18" charset="0"/>
-                              </a:rPr>
-                            </m:ctrlPr>
-                          </m:sSubSupPr>
-                          <m:e>
-                            <m:r>
-                              <a:rPr lang="en-US" sz="2400" i="1">
-                                <a:solidFill>
-                                  <a:schemeClr val="tx1"/>
-                                </a:solidFill>
-                                <a:latin typeface="Cambria Math" panose="02040503050406030204" pitchFamily="18" charset="0"/>
-                              </a:rPr>
-                              <m:t>𝑆</m:t>
-                            </m:r>
-                          </m:e>
-                          <m:sub>
-                            <m:r>
-                              <a:rPr lang="en-US" sz="2400" i="1">
-                                <a:solidFill>
-                                  <a:schemeClr val="tx1"/>
-                                </a:solidFill>
-                                <a:latin typeface="Cambria Math" panose="02040503050406030204" pitchFamily="18" charset="0"/>
-                              </a:rPr>
-                              <m:t>𝑗</m:t>
-                            </m:r>
-                          </m:sub>
-                          <m:sup>
-                            <m:r>
-                              <a:rPr lang="en-US" sz="2400" i="1">
-                                <a:solidFill>
-                                  <a:schemeClr val="tx1"/>
-                                </a:solidFill>
-                                <a:latin typeface="Cambria Math" panose="02040503050406030204" pitchFamily="18" charset="0"/>
-                              </a:rPr>
-                              <m:t>−</m:t>
-                            </m:r>
-                          </m:sup>
-                        </m:sSubSup>
-                        <m:sSup>
-                          <m:sSupPr>
-                            <m:ctrlPr>
-                              <a:rPr lang="en-US" sz="2400" i="1">
-                                <a:solidFill>
-                                  <a:schemeClr val="tx1"/>
-                                </a:solidFill>
-                                <a:latin typeface="Cambria Math" panose="02040503050406030204" pitchFamily="18" charset="0"/>
-                              </a:rPr>
-                            </m:ctrlPr>
-                          </m:sSupPr>
-                          <m:e>
-                            <m:r>
-                              <a:rPr lang="en-US" sz="2400" i="1">
-                                <a:solidFill>
-                                  <a:schemeClr val="tx1"/>
-                                </a:solidFill>
-                                <a:latin typeface="Cambria Math" panose="02040503050406030204" pitchFamily="18" charset="0"/>
-                              </a:rPr>
-                              <m:t>𝜌</m:t>
-                            </m:r>
-                          </m:e>
-                          <m:sup>
-                            <m:r>
-                              <a:rPr lang="en-US" sz="2400" i="1">
-                                <a:solidFill>
-                                  <a:schemeClr val="tx1"/>
-                                </a:solidFill>
-                                <a:latin typeface="Cambria Math" panose="02040503050406030204" pitchFamily="18" charset="0"/>
-                              </a:rPr>
-                              <m:t>𝑆</m:t>
-                            </m:r>
-                          </m:sup>
-                        </m:sSup>
-                        <m:r>
-                          <a:rPr lang="en-US" sz="2400" i="1">
-                            <a:solidFill>
-                              <a:schemeClr val="tx1"/>
-                            </a:solidFill>
-                            <a:latin typeface="Cambria Math" panose="02040503050406030204" pitchFamily="18" charset="0"/>
-                          </a:rPr>
-                          <m:t>−2</m:t>
-                        </m:r>
-                        <m:sSubSup>
-                          <m:sSubSupPr>
-                            <m:ctrlPr>
-                              <a:rPr lang="en-US" sz="2400" i="1">
-                                <a:solidFill>
-                                  <a:schemeClr val="tx1"/>
-                                </a:solidFill>
-                                <a:latin typeface="Cambria Math" panose="02040503050406030204" pitchFamily="18" charset="0"/>
-                              </a:rPr>
-                            </m:ctrlPr>
-                          </m:sSubSupPr>
-                          <m:e>
-                            <m:r>
-                              <a:rPr lang="en-US" sz="2400" i="1">
-                                <a:solidFill>
-                                  <a:schemeClr val="tx1"/>
-                                </a:solidFill>
-                                <a:latin typeface="Cambria Math" panose="02040503050406030204" pitchFamily="18" charset="0"/>
-                              </a:rPr>
-                              <m:t>𝑆</m:t>
-                            </m:r>
-                          </m:e>
-                          <m:sub>
-                            <m:r>
-                              <a:rPr lang="en-US" sz="2400" i="1">
-                                <a:solidFill>
-                                  <a:schemeClr val="tx1"/>
-                                </a:solidFill>
-                                <a:latin typeface="Cambria Math" panose="02040503050406030204" pitchFamily="18" charset="0"/>
-                              </a:rPr>
-                              <m:t>𝑗</m:t>
-                            </m:r>
-                          </m:sub>
-                          <m:sup>
-                            <m:r>
-                              <a:rPr lang="en-US" sz="2400" i="1">
-                                <a:solidFill>
-                                  <a:schemeClr val="tx1"/>
-                                </a:solidFill>
-                                <a:latin typeface="Cambria Math" panose="02040503050406030204" pitchFamily="18" charset="0"/>
-                              </a:rPr>
-                              <m:t>−</m:t>
-                            </m:r>
-                          </m:sup>
-                        </m:sSubSup>
-                        <m:sSup>
-                          <m:sSupPr>
-                            <m:ctrlPr>
-                              <a:rPr lang="en-US" sz="2400" i="1">
-                                <a:solidFill>
-                                  <a:schemeClr val="tx1"/>
-                                </a:solidFill>
-                                <a:latin typeface="Cambria Math" panose="02040503050406030204" pitchFamily="18" charset="0"/>
-                              </a:rPr>
-                            </m:ctrlPr>
-                          </m:sSupPr>
-                          <m:e>
-                            <m:r>
-                              <a:rPr lang="en-US" sz="2400" i="1">
-                                <a:solidFill>
-                                  <a:schemeClr val="tx1"/>
-                                </a:solidFill>
-                                <a:latin typeface="Cambria Math" panose="02040503050406030204" pitchFamily="18" charset="0"/>
-                              </a:rPr>
-                              <m:t>𝜌</m:t>
-                            </m:r>
-                          </m:e>
-                          <m:sup>
-                            <m:r>
-                              <a:rPr lang="en-US" sz="2400" i="1">
-                                <a:solidFill>
-                                  <a:schemeClr val="tx1"/>
-                                </a:solidFill>
-                                <a:latin typeface="Cambria Math" panose="02040503050406030204" pitchFamily="18" charset="0"/>
-                              </a:rPr>
-                              <m:t>𝑆</m:t>
-                            </m:r>
-                          </m:sup>
-                        </m:sSup>
-                        <m:sSubSup>
-                          <m:sSubSupPr>
-                            <m:ctrlPr>
-                              <a:rPr lang="en-US" sz="2400" i="1">
-                                <a:solidFill>
-                                  <a:schemeClr val="tx1"/>
-                                </a:solidFill>
-                                <a:latin typeface="Cambria Math" panose="02040503050406030204" pitchFamily="18" charset="0"/>
-                              </a:rPr>
-                            </m:ctrlPr>
-                          </m:sSubSupPr>
-                          <m:e>
-                            <m:r>
-                              <a:rPr lang="en-US" sz="2400" i="1">
-                                <a:solidFill>
-                                  <a:schemeClr val="tx1"/>
-                                </a:solidFill>
-                                <a:latin typeface="Cambria Math" panose="02040503050406030204" pitchFamily="18" charset="0"/>
-                              </a:rPr>
-                              <m:t>𝑆</m:t>
-                            </m:r>
-                          </m:e>
-                          <m:sub>
-                            <m:r>
-                              <a:rPr lang="en-US" sz="2400" i="1">
-                                <a:solidFill>
-                                  <a:schemeClr val="tx1"/>
-                                </a:solidFill>
-                                <a:latin typeface="Cambria Math" panose="02040503050406030204" pitchFamily="18" charset="0"/>
-                              </a:rPr>
-                              <m:t>𝑖</m:t>
-                            </m:r>
-                          </m:sub>
-                          <m:sup>
-                            <m:r>
-                              <a:rPr lang="en-US" sz="2400" i="1">
-                                <a:solidFill>
-                                  <a:schemeClr val="tx1"/>
-                                </a:solidFill>
-                                <a:latin typeface="Cambria Math" panose="02040503050406030204" pitchFamily="18" charset="0"/>
-                              </a:rPr>
-                              <m:t>−</m:t>
-                            </m:r>
-                          </m:sup>
-                        </m:sSubSup>
-                      </m:e>
-                    </m:d>
-                  </m:oMath>
-                </a14:m>
-                <a:endParaRPr lang="en-US" sz="2400" dirty="0"/>
-              </a:p>
-              <a:p>
-                <a:r>
-                  <a:rPr lang="en-US" sz="2400" dirty="0"/>
-                  <a:t>           </a:t>
-                </a:r>
-                <a14:m>
-                  <m:oMath xmlns:m="http://schemas.openxmlformats.org/officeDocument/2006/math">
-                    <m:r>
-                      <a:rPr lang="en-US" sz="2400" i="1">
-                        <a:latin typeface="Cambria Math" panose="02040503050406030204" pitchFamily="18" charset="0"/>
-                      </a:rPr>
-                      <m:t>−</m:t>
-                    </m:r>
-                    <m:f>
-                      <m:fPr>
-                        <m:ctrlPr>
-                          <a:rPr lang="en-US" sz="2400" i="1">
-                            <a:latin typeface="Cambria Math" panose="02040503050406030204" pitchFamily="18" charset="0"/>
-                          </a:rPr>
-                        </m:ctrlPr>
-                      </m:fPr>
-                      <m:num>
-                        <m:r>
-                          <a:rPr lang="en-US" sz="2400" i="1">
-                            <a:latin typeface="Cambria Math" panose="02040503050406030204" pitchFamily="18" charset="0"/>
-                          </a:rPr>
-                          <m:t>1</m:t>
-                        </m:r>
-                      </m:num>
-                      <m:den>
-                        <m:r>
-                          <a:rPr lang="en-US" sz="2400" i="1">
-                            <a:latin typeface="Cambria Math" panose="02040503050406030204" pitchFamily="18" charset="0"/>
-                          </a:rPr>
-                          <m:t>2</m:t>
-                        </m:r>
-                      </m:den>
-                    </m:f>
-                    <m:nary>
-                      <m:naryPr>
-                        <m:chr m:val="∑"/>
-                        <m:subHide m:val="on"/>
-                        <m:supHide m:val="on"/>
-                        <m:ctrlPr>
-                          <a:rPr lang="en-US" sz="2400" i="1">
-                            <a:latin typeface="Cambria Math" panose="02040503050406030204" pitchFamily="18" charset="0"/>
-                          </a:rPr>
-                        </m:ctrlPr>
-                      </m:naryPr>
-                      <m:sub/>
-                      <m:sup/>
-                      <m:e>
-                        <m:sSub>
-                          <m:sSubPr>
-                            <m:ctrlPr>
-                              <a:rPr lang="en-US" sz="2400" i="1">
-                                <a:latin typeface="Cambria Math" panose="02040503050406030204" pitchFamily="18" charset="0"/>
-                              </a:rPr>
-                            </m:ctrlPr>
-                          </m:sSubPr>
-                          <m:e>
-                            <m:r>
-                              <a:rPr lang="en-US" sz="2400" i="1">
-                                <a:latin typeface="Cambria Math" panose="02040503050406030204" pitchFamily="18" charset="0"/>
-                              </a:rPr>
-                              <m:t>𝛾</m:t>
-                            </m:r>
-                          </m:e>
-                          <m:sub>
-                            <m:r>
-                              <a:rPr lang="en-US" sz="2400" i="1">
-                                <a:latin typeface="Cambria Math" panose="02040503050406030204" pitchFamily="18" charset="0"/>
-                              </a:rPr>
-                              <m:t>𝑖𝑗</m:t>
-                            </m:r>
-                          </m:sub>
-                        </m:sSub>
-                        <m:r>
-                          <a:rPr lang="en-US" sz="2400" i="1">
-                            <a:latin typeface="Cambria Math" panose="02040503050406030204" pitchFamily="18" charset="0"/>
-                          </a:rPr>
-                          <m:t>(1+</m:t>
-                        </m:r>
-                        <m:r>
-                          <a:rPr lang="en-US" sz="2400" i="1">
-                            <a:latin typeface="Cambria Math" panose="02040503050406030204" pitchFamily="18" charset="0"/>
-                          </a:rPr>
-                          <m:t>𝑁</m:t>
-                        </m:r>
-                        <m:r>
-                          <a:rPr lang="en-US" sz="2400" i="1">
-                            <a:latin typeface="Cambria Math" panose="02040503050406030204" pitchFamily="18" charset="0"/>
-                          </a:rPr>
-                          <m:t>)</m:t>
-                        </m:r>
-                      </m:e>
-                    </m:nary>
-                    <m:d>
-                      <m:dPr>
-                        <m:ctrlPr>
-                          <a:rPr lang="en-US" sz="2400" i="1">
-                            <a:latin typeface="Cambria Math" panose="02040503050406030204" pitchFamily="18" charset="0"/>
-                          </a:rPr>
-                        </m:ctrlPr>
-                      </m:dPr>
-                      <m:e>
-                        <m:sSup>
-                          <m:sSupPr>
-                            <m:ctrlPr>
-                              <a:rPr lang="en-US" sz="2400" i="1">
-                                <a:latin typeface="Cambria Math" panose="02040503050406030204" pitchFamily="18" charset="0"/>
-                              </a:rPr>
-                            </m:ctrlPr>
-                          </m:sSupPr>
-                          <m:e>
-                            <m:r>
-                              <a:rPr lang="en-US" sz="2400" i="1">
-                                <a:latin typeface="Cambria Math" panose="02040503050406030204" pitchFamily="18" charset="0"/>
-                              </a:rPr>
-                              <m:t>𝜌</m:t>
-                            </m:r>
-                          </m:e>
-                          <m:sup>
-                            <m:r>
-                              <a:rPr lang="en-US" sz="2400" i="1">
-                                <a:latin typeface="Cambria Math" panose="02040503050406030204" pitchFamily="18" charset="0"/>
-                              </a:rPr>
-                              <m:t>𝑆</m:t>
-                            </m:r>
-                          </m:sup>
-                        </m:sSup>
-                        <m:sSubSup>
-                          <m:sSubSupPr>
-                            <m:ctrlPr>
-                              <a:rPr lang="en-US" sz="2400" i="1">
-                                <a:latin typeface="Cambria Math" panose="02040503050406030204" pitchFamily="18" charset="0"/>
-                              </a:rPr>
-                            </m:ctrlPr>
-                          </m:sSubSupPr>
-                          <m:e>
-                            <m:r>
-                              <a:rPr lang="en-US" sz="2400" i="1">
-                                <a:latin typeface="Cambria Math" panose="02040503050406030204" pitchFamily="18" charset="0"/>
-                              </a:rPr>
-                              <m:t>𝑆</m:t>
-                            </m:r>
-                          </m:e>
-                          <m:sub>
-                            <m:r>
-                              <a:rPr lang="en-US" sz="2400" i="1">
-                                <a:latin typeface="Cambria Math" panose="02040503050406030204" pitchFamily="18" charset="0"/>
-                              </a:rPr>
-                              <m:t>𝑖</m:t>
-                            </m:r>
-                          </m:sub>
-                          <m:sup>
-                            <m:r>
-                              <a:rPr lang="en-US" sz="2400" i="1">
-                                <a:latin typeface="Cambria Math" panose="02040503050406030204" pitchFamily="18" charset="0"/>
-                              </a:rPr>
-                              <m:t>+</m:t>
-                            </m:r>
-                          </m:sup>
-                        </m:sSubSup>
-                        <m:sSubSup>
-                          <m:sSubSupPr>
-                            <m:ctrlPr>
-                              <a:rPr lang="en-US" sz="2400" i="1">
-                                <a:latin typeface="Cambria Math" panose="02040503050406030204" pitchFamily="18" charset="0"/>
-                              </a:rPr>
-                            </m:ctrlPr>
-                          </m:sSubSupPr>
-                          <m:e>
-                            <m:r>
-                              <a:rPr lang="en-US" sz="2400" i="1">
-                                <a:latin typeface="Cambria Math" panose="02040503050406030204" pitchFamily="18" charset="0"/>
-                              </a:rPr>
-                              <m:t>𝑆</m:t>
-                            </m:r>
-                          </m:e>
-                          <m:sub>
-                            <m:r>
-                              <a:rPr lang="en-US" sz="2400" i="1">
-                                <a:latin typeface="Cambria Math" panose="02040503050406030204" pitchFamily="18" charset="0"/>
-                              </a:rPr>
-                              <m:t>𝑗</m:t>
-                            </m:r>
-                          </m:sub>
-                          <m:sup>
-                            <m:r>
-                              <a:rPr lang="en-US" sz="2400" i="1">
-                                <a:latin typeface="Cambria Math" panose="02040503050406030204" pitchFamily="18" charset="0"/>
-                              </a:rPr>
-                              <m:t>−</m:t>
-                            </m:r>
-                          </m:sup>
-                        </m:sSubSup>
-                        <m:r>
-                          <a:rPr lang="en-US" sz="2400" i="1">
-                            <a:latin typeface="Cambria Math" panose="02040503050406030204" pitchFamily="18" charset="0"/>
-                          </a:rPr>
-                          <m:t>+</m:t>
-                        </m:r>
-                        <m:sSubSup>
-                          <m:sSubSupPr>
-                            <m:ctrlPr>
-                              <a:rPr lang="en-US" sz="2400" i="1">
-                                <a:latin typeface="Cambria Math" panose="02040503050406030204" pitchFamily="18" charset="0"/>
-                              </a:rPr>
-                            </m:ctrlPr>
-                          </m:sSubSupPr>
-                          <m:e>
-                            <m:r>
-                              <a:rPr lang="en-US" sz="2400" i="1">
-                                <a:latin typeface="Cambria Math" panose="02040503050406030204" pitchFamily="18" charset="0"/>
-                              </a:rPr>
-                              <m:t>𝑆</m:t>
-                            </m:r>
-                          </m:e>
-                          <m:sub>
-                            <m:r>
-                              <a:rPr lang="en-US" sz="2400" i="1">
-                                <a:latin typeface="Cambria Math" panose="02040503050406030204" pitchFamily="18" charset="0"/>
-                              </a:rPr>
-                              <m:t>𝑖</m:t>
-                            </m:r>
-                          </m:sub>
-                          <m:sup>
-                            <m:r>
-                              <a:rPr lang="en-US" sz="2400" i="1">
-                                <a:latin typeface="Cambria Math" panose="02040503050406030204" pitchFamily="18" charset="0"/>
-                              </a:rPr>
-                              <m:t>+</m:t>
-                            </m:r>
-                          </m:sup>
-                        </m:sSubSup>
-                        <m:sSubSup>
-                          <m:sSubSupPr>
-                            <m:ctrlPr>
-                              <a:rPr lang="en-US" sz="2400" i="1">
-                                <a:latin typeface="Cambria Math" panose="02040503050406030204" pitchFamily="18" charset="0"/>
-                              </a:rPr>
-                            </m:ctrlPr>
-                          </m:sSubSupPr>
-                          <m:e>
-                            <m:r>
-                              <a:rPr lang="en-US" sz="2400" i="1">
-                                <a:latin typeface="Cambria Math" panose="02040503050406030204" pitchFamily="18" charset="0"/>
-                              </a:rPr>
-                              <m:t>𝑆</m:t>
-                            </m:r>
-                          </m:e>
-                          <m:sub>
-                            <m:r>
-                              <a:rPr lang="en-US" sz="2400" i="1">
-                                <a:latin typeface="Cambria Math" panose="02040503050406030204" pitchFamily="18" charset="0"/>
-                              </a:rPr>
-                              <m:t>𝑗</m:t>
-                            </m:r>
-                          </m:sub>
-                          <m:sup>
-                            <m:r>
-                              <a:rPr lang="en-US" sz="2400" i="1">
-                                <a:latin typeface="Cambria Math" panose="02040503050406030204" pitchFamily="18" charset="0"/>
-                              </a:rPr>
-                              <m:t>−</m:t>
-                            </m:r>
-                          </m:sup>
-                        </m:sSubSup>
-                        <m:sSup>
-                          <m:sSupPr>
-                            <m:ctrlPr>
-                              <a:rPr lang="en-US" sz="2400" i="1">
-                                <a:latin typeface="Cambria Math" panose="02040503050406030204" pitchFamily="18" charset="0"/>
-                              </a:rPr>
-                            </m:ctrlPr>
-                          </m:sSupPr>
-                          <m:e>
-                            <m:r>
-                              <a:rPr lang="en-US" sz="2400" i="1">
-                                <a:latin typeface="Cambria Math" panose="02040503050406030204" pitchFamily="18" charset="0"/>
-                              </a:rPr>
-                              <m:t>𝜌</m:t>
-                            </m:r>
-                          </m:e>
-                          <m:sup>
-                            <m:r>
-                              <a:rPr lang="en-US" sz="2400" i="1">
-                                <a:latin typeface="Cambria Math" panose="02040503050406030204" pitchFamily="18" charset="0"/>
-                              </a:rPr>
-                              <m:t>𝑆</m:t>
-                            </m:r>
-                          </m:sup>
-                        </m:sSup>
-                        <m:r>
-                          <a:rPr lang="en-US" sz="2400" i="1">
-                            <a:latin typeface="Cambria Math" panose="02040503050406030204" pitchFamily="18" charset="0"/>
-                          </a:rPr>
-                          <m:t>−2</m:t>
-                        </m:r>
-                        <m:sSubSup>
-                          <m:sSubSupPr>
-                            <m:ctrlPr>
-                              <a:rPr lang="en-US" sz="2400" i="1">
-                                <a:latin typeface="Cambria Math" panose="02040503050406030204" pitchFamily="18" charset="0"/>
-                              </a:rPr>
-                            </m:ctrlPr>
-                          </m:sSubSupPr>
-                          <m:e>
-                            <m:r>
-                              <a:rPr lang="en-US" sz="2400" i="1">
-                                <a:latin typeface="Cambria Math" panose="02040503050406030204" pitchFamily="18" charset="0"/>
-                              </a:rPr>
-                              <m:t>𝑆</m:t>
-                            </m:r>
-                          </m:e>
-                          <m:sub>
-                            <m:r>
-                              <a:rPr lang="en-US" sz="2400" i="1">
-                                <a:latin typeface="Cambria Math" panose="02040503050406030204" pitchFamily="18" charset="0"/>
-                              </a:rPr>
-                              <m:t>𝑗</m:t>
-                            </m:r>
-                          </m:sub>
-                          <m:sup>
-                            <m:r>
-                              <a:rPr lang="en-US" sz="2400" i="1">
-                                <a:latin typeface="Cambria Math" panose="02040503050406030204" pitchFamily="18" charset="0"/>
-                              </a:rPr>
-                              <m:t>−</m:t>
-                            </m:r>
-                          </m:sup>
-                        </m:sSubSup>
-                        <m:sSup>
-                          <m:sSupPr>
-                            <m:ctrlPr>
-                              <a:rPr lang="en-US" sz="2400" i="1">
-                                <a:latin typeface="Cambria Math" panose="02040503050406030204" pitchFamily="18" charset="0"/>
-                              </a:rPr>
-                            </m:ctrlPr>
-                          </m:sSupPr>
-                          <m:e>
-                            <m:r>
-                              <a:rPr lang="en-US" sz="2400" i="1">
-                                <a:latin typeface="Cambria Math" panose="02040503050406030204" pitchFamily="18" charset="0"/>
-                              </a:rPr>
-                              <m:t>𝜌</m:t>
-                            </m:r>
-                          </m:e>
-                          <m:sup>
-                            <m:r>
-                              <a:rPr lang="en-US" sz="2400" i="1">
-                                <a:latin typeface="Cambria Math" panose="02040503050406030204" pitchFamily="18" charset="0"/>
-                              </a:rPr>
-                              <m:t>𝑆</m:t>
-                            </m:r>
-                          </m:sup>
-                        </m:sSup>
-                        <m:sSubSup>
-                          <m:sSubSupPr>
-                            <m:ctrlPr>
-                              <a:rPr lang="en-US" sz="2400" i="1">
-                                <a:latin typeface="Cambria Math" panose="02040503050406030204" pitchFamily="18" charset="0"/>
-                              </a:rPr>
-                            </m:ctrlPr>
-                          </m:sSubSupPr>
-                          <m:e>
-                            <m:r>
-                              <a:rPr lang="en-US" sz="2400" i="1">
-                                <a:latin typeface="Cambria Math" panose="02040503050406030204" pitchFamily="18" charset="0"/>
-                              </a:rPr>
-                              <m:t>𝑆</m:t>
-                            </m:r>
-                          </m:e>
-                          <m:sub>
-                            <m:r>
-                              <a:rPr lang="en-US" sz="2400" i="1">
-                                <a:latin typeface="Cambria Math" panose="02040503050406030204" pitchFamily="18" charset="0"/>
-                              </a:rPr>
-                              <m:t>𝑖</m:t>
-                            </m:r>
-                          </m:sub>
-                          <m:sup>
-                            <m:r>
-                              <a:rPr lang="en-US" sz="2400" i="1">
-                                <a:latin typeface="Cambria Math" panose="02040503050406030204" pitchFamily="18" charset="0"/>
-                              </a:rPr>
-                              <m:t>+</m:t>
-                            </m:r>
-                          </m:sup>
-                        </m:sSubSup>
-                      </m:e>
-                    </m:d>
-                  </m:oMath>
-                </a14:m>
-                <a:endParaRPr lang="en-US" sz="2400" dirty="0"/>
-              </a:p>
-              <a:p>
-                <a:r>
-                  <a:rPr lang="en-US" sz="2400" dirty="0"/>
-                  <a:t>           </a:t>
-                </a:r>
-                <a14:m>
-                  <m:oMath xmlns:m="http://schemas.openxmlformats.org/officeDocument/2006/math">
-                    <m:r>
-                      <a:rPr lang="en-US" sz="2400" i="1">
-                        <a:latin typeface="Cambria Math" panose="02040503050406030204" pitchFamily="18" charset="0"/>
-                      </a:rPr>
-                      <m:t>−</m:t>
-                    </m:r>
-                    <m:f>
-                      <m:fPr>
-                        <m:ctrlPr>
-                          <a:rPr lang="en-US" sz="2400" i="1">
-                            <a:latin typeface="Cambria Math" panose="02040503050406030204" pitchFamily="18" charset="0"/>
-                          </a:rPr>
-                        </m:ctrlPr>
-                      </m:fPr>
-                      <m:num>
-                        <m:r>
-                          <a:rPr lang="en-US" sz="2400" i="1">
-                            <a:latin typeface="Cambria Math" panose="02040503050406030204" pitchFamily="18" charset="0"/>
-                          </a:rPr>
-                          <m:t>1</m:t>
-                        </m:r>
-                      </m:num>
-                      <m:den>
-                        <m:r>
-                          <a:rPr lang="en-US" sz="2400" i="1">
-                            <a:latin typeface="Cambria Math" panose="02040503050406030204" pitchFamily="18" charset="0"/>
-                          </a:rPr>
-                          <m:t>2</m:t>
-                        </m:r>
-                      </m:den>
-                    </m:f>
-                    <m:nary>
-                      <m:naryPr>
-                        <m:chr m:val="∑"/>
-                        <m:subHide m:val="on"/>
-                        <m:supHide m:val="on"/>
-                        <m:ctrlPr>
-                          <a:rPr lang="en-US" sz="2400" i="1">
-                            <a:latin typeface="Cambria Math" panose="02040503050406030204" pitchFamily="18" charset="0"/>
-                          </a:rPr>
-                        </m:ctrlPr>
-                      </m:naryPr>
-                      <m:sub/>
-                      <m:sup/>
-                      <m:e>
-                        <m:sSub>
-                          <m:sSubPr>
-                            <m:ctrlPr>
-                              <a:rPr lang="en-US" sz="2400" i="1">
-                                <a:latin typeface="Cambria Math" panose="02040503050406030204" pitchFamily="18" charset="0"/>
-                              </a:rPr>
-                            </m:ctrlPr>
-                          </m:sSubPr>
-                          <m:e>
-                            <m:r>
-                              <a:rPr lang="en-US" sz="2400" i="1">
-                                <a:latin typeface="Cambria Math" panose="02040503050406030204" pitchFamily="18" charset="0"/>
-                              </a:rPr>
-                              <m:t>𝛾</m:t>
-                            </m:r>
-                          </m:e>
-                          <m:sub>
-                            <m:r>
-                              <a:rPr lang="en-US" sz="2400" i="1">
-                                <a:latin typeface="Cambria Math" panose="02040503050406030204" pitchFamily="18" charset="0"/>
-                              </a:rPr>
-                              <m:t>𝑖𝑗</m:t>
-                            </m:r>
-                          </m:sub>
-                        </m:sSub>
-                        <m:r>
-                          <a:rPr lang="en-US" sz="2400" i="1">
-                            <a:latin typeface="Cambria Math" panose="02040503050406030204" pitchFamily="18" charset="0"/>
-                          </a:rPr>
-                          <m:t>𝑁</m:t>
-                        </m:r>
-                      </m:e>
-                    </m:nary>
-                    <m:d>
-                      <m:dPr>
-                        <m:ctrlPr>
-                          <a:rPr lang="en-US" sz="2400" i="1">
-                            <a:latin typeface="Cambria Math" panose="02040503050406030204" pitchFamily="18" charset="0"/>
-                          </a:rPr>
-                        </m:ctrlPr>
-                      </m:dPr>
-                      <m:e>
-                        <m:sSup>
-                          <m:sSupPr>
-                            <m:ctrlPr>
-                              <a:rPr lang="en-US" sz="2400" i="1">
-                                <a:latin typeface="Cambria Math" panose="02040503050406030204" pitchFamily="18" charset="0"/>
-                              </a:rPr>
-                            </m:ctrlPr>
-                          </m:sSupPr>
-                          <m:e>
-                            <m:r>
-                              <a:rPr lang="en-US" sz="2400" i="1">
-                                <a:latin typeface="Cambria Math" panose="02040503050406030204" pitchFamily="18" charset="0"/>
-                              </a:rPr>
-                              <m:t>𝜌</m:t>
-                            </m:r>
-                          </m:e>
-                          <m:sup>
-                            <m:r>
-                              <a:rPr lang="en-US" sz="2400" i="1">
-                                <a:latin typeface="Cambria Math" panose="02040503050406030204" pitchFamily="18" charset="0"/>
-                              </a:rPr>
-                              <m:t>𝑆</m:t>
-                            </m:r>
-                          </m:sup>
-                        </m:sSup>
-                        <m:sSubSup>
-                          <m:sSubSupPr>
-                            <m:ctrlPr>
-                              <a:rPr lang="en-US" sz="2400" i="1">
-                                <a:latin typeface="Cambria Math" panose="02040503050406030204" pitchFamily="18" charset="0"/>
-                              </a:rPr>
-                            </m:ctrlPr>
-                          </m:sSubSupPr>
-                          <m:e>
-                            <m:r>
-                              <a:rPr lang="en-US" sz="2400" i="1">
-                                <a:latin typeface="Cambria Math" panose="02040503050406030204" pitchFamily="18" charset="0"/>
-                              </a:rPr>
-                              <m:t>𝑆</m:t>
-                            </m:r>
-                          </m:e>
-                          <m:sub>
-                            <m:r>
-                              <a:rPr lang="en-US" sz="2400" i="1">
-                                <a:latin typeface="Cambria Math" panose="02040503050406030204" pitchFamily="18" charset="0"/>
-                              </a:rPr>
-                              <m:t>𝑖</m:t>
-                            </m:r>
-                          </m:sub>
-                          <m:sup>
-                            <m:r>
-                              <a:rPr lang="en-US" sz="2400" i="1">
-                                <a:latin typeface="Cambria Math" panose="02040503050406030204" pitchFamily="18" charset="0"/>
-                              </a:rPr>
-                              <m:t>−</m:t>
-                            </m:r>
-                          </m:sup>
-                        </m:sSubSup>
-                        <m:sSubSup>
-                          <m:sSubSupPr>
-                            <m:ctrlPr>
-                              <a:rPr lang="en-US" sz="2400" i="1">
-                                <a:latin typeface="Cambria Math" panose="02040503050406030204" pitchFamily="18" charset="0"/>
-                              </a:rPr>
-                            </m:ctrlPr>
-                          </m:sSubSupPr>
-                          <m:e>
-                            <m:r>
-                              <a:rPr lang="en-US" sz="2400" i="1">
-                                <a:latin typeface="Cambria Math" panose="02040503050406030204" pitchFamily="18" charset="0"/>
-                              </a:rPr>
-                              <m:t>𝑆</m:t>
-                            </m:r>
-                          </m:e>
-                          <m:sub>
-                            <m:r>
-                              <a:rPr lang="en-US" sz="2400" i="1">
-                                <a:latin typeface="Cambria Math" panose="02040503050406030204" pitchFamily="18" charset="0"/>
-                              </a:rPr>
-                              <m:t>𝑗</m:t>
-                            </m:r>
-                          </m:sub>
-                          <m:sup>
-                            <m:r>
-                              <a:rPr lang="en-US" sz="2400" i="1">
-                                <a:latin typeface="Cambria Math" panose="02040503050406030204" pitchFamily="18" charset="0"/>
-                              </a:rPr>
-                              <m:t>+</m:t>
-                            </m:r>
-                          </m:sup>
-                        </m:sSubSup>
-                        <m:r>
-                          <a:rPr lang="en-US" sz="2400" i="1">
-                            <a:latin typeface="Cambria Math" panose="02040503050406030204" pitchFamily="18" charset="0"/>
-                          </a:rPr>
-                          <m:t>+</m:t>
-                        </m:r>
-                        <m:sSubSup>
-                          <m:sSubSupPr>
-                            <m:ctrlPr>
-                              <a:rPr lang="en-US" sz="2400" i="1">
-                                <a:latin typeface="Cambria Math" panose="02040503050406030204" pitchFamily="18" charset="0"/>
-                              </a:rPr>
-                            </m:ctrlPr>
-                          </m:sSubSupPr>
-                          <m:e>
-                            <m:r>
-                              <a:rPr lang="en-US" sz="2400" i="1">
-                                <a:latin typeface="Cambria Math" panose="02040503050406030204" pitchFamily="18" charset="0"/>
-                              </a:rPr>
-                              <m:t>𝑆</m:t>
-                            </m:r>
-                          </m:e>
-                          <m:sub>
-                            <m:r>
-                              <a:rPr lang="en-US" sz="2400" i="1">
-                                <a:latin typeface="Cambria Math" panose="02040503050406030204" pitchFamily="18" charset="0"/>
-                              </a:rPr>
-                              <m:t>𝑖</m:t>
-                            </m:r>
-                          </m:sub>
-                          <m:sup>
-                            <m:r>
-                              <a:rPr lang="en-US" sz="2400" i="1">
-                                <a:latin typeface="Cambria Math" panose="02040503050406030204" pitchFamily="18" charset="0"/>
-                              </a:rPr>
-                              <m:t>−</m:t>
-                            </m:r>
-                          </m:sup>
-                        </m:sSubSup>
-                        <m:sSubSup>
-                          <m:sSubSupPr>
-                            <m:ctrlPr>
-                              <a:rPr lang="en-US" sz="2400" i="1">
-                                <a:latin typeface="Cambria Math" panose="02040503050406030204" pitchFamily="18" charset="0"/>
-                              </a:rPr>
-                            </m:ctrlPr>
-                          </m:sSubSupPr>
-                          <m:e>
-                            <m:r>
-                              <a:rPr lang="en-US" sz="2400" i="1">
-                                <a:latin typeface="Cambria Math" panose="02040503050406030204" pitchFamily="18" charset="0"/>
-                              </a:rPr>
-                              <m:t>𝑆</m:t>
-                            </m:r>
-                          </m:e>
-                          <m:sub>
-                            <m:r>
-                              <a:rPr lang="en-US" sz="2400" i="1">
-                                <a:latin typeface="Cambria Math" panose="02040503050406030204" pitchFamily="18" charset="0"/>
-                              </a:rPr>
-                              <m:t>𝑗</m:t>
-                            </m:r>
-                          </m:sub>
-                          <m:sup>
-                            <m:r>
-                              <a:rPr lang="en-US" sz="2400" i="1">
-                                <a:latin typeface="Cambria Math" panose="02040503050406030204" pitchFamily="18" charset="0"/>
-                              </a:rPr>
-                              <m:t>+</m:t>
-                            </m:r>
-                          </m:sup>
-                        </m:sSubSup>
-                        <m:sSup>
-                          <m:sSupPr>
-                            <m:ctrlPr>
-                              <a:rPr lang="en-US" sz="2400" i="1">
-                                <a:latin typeface="Cambria Math" panose="02040503050406030204" pitchFamily="18" charset="0"/>
-                              </a:rPr>
-                            </m:ctrlPr>
-                          </m:sSupPr>
-                          <m:e>
-                            <m:r>
-                              <a:rPr lang="en-US" sz="2400" i="1">
-                                <a:latin typeface="Cambria Math" panose="02040503050406030204" pitchFamily="18" charset="0"/>
-                              </a:rPr>
-                              <m:t>𝜌</m:t>
-                            </m:r>
-                          </m:e>
-                          <m:sup>
-                            <m:r>
-                              <a:rPr lang="en-US" sz="2400" i="1">
-                                <a:latin typeface="Cambria Math" panose="02040503050406030204" pitchFamily="18" charset="0"/>
-                              </a:rPr>
-                              <m:t>𝑆</m:t>
-                            </m:r>
-                          </m:sup>
-                        </m:sSup>
-                        <m:r>
-                          <a:rPr lang="en-US" sz="2400" i="1">
-                            <a:latin typeface="Cambria Math" panose="02040503050406030204" pitchFamily="18" charset="0"/>
-                          </a:rPr>
-                          <m:t>−2</m:t>
-                        </m:r>
-                        <m:sSubSup>
-                          <m:sSubSupPr>
-                            <m:ctrlPr>
-                              <a:rPr lang="en-US" sz="2400" i="1">
-                                <a:latin typeface="Cambria Math" panose="02040503050406030204" pitchFamily="18" charset="0"/>
-                              </a:rPr>
-                            </m:ctrlPr>
-                          </m:sSubSupPr>
-                          <m:e>
-                            <m:r>
-                              <a:rPr lang="en-US" sz="2400" i="1">
-                                <a:latin typeface="Cambria Math" panose="02040503050406030204" pitchFamily="18" charset="0"/>
-                              </a:rPr>
-                              <m:t>𝑆</m:t>
-                            </m:r>
-                          </m:e>
-                          <m:sub>
-                            <m:r>
-                              <a:rPr lang="en-US" sz="2400" i="1">
-                                <a:latin typeface="Cambria Math" panose="02040503050406030204" pitchFamily="18" charset="0"/>
-                              </a:rPr>
-                              <m:t>𝑗</m:t>
-                            </m:r>
-                          </m:sub>
-                          <m:sup>
-                            <m:r>
-                              <a:rPr lang="en-US" sz="2400" i="1">
-                                <a:latin typeface="Cambria Math" panose="02040503050406030204" pitchFamily="18" charset="0"/>
-                              </a:rPr>
-                              <m:t>+</m:t>
-                            </m:r>
-                          </m:sup>
-                        </m:sSubSup>
-                        <m:sSup>
-                          <m:sSupPr>
-                            <m:ctrlPr>
-                              <a:rPr lang="en-US" sz="2400" i="1">
-                                <a:latin typeface="Cambria Math" panose="02040503050406030204" pitchFamily="18" charset="0"/>
-                              </a:rPr>
-                            </m:ctrlPr>
-                          </m:sSupPr>
-                          <m:e>
-                            <m:r>
-                              <a:rPr lang="en-US" sz="2400" i="1">
-                                <a:latin typeface="Cambria Math" panose="02040503050406030204" pitchFamily="18" charset="0"/>
-                              </a:rPr>
-                              <m:t>𝜌</m:t>
-                            </m:r>
-                          </m:e>
-                          <m:sup>
-                            <m:r>
-                              <a:rPr lang="en-US" sz="2400" i="1">
-                                <a:latin typeface="Cambria Math" panose="02040503050406030204" pitchFamily="18" charset="0"/>
-                              </a:rPr>
-                              <m:t>𝑆</m:t>
-                            </m:r>
-                          </m:sup>
-                        </m:sSup>
-                        <m:sSubSup>
-                          <m:sSubSupPr>
-                            <m:ctrlPr>
-                              <a:rPr lang="en-US" sz="2400" i="1">
-                                <a:latin typeface="Cambria Math" panose="02040503050406030204" pitchFamily="18" charset="0"/>
-                              </a:rPr>
-                            </m:ctrlPr>
-                          </m:sSubSupPr>
-                          <m:e>
-                            <m:r>
-                              <a:rPr lang="en-US" sz="2400" i="1">
-                                <a:latin typeface="Cambria Math" panose="02040503050406030204" pitchFamily="18" charset="0"/>
-                              </a:rPr>
-                              <m:t>𝑆</m:t>
-                            </m:r>
-                          </m:e>
-                          <m:sub>
-                            <m:r>
-                              <a:rPr lang="en-US" sz="2400" i="1">
-                                <a:latin typeface="Cambria Math" panose="02040503050406030204" pitchFamily="18" charset="0"/>
-                              </a:rPr>
-                              <m:t>𝑖</m:t>
-                            </m:r>
-                          </m:sub>
-                          <m:sup>
-                            <m:r>
-                              <a:rPr lang="en-US" sz="2400" i="1">
-                                <a:latin typeface="Cambria Math" panose="02040503050406030204" pitchFamily="18" charset="0"/>
-                              </a:rPr>
-                              <m:t>−</m:t>
-                            </m:r>
-                          </m:sup>
-                        </m:sSubSup>
-                      </m:e>
-                    </m:d>
-                  </m:oMath>
-                </a14:m>
-                <a:endParaRPr lang="en-US" sz="2400" dirty="0"/>
-              </a:p>
-              <a:p>
-                <a:r>
-                  <a:rPr lang="en-US" sz="2400" dirty="0"/>
-                  <a:t>           </a:t>
-                </a:r>
-                <a14:m>
-                  <m:oMath xmlns:m="http://schemas.openxmlformats.org/officeDocument/2006/math">
-                    <m:r>
-                      <a:rPr lang="en-US" sz="2400" i="1">
-                        <a:latin typeface="Cambria Math" panose="02040503050406030204" pitchFamily="18" charset="0"/>
-                      </a:rPr>
-                      <m:t>−</m:t>
-                    </m:r>
-                    <m:r>
-                      <a:rPr lang="en-US" sz="2400" i="1">
-                        <a:latin typeface="Cambria Math" panose="02040503050406030204" pitchFamily="18" charset="0"/>
-                      </a:rPr>
-                      <m:t>𝑖</m:t>
-                    </m:r>
-                    <m:nary>
-                      <m:naryPr>
-                        <m:chr m:val="∑"/>
-                        <m:subHide m:val="on"/>
-                        <m:supHide m:val="on"/>
-                        <m:ctrlPr>
-                          <a:rPr lang="en-US" sz="2400" i="1">
-                            <a:latin typeface="Cambria Math" panose="02040503050406030204" pitchFamily="18" charset="0"/>
-                          </a:rPr>
-                        </m:ctrlPr>
-                      </m:naryPr>
-                      <m:sub/>
-                      <m:sup/>
-                      <m:e>
-                        <m:sSub>
-                          <m:sSubPr>
-                            <m:ctrlPr>
-                              <a:rPr lang="en-US" sz="2400" i="1">
-                                <a:latin typeface="Cambria Math" panose="02040503050406030204" pitchFamily="18" charset="0"/>
-                              </a:rPr>
-                            </m:ctrlPr>
-                          </m:sSubPr>
-                          <m:e>
-                            <m:r>
-                              <m:rPr>
-                                <m:sty m:val="p"/>
-                              </m:rPr>
-                              <a:rPr lang="en-US" sz="2400">
-                                <a:latin typeface="Cambria Math" panose="02040503050406030204" pitchFamily="18" charset="0"/>
-                              </a:rPr>
-                              <m:t>Λ</m:t>
-                            </m:r>
-                          </m:e>
-                          <m:sub>
-                            <m:r>
-                              <a:rPr lang="en-US" sz="2400" i="1">
-                                <a:latin typeface="Cambria Math" panose="02040503050406030204" pitchFamily="18" charset="0"/>
-                              </a:rPr>
-                              <m:t>𝑖𝑗</m:t>
-                            </m:r>
-                          </m:sub>
-                        </m:sSub>
-                      </m:e>
-                    </m:nary>
-                    <m:r>
-                      <a:rPr lang="en-US" sz="2400" i="1">
-                        <a:latin typeface="Cambria Math" panose="02040503050406030204" pitchFamily="18" charset="0"/>
-                      </a:rPr>
-                      <m:t>[</m:t>
-                    </m:r>
-                    <m:sSubSup>
-                      <m:sSubSupPr>
-                        <m:ctrlPr>
-                          <a:rPr lang="en-US" sz="2400" i="1">
-                            <a:latin typeface="Cambria Math" panose="02040503050406030204" pitchFamily="18" charset="0"/>
-                          </a:rPr>
-                        </m:ctrlPr>
-                      </m:sSubSupPr>
-                      <m:e>
-                        <m:r>
-                          <a:rPr lang="en-US" sz="2400" i="1">
-                            <a:latin typeface="Cambria Math" panose="02040503050406030204" pitchFamily="18" charset="0"/>
-                          </a:rPr>
-                          <m:t>𝑆</m:t>
-                        </m:r>
-                      </m:e>
-                      <m:sub>
-                        <m:r>
-                          <a:rPr lang="en-US" sz="2400" i="1">
-                            <a:latin typeface="Cambria Math" panose="02040503050406030204" pitchFamily="18" charset="0"/>
-                          </a:rPr>
-                          <m:t>𝑖</m:t>
-                        </m:r>
-                      </m:sub>
-                      <m:sup>
-                        <m:r>
-                          <a:rPr lang="en-US" sz="2400" i="1">
-                            <a:latin typeface="Cambria Math" panose="02040503050406030204" pitchFamily="18" charset="0"/>
-                          </a:rPr>
-                          <m:t>+</m:t>
-                        </m:r>
-                      </m:sup>
-                    </m:sSubSup>
-                    <m:sSubSup>
-                      <m:sSubSupPr>
-                        <m:ctrlPr>
-                          <a:rPr lang="en-US" sz="2400" i="1">
-                            <a:latin typeface="Cambria Math" panose="02040503050406030204" pitchFamily="18" charset="0"/>
-                          </a:rPr>
-                        </m:ctrlPr>
-                      </m:sSubSupPr>
-                      <m:e>
-                        <m:r>
-                          <a:rPr lang="en-US" sz="2400" i="1">
-                            <a:latin typeface="Cambria Math" panose="02040503050406030204" pitchFamily="18" charset="0"/>
-                          </a:rPr>
-                          <m:t>𝑆</m:t>
-                        </m:r>
-                      </m:e>
-                      <m:sub>
-                        <m:r>
-                          <a:rPr lang="en-US" sz="2400" i="1">
-                            <a:latin typeface="Cambria Math" panose="02040503050406030204" pitchFamily="18" charset="0"/>
-                          </a:rPr>
-                          <m:t>𝑗</m:t>
-                        </m:r>
-                      </m:sub>
-                      <m:sup>
-                        <m:r>
-                          <a:rPr lang="en-US" sz="2400" i="1">
-                            <a:latin typeface="Cambria Math" panose="02040503050406030204" pitchFamily="18" charset="0"/>
-                          </a:rPr>
-                          <m:t>−</m:t>
-                        </m:r>
-                      </m:sup>
-                    </m:sSubSup>
-                    <m:r>
-                      <a:rPr lang="en-US" sz="2400" i="1">
-                        <a:latin typeface="Cambria Math" panose="02040503050406030204" pitchFamily="18" charset="0"/>
-                      </a:rPr>
-                      <m:t>,</m:t>
-                    </m:r>
-                    <m:sSup>
-                      <m:sSupPr>
-                        <m:ctrlPr>
-                          <a:rPr lang="en-US" sz="2400" i="1">
-                            <a:latin typeface="Cambria Math" panose="02040503050406030204" pitchFamily="18" charset="0"/>
-                          </a:rPr>
-                        </m:ctrlPr>
-                      </m:sSupPr>
-                      <m:e>
-                        <m:r>
-                          <a:rPr lang="en-US" sz="2400" i="1">
-                            <a:latin typeface="Cambria Math" panose="02040503050406030204" pitchFamily="18" charset="0"/>
-                          </a:rPr>
-                          <m:t>𝜌</m:t>
-                        </m:r>
-                      </m:e>
-                      <m:sup>
-                        <m:r>
-                          <a:rPr lang="en-US" sz="2400" i="1">
-                            <a:latin typeface="Cambria Math" panose="02040503050406030204" pitchFamily="18" charset="0"/>
-                          </a:rPr>
-                          <m:t>𝑆</m:t>
-                        </m:r>
-                      </m:sup>
-                    </m:sSup>
-                    <m:r>
-                      <a:rPr lang="en-US" sz="2400" i="1">
-                        <a:latin typeface="Cambria Math" panose="02040503050406030204" pitchFamily="18" charset="0"/>
-                      </a:rPr>
-                      <m:t>]</m:t>
-                    </m:r>
-                  </m:oMath>
-                </a14:m>
-                <a:endParaRPr lang="en-US" sz="2400" dirty="0"/>
-              </a:p>
-            </p:txBody>
-          </p:sp>
-        </mc:Choice>
-        <mc:Fallback>
-          <p:sp>
-            <p:nvSpPr>
-              <p:cNvPr id="4" name="TextBox 3">
-                <a:extLst>
-                  <a:ext uri="{FF2B5EF4-FFF2-40B4-BE49-F238E27FC236}">
-                    <a16:creationId xmlns:a16="http://schemas.microsoft.com/office/drawing/2014/main" id="{7976950B-2D47-40A8-A07D-284EF970AC46}"/>
-                  </a:ext>
-                </a:extLst>
-              </p:cNvPr>
-              <p:cNvSpPr txBox="1">
-                <a:spLocks noRot="1" noChangeAspect="1" noMove="1" noResize="1" noEditPoints="1" noAdjustHandles="1" noChangeArrowheads="1" noChangeShapeType="1" noTextEdit="1"/>
-              </p:cNvSpPr>
-              <p:nvPr/>
-            </p:nvSpPr>
-            <p:spPr>
-              <a:xfrm>
-                <a:off x="2289230" y="1300663"/>
-                <a:ext cx="7828567" cy="2599686"/>
-              </a:xfrm>
-              <a:prstGeom prst="rect">
-                <a:avLst/>
-              </a:prstGeom>
-              <a:blipFill>
-                <a:blip r:embed="rId2"/>
-                <a:stretch>
-                  <a:fillRect b="-37002"/>
-                </a:stretch>
-              </a:blipFill>
-            </p:spPr>
-            <p:txBody>
-              <a:bodyPr/>
-              <a:lstStyle/>
-              <a:p>
-                <a:r>
-                  <a:rPr lang="en-US">
-                    <a:noFill/>
-                  </a:rPr>
-                  <a:t> </a:t>
-                </a:r>
-              </a:p>
-            </p:txBody>
-          </p:sp>
-        </mc:Fallback>
-      </mc:AlternateContent>
-      <mc:AlternateContent xmlns:mc="http://schemas.openxmlformats.org/markup-compatibility/2006">
-        <mc:Choice xmlns:a14="http://schemas.microsoft.com/office/drawing/2010/main" Requires="a14">
-          <p:sp>
-            <p:nvSpPr>
-              <p:cNvPr id="5" name="TextBox 4">
-                <a:extLst>
-                  <a:ext uri="{FF2B5EF4-FFF2-40B4-BE49-F238E27FC236}">
-                    <a16:creationId xmlns:a16="http://schemas.microsoft.com/office/drawing/2014/main" id="{ACA7F76A-451C-4553-91A2-1CE8D2E1C970}"/>
-                  </a:ext>
-                </a:extLst>
-              </p:cNvPr>
-              <p:cNvSpPr txBox="1"/>
-              <p:nvPr/>
-            </p:nvSpPr>
-            <p:spPr>
-              <a:xfrm>
-                <a:off x="3170217" y="4583650"/>
-                <a:ext cx="3672800" cy="1232966"/>
-              </a:xfrm>
-              <a:prstGeom prst="rect">
-                <a:avLst/>
-              </a:prstGeom>
-              <a:noFill/>
-            </p:spPr>
-            <p:txBody>
-              <a:bodyPr wrap="none" rtlCol="0">
-                <a:spAutoFit/>
-              </a:bodyPr>
-              <a:lstStyle/>
-              <a:p>
-                <a14:m>
-                  <m:oMathPara xmlns:m="http://schemas.openxmlformats.org/officeDocument/2006/math">
-                    <m:oMathParaPr>
-                      <m:jc m:val="centerGroup"/>
-                    </m:oMathParaPr>
-                    <m:oMath xmlns:m="http://schemas.openxmlformats.org/officeDocument/2006/math">
-                      <m:r>
-                        <a:rPr lang="en-US" sz="2800" b="0" i="1" smtClean="0">
-                          <a:latin typeface="Cambria Math" panose="02040503050406030204" pitchFamily="18" charset="0"/>
-                        </a:rPr>
-                        <m:t>𝜌</m:t>
-                      </m:r>
-                      <m:r>
-                        <a:rPr lang="en-US" sz="2800" b="0" i="1" smtClean="0">
-                          <a:latin typeface="Cambria Math" panose="02040503050406030204" pitchFamily="18" charset="0"/>
-                        </a:rPr>
-                        <m:t>=</m:t>
-                      </m:r>
-                      <m:d>
-                        <m:dPr>
-                          <m:ctrlPr>
-                            <a:rPr lang="en-US" sz="2800" b="0" i="1" smtClean="0">
-                              <a:latin typeface="Cambria Math" panose="02040503050406030204" pitchFamily="18" charset="0"/>
-                            </a:rPr>
-                          </m:ctrlPr>
-                        </m:dPr>
-                        <m:e>
-                          <m:m>
-                            <m:mPr>
-                              <m:mcs>
-                                <m:mc>
-                                  <m:mcPr>
-                                    <m:count m:val="3"/>
-                                    <m:mcJc m:val="center"/>
-                                  </m:mcPr>
-                                </m:mc>
-                              </m:mcs>
-                              <m:ctrlPr>
-                                <a:rPr lang="en-US" sz="2800" i="1">
-                                  <a:latin typeface="Cambria Math" panose="02040503050406030204" pitchFamily="18" charset="0"/>
-                                </a:rPr>
-                              </m:ctrlPr>
-                            </m:mPr>
-                            <m:mr>
-                              <m:e>
-                                <m:sSub>
-                                  <m:sSubPr>
-                                    <m:ctrlPr>
-                                      <a:rPr lang="en-US" sz="2800" i="1">
-                                        <a:latin typeface="Cambria Math" panose="02040503050406030204" pitchFamily="18" charset="0"/>
-                                      </a:rPr>
-                                    </m:ctrlPr>
-                                  </m:sSubPr>
-                                  <m:e>
-                                    <m:r>
-                                      <a:rPr lang="en-US" sz="2800" i="1">
-                                        <a:latin typeface="Cambria Math" panose="02040503050406030204" pitchFamily="18" charset="0"/>
-                                      </a:rPr>
-                                      <m:t>𝜌</m:t>
-                                    </m:r>
-                                  </m:e>
-                                  <m:sub>
-                                    <m:r>
-                                      <a:rPr lang="en-US" sz="2800" i="1">
-                                        <a:latin typeface="Cambria Math" panose="02040503050406030204" pitchFamily="18" charset="0"/>
-                                      </a:rPr>
-                                      <m:t>𝑎𝑎</m:t>
-                                    </m:r>
-                                  </m:sub>
-                                </m:sSub>
-                              </m:e>
-                              <m:e>
-                                <m:sSub>
-                                  <m:sSubPr>
-                                    <m:ctrlPr>
-                                      <a:rPr lang="en-US" sz="2800" i="1">
-                                        <a:latin typeface="Cambria Math" panose="02040503050406030204" pitchFamily="18" charset="0"/>
-                                      </a:rPr>
-                                    </m:ctrlPr>
-                                  </m:sSubPr>
-                                  <m:e>
-                                    <m:r>
-                                      <a:rPr lang="en-US" sz="2800" i="1">
-                                        <a:latin typeface="Cambria Math" panose="02040503050406030204" pitchFamily="18" charset="0"/>
-                                      </a:rPr>
-                                      <m:t>𝜌</m:t>
-                                    </m:r>
-                                  </m:e>
-                                  <m:sub>
-                                    <m:r>
-                                      <a:rPr lang="en-US" sz="2800" i="1">
-                                        <a:latin typeface="Cambria Math" panose="02040503050406030204" pitchFamily="18" charset="0"/>
-                                      </a:rPr>
-                                      <m:t>𝑎𝑏</m:t>
-                                    </m:r>
-                                  </m:sub>
-                                </m:sSub>
-                              </m:e>
-                              <m:e>
-                                <m:sSub>
-                                  <m:sSubPr>
-                                    <m:ctrlPr>
-                                      <a:rPr lang="en-US" sz="2800" i="1">
-                                        <a:latin typeface="Cambria Math" panose="02040503050406030204" pitchFamily="18" charset="0"/>
-                                      </a:rPr>
-                                    </m:ctrlPr>
-                                  </m:sSubPr>
-                                  <m:e>
-                                    <m:r>
-                                      <a:rPr lang="en-US" sz="2800" i="1">
-                                        <a:latin typeface="Cambria Math" panose="02040503050406030204" pitchFamily="18" charset="0"/>
-                                      </a:rPr>
-                                      <m:t>𝜌</m:t>
-                                    </m:r>
-                                  </m:e>
-                                  <m:sub>
-                                    <m:r>
-                                      <a:rPr lang="en-US" sz="2800" i="1">
-                                        <a:latin typeface="Cambria Math" panose="02040503050406030204" pitchFamily="18" charset="0"/>
-                                      </a:rPr>
-                                      <m:t>𝑎𝑐</m:t>
-                                    </m:r>
-                                  </m:sub>
-                                </m:sSub>
-                              </m:e>
-                            </m:mr>
-                            <m:mr>
-                              <m:e>
-                                <m:sSub>
-                                  <m:sSubPr>
-                                    <m:ctrlPr>
-                                      <a:rPr lang="en-US" sz="2800" i="1">
-                                        <a:latin typeface="Cambria Math" panose="02040503050406030204" pitchFamily="18" charset="0"/>
-                                      </a:rPr>
-                                    </m:ctrlPr>
-                                  </m:sSubPr>
-                                  <m:e>
-                                    <m:r>
-                                      <a:rPr lang="en-US" sz="2800" i="1">
-                                        <a:latin typeface="Cambria Math" panose="02040503050406030204" pitchFamily="18" charset="0"/>
-                                      </a:rPr>
-                                      <m:t>𝜌</m:t>
-                                    </m:r>
-                                  </m:e>
-                                  <m:sub>
-                                    <m:r>
-                                      <a:rPr lang="en-US" sz="2800" i="1">
-                                        <a:latin typeface="Cambria Math" panose="02040503050406030204" pitchFamily="18" charset="0"/>
-                                      </a:rPr>
-                                      <m:t>𝑏𝑎</m:t>
-                                    </m:r>
-                                  </m:sub>
-                                </m:sSub>
-                              </m:e>
-                              <m:e>
-                                <m:sSub>
-                                  <m:sSubPr>
-                                    <m:ctrlPr>
-                                      <a:rPr lang="en-US" sz="2800" i="1">
-                                        <a:latin typeface="Cambria Math" panose="02040503050406030204" pitchFamily="18" charset="0"/>
-                                      </a:rPr>
-                                    </m:ctrlPr>
-                                  </m:sSubPr>
-                                  <m:e>
-                                    <m:r>
-                                      <a:rPr lang="en-US" sz="2800" i="1">
-                                        <a:latin typeface="Cambria Math" panose="02040503050406030204" pitchFamily="18" charset="0"/>
-                                      </a:rPr>
-                                      <m:t>𝜌</m:t>
-                                    </m:r>
-                                  </m:e>
-                                  <m:sub>
-                                    <m:r>
-                                      <a:rPr lang="en-US" sz="2800" i="1">
-                                        <a:latin typeface="Cambria Math" panose="02040503050406030204" pitchFamily="18" charset="0"/>
-                                      </a:rPr>
-                                      <m:t>𝑏𝑏</m:t>
-                                    </m:r>
-                                  </m:sub>
-                                </m:sSub>
-                              </m:e>
-                              <m:e>
-                                <m:sSub>
-                                  <m:sSubPr>
-                                    <m:ctrlPr>
-                                      <a:rPr lang="en-US" sz="2800" i="1">
-                                        <a:latin typeface="Cambria Math" panose="02040503050406030204" pitchFamily="18" charset="0"/>
-                                      </a:rPr>
-                                    </m:ctrlPr>
-                                  </m:sSubPr>
-                                  <m:e>
-                                    <m:r>
-                                      <a:rPr lang="en-US" sz="2800" i="1">
-                                        <a:latin typeface="Cambria Math" panose="02040503050406030204" pitchFamily="18" charset="0"/>
-                                      </a:rPr>
-                                      <m:t>𝜌</m:t>
-                                    </m:r>
-                                  </m:e>
-                                  <m:sub>
-                                    <m:r>
-                                      <a:rPr lang="en-US" sz="2800" i="1">
-                                        <a:latin typeface="Cambria Math" panose="02040503050406030204" pitchFamily="18" charset="0"/>
-                                      </a:rPr>
-                                      <m:t>𝑏𝑐</m:t>
-                                    </m:r>
-                                  </m:sub>
-                                </m:sSub>
-                              </m:e>
-                            </m:mr>
-                            <m:mr>
-                              <m:e>
-                                <m:sSub>
-                                  <m:sSubPr>
-                                    <m:ctrlPr>
-                                      <a:rPr lang="en-US" sz="2800" i="1">
-                                        <a:latin typeface="Cambria Math" panose="02040503050406030204" pitchFamily="18" charset="0"/>
-                                      </a:rPr>
-                                    </m:ctrlPr>
-                                  </m:sSubPr>
-                                  <m:e>
-                                    <m:r>
-                                      <a:rPr lang="en-US" sz="2800" i="1">
-                                        <a:latin typeface="Cambria Math" panose="02040503050406030204" pitchFamily="18" charset="0"/>
-                                      </a:rPr>
-                                      <m:t>𝜌</m:t>
-                                    </m:r>
-                                  </m:e>
-                                  <m:sub>
-                                    <m:r>
-                                      <a:rPr lang="en-US" sz="2800" i="1">
-                                        <a:latin typeface="Cambria Math" panose="02040503050406030204" pitchFamily="18" charset="0"/>
-                                      </a:rPr>
-                                      <m:t>𝑐𝑎</m:t>
-                                    </m:r>
-                                  </m:sub>
-                                </m:sSub>
-                              </m:e>
-                              <m:e>
-                                <m:sSub>
-                                  <m:sSubPr>
-                                    <m:ctrlPr>
-                                      <a:rPr lang="en-US" sz="2800" i="1">
-                                        <a:latin typeface="Cambria Math" panose="02040503050406030204" pitchFamily="18" charset="0"/>
-                                      </a:rPr>
-                                    </m:ctrlPr>
-                                  </m:sSubPr>
-                                  <m:e>
-                                    <m:r>
-                                      <a:rPr lang="en-US" sz="2800" i="1">
-                                        <a:latin typeface="Cambria Math" panose="02040503050406030204" pitchFamily="18" charset="0"/>
-                                      </a:rPr>
-                                      <m:t>𝜌</m:t>
-                                    </m:r>
-                                  </m:e>
-                                  <m:sub>
-                                    <m:r>
-                                      <a:rPr lang="en-US" sz="2800" i="1">
-                                        <a:latin typeface="Cambria Math" panose="02040503050406030204" pitchFamily="18" charset="0"/>
-                                      </a:rPr>
-                                      <m:t>𝑐𝑏</m:t>
-                                    </m:r>
-                                  </m:sub>
-                                </m:sSub>
-                              </m:e>
-                              <m:e>
-                                <m:sSub>
-                                  <m:sSubPr>
-                                    <m:ctrlPr>
-                                      <a:rPr lang="en-US" sz="2800" i="1">
-                                        <a:latin typeface="Cambria Math" panose="02040503050406030204" pitchFamily="18" charset="0"/>
-                                      </a:rPr>
-                                    </m:ctrlPr>
-                                  </m:sSubPr>
-                                  <m:e>
-                                    <m:r>
-                                      <a:rPr lang="en-US" sz="2800" i="1">
-                                        <a:latin typeface="Cambria Math" panose="02040503050406030204" pitchFamily="18" charset="0"/>
-                                      </a:rPr>
-                                      <m:t>𝜌</m:t>
-                                    </m:r>
-                                  </m:e>
-                                  <m:sub>
-                                    <m:r>
-                                      <a:rPr lang="en-US" sz="2800" i="1">
-                                        <a:latin typeface="Cambria Math" panose="02040503050406030204" pitchFamily="18" charset="0"/>
-                                      </a:rPr>
-                                      <m:t>𝑐𝑐</m:t>
-                                    </m:r>
-                                  </m:sub>
-                                </m:sSub>
-                              </m:e>
-                            </m:mr>
-                          </m:m>
-                        </m:e>
-                      </m:d>
-                    </m:oMath>
-                  </m:oMathPara>
-                </a14:m>
-                <a:endParaRPr lang="en-US" sz="2800" dirty="0"/>
-              </a:p>
-            </p:txBody>
-          </p:sp>
-        </mc:Choice>
-        <mc:Fallback>
-          <p:sp>
-            <p:nvSpPr>
-              <p:cNvPr id="5" name="TextBox 4">
-                <a:extLst>
-                  <a:ext uri="{FF2B5EF4-FFF2-40B4-BE49-F238E27FC236}">
-                    <a16:creationId xmlns:a16="http://schemas.microsoft.com/office/drawing/2014/main" id="{ACA7F76A-451C-4553-91A2-1CE8D2E1C970}"/>
-                  </a:ext>
-                </a:extLst>
-              </p:cNvPr>
-              <p:cNvSpPr txBox="1">
-                <a:spLocks noRot="1" noChangeAspect="1" noMove="1" noResize="1" noEditPoints="1" noAdjustHandles="1" noChangeArrowheads="1" noChangeShapeType="1" noTextEdit="1"/>
-              </p:cNvSpPr>
-              <p:nvPr/>
-            </p:nvSpPr>
-            <p:spPr>
-              <a:xfrm>
-                <a:off x="3170217" y="4583650"/>
-                <a:ext cx="3672800" cy="1232966"/>
-              </a:xfrm>
-              <a:prstGeom prst="rect">
-                <a:avLst/>
-              </a:prstGeom>
-              <a:blipFill>
-                <a:blip r:embed="rId3"/>
-                <a:stretch>
-                  <a:fillRect/>
-                </a:stretch>
-              </a:blipFill>
-            </p:spPr>
-            <p:txBody>
-              <a:bodyPr/>
-              <a:lstStyle/>
-              <a:p>
-                <a:r>
-                  <a:rPr lang="en-US">
-                    <a:noFill/>
-                  </a:rPr>
-                  <a:t> </a:t>
-                </a:r>
-              </a:p>
-            </p:txBody>
-          </p:sp>
-        </mc:Fallback>
-      </mc:AlternateContent>
-    </p:spTree>
-    <p:extLst>
-      <p:ext uri="{BB962C8B-B14F-4D97-AF65-F5344CB8AC3E}">
-        <p14:creationId xmlns:p14="http://schemas.microsoft.com/office/powerpoint/2010/main" val="2089929265"/>
-      </p:ext>
-    </p:extLst>
-  </p:cSld>
-  <p:clrMapOvr>
-    <a:masterClrMapping/>
-  </p:clrMapOvr>
-</p:sld>
-</file>
-
-<file path=ppt/slides/slide12.xml><?xml version="1.0" encoding="utf-8"?>
 <p:sld xmlns:a="http://schemas.openxmlformats.org/drawingml/2006/main" xmlns:r="http://schemas.openxmlformats.org/officeDocument/2006/relationships" xmlns:p="http://schemas.openxmlformats.org/presentationml/2006/main">
   <p:cSld>
     <p:spTree>
@@ -8189,8 +5619,8 @@
             </a:fontRef>
           </p:style>
         </p:cxnSp>
-        <mc:AlternateContent xmlns:mc="http://schemas.openxmlformats.org/markup-compatibility/2006">
-          <mc:Choice xmlns:a14="http://schemas.microsoft.com/office/drawing/2010/main" Requires="a14">
+        <mc:AlternateContent xmlns:mc="http://schemas.openxmlformats.org/markup-compatibility/2006" xmlns:a14="http://schemas.microsoft.com/office/drawing/2010/main">
+          <mc:Choice Requires="a14">
             <p:sp>
               <p:nvSpPr>
                 <p:cNvPr id="23" name="TextBox 22">
@@ -8219,6 +5649,7 @@
                 </a:bodyPr>
                 <a:lstStyle/>
                 <a:p>
+                  <a:pPr/>
                   <a14:m>
                     <m:oMathPara xmlns:m="http://schemas.openxmlformats.org/officeDocument/2006/math">
                       <m:oMathParaPr>
@@ -8270,7 +5701,7 @@
               </p:txBody>
             </p:sp>
           </mc:Choice>
-          <mc:Fallback>
+          <mc:Fallback xmlns="">
             <p:sp>
               <p:nvSpPr>
                 <p:cNvPr id="23" name="TextBox 22">
@@ -8315,8 +5746,8 @@
             </p:sp>
           </mc:Fallback>
         </mc:AlternateContent>
-        <mc:AlternateContent xmlns:mc="http://schemas.openxmlformats.org/markup-compatibility/2006">
-          <mc:Choice xmlns:a14="http://schemas.microsoft.com/office/drawing/2010/main" Requires="a14">
+        <mc:AlternateContent xmlns:mc="http://schemas.openxmlformats.org/markup-compatibility/2006" xmlns:a14="http://schemas.microsoft.com/office/drawing/2010/main">
+          <mc:Choice Requires="a14">
             <p:sp>
               <p:nvSpPr>
                 <p:cNvPr id="24" name="TextBox 23">
@@ -8345,6 +5776,7 @@
                 </a:bodyPr>
                 <a:lstStyle/>
                 <a:p>
+                  <a:pPr/>
                   <a14:m>
                     <m:oMathPara xmlns:m="http://schemas.openxmlformats.org/officeDocument/2006/math">
                       <m:oMathParaPr>
@@ -8396,7 +5828,7 @@
               </p:txBody>
             </p:sp>
           </mc:Choice>
-          <mc:Fallback>
+          <mc:Fallback xmlns="">
             <p:sp>
               <p:nvSpPr>
                 <p:cNvPr id="24" name="TextBox 23">
@@ -8441,8 +5873,8 @@
             </p:sp>
           </mc:Fallback>
         </mc:AlternateContent>
-        <mc:AlternateContent xmlns:mc="http://schemas.openxmlformats.org/markup-compatibility/2006">
-          <mc:Choice xmlns:a14="http://schemas.microsoft.com/office/drawing/2010/main" Requires="a14">
+        <mc:AlternateContent xmlns:mc="http://schemas.openxmlformats.org/markup-compatibility/2006" xmlns:a14="http://schemas.microsoft.com/office/drawing/2010/main">
+          <mc:Choice Requires="a14">
             <p:sp>
               <p:nvSpPr>
                 <p:cNvPr id="25" name="TextBox 24">
@@ -8471,6 +5903,7 @@
                 </a:bodyPr>
                 <a:lstStyle/>
                 <a:p>
+                  <a:pPr/>
                   <a14:m>
                     <m:oMathPara xmlns:m="http://schemas.openxmlformats.org/officeDocument/2006/math">
                       <m:oMathParaPr>
@@ -8503,7 +5936,7 @@
               </p:txBody>
             </p:sp>
           </mc:Choice>
-          <mc:Fallback>
+          <mc:Fallback xmlns="">
             <p:sp>
               <p:nvSpPr>
                 <p:cNvPr id="25" name="TextBox 24">
@@ -9337,7 +6770,7 @@
 </p:sld>
 </file>
 
-<file path=ppt/slides/slide13.xml><?xml version="1.0" encoding="utf-8"?>
+<file path=ppt/slides/slide12.xml><?xml version="1.0" encoding="utf-8"?>
 <p:sld xmlns:a="http://schemas.openxmlformats.org/drawingml/2006/main" xmlns:r="http://schemas.openxmlformats.org/officeDocument/2006/relationships" xmlns:p="http://schemas.openxmlformats.org/presentationml/2006/main">
   <p:cSld>
     <p:spTree>
@@ -12016,11 +9449,11 @@
   <p:clrMapOvr>
     <a:masterClrMapping/>
   </p:clrMapOvr>
-  <mc:AlternateContent xmlns:mc="http://schemas.openxmlformats.org/markup-compatibility/2006">
-    <mc:Choice xmlns:p14="http://schemas.microsoft.com/office/powerpoint/2010/main" Requires="p14">
+  <mc:AlternateContent xmlns:mc="http://schemas.openxmlformats.org/markup-compatibility/2006" xmlns:p14="http://schemas.microsoft.com/office/powerpoint/2010/main">
+    <mc:Choice Requires="p14">
       <p:transition p14:dur="10"/>
     </mc:Choice>
-    <mc:Fallback>
+    <mc:Fallback xmlns="">
       <p:transition/>
     </mc:Fallback>
   </mc:AlternateContent>
@@ -13500,8 +10933,8 @@
             </a:fontRef>
           </p:style>
         </p:cxnSp>
-        <mc:AlternateContent xmlns:mc="http://schemas.openxmlformats.org/markup-compatibility/2006">
-          <mc:Choice xmlns:a14="http://schemas.microsoft.com/office/drawing/2010/main" Requires="a14">
+        <mc:AlternateContent xmlns:mc="http://schemas.openxmlformats.org/markup-compatibility/2006" xmlns:a14="http://schemas.microsoft.com/office/drawing/2010/main">
+          <mc:Choice Requires="a14">
             <p:sp>
               <p:nvSpPr>
                 <p:cNvPr id="19" name="TextBox 18">
@@ -13530,6 +10963,7 @@
                 </a:bodyPr>
                 <a:lstStyle/>
                 <a:p>
+                  <a:pPr/>
                   <a14:m>
                     <m:oMathPara xmlns:m="http://schemas.openxmlformats.org/officeDocument/2006/math">
                       <m:oMathParaPr>
@@ -13593,7 +11027,7 @@
               </p:txBody>
             </p:sp>
           </mc:Choice>
-          <mc:Fallback>
+          <mc:Fallback xmlns="">
             <p:sp>
               <p:nvSpPr>
                 <p:cNvPr id="19" name="TextBox 18">
@@ -13638,8 +11072,8 @@
             </p:sp>
           </mc:Fallback>
         </mc:AlternateContent>
-        <mc:AlternateContent xmlns:mc="http://schemas.openxmlformats.org/markup-compatibility/2006">
-          <mc:Choice xmlns:a14="http://schemas.microsoft.com/office/drawing/2010/main" Requires="a14">
+        <mc:AlternateContent xmlns:mc="http://schemas.openxmlformats.org/markup-compatibility/2006" xmlns:a14="http://schemas.microsoft.com/office/drawing/2010/main">
+          <mc:Choice Requires="a14">
             <p:sp>
               <p:nvSpPr>
                 <p:cNvPr id="20" name="TextBox 19">
@@ -13668,6 +11102,7 @@
                 </a:bodyPr>
                 <a:lstStyle/>
                 <a:p>
+                  <a:pPr/>
                   <a14:m>
                     <m:oMathPara xmlns:m="http://schemas.openxmlformats.org/officeDocument/2006/math">
                       <m:oMathParaPr>
@@ -13731,7 +11166,7 @@
               </p:txBody>
             </p:sp>
           </mc:Choice>
-          <mc:Fallback>
+          <mc:Fallback xmlns="">
             <p:sp>
               <p:nvSpPr>
                 <p:cNvPr id="20" name="TextBox 19">
@@ -13925,8 +11360,8 @@
           <a:chExt cx="0" cy="0"/>
         </a:xfrm>
       </p:grpSpPr>
-      <mc:AlternateContent xmlns:mc="http://schemas.openxmlformats.org/markup-compatibility/2006">
-        <mc:Choice xmlns:a14="http://schemas.microsoft.com/office/drawing/2010/main" Requires="a14">
+      <mc:AlternateContent xmlns:mc="http://schemas.openxmlformats.org/markup-compatibility/2006" xmlns:a14="http://schemas.microsoft.com/office/drawing/2010/main">
+        <mc:Choice Requires="a14">
           <p:sp>
             <p:nvSpPr>
               <p:cNvPr id="4" name="TextBox 3">
@@ -16041,7 +13476,7 @@
             </p:txBody>
           </p:sp>
         </mc:Choice>
-        <mc:Fallback>
+        <mc:Fallback xmlns="">
           <p:sp>
             <p:nvSpPr>
               <p:cNvPr id="4" name="TextBox 3">
@@ -16546,8 +13981,8 @@
           </a:fontRef>
         </p:style>
       </p:cxnSp>
-      <mc:AlternateContent xmlns:mc="http://schemas.openxmlformats.org/markup-compatibility/2006">
-        <mc:Choice xmlns:a14="http://schemas.microsoft.com/office/drawing/2010/main" Requires="a14">
+      <mc:AlternateContent xmlns:mc="http://schemas.openxmlformats.org/markup-compatibility/2006" xmlns:a14="http://schemas.microsoft.com/office/drawing/2010/main">
+        <mc:Choice Requires="a14">
           <p:sp>
             <p:nvSpPr>
               <p:cNvPr id="19" name="TextBox 18">
@@ -16576,6 +14011,7 @@
               </a:bodyPr>
               <a:lstStyle/>
               <a:p>
+                <a:pPr/>
                 <a14:m>
                   <m:oMathPara xmlns:m="http://schemas.openxmlformats.org/officeDocument/2006/math">
                     <m:oMathParaPr>
@@ -16658,7 +14094,7 @@
             </p:txBody>
           </p:sp>
         </mc:Choice>
-        <mc:Fallback>
+        <mc:Fallback xmlns="">
           <p:sp>
             <p:nvSpPr>
               <p:cNvPr id="19" name="TextBox 18">
@@ -16744,8 +14180,8 @@
           </a:fontRef>
         </p:style>
       </p:cxnSp>
-      <mc:AlternateContent xmlns:mc="http://schemas.openxmlformats.org/markup-compatibility/2006">
-        <mc:Choice xmlns:a14="http://schemas.microsoft.com/office/drawing/2010/main" Requires="a14">
+      <mc:AlternateContent xmlns:mc="http://schemas.openxmlformats.org/markup-compatibility/2006" xmlns:a14="http://schemas.microsoft.com/office/drawing/2010/main">
+        <mc:Choice Requires="a14">
           <p:sp>
             <p:nvSpPr>
               <p:cNvPr id="23" name="TextBox 22">
@@ -16774,6 +14210,7 @@
               </a:bodyPr>
               <a:lstStyle/>
               <a:p>
+                <a:pPr/>
                 <a14:m>
                   <m:oMathPara xmlns:m="http://schemas.openxmlformats.org/officeDocument/2006/math">
                     <m:oMathParaPr>
@@ -16870,7 +14307,7 @@
             </p:txBody>
           </p:sp>
         </mc:Choice>
-        <mc:Fallback>
+        <mc:Fallback xmlns="">
           <p:sp>
             <p:nvSpPr>
               <p:cNvPr id="23" name="TextBox 22">
@@ -17111,8 +14548,8 @@
           </a:prstGeom>
         </p:spPr>
       </p:pic>
-      <mc:AlternateContent xmlns:mc="http://schemas.openxmlformats.org/markup-compatibility/2006">
-        <mc:Choice xmlns:a14="http://schemas.microsoft.com/office/drawing/2010/main" Requires="a14">
+      <mc:AlternateContent xmlns:mc="http://schemas.openxmlformats.org/markup-compatibility/2006" xmlns:a14="http://schemas.microsoft.com/office/drawing/2010/main">
+        <mc:Choice Requires="a14">
           <p:sp>
             <p:nvSpPr>
               <p:cNvPr id="7" name="TextBox 6">
@@ -17368,7 +14805,7 @@
             </p:txBody>
           </p:sp>
         </mc:Choice>
-        <mc:Fallback>
+        <mc:Fallback xmlns="">
           <p:sp>
             <p:nvSpPr>
               <p:cNvPr id="7" name="TextBox 6">
@@ -17751,8 +15188,8 @@
           </a:fontRef>
         </p:style>
       </p:cxnSp>
-      <mc:AlternateContent xmlns:mc="http://schemas.openxmlformats.org/markup-compatibility/2006">
-        <mc:Choice xmlns:a14="http://schemas.microsoft.com/office/drawing/2010/main" Requires="a14">
+      <mc:AlternateContent xmlns:mc="http://schemas.openxmlformats.org/markup-compatibility/2006" xmlns:a14="http://schemas.microsoft.com/office/drawing/2010/main">
+        <mc:Choice Requires="a14">
           <p:sp>
             <p:nvSpPr>
               <p:cNvPr id="23" name="TextBox 22">
@@ -17781,6 +15218,7 @@
               </a:bodyPr>
               <a:lstStyle/>
               <a:p>
+                <a:pPr/>
                 <a14:m>
                   <m:oMathPara xmlns:m="http://schemas.openxmlformats.org/officeDocument/2006/math">
                     <m:oMathParaPr>
@@ -17820,7 +15258,7 @@
             </p:txBody>
           </p:sp>
         </mc:Choice>
-        <mc:Fallback>
+        <mc:Fallback xmlns="">
           <p:sp>
             <p:nvSpPr>
               <p:cNvPr id="23" name="TextBox 22">
@@ -17865,8 +15303,8 @@
           </p:sp>
         </mc:Fallback>
       </mc:AlternateContent>
-      <mc:AlternateContent xmlns:mc="http://schemas.openxmlformats.org/markup-compatibility/2006">
-        <mc:Choice xmlns:a14="http://schemas.microsoft.com/office/drawing/2010/main" Requires="a14">
+      <mc:AlternateContent xmlns:mc="http://schemas.openxmlformats.org/markup-compatibility/2006" xmlns:a14="http://schemas.microsoft.com/office/drawing/2010/main">
+        <mc:Choice Requires="a14">
           <p:sp>
             <p:nvSpPr>
               <p:cNvPr id="24" name="TextBox 23">
@@ -17895,6 +15333,7 @@
               </a:bodyPr>
               <a:lstStyle/>
               <a:p>
+                <a:pPr/>
                 <a14:m>
                   <m:oMathPara xmlns:m="http://schemas.openxmlformats.org/officeDocument/2006/math">
                     <m:oMathParaPr>
@@ -17934,7 +15373,7 @@
             </p:txBody>
           </p:sp>
         </mc:Choice>
-        <mc:Fallback>
+        <mc:Fallback xmlns="">
           <p:sp>
             <p:nvSpPr>
               <p:cNvPr id="24" name="TextBox 23">
@@ -17979,8 +15418,8 @@
           </p:sp>
         </mc:Fallback>
       </mc:AlternateContent>
-      <mc:AlternateContent xmlns:mc="http://schemas.openxmlformats.org/markup-compatibility/2006">
-        <mc:Choice xmlns:a14="http://schemas.microsoft.com/office/drawing/2010/main" Requires="a14">
+      <mc:AlternateContent xmlns:mc="http://schemas.openxmlformats.org/markup-compatibility/2006" xmlns:a14="http://schemas.microsoft.com/office/drawing/2010/main">
+        <mc:Choice Requires="a14">
           <p:sp>
             <p:nvSpPr>
               <p:cNvPr id="25" name="TextBox 24">
@@ -18009,6 +15448,7 @@
               </a:bodyPr>
               <a:lstStyle/>
               <a:p>
+                <a:pPr/>
                 <a14:m>
                   <m:oMathPara xmlns:m="http://schemas.openxmlformats.org/officeDocument/2006/math">
                     <m:oMathParaPr>
@@ -18060,7 +15500,7 @@
             </p:txBody>
           </p:sp>
         </mc:Choice>
-        <mc:Fallback>
+        <mc:Fallback xmlns="">
           <p:sp>
             <p:nvSpPr>
               <p:cNvPr id="25" name="TextBox 24">
@@ -18105,8 +15545,8 @@
           </p:sp>
         </mc:Fallback>
       </mc:AlternateContent>
-      <mc:AlternateContent xmlns:mc="http://schemas.openxmlformats.org/markup-compatibility/2006">
-        <mc:Choice xmlns:a14="http://schemas.microsoft.com/office/drawing/2010/main" Requires="a14">
+      <mc:AlternateContent xmlns:mc="http://schemas.openxmlformats.org/markup-compatibility/2006" xmlns:a14="http://schemas.microsoft.com/office/drawing/2010/main">
+        <mc:Choice Requires="a14">
           <p:sp>
             <p:nvSpPr>
               <p:cNvPr id="26" name="TextBox 25">
@@ -18135,6 +15575,7 @@
               </a:bodyPr>
               <a:lstStyle/>
               <a:p>
+                <a:pPr/>
                 <a14:m>
                   <m:oMathPara xmlns:m="http://schemas.openxmlformats.org/officeDocument/2006/math">
                     <m:oMathParaPr>
@@ -18186,7 +15627,7 @@
             </p:txBody>
           </p:sp>
         </mc:Choice>
-        <mc:Fallback>
+        <mc:Fallback xmlns="">
           <p:sp>
             <p:nvSpPr>
               <p:cNvPr id="26" name="TextBox 25">

--- a/Jieyu You.pptx
+++ b/Jieyu You.pptx
@@ -892,6 +892,90 @@
 </file>
 
 <file path=ppt/notesSlides/notesSlide2.xml><?xml version="1.0" encoding="utf-8"?>
+<p:notes xmlns:a="http://schemas.openxmlformats.org/drawingml/2006/main" xmlns:r="http://schemas.openxmlformats.org/officeDocument/2006/relationships" xmlns:p="http://schemas.openxmlformats.org/presentationml/2006/main">
+  <p:cSld>
+    <p:spTree>
+      <p:nvGrpSpPr>
+        <p:cNvPr id="1" name=""/>
+        <p:cNvGrpSpPr/>
+        <p:nvPr/>
+      </p:nvGrpSpPr>
+      <p:grpSpPr>
+        <a:xfrm>
+          <a:off x="0" y="0"/>
+          <a:ext cx="0" cy="0"/>
+          <a:chOff x="0" y="0"/>
+          <a:chExt cx="0" cy="0"/>
+        </a:xfrm>
+      </p:grpSpPr>
+      <p:sp>
+        <p:nvSpPr>
+          <p:cNvPr id="2" name="Slide Image Placeholder 1"/>
+          <p:cNvSpPr>
+            <a:spLocks noGrp="1" noRot="1" noChangeAspect="1"/>
+          </p:cNvSpPr>
+          <p:nvPr>
+            <p:ph type="sldImg"/>
+          </p:nvPr>
+        </p:nvSpPr>
+        <p:spPr/>
+      </p:sp>
+      <p:sp>
+        <p:nvSpPr>
+          <p:cNvPr id="3" name="Notes Placeholder 2"/>
+          <p:cNvSpPr>
+            <a:spLocks noGrp="1"/>
+          </p:cNvSpPr>
+          <p:nvPr>
+            <p:ph type="body" idx="1"/>
+          </p:nvPr>
+        </p:nvSpPr>
+        <p:spPr/>
+        <p:txBody>
+          <a:bodyPr/>
+          <a:lstStyle/>
+          <a:p>
+            <a:endParaRPr lang="en-US" dirty="0"/>
+          </a:p>
+        </p:txBody>
+      </p:sp>
+      <p:sp>
+        <p:nvSpPr>
+          <p:cNvPr id="4" name="Slide Number Placeholder 3"/>
+          <p:cNvSpPr>
+            <a:spLocks noGrp="1"/>
+          </p:cNvSpPr>
+          <p:nvPr>
+            <p:ph type="sldNum" sz="quarter" idx="5"/>
+          </p:nvPr>
+        </p:nvSpPr>
+        <p:spPr/>
+        <p:txBody>
+          <a:bodyPr/>
+          <a:lstStyle/>
+          <a:p>
+            <a:fld id="{C2C3EAB0-8B79-42D2-B7E8-68780DC20FFF}" type="slidenum">
+              <a:rPr lang="en-US" smtClean="0"/>
+              <a:t>5</a:t>
+            </a:fld>
+            <a:endParaRPr lang="en-US"/>
+          </a:p>
+        </p:txBody>
+      </p:sp>
+    </p:spTree>
+    <p:extLst>
+      <p:ext uri="{BB962C8B-B14F-4D97-AF65-F5344CB8AC3E}">
+        <p14:creationId xmlns:p14="http://schemas.microsoft.com/office/powerpoint/2010/main" val="2135755101"/>
+      </p:ext>
+    </p:extLst>
+  </p:cSld>
+  <p:clrMapOvr>
+    <a:masterClrMapping/>
+  </p:clrMapOvr>
+</p:notes>
+</file>
+
+<file path=ppt/notesSlides/notesSlide3.xml><?xml version="1.0" encoding="utf-8"?>
 <p:notes xmlns:a="http://schemas.openxmlformats.org/drawingml/2006/main" xmlns:r="http://schemas.openxmlformats.org/officeDocument/2006/relationships" xmlns:p="http://schemas.openxmlformats.org/presentationml/2006/main">
   <p:cSld>
     <p:spTree>
@@ -7208,30 +7292,6 @@
           </a:p>
         </p:txBody>
       </p:sp>
-      <p:pic>
-        <p:nvPicPr>
-          <p:cNvPr id="15" name="Picture 14"/>
-          <p:cNvPicPr>
-            <a:picLocks noChangeAspect="1"/>
-          </p:cNvPicPr>
-          <p:nvPr/>
-        </p:nvPicPr>
-        <p:blipFill>
-          <a:blip r:embed="rId3"/>
-          <a:stretch>
-            <a:fillRect/>
-          </a:stretch>
-        </p:blipFill>
-        <p:spPr>
-          <a:xfrm>
-            <a:off x="1702423" y="1550628"/>
-            <a:ext cx="4574347" cy="2287173"/>
-          </a:xfrm>
-          <a:prstGeom prst="rect">
-            <a:avLst/>
-          </a:prstGeom>
-        </p:spPr>
-      </p:pic>
       <p:sp>
         <p:nvSpPr>
           <p:cNvPr id="3" name="Title 2"/>
@@ -7277,14 +7337,14 @@
           <p:nvPr/>
         </p:nvPicPr>
         <p:blipFill>
-          <a:blip r:embed="rId4"/>
+          <a:blip r:embed="rId3"/>
           <a:stretch>
             <a:fillRect/>
           </a:stretch>
         </p:blipFill>
         <p:spPr>
           <a:xfrm>
-            <a:off x="2606224" y="3909929"/>
+            <a:off x="4022008" y="3859483"/>
             <a:ext cx="6480365" cy="576154"/>
           </a:xfrm>
           <a:prstGeom prst="rect">
@@ -7301,14 +7361,14 @@
           <p:nvPr/>
         </p:nvPicPr>
         <p:blipFill>
-          <a:blip r:embed="rId5"/>
+          <a:blip r:embed="rId4"/>
           <a:stretch>
             <a:fillRect/>
           </a:stretch>
         </p:blipFill>
         <p:spPr>
           <a:xfrm>
-            <a:off x="2528509" y="5102051"/>
+            <a:off x="3944293" y="5051605"/>
             <a:ext cx="6397950" cy="545691"/>
           </a:xfrm>
           <a:prstGeom prst="rect">
@@ -7316,8 +7376,8 @@
           </a:prstGeom>
         </p:spPr>
       </p:pic>
-      <mc:AlternateContent xmlns:mc="http://schemas.openxmlformats.org/markup-compatibility/2006" xmlns:a14="http://schemas.microsoft.com/office/drawing/2010/main">
-        <mc:Choice Requires="a14">
+      <mc:AlternateContent xmlns:mc="http://schemas.openxmlformats.org/markup-compatibility/2006">
+        <mc:Choice xmlns:a14="http://schemas.microsoft.com/office/drawing/2010/main" Requires="a14">
           <p:sp>
             <p:nvSpPr>
               <p:cNvPr id="21" name="TextBox 20"/>
@@ -7326,7 +7386,7 @@
             </p:nvSpPr>
             <p:spPr>
               <a:xfrm>
-                <a:off x="5552746" y="4588962"/>
+                <a:off x="6968530" y="4538516"/>
                 <a:ext cx="5012462" cy="380810"/>
               </a:xfrm>
               <a:prstGeom prst="rect">
@@ -7496,7 +7556,7 @@
             </p:txBody>
           </p:sp>
         </mc:Choice>
-        <mc:Fallback xmlns="">
+        <mc:Fallback>
           <p:sp>
             <p:nvSpPr>
               <p:cNvPr id="21" name="TextBox 20"/>
@@ -7507,16 +7567,16 @@
             </p:nvSpPr>
             <p:spPr>
               <a:xfrm>
-                <a:off x="5552746" y="4588962"/>
+                <a:off x="6968530" y="4538516"/>
                 <a:ext cx="5012462" cy="380810"/>
               </a:xfrm>
               <a:prstGeom prst="rect">
                 <a:avLst/>
               </a:prstGeom>
               <a:blipFill>
-                <a:blip r:embed="rId6"/>
+                <a:blip r:embed="rId5"/>
                 <a:stretch>
-                  <a:fillRect l="-1095" t="-6452" b="-25806"/>
+                  <a:fillRect l="-973" t="-6452" b="-25806"/>
                 </a:stretch>
               </a:blipFill>
             </p:spPr>
@@ -7535,8 +7595,8 @@
           </p:sp>
         </mc:Fallback>
       </mc:AlternateContent>
-      <mc:AlternateContent xmlns:mc="http://schemas.openxmlformats.org/markup-compatibility/2006" xmlns:a14="http://schemas.microsoft.com/office/drawing/2010/main">
-        <mc:Choice Requires="a14">
+      <mc:AlternateContent xmlns:mc="http://schemas.openxmlformats.org/markup-compatibility/2006">
+        <mc:Choice xmlns:a14="http://schemas.microsoft.com/office/drawing/2010/main" Requires="a14">
           <p:sp>
             <p:nvSpPr>
               <p:cNvPr id="26" name="TextBox 25"/>
@@ -7545,7 +7605,7 @@
             </p:nvSpPr>
             <p:spPr>
               <a:xfrm>
-                <a:off x="5608563" y="5698872"/>
+                <a:off x="7024347" y="5648426"/>
                 <a:ext cx="3317896" cy="369332"/>
               </a:xfrm>
               <a:prstGeom prst="rect">
@@ -7659,7 +7719,7 @@
             </p:txBody>
           </p:sp>
         </mc:Choice>
-        <mc:Fallback xmlns="">
+        <mc:Fallback>
           <p:sp>
             <p:nvSpPr>
               <p:cNvPr id="26" name="TextBox 25"/>
@@ -7670,16 +7730,16 @@
             </p:nvSpPr>
             <p:spPr>
               <a:xfrm>
-                <a:off x="5608563" y="5698872"/>
+                <a:off x="7024347" y="5648426"/>
                 <a:ext cx="3317896" cy="369332"/>
               </a:xfrm>
               <a:prstGeom prst="rect">
                 <a:avLst/>
               </a:prstGeom>
               <a:blipFill>
-                <a:blip r:embed="rId7"/>
+                <a:blip r:embed="rId6"/>
                 <a:stretch>
-                  <a:fillRect l="-1471" t="-10000" b="-26667"/>
+                  <a:fillRect l="-1468" t="-10000" b="-26667"/>
                 </a:stretch>
               </a:blipFill>
             </p:spPr>
@@ -7706,7 +7766,7 @@
         </p:nvSpPr>
         <p:spPr>
           <a:xfrm>
-            <a:off x="5095546" y="4486084"/>
+            <a:off x="6511330" y="4435638"/>
             <a:ext cx="457200" cy="615967"/>
           </a:xfrm>
           <a:prstGeom prst="downArrow">
@@ -7751,7 +7811,7 @@
         </p:nvSpPr>
         <p:spPr>
           <a:xfrm>
-            <a:off x="5095546" y="5631048"/>
+            <a:off x="6511330" y="5580602"/>
             <a:ext cx="457200" cy="632661"/>
           </a:xfrm>
           <a:prstGeom prst="downArrow">
@@ -7797,14 +7857,14 @@
           <p:nvPr/>
         </p:nvPicPr>
         <p:blipFill>
-          <a:blip r:embed="rId8"/>
+          <a:blip r:embed="rId7"/>
           <a:stretch>
             <a:fillRect/>
           </a:stretch>
         </p:blipFill>
         <p:spPr>
           <a:xfrm>
-            <a:off x="4089037" y="6309531"/>
+            <a:off x="5504821" y="6259085"/>
             <a:ext cx="2470218" cy="457448"/>
           </a:xfrm>
           <a:prstGeom prst="rect">
@@ -7827,14 +7887,14 @@
           <p:nvPr/>
         </p:nvPicPr>
         <p:blipFill>
-          <a:blip r:embed="rId9"/>
+          <a:blip r:embed="rId8"/>
           <a:stretch>
             <a:fillRect/>
           </a:stretch>
         </p:blipFill>
         <p:spPr>
           <a:xfrm>
-            <a:off x="6625131" y="1904635"/>
+            <a:off x="3755842" y="1976686"/>
             <a:ext cx="2867692" cy="1239924"/>
           </a:xfrm>
           <a:prstGeom prst="rect">
@@ -7857,19 +7917,66 @@
           <p:nvPr/>
         </p:nvPicPr>
         <p:blipFill>
-          <a:blip r:embed="rId10"/>
+          <a:blip r:embed="rId9"/>
           <a:stretch>
             <a:fillRect/>
           </a:stretch>
         </p:blipFill>
         <p:spPr>
           <a:xfrm>
-            <a:off x="9433140" y="1796814"/>
+            <a:off x="7534188" y="1611661"/>
             <a:ext cx="2566783" cy="2059764"/>
           </a:xfrm>
           <a:prstGeom prst="rect">
             <a:avLst/>
           </a:prstGeom>
+        </p:spPr>
+      </p:pic>
+      <p:pic>
+        <p:nvPicPr>
+          <p:cNvPr id="1026" name="Picture 2" descr="https://upload.wikimedia.org/wikipedia/commons/thumb/2/2d/SPDC_figure.png/350px-SPDC_figure.png">
+            <a:extLst>
+              <a:ext uri="{FF2B5EF4-FFF2-40B4-BE49-F238E27FC236}">
+                <a16:creationId xmlns:a16="http://schemas.microsoft.com/office/drawing/2014/main" id="{1AB77A27-2CB5-420F-99E3-352F1B46556F}"/>
+              </a:ext>
+            </a:extLst>
+          </p:cNvPr>
+          <p:cNvPicPr>
+            <a:picLocks noChangeAspect="1" noChangeArrowheads="1"/>
+          </p:cNvPicPr>
+          <p:nvPr/>
+        </p:nvPicPr>
+        <p:blipFill>
+          <a:blip r:embed="rId10">
+            <a:extLst>
+              <a:ext uri="{28A0092B-C50C-407E-A947-70E740481C1C}">
+                <a14:useLocalDpi xmlns:a14="http://schemas.microsoft.com/office/drawing/2010/main" val="0"/>
+              </a:ext>
+            </a:extLst>
+          </a:blip>
+          <a:srcRect/>
+          <a:stretch>
+            <a:fillRect/>
+          </a:stretch>
+        </p:blipFill>
+        <p:spPr bwMode="auto">
+          <a:xfrm>
+            <a:off x="196196" y="2149308"/>
+            <a:ext cx="3312511" cy="4268407"/>
+          </a:xfrm>
+          <a:prstGeom prst="rect">
+            <a:avLst/>
+          </a:prstGeom>
+          <a:noFill/>
+          <a:extLst>
+            <a:ext uri="{909E8E84-426E-40DD-AFC4-6F175D3DCCD1}">
+              <a14:hiddenFill xmlns:a14="http://schemas.microsoft.com/office/drawing/2010/main">
+                <a:solidFill>
+                  <a:srgbClr val="FFFFFF"/>
+                </a:solidFill>
+              </a14:hiddenFill>
+            </a:ext>
+          </a:extLst>
         </p:spPr>
       </p:pic>
     </p:spTree>
@@ -9643,7 +9750,7 @@
           <p:nvPr/>
         </p:nvPicPr>
         <p:blipFill>
-          <a:blip r:embed="rId2"/>
+          <a:blip r:embed="rId3"/>
           <a:stretch>
             <a:fillRect/>
           </a:stretch>
@@ -9667,7 +9774,7 @@
           <p:nvPr/>
         </p:nvPicPr>
         <p:blipFill>
-          <a:blip r:embed="rId3"/>
+          <a:blip r:embed="rId4"/>
           <a:stretch>
             <a:fillRect/>
           </a:stretch>
@@ -9691,7 +9798,7 @@
           <p:nvPr/>
         </p:nvPicPr>
         <p:blipFill>
-          <a:blip r:embed="rId4"/>
+          <a:blip r:embed="rId5"/>
           <a:stretch>
             <a:fillRect/>
           </a:stretch>
@@ -9715,7 +9822,7 @@
           <p:nvPr/>
         </p:nvPicPr>
         <p:blipFill>
-          <a:blip r:embed="rId5"/>
+          <a:blip r:embed="rId6"/>
           <a:stretch>
             <a:fillRect/>
           </a:stretch>
@@ -10077,7 +10184,7 @@
                 <a:avLst/>
               </a:prstGeom>
               <a:blipFill>
-                <a:blip r:embed="rId6"/>
+                <a:blip r:embed="rId7"/>
                 <a:stretch>
                   <a:fillRect r="-1546" b="-4701"/>
                 </a:stretch>

--- a/Jieyu You.pptx
+++ b/Jieyu You.pptx
@@ -5,10 +5,10 @@
     <p:sldMasterId id="2147483648" r:id="rId1"/>
   </p:sldMasterIdLst>
   <p:notesMasterIdLst>
-    <p:notesMasterId r:id="rId14"/>
+    <p:notesMasterId r:id="rId13"/>
   </p:notesMasterIdLst>
   <p:handoutMasterIdLst>
-    <p:handoutMasterId r:id="rId15"/>
+    <p:handoutMasterId r:id="rId14"/>
   </p:handoutMasterIdLst>
   <p:sldIdLst>
     <p:sldId id="256" r:id="rId2"/>
@@ -17,12 +17,11 @@
     <p:sldId id="265" r:id="rId5"/>
     <p:sldId id="269" r:id="rId6"/>
     <p:sldId id="258" r:id="rId7"/>
-    <p:sldId id="272" r:id="rId8"/>
-    <p:sldId id="275" r:id="rId9"/>
-    <p:sldId id="274" r:id="rId10"/>
-    <p:sldId id="273" r:id="rId11"/>
-    <p:sldId id="276" r:id="rId12"/>
-    <p:sldId id="277" r:id="rId13"/>
+    <p:sldId id="275" r:id="rId8"/>
+    <p:sldId id="274" r:id="rId9"/>
+    <p:sldId id="273" r:id="rId10"/>
+    <p:sldId id="276" r:id="rId11"/>
+    <p:sldId id="277" r:id="rId12"/>
   </p:sldIdLst>
   <p:sldSz cx="12192000" cy="6858000"/>
   <p:notesSz cx="6858000" cy="9144000"/>
@@ -150,59 +149,6 @@
 
 <file path=ppt/comments/comment1.xml><?xml version="1.0" encoding="utf-8"?>
 <p:cmLst xmlns:a="http://schemas.openxmlformats.org/drawingml/2006/main" xmlns:r="http://schemas.openxmlformats.org/officeDocument/2006/relationships" xmlns:p="http://schemas.openxmlformats.org/presentationml/2006/main">
-  <p:cm authorId="1" dt="2017-09-21T13:17:11.493" idx="10">
-    <p:pos x="10" y="10"/>
-    <p:text>Firstly, what is the squeezed vacuum? The squeezed vacuum can be generated by a parametrically driven nonlinear medium. The nonlinear crystal is used to split photon beams into phase matched photon pairs. Phase matching means both energy and momentum are conserved, and this process is called spontaneous parametric down-conversion, SPDC for short. In this process, the Hamiltonian in Rotating wave approximation is composed of the free Hamiltonian and their interaction Hamiltonian. Since it is nonlinear medium, the interaction part is the product of abc. Here chi2 is the second order electric susceptibility. when the pump field is very strong, it can be regarded as a classical field, so operator c-hat can be replaced by a complex number. In the interaction picture, since the energy is conserved, this Hamiltonian can be simplified further.</p:text>
-    <p:extLst mod="1">
-      <p:ext uri="{C676402C-5697-4E1C-873F-D02D1690AC5C}">
-        <p15:threadingInfo xmlns:p15="http://schemas.microsoft.com/office/powerpoint/2012/main" timeZoneBias="240"/>
-      </p:ext>
-    </p:extLst>
-  </p:cm>
-</p:cmLst>
-</file>
-
-<file path=ppt/comments/comment2.xml><?xml version="1.0" encoding="utf-8"?>
-<p:cmLst xmlns:a="http://schemas.openxmlformats.org/drawingml/2006/main" xmlns:r="http://schemas.openxmlformats.org/officeDocument/2006/relationships" xmlns:p="http://schemas.openxmlformats.org/presentationml/2006/main">
-  <p:cm authorId="1" dt="2017-09-20T16:24:41.274" idx="3">
-    <p:pos x="10" y="10"/>
-    <p:text>Obviously the associated evolution operator is S2, which is the well-known two-mode squeeze operator. Hitting this generator on ordinary vacuum, we have the squeezed vacuum. Expanding the exponential generator, we can find that the squeezed vacuum is photon-number entangled, and here is the joint distrubition of photon number in two modes. The most interesting feature of the squeezed vacuum is that the noise can be reduced below vacuum level. We define quadrature operators x1= and x2=, they satisfy the comm relation, and we can see that the variance of x1 is even smaller than that of vacuum, which is 1/2. (read conclusions)</p:text>
-    <p:extLst mod="1">
-      <p:ext uri="{C676402C-5697-4E1C-873F-D02D1690AC5C}">
-        <p15:threadingInfo xmlns:p15="http://schemas.microsoft.com/office/powerpoint/2012/main" timeZoneBias="240"/>
-      </p:ext>
-    </p:extLst>
-  </p:cm>
-</p:cmLst>
-</file>
-
-<file path=ppt/comments/comment3.xml><?xml version="1.0" encoding="utf-8"?>
-<p:cmLst xmlns:a="http://schemas.openxmlformats.org/drawingml/2006/main" xmlns:r="http://schemas.openxmlformats.org/officeDocument/2006/relationships" xmlns:p="http://schemas.openxmlformats.org/presentationml/2006/main">
-  <p:cm authorId="1" dt="2017-09-20T18:56:22.645" idx="4">
-    <p:pos x="10" y="10"/>
-    <p:text>Next let's talk about the dynamics of a single atom in the squeezed vacuum. In our famous textbook Quantum Optics, it is shown that the dephasing is enhanced in x direction while suppressed in y direction. The calculation is rather straightforward, we have the interaction  Hamiltonian, then we plug it into the reservoir theory. Thus we can get the master equation. From the master equation, we have the dephasing dynamics.</p:text>
-    <p:extLst mod="1">
-      <p:ext uri="{C676402C-5697-4E1C-873F-D02D1690AC5C}">
-        <p15:threadingInfo xmlns:p15="http://schemas.microsoft.com/office/powerpoint/2012/main" timeZoneBias="240"/>
-      </p:ext>
-    </p:extLst>
-  </p:cm>
-  <p:cm authorId="1" dt="2017-09-21T14:34:47.261" idx="12">
-    <p:pos x="10" y="106"/>
-    <p:text/>
-    <p:extLst>
-      <p:ext uri="{C676402C-5697-4E1C-873F-D02D1690AC5C}">
-        <p15:threadingInfo xmlns:p15="http://schemas.microsoft.com/office/powerpoint/2012/main" timeZoneBias="240">
-          <p15:parentCm authorId="1" idx="4"/>
-        </p15:threadingInfo>
-      </p:ext>
-    </p:extLst>
-  </p:cm>
-</p:cmLst>
-</file>
-
-<file path=ppt/comments/comment4.xml><?xml version="1.0" encoding="utf-8"?>
-<p:cmLst xmlns:a="http://schemas.openxmlformats.org/drawingml/2006/main" xmlns:r="http://schemas.openxmlformats.org/officeDocument/2006/relationships" xmlns:p="http://schemas.openxmlformats.org/presentationml/2006/main">
   <p:cm authorId="1" dt="2017-09-20T18:56:22.645" idx="4">
     <p:pos x="10" y="10"/>
     <p:text>The above feature has been experimentally proved by people from Berkeley. The broad-band squeezed vacuum is generated by a Josephson parametric amplifier. The superconducting artificial atom is resonantly coupled to the TE101 mode of a 3D superconducting cavity. In their experiments, the dephasing is suppressed in x direction and enhanced in y direction.</p:text>
@@ -230,31 +176,6 @@
       <p:ext uri="{C676402C-5697-4E1C-873F-D02D1690AC5C}">
         <p15:threadingInfo xmlns:p15="http://schemas.microsoft.com/office/powerpoint/2012/main" timeZoneBias="300">
           <p15:parentCm authorId="1" idx="4"/>
-        </p15:threadingInfo>
-      </p:ext>
-    </p:extLst>
-  </p:cm>
-</p:cmLst>
-</file>
-
-<file path=ppt/comments/comment5.xml><?xml version="1.0" encoding="utf-8"?>
-<p:cmLst xmlns:a="http://schemas.openxmlformats.org/drawingml/2006/main" xmlns:r="http://schemas.openxmlformats.org/officeDocument/2006/relationships" xmlns:p="http://schemas.openxmlformats.org/presentationml/2006/main">
-  <p:cm authorId="1" dt="2017-09-21T16:22:27.095" idx="15">
-    <p:pos x="10" y="10"/>
-    <p:text>Firstly we need to consider what modes the atoms can be couple to. Rectangular waveguide allows TE and TM modes. They both satisfy the same dispersion relation. To simplify our problem to the max, we make the atom's transition frequency below the cutoff frequency of TE11 and TM11 mode, so now the atom is only coupled to the TE10 and TE01 mode. Noting that TE10 mode's electric field is in y direction and TE01 mode's E is in x direction we can further simplify our problem by putting the dipole along y direction so (read conclusions).</p:text>
-    <p:extLst>
-      <p:ext uri="{C676402C-5697-4E1C-873F-D02D1690AC5C}">
-        <p15:threadingInfo xmlns:p15="http://schemas.microsoft.com/office/powerpoint/2012/main" timeZoneBias="240"/>
-      </p:ext>
-    </p:extLst>
-  </p:cm>
-  <p:cm authorId="1" dt="2017-09-21T16:23:20.130" idx="17">
-    <p:pos x="10" y="106"/>
-    <p:text/>
-    <p:extLst>
-      <p:ext uri="{C676402C-5697-4E1C-873F-D02D1690AC5C}">
-        <p15:threadingInfo xmlns:p15="http://schemas.microsoft.com/office/powerpoint/2012/main" timeZoneBias="240">
-          <p15:parentCm authorId="1" idx="15"/>
         </p15:threadingInfo>
       </p:ext>
     </p:extLst>
@@ -1040,7 +961,7 @@
           <a:p>
             <a:fld id="{C2C3EAB0-8B79-42D2-B7E8-68780DC20FFF}" type="slidenum">
               <a:rPr lang="en-US" smtClean="0"/>
-              <a:t>11</a:t>
+              <a:t>10</a:t>
             </a:fld>
             <a:endParaRPr lang="en-US"/>
           </a:p>
@@ -4357,1116 +4278,10 @@
       </p:grpSpPr>
       <p:pic>
         <p:nvPicPr>
-          <p:cNvPr id="4" name="Picture 3">
+          <p:cNvPr id="2" name="Picture 1">
             <a:extLst>
               <a:ext uri="{FF2B5EF4-FFF2-40B4-BE49-F238E27FC236}">
-                <a16:creationId xmlns:a16="http://schemas.microsoft.com/office/drawing/2014/main" id="{6CE99690-6F42-448A-BFDA-E0DF4FB4FDA1}"/>
-              </a:ext>
-            </a:extLst>
-          </p:cNvPr>
-          <p:cNvPicPr>
-            <a:picLocks noChangeAspect="1"/>
-          </p:cNvPicPr>
-          <p:nvPr/>
-        </p:nvPicPr>
-        <p:blipFill>
-          <a:blip r:embed="rId2"/>
-          <a:stretch>
-            <a:fillRect/>
-          </a:stretch>
-        </p:blipFill>
-        <p:spPr>
-          <a:xfrm>
-            <a:off x="134293" y="1691491"/>
-            <a:ext cx="11923414" cy="2172407"/>
-          </a:xfrm>
-          <a:prstGeom prst="rect">
-            <a:avLst/>
-          </a:prstGeom>
-        </p:spPr>
-      </p:pic>
-      <p:sp>
-        <p:nvSpPr>
-          <p:cNvPr id="5" name="Rectangle 4">
-            <a:extLst>
-              <a:ext uri="{FF2B5EF4-FFF2-40B4-BE49-F238E27FC236}">
-                <a16:creationId xmlns:a16="http://schemas.microsoft.com/office/drawing/2014/main" id="{CC60A3F1-C7BB-4986-8D4D-8582BA93A0B0}"/>
-              </a:ext>
-            </a:extLst>
-          </p:cNvPr>
-          <p:cNvSpPr/>
-          <p:nvPr/>
-        </p:nvSpPr>
-        <p:spPr>
-          <a:xfrm>
-            <a:off x="0" y="594291"/>
-            <a:ext cx="12192000" cy="829312"/>
-          </a:xfrm>
-          <a:prstGeom prst="rect">
-            <a:avLst/>
-          </a:prstGeom>
-          <a:solidFill>
-            <a:schemeClr val="tx1"/>
-          </a:solidFill>
-        </p:spPr>
-        <p:style>
-          <a:lnRef idx="2">
-            <a:schemeClr val="accent1">
-              <a:shade val="50000"/>
-            </a:schemeClr>
-          </a:lnRef>
-          <a:fillRef idx="1">
-            <a:schemeClr val="accent1"/>
-          </a:fillRef>
-          <a:effectRef idx="0">
-            <a:schemeClr val="accent1"/>
-          </a:effectRef>
-          <a:fontRef idx="minor">
-            <a:schemeClr val="lt1"/>
-          </a:fontRef>
-        </p:style>
-        <p:txBody>
-          <a:bodyPr rtlCol="0" anchor="ctr"/>
-          <a:lstStyle/>
-          <a:p>
-            <a:pPr algn="ctr"/>
-            <a:r>
-              <a:rPr lang="en-US" sz="3200" dirty="0">
-                <a:latin typeface="Arial" panose="020B0604020202020204" pitchFamily="34" charset="0"/>
-                <a:cs typeface="Arial" panose="020B0604020202020204" pitchFamily="34" charset="0"/>
-              </a:rPr>
-              <a:t>Three-level system</a:t>
-            </a:r>
-          </a:p>
-        </p:txBody>
-      </p:sp>
-      <p:cxnSp>
-        <p:nvCxnSpPr>
-          <p:cNvPr id="7" name="Straight Arrow Connector 6">
-            <a:extLst>
-              <a:ext uri="{FF2B5EF4-FFF2-40B4-BE49-F238E27FC236}">
-                <a16:creationId xmlns:a16="http://schemas.microsoft.com/office/drawing/2014/main" id="{3D6F8913-67CC-4B5F-9DBD-2102953EB275}"/>
-              </a:ext>
-            </a:extLst>
-          </p:cNvPr>
-          <p:cNvCxnSpPr>
-            <a:cxnSpLocks/>
-          </p:cNvCxnSpPr>
-          <p:nvPr/>
-        </p:nvCxnSpPr>
-        <p:spPr>
-          <a:xfrm>
-            <a:off x="1349298" y="5887844"/>
-            <a:ext cx="6802244" cy="0"/>
-          </a:xfrm>
-          <a:prstGeom prst="straightConnector1">
-            <a:avLst/>
-          </a:prstGeom>
-          <a:ln w="38100">
-            <a:solidFill>
-              <a:schemeClr val="tx1"/>
-            </a:solidFill>
-            <a:tailEnd type="triangle"/>
-          </a:ln>
-        </p:spPr>
-        <p:style>
-          <a:lnRef idx="1">
-            <a:schemeClr val="accent1"/>
-          </a:lnRef>
-          <a:fillRef idx="0">
-            <a:schemeClr val="accent1"/>
-          </a:fillRef>
-          <a:effectRef idx="0">
-            <a:schemeClr val="accent1"/>
-          </a:effectRef>
-          <a:fontRef idx="minor">
-            <a:schemeClr val="tx1"/>
-          </a:fontRef>
-        </p:style>
-      </p:cxnSp>
-      <p:cxnSp>
-        <p:nvCxnSpPr>
-          <p:cNvPr id="9" name="Straight Arrow Connector 8">
-            <a:extLst>
-              <a:ext uri="{FF2B5EF4-FFF2-40B4-BE49-F238E27FC236}">
-                <a16:creationId xmlns:a16="http://schemas.microsoft.com/office/drawing/2014/main" id="{13195B68-13F8-4589-AE7F-36F40205E753}"/>
-              </a:ext>
-            </a:extLst>
-          </p:cNvPr>
-          <p:cNvCxnSpPr/>
-          <p:nvPr/>
-        </p:nvCxnSpPr>
-        <p:spPr>
-          <a:xfrm flipV="1">
-            <a:off x="4761571" y="4616605"/>
-            <a:ext cx="0" cy="1862254"/>
-          </a:xfrm>
-          <a:prstGeom prst="straightConnector1">
-            <a:avLst/>
-          </a:prstGeom>
-          <a:ln w="38100">
-            <a:solidFill>
-              <a:schemeClr val="tx1"/>
-            </a:solidFill>
-            <a:tailEnd type="triangle"/>
-          </a:ln>
-        </p:spPr>
-        <p:style>
-          <a:lnRef idx="1">
-            <a:schemeClr val="accent1"/>
-          </a:lnRef>
-          <a:fillRef idx="0">
-            <a:schemeClr val="accent1"/>
-          </a:fillRef>
-          <a:effectRef idx="0">
-            <a:schemeClr val="accent1"/>
-          </a:effectRef>
-          <a:fontRef idx="minor">
-            <a:schemeClr val="tx1"/>
-          </a:fontRef>
-        </p:style>
-      </p:cxnSp>
-      <mc:AlternateContent xmlns:mc="http://schemas.openxmlformats.org/markup-compatibility/2006" xmlns:a14="http://schemas.microsoft.com/office/drawing/2010/main">
-        <mc:Choice Requires="a14">
-          <p:sp>
-            <p:nvSpPr>
-              <p:cNvPr id="11" name="TextBox 10">
-                <a:extLst>
-                  <a:ext uri="{FF2B5EF4-FFF2-40B4-BE49-F238E27FC236}">
-                    <a16:creationId xmlns:a16="http://schemas.microsoft.com/office/drawing/2014/main" id="{06529418-BAE2-4693-AEF4-4129A343A32C}"/>
-                  </a:ext>
-                </a:extLst>
-              </p:cNvPr>
-              <p:cNvSpPr txBox="1"/>
-              <p:nvPr/>
-            </p:nvSpPr>
-            <p:spPr>
-              <a:xfrm>
-                <a:off x="8151542" y="5580844"/>
-                <a:ext cx="498085" cy="584775"/>
-              </a:xfrm>
-              <a:prstGeom prst="rect">
-                <a:avLst/>
-              </a:prstGeom>
-              <a:noFill/>
-            </p:spPr>
-            <p:txBody>
-              <a:bodyPr wrap="none" rtlCol="0">
-                <a:spAutoFit/>
-              </a:bodyPr>
-              <a:lstStyle/>
-              <a:p>
-                <a:pPr/>
-                <a14:m>
-                  <m:oMathPara xmlns:m="http://schemas.openxmlformats.org/officeDocument/2006/math">
-                    <m:oMathParaPr>
-                      <m:jc m:val="centerGroup"/>
-                    </m:oMathParaPr>
-                    <m:oMath xmlns:m="http://schemas.openxmlformats.org/officeDocument/2006/math">
-                      <m:r>
-                        <a:rPr lang="en-US" sz="3200" b="0" i="1" smtClean="0">
-                          <a:latin typeface="Cambria Math" panose="02040503050406030204" pitchFamily="18" charset="0"/>
-                        </a:rPr>
-                        <m:t>𝜈</m:t>
-                      </m:r>
-                    </m:oMath>
-                  </m:oMathPara>
-                </a14:m>
-                <a:endParaRPr lang="en-US" sz="3200" dirty="0"/>
-              </a:p>
-            </p:txBody>
-          </p:sp>
-        </mc:Choice>
-        <mc:Fallback xmlns="">
-          <p:sp>
-            <p:nvSpPr>
-              <p:cNvPr id="11" name="TextBox 10">
-                <a:extLst>
-                  <a:ext uri="{FF2B5EF4-FFF2-40B4-BE49-F238E27FC236}">
-                    <a16:creationId xmlns:a16="http://schemas.microsoft.com/office/drawing/2014/main" id="{06529418-BAE2-4693-AEF4-4129A343A32C}"/>
-                  </a:ext>
-                </a:extLst>
-              </p:cNvPr>
-              <p:cNvSpPr txBox="1">
-                <a:spLocks noRot="1" noChangeAspect="1" noMove="1" noResize="1" noEditPoints="1" noAdjustHandles="1" noChangeArrowheads="1" noChangeShapeType="1" noTextEdit="1"/>
-              </p:cNvSpPr>
-              <p:nvPr/>
-            </p:nvSpPr>
-            <p:spPr>
-              <a:xfrm>
-                <a:off x="8151542" y="5580844"/>
-                <a:ext cx="498085" cy="584775"/>
-              </a:xfrm>
-              <a:prstGeom prst="rect">
-                <a:avLst/>
-              </a:prstGeom>
-              <a:blipFill>
-                <a:blip r:embed="rId3"/>
-                <a:stretch>
-                  <a:fillRect/>
-                </a:stretch>
-              </a:blipFill>
-            </p:spPr>
-            <p:txBody>
-              <a:bodyPr/>
-              <a:lstStyle/>
-              <a:p>
-                <a:r>
-                  <a:rPr lang="en-US">
-                    <a:noFill/>
-                  </a:rPr>
-                  <a:t> </a:t>
-                </a:r>
-              </a:p>
-            </p:txBody>
-          </p:sp>
-        </mc:Fallback>
-      </mc:AlternateContent>
-      <p:sp>
-        <p:nvSpPr>
-          <p:cNvPr id="12" name="Rectangle 11">
-            <a:extLst>
-              <a:ext uri="{FF2B5EF4-FFF2-40B4-BE49-F238E27FC236}">
-                <a16:creationId xmlns:a16="http://schemas.microsoft.com/office/drawing/2014/main" id="{70B9DF46-1EE7-4720-94A5-1943A9E204CC}"/>
-              </a:ext>
-            </a:extLst>
-          </p:cNvPr>
-          <p:cNvSpPr/>
-          <p:nvPr/>
-        </p:nvSpPr>
-        <p:spPr>
-          <a:xfrm>
-            <a:off x="1873406" y="5084956"/>
-            <a:ext cx="2888152" cy="802884"/>
-          </a:xfrm>
-          <a:prstGeom prst="rect">
-            <a:avLst/>
-          </a:prstGeom>
-          <a:gradFill>
-            <a:gsLst>
-              <a:gs pos="0">
-                <a:schemeClr val="accent1">
-                  <a:lumMod val="5000"/>
-                  <a:lumOff val="95000"/>
-                  <a:alpha val="96000"/>
-                </a:schemeClr>
-              </a:gs>
-              <a:gs pos="100000">
-                <a:srgbClr val="FF0000"/>
-              </a:gs>
-            </a:gsLst>
-            <a:lin ang="0" scaled="0"/>
-          </a:gradFill>
-        </p:spPr>
-        <p:style>
-          <a:lnRef idx="2">
-            <a:schemeClr val="accent1">
-              <a:shade val="50000"/>
-            </a:schemeClr>
-          </a:lnRef>
-          <a:fillRef idx="1">
-            <a:schemeClr val="accent1"/>
-          </a:fillRef>
-          <a:effectRef idx="0">
-            <a:schemeClr val="accent1"/>
-          </a:effectRef>
-          <a:fontRef idx="minor">
-            <a:schemeClr val="lt1"/>
-          </a:fontRef>
-        </p:style>
-        <p:txBody>
-          <a:bodyPr rtlCol="0" anchor="ctr"/>
-          <a:lstStyle/>
-          <a:p>
-            <a:pPr algn="ctr"/>
-            <a:endParaRPr lang="en-US"/>
-          </a:p>
-        </p:txBody>
-      </p:sp>
-      <p:sp>
-        <p:nvSpPr>
-          <p:cNvPr id="13" name="Rectangle 12">
-            <a:extLst>
-              <a:ext uri="{FF2B5EF4-FFF2-40B4-BE49-F238E27FC236}">
-                <a16:creationId xmlns:a16="http://schemas.microsoft.com/office/drawing/2014/main" id="{C1052E5D-3B72-48D6-A382-D99AAA3B3BE1}"/>
-              </a:ext>
-            </a:extLst>
-          </p:cNvPr>
-          <p:cNvSpPr/>
-          <p:nvPr/>
-        </p:nvSpPr>
-        <p:spPr>
-          <a:xfrm>
-            <a:off x="4761572" y="5084951"/>
-            <a:ext cx="2888152" cy="788281"/>
-          </a:xfrm>
-          <a:prstGeom prst="rect">
-            <a:avLst/>
-          </a:prstGeom>
-          <a:gradFill>
-            <a:gsLst>
-              <a:gs pos="0">
-                <a:srgbClr val="00B050"/>
-              </a:gs>
-              <a:gs pos="100000">
-                <a:schemeClr val="bg1"/>
-              </a:gs>
-            </a:gsLst>
-            <a:lin ang="0" scaled="0"/>
-          </a:gradFill>
-        </p:spPr>
-        <p:style>
-          <a:lnRef idx="2">
-            <a:schemeClr val="accent1">
-              <a:shade val="50000"/>
-            </a:schemeClr>
-          </a:lnRef>
-          <a:fillRef idx="1">
-            <a:schemeClr val="accent1"/>
-          </a:fillRef>
-          <a:effectRef idx="0">
-            <a:schemeClr val="accent1"/>
-          </a:effectRef>
-          <a:fontRef idx="minor">
-            <a:schemeClr val="lt1"/>
-          </a:fontRef>
-        </p:style>
-        <p:txBody>
-          <a:bodyPr rtlCol="0" anchor="ctr"/>
-          <a:lstStyle/>
-          <a:p>
-            <a:pPr algn="ctr"/>
-            <a:endParaRPr lang="en-US"/>
-          </a:p>
-        </p:txBody>
-      </p:sp>
-      <p:cxnSp>
-        <p:nvCxnSpPr>
-          <p:cNvPr id="15" name="Straight Connector 14">
-            <a:extLst>
-              <a:ext uri="{FF2B5EF4-FFF2-40B4-BE49-F238E27FC236}">
-                <a16:creationId xmlns:a16="http://schemas.microsoft.com/office/drawing/2014/main" id="{F72A98BA-801A-4876-9B3D-A708DEA7190D}"/>
-              </a:ext>
-            </a:extLst>
-          </p:cNvPr>
-          <p:cNvCxnSpPr/>
-          <p:nvPr/>
-        </p:nvCxnSpPr>
-        <p:spPr>
-          <a:xfrm>
-            <a:off x="5704092" y="4733351"/>
-            <a:ext cx="0" cy="1694986"/>
-          </a:xfrm>
-          <a:prstGeom prst="line">
-            <a:avLst/>
-          </a:prstGeom>
-          <a:ln w="19050"/>
-        </p:spPr>
-        <p:style>
-          <a:lnRef idx="1">
-            <a:schemeClr val="accent1"/>
-          </a:lnRef>
-          <a:fillRef idx="0">
-            <a:schemeClr val="accent1"/>
-          </a:fillRef>
-          <a:effectRef idx="0">
-            <a:schemeClr val="accent1"/>
-          </a:effectRef>
-          <a:fontRef idx="minor">
-            <a:schemeClr val="tx1"/>
-          </a:fontRef>
-        </p:style>
-      </p:cxnSp>
-      <p:cxnSp>
-        <p:nvCxnSpPr>
-          <p:cNvPr id="16" name="Straight Connector 15">
-            <a:extLst>
-              <a:ext uri="{FF2B5EF4-FFF2-40B4-BE49-F238E27FC236}">
-                <a16:creationId xmlns:a16="http://schemas.microsoft.com/office/drawing/2014/main" id="{9762BB2B-429A-4D95-9476-8B631F53279B}"/>
-              </a:ext>
-            </a:extLst>
-          </p:cNvPr>
-          <p:cNvCxnSpPr/>
-          <p:nvPr/>
-        </p:nvCxnSpPr>
-        <p:spPr>
-          <a:xfrm>
-            <a:off x="3821152" y="4700239"/>
-            <a:ext cx="0" cy="1694986"/>
-          </a:xfrm>
-          <a:prstGeom prst="line">
-            <a:avLst/>
-          </a:prstGeom>
-          <a:ln w="19050"/>
-        </p:spPr>
-        <p:style>
-          <a:lnRef idx="1">
-            <a:schemeClr val="accent1"/>
-          </a:lnRef>
-          <a:fillRef idx="0">
-            <a:schemeClr val="accent1"/>
-          </a:fillRef>
-          <a:effectRef idx="0">
-            <a:schemeClr val="accent1"/>
-          </a:effectRef>
-          <a:fontRef idx="minor">
-            <a:schemeClr val="tx1"/>
-          </a:fontRef>
-        </p:style>
-      </p:cxnSp>
-      <mc:AlternateContent xmlns:mc="http://schemas.openxmlformats.org/markup-compatibility/2006" xmlns:a14="http://schemas.microsoft.com/office/drawing/2010/main">
-        <mc:Choice Requires="a14">
-          <p:sp>
-            <p:nvSpPr>
-              <p:cNvPr id="17" name="TextBox 16">
-                <a:extLst>
-                  <a:ext uri="{FF2B5EF4-FFF2-40B4-BE49-F238E27FC236}">
-                    <a16:creationId xmlns:a16="http://schemas.microsoft.com/office/drawing/2014/main" id="{8AFE32B6-E320-46F9-871C-FAE7B14D5B3C}"/>
-                  </a:ext>
-                </a:extLst>
-              </p:cNvPr>
-              <p:cNvSpPr txBox="1"/>
-              <p:nvPr/>
-            </p:nvSpPr>
-            <p:spPr>
-              <a:xfrm>
-                <a:off x="4467910" y="4031830"/>
-                <a:ext cx="765979" cy="584775"/>
-              </a:xfrm>
-              <a:prstGeom prst="rect">
-                <a:avLst/>
-              </a:prstGeom>
-              <a:noFill/>
-            </p:spPr>
-            <p:txBody>
-              <a:bodyPr wrap="none" rtlCol="0">
-                <a:spAutoFit/>
-              </a:bodyPr>
-              <a:lstStyle/>
-              <a:p>
-                <a:pPr/>
-                <a14:m>
-                  <m:oMathPara xmlns:m="http://schemas.openxmlformats.org/officeDocument/2006/math">
-                    <m:oMathParaPr>
-                      <m:jc m:val="centerGroup"/>
-                    </m:oMathParaPr>
-                    <m:oMath xmlns:m="http://schemas.openxmlformats.org/officeDocument/2006/math">
-                      <m:sSub>
-                        <m:sSubPr>
-                          <m:ctrlPr>
-                            <a:rPr lang="en-US" sz="3200" b="0" i="1" smtClean="0">
-                              <a:latin typeface="Cambria Math" panose="02040503050406030204" pitchFamily="18" charset="0"/>
-                            </a:rPr>
-                          </m:ctrlPr>
-                        </m:sSubPr>
-                        <m:e>
-                          <m:r>
-                            <a:rPr lang="en-US" sz="3200" b="0" i="1" smtClean="0">
-                              <a:latin typeface="Cambria Math" panose="02040503050406030204" pitchFamily="18" charset="0"/>
-                            </a:rPr>
-                            <m:t>𝜔</m:t>
-                          </m:r>
-                        </m:e>
-                        <m:sub>
-                          <m:r>
-                            <a:rPr lang="en-US" sz="3200" b="0" i="1" smtClean="0">
-                              <a:latin typeface="Cambria Math" panose="02040503050406030204" pitchFamily="18" charset="0"/>
-                            </a:rPr>
-                            <m:t>0</m:t>
-                          </m:r>
-                        </m:sub>
-                      </m:sSub>
-                    </m:oMath>
-                  </m:oMathPara>
-                </a14:m>
-                <a:endParaRPr lang="en-US" sz="3200" dirty="0"/>
-              </a:p>
-            </p:txBody>
-          </p:sp>
-        </mc:Choice>
-        <mc:Fallback xmlns="">
-          <p:sp>
-            <p:nvSpPr>
-              <p:cNvPr id="17" name="TextBox 16">
-                <a:extLst>
-                  <a:ext uri="{FF2B5EF4-FFF2-40B4-BE49-F238E27FC236}">
-                    <a16:creationId xmlns:a16="http://schemas.microsoft.com/office/drawing/2014/main" id="{8AFE32B6-E320-46F9-871C-FAE7B14D5B3C}"/>
-                  </a:ext>
-                </a:extLst>
-              </p:cNvPr>
-              <p:cNvSpPr txBox="1">
-                <a:spLocks noRot="1" noChangeAspect="1" noMove="1" noResize="1" noEditPoints="1" noAdjustHandles="1" noChangeArrowheads="1" noChangeShapeType="1" noTextEdit="1"/>
-              </p:cNvSpPr>
-              <p:nvPr/>
-            </p:nvSpPr>
-            <p:spPr>
-              <a:xfrm>
-                <a:off x="4467910" y="4031830"/>
-                <a:ext cx="765979" cy="584775"/>
-              </a:xfrm>
-              <a:prstGeom prst="rect">
-                <a:avLst/>
-              </a:prstGeom>
-              <a:blipFill>
-                <a:blip r:embed="rId4"/>
-                <a:stretch>
-                  <a:fillRect/>
-                </a:stretch>
-              </a:blipFill>
-            </p:spPr>
-            <p:txBody>
-              <a:bodyPr/>
-              <a:lstStyle/>
-              <a:p>
-                <a:r>
-                  <a:rPr lang="en-US">
-                    <a:noFill/>
-                  </a:rPr>
-                  <a:t> </a:t>
-                </a:r>
-              </a:p>
-            </p:txBody>
-          </p:sp>
-        </mc:Fallback>
-      </mc:AlternateContent>
-      <mc:AlternateContent xmlns:mc="http://schemas.openxmlformats.org/markup-compatibility/2006" xmlns:a14="http://schemas.microsoft.com/office/drawing/2010/main">
-        <mc:Choice Requires="a14">
-          <p:sp>
-            <p:nvSpPr>
-              <p:cNvPr id="18" name="TextBox 17">
-                <a:extLst>
-                  <a:ext uri="{FF2B5EF4-FFF2-40B4-BE49-F238E27FC236}">
-                    <a16:creationId xmlns:a16="http://schemas.microsoft.com/office/drawing/2014/main" id="{7E61CF3F-9AE5-4057-8FCA-6ED1D3C9697B}"/>
-                  </a:ext>
-                </a:extLst>
-              </p:cNvPr>
-              <p:cNvSpPr txBox="1"/>
-              <p:nvPr/>
-            </p:nvSpPr>
-            <p:spPr>
-              <a:xfrm>
-                <a:off x="5582287" y="4207787"/>
-                <a:ext cx="967957" cy="584775"/>
-              </a:xfrm>
-              <a:prstGeom prst="rect">
-                <a:avLst/>
-              </a:prstGeom>
-              <a:noFill/>
-            </p:spPr>
-            <p:txBody>
-              <a:bodyPr wrap="none" rtlCol="0">
-                <a:spAutoFit/>
-              </a:bodyPr>
-              <a:lstStyle/>
-              <a:p>
-                <a:pPr/>
-                <a14:m>
-                  <m:oMathPara xmlns:m="http://schemas.openxmlformats.org/officeDocument/2006/math">
-                    <m:oMathParaPr>
-                      <m:jc m:val="centerGroup"/>
-                    </m:oMathParaPr>
-                    <m:oMath xmlns:m="http://schemas.openxmlformats.org/officeDocument/2006/math">
-                      <m:sSub>
-                        <m:sSubPr>
-                          <m:ctrlPr>
-                            <a:rPr lang="en-US" sz="3200" b="0" i="1" smtClean="0">
-                              <a:latin typeface="Cambria Math" panose="02040503050406030204" pitchFamily="18" charset="0"/>
-                            </a:rPr>
-                          </m:ctrlPr>
-                        </m:sSubPr>
-                        <m:e>
-                          <m:r>
-                            <a:rPr lang="en-US" sz="3200" b="0" i="1" smtClean="0">
-                              <a:latin typeface="Cambria Math" panose="02040503050406030204" pitchFamily="18" charset="0"/>
-                            </a:rPr>
-                            <m:t>𝜔</m:t>
-                          </m:r>
-                        </m:e>
-                        <m:sub>
-                          <m:r>
-                            <a:rPr lang="en-US" sz="3200" b="0" i="1" smtClean="0">
-                              <a:latin typeface="Cambria Math" panose="02040503050406030204" pitchFamily="18" charset="0"/>
-                            </a:rPr>
-                            <m:t>𝑎𝑏</m:t>
-                          </m:r>
-                        </m:sub>
-                      </m:sSub>
-                    </m:oMath>
-                  </m:oMathPara>
-                </a14:m>
-                <a:endParaRPr lang="en-US" sz="3200" dirty="0"/>
-              </a:p>
-            </p:txBody>
-          </p:sp>
-        </mc:Choice>
-        <mc:Fallback xmlns="">
-          <p:sp>
-            <p:nvSpPr>
-              <p:cNvPr id="18" name="TextBox 17">
-                <a:extLst>
-                  <a:ext uri="{FF2B5EF4-FFF2-40B4-BE49-F238E27FC236}">
-                    <a16:creationId xmlns:a16="http://schemas.microsoft.com/office/drawing/2014/main" id="{7E61CF3F-9AE5-4057-8FCA-6ED1D3C9697B}"/>
-                  </a:ext>
-                </a:extLst>
-              </p:cNvPr>
-              <p:cNvSpPr txBox="1">
-                <a:spLocks noRot="1" noChangeAspect="1" noMove="1" noResize="1" noEditPoints="1" noAdjustHandles="1" noChangeArrowheads="1" noChangeShapeType="1" noTextEdit="1"/>
-              </p:cNvSpPr>
-              <p:nvPr/>
-            </p:nvSpPr>
-            <p:spPr>
-              <a:xfrm>
-                <a:off x="5582287" y="4207787"/>
-                <a:ext cx="967957" cy="584775"/>
-              </a:xfrm>
-              <a:prstGeom prst="rect">
-                <a:avLst/>
-              </a:prstGeom>
-              <a:blipFill>
-                <a:blip r:embed="rId5"/>
-                <a:stretch>
-                  <a:fillRect/>
-                </a:stretch>
-              </a:blipFill>
-            </p:spPr>
-            <p:txBody>
-              <a:bodyPr/>
-              <a:lstStyle/>
-              <a:p>
-                <a:r>
-                  <a:rPr lang="en-US">
-                    <a:noFill/>
-                  </a:rPr>
-                  <a:t> </a:t>
-                </a:r>
-              </a:p>
-            </p:txBody>
-          </p:sp>
-        </mc:Fallback>
-      </mc:AlternateContent>
-      <mc:AlternateContent xmlns:mc="http://schemas.openxmlformats.org/markup-compatibility/2006" xmlns:a14="http://schemas.microsoft.com/office/drawing/2010/main">
-        <mc:Choice Requires="a14">
-          <p:sp>
-            <p:nvSpPr>
-              <p:cNvPr id="19" name="TextBox 18">
-                <a:extLst>
-                  <a:ext uri="{FF2B5EF4-FFF2-40B4-BE49-F238E27FC236}">
-                    <a16:creationId xmlns:a16="http://schemas.microsoft.com/office/drawing/2014/main" id="{6F525BB4-D6DB-454B-81BB-41F2DF4F2BB0}"/>
-                  </a:ext>
-                </a:extLst>
-              </p:cNvPr>
-              <p:cNvSpPr txBox="1"/>
-              <p:nvPr/>
-            </p:nvSpPr>
-            <p:spPr>
-              <a:xfrm>
-                <a:off x="3008293" y="4207787"/>
-                <a:ext cx="932563" cy="584775"/>
-              </a:xfrm>
-              <a:prstGeom prst="rect">
-                <a:avLst/>
-              </a:prstGeom>
-              <a:noFill/>
-            </p:spPr>
-            <p:txBody>
-              <a:bodyPr wrap="none" rtlCol="0">
-                <a:spAutoFit/>
-              </a:bodyPr>
-              <a:lstStyle/>
-              <a:p>
-                <a:pPr/>
-                <a14:m>
-                  <m:oMathPara xmlns:m="http://schemas.openxmlformats.org/officeDocument/2006/math">
-                    <m:oMathParaPr>
-                      <m:jc m:val="centerGroup"/>
-                    </m:oMathParaPr>
-                    <m:oMath xmlns:m="http://schemas.openxmlformats.org/officeDocument/2006/math">
-                      <m:sSub>
-                        <m:sSubPr>
-                          <m:ctrlPr>
-                            <a:rPr lang="en-US" sz="3200" b="0" i="1" smtClean="0">
-                              <a:latin typeface="Cambria Math" panose="02040503050406030204" pitchFamily="18" charset="0"/>
-                            </a:rPr>
-                          </m:ctrlPr>
-                        </m:sSubPr>
-                        <m:e>
-                          <m:r>
-                            <a:rPr lang="en-US" sz="3200" b="0" i="1" smtClean="0">
-                              <a:latin typeface="Cambria Math" panose="02040503050406030204" pitchFamily="18" charset="0"/>
-                            </a:rPr>
-                            <m:t>𝜔</m:t>
-                          </m:r>
-                        </m:e>
-                        <m:sub>
-                          <m:r>
-                            <a:rPr lang="en-US" sz="3200" b="0" i="1" smtClean="0">
-                              <a:latin typeface="Cambria Math" panose="02040503050406030204" pitchFamily="18" charset="0"/>
-                            </a:rPr>
-                            <m:t>𝑏𝑐</m:t>
-                          </m:r>
-                        </m:sub>
-                      </m:sSub>
-                    </m:oMath>
-                  </m:oMathPara>
-                </a14:m>
-                <a:endParaRPr lang="en-US" sz="3200" dirty="0"/>
-              </a:p>
-            </p:txBody>
-          </p:sp>
-        </mc:Choice>
-        <mc:Fallback xmlns="">
-          <p:sp>
-            <p:nvSpPr>
-              <p:cNvPr id="19" name="TextBox 18">
-                <a:extLst>
-                  <a:ext uri="{FF2B5EF4-FFF2-40B4-BE49-F238E27FC236}">
-                    <a16:creationId xmlns:a16="http://schemas.microsoft.com/office/drawing/2014/main" id="{6F525BB4-D6DB-454B-81BB-41F2DF4F2BB0}"/>
-                  </a:ext>
-                </a:extLst>
-              </p:cNvPr>
-              <p:cNvSpPr txBox="1">
-                <a:spLocks noRot="1" noChangeAspect="1" noMove="1" noResize="1" noEditPoints="1" noAdjustHandles="1" noChangeArrowheads="1" noChangeShapeType="1" noTextEdit="1"/>
-              </p:cNvSpPr>
-              <p:nvPr/>
-            </p:nvSpPr>
-            <p:spPr>
-              <a:xfrm>
-                <a:off x="3008293" y="4207787"/>
-                <a:ext cx="932563" cy="584775"/>
-              </a:xfrm>
-              <a:prstGeom prst="rect">
-                <a:avLst/>
-              </a:prstGeom>
-              <a:blipFill>
-                <a:blip r:embed="rId6"/>
-                <a:stretch>
-                  <a:fillRect/>
-                </a:stretch>
-              </a:blipFill>
-            </p:spPr>
-            <p:txBody>
-              <a:bodyPr/>
-              <a:lstStyle/>
-              <a:p>
-                <a:r>
-                  <a:rPr lang="en-US">
-                    <a:noFill/>
-                  </a:rPr>
-                  <a:t> </a:t>
-                </a:r>
-              </a:p>
-            </p:txBody>
-          </p:sp>
-        </mc:Fallback>
-      </mc:AlternateContent>
-      <p:cxnSp>
-        <p:nvCxnSpPr>
-          <p:cNvPr id="3" name="Straight Arrow Connector 2">
-            <a:extLst>
-              <a:ext uri="{FF2B5EF4-FFF2-40B4-BE49-F238E27FC236}">
-                <a16:creationId xmlns:a16="http://schemas.microsoft.com/office/drawing/2014/main" id="{65AAE861-9717-4B1A-AB93-2BF5CA2B42DD}"/>
-              </a:ext>
-            </a:extLst>
-          </p:cNvPr>
-          <p:cNvCxnSpPr/>
-          <p:nvPr/>
-        </p:nvCxnSpPr>
-        <p:spPr>
-          <a:xfrm>
-            <a:off x="3821152" y="4879571"/>
-            <a:ext cx="940406" cy="0"/>
-          </a:xfrm>
-          <a:prstGeom prst="straightConnector1">
-            <a:avLst/>
-          </a:prstGeom>
-          <a:ln>
-            <a:headEnd type="triangle"/>
-            <a:tailEnd type="triangle"/>
-          </a:ln>
-        </p:spPr>
-        <p:style>
-          <a:lnRef idx="1">
-            <a:schemeClr val="accent1"/>
-          </a:lnRef>
-          <a:fillRef idx="0">
-            <a:schemeClr val="accent1"/>
-          </a:fillRef>
-          <a:effectRef idx="0">
-            <a:schemeClr val="accent1"/>
-          </a:effectRef>
-          <a:fontRef idx="minor">
-            <a:schemeClr val="tx1"/>
-          </a:fontRef>
-        </p:style>
-      </p:cxnSp>
-      <p:cxnSp>
-        <p:nvCxnSpPr>
-          <p:cNvPr id="20" name="Straight Arrow Connector 19">
-            <a:extLst>
-              <a:ext uri="{FF2B5EF4-FFF2-40B4-BE49-F238E27FC236}">
-                <a16:creationId xmlns:a16="http://schemas.microsoft.com/office/drawing/2014/main" id="{DBF663AC-1251-4F25-B995-446672D39283}"/>
-              </a:ext>
-            </a:extLst>
-          </p:cNvPr>
-          <p:cNvCxnSpPr/>
-          <p:nvPr/>
-        </p:nvCxnSpPr>
-        <p:spPr>
-          <a:xfrm>
-            <a:off x="4763686" y="4879571"/>
-            <a:ext cx="940406" cy="0"/>
-          </a:xfrm>
-          <a:prstGeom prst="straightConnector1">
-            <a:avLst/>
-          </a:prstGeom>
-          <a:ln>
-            <a:headEnd type="triangle"/>
-            <a:tailEnd type="triangle"/>
-          </a:ln>
-        </p:spPr>
-        <p:style>
-          <a:lnRef idx="1">
-            <a:schemeClr val="accent1"/>
-          </a:lnRef>
-          <a:fillRef idx="0">
-            <a:schemeClr val="accent1"/>
-          </a:fillRef>
-          <a:effectRef idx="0">
-            <a:schemeClr val="accent1"/>
-          </a:effectRef>
-          <a:fontRef idx="minor">
-            <a:schemeClr val="tx1"/>
-          </a:fontRef>
-        </p:style>
-      </p:cxnSp>
-      <mc:AlternateContent xmlns:mc="http://schemas.openxmlformats.org/markup-compatibility/2006" xmlns:a14="http://schemas.microsoft.com/office/drawing/2010/main">
-        <mc:Choice Requires="a14">
-          <p:sp>
-            <p:nvSpPr>
-              <p:cNvPr id="21" name="TextBox 20">
-                <a:extLst>
-                  <a:ext uri="{FF2B5EF4-FFF2-40B4-BE49-F238E27FC236}">
-                    <a16:creationId xmlns:a16="http://schemas.microsoft.com/office/drawing/2014/main" id="{A509792F-5770-4DB2-A7FC-9355A693EAD9}"/>
-                  </a:ext>
-                </a:extLst>
-              </p:cNvPr>
-              <p:cNvSpPr txBox="1"/>
-              <p:nvPr/>
-            </p:nvSpPr>
-            <p:spPr>
-              <a:xfrm>
-                <a:off x="4768889" y="5082992"/>
-                <a:ext cx="806053" cy="584775"/>
-              </a:xfrm>
-              <a:prstGeom prst="rect">
-                <a:avLst/>
-              </a:prstGeom>
-              <a:noFill/>
-            </p:spPr>
-            <p:txBody>
-              <a:bodyPr wrap="none" rtlCol="0">
-                <a:spAutoFit/>
-              </a:bodyPr>
-              <a:lstStyle/>
-              <a:p>
-                <a:pPr/>
-                <a14:m>
-                  <m:oMathPara xmlns:m="http://schemas.openxmlformats.org/officeDocument/2006/math">
-                    <m:oMathParaPr>
-                      <m:jc m:val="centerGroup"/>
-                    </m:oMathParaPr>
-                    <m:oMath xmlns:m="http://schemas.openxmlformats.org/officeDocument/2006/math">
-                      <m:r>
-                        <a:rPr lang="en-US" sz="3200" b="0" i="1" smtClean="0">
-                          <a:latin typeface="Cambria Math" panose="02040503050406030204" pitchFamily="18" charset="0"/>
-                        </a:rPr>
-                        <m:t>𝛿𝜔</m:t>
-                      </m:r>
-                    </m:oMath>
-                  </m:oMathPara>
-                </a14:m>
-                <a:endParaRPr lang="en-US" sz="3200" dirty="0"/>
-              </a:p>
-            </p:txBody>
-          </p:sp>
-        </mc:Choice>
-        <mc:Fallback xmlns="">
-          <p:sp>
-            <p:nvSpPr>
-              <p:cNvPr id="21" name="TextBox 20">
-                <a:extLst>
-                  <a:ext uri="{FF2B5EF4-FFF2-40B4-BE49-F238E27FC236}">
-                    <a16:creationId xmlns:a16="http://schemas.microsoft.com/office/drawing/2014/main" id="{A509792F-5770-4DB2-A7FC-9355A693EAD9}"/>
-                  </a:ext>
-                </a:extLst>
-              </p:cNvPr>
-              <p:cNvSpPr txBox="1">
-                <a:spLocks noRot="1" noChangeAspect="1" noMove="1" noResize="1" noEditPoints="1" noAdjustHandles="1" noChangeArrowheads="1" noChangeShapeType="1" noTextEdit="1"/>
-              </p:cNvSpPr>
-              <p:nvPr/>
-            </p:nvSpPr>
-            <p:spPr>
-              <a:xfrm>
-                <a:off x="4768889" y="5082992"/>
-                <a:ext cx="806053" cy="584775"/>
-              </a:xfrm>
-              <a:prstGeom prst="rect">
-                <a:avLst/>
-              </a:prstGeom>
-              <a:blipFill>
-                <a:blip r:embed="rId7"/>
-                <a:stretch>
-                  <a:fillRect/>
-                </a:stretch>
-              </a:blipFill>
-            </p:spPr>
-            <p:txBody>
-              <a:bodyPr/>
-              <a:lstStyle/>
-              <a:p>
-                <a:r>
-                  <a:rPr lang="en-US">
-                    <a:noFill/>
-                  </a:rPr>
-                  <a:t> </a:t>
-                </a:r>
-              </a:p>
-            </p:txBody>
-          </p:sp>
-        </mc:Fallback>
-      </mc:AlternateContent>
-      <mc:AlternateContent xmlns:mc="http://schemas.openxmlformats.org/markup-compatibility/2006" xmlns:a14="http://schemas.microsoft.com/office/drawing/2010/main">
-        <mc:Choice Requires="a14">
-          <p:sp>
-            <p:nvSpPr>
-              <p:cNvPr id="22" name="TextBox 21">
-                <a:extLst>
-                  <a:ext uri="{FF2B5EF4-FFF2-40B4-BE49-F238E27FC236}">
-                    <a16:creationId xmlns:a16="http://schemas.microsoft.com/office/drawing/2014/main" id="{65810985-95C6-411B-8737-D1CEB1108521}"/>
-                  </a:ext>
-                </a:extLst>
-              </p:cNvPr>
-              <p:cNvSpPr txBox="1"/>
-              <p:nvPr/>
-            </p:nvSpPr>
-            <p:spPr>
-              <a:xfrm>
-                <a:off x="3856726" y="5099562"/>
-                <a:ext cx="806053" cy="584775"/>
-              </a:xfrm>
-              <a:prstGeom prst="rect">
-                <a:avLst/>
-              </a:prstGeom>
-              <a:noFill/>
-            </p:spPr>
-            <p:txBody>
-              <a:bodyPr wrap="none" rtlCol="0">
-                <a:spAutoFit/>
-              </a:bodyPr>
-              <a:lstStyle/>
-              <a:p>
-                <a:pPr/>
-                <a14:m>
-                  <m:oMathPara xmlns:m="http://schemas.openxmlformats.org/officeDocument/2006/math">
-                    <m:oMathParaPr>
-                      <m:jc m:val="centerGroup"/>
-                    </m:oMathParaPr>
-                    <m:oMath xmlns:m="http://schemas.openxmlformats.org/officeDocument/2006/math">
-                      <m:r>
-                        <a:rPr lang="en-US" sz="3200" b="0" i="1" smtClean="0">
-                          <a:latin typeface="Cambria Math" panose="02040503050406030204" pitchFamily="18" charset="0"/>
-                        </a:rPr>
-                        <m:t>𝛿𝜔</m:t>
-                      </m:r>
-                    </m:oMath>
-                  </m:oMathPara>
-                </a14:m>
-                <a:endParaRPr lang="en-US" sz="3200" dirty="0"/>
-              </a:p>
-            </p:txBody>
-          </p:sp>
-        </mc:Choice>
-        <mc:Fallback xmlns="">
-          <p:sp>
-            <p:nvSpPr>
-              <p:cNvPr id="22" name="TextBox 21">
-                <a:extLst>
-                  <a:ext uri="{FF2B5EF4-FFF2-40B4-BE49-F238E27FC236}">
-                    <a16:creationId xmlns:a16="http://schemas.microsoft.com/office/drawing/2014/main" id="{65810985-95C6-411B-8737-D1CEB1108521}"/>
-                  </a:ext>
-                </a:extLst>
-              </p:cNvPr>
-              <p:cNvSpPr txBox="1">
-                <a:spLocks noRot="1" noChangeAspect="1" noMove="1" noResize="1" noEditPoints="1" noAdjustHandles="1" noChangeArrowheads="1" noChangeShapeType="1" noTextEdit="1"/>
-              </p:cNvSpPr>
-              <p:nvPr/>
-            </p:nvSpPr>
-            <p:spPr>
-              <a:xfrm>
-                <a:off x="3856726" y="5099562"/>
-                <a:ext cx="806053" cy="584775"/>
-              </a:xfrm>
-              <a:prstGeom prst="rect">
-                <a:avLst/>
-              </a:prstGeom>
-              <a:blipFill>
-                <a:blip r:embed="rId8"/>
-                <a:stretch>
-                  <a:fillRect/>
-                </a:stretch>
-              </a:blipFill>
-            </p:spPr>
-            <p:txBody>
-              <a:bodyPr/>
-              <a:lstStyle/>
-              <a:p>
-                <a:r>
-                  <a:rPr lang="en-US">
-                    <a:noFill/>
-                  </a:rPr>
-                  <a:t> </a:t>
-                </a:r>
-              </a:p>
-            </p:txBody>
-          </p:sp>
-        </mc:Fallback>
-      </mc:AlternateContent>
-    </p:spTree>
-    <p:extLst>
-      <p:ext uri="{BB962C8B-B14F-4D97-AF65-F5344CB8AC3E}">
-        <p14:creationId xmlns:p14="http://schemas.microsoft.com/office/powerpoint/2010/main" val="3350501891"/>
-      </p:ext>
-    </p:extLst>
-  </p:cSld>
-  <p:clrMapOvr>
-    <a:masterClrMapping/>
-  </p:clrMapOvr>
-</p:sld>
-</file>
-
-<file path=ppt/slides/slide11.xml><?xml version="1.0" encoding="utf-8"?>
-<p:sld xmlns:a="http://schemas.openxmlformats.org/drawingml/2006/main" xmlns:r="http://schemas.openxmlformats.org/officeDocument/2006/relationships" xmlns:p="http://schemas.openxmlformats.org/presentationml/2006/main">
-  <p:cSld>
-    <p:spTree>
-      <p:nvGrpSpPr>
-        <p:cNvPr id="1" name=""/>
-        <p:cNvGrpSpPr/>
-        <p:nvPr/>
-      </p:nvGrpSpPr>
-      <p:grpSpPr>
-        <a:xfrm>
-          <a:off x="0" y="0"/>
-          <a:ext cx="0" cy="0"/>
-          <a:chOff x="0" y="0"/>
-          <a:chExt cx="0" cy="0"/>
-        </a:xfrm>
-      </p:grpSpPr>
-      <p:pic>
-        <p:nvPicPr>
-          <p:cNvPr id="3" name="Picture 2">
-            <a:extLst>
-              <a:ext uri="{FF2B5EF4-FFF2-40B4-BE49-F238E27FC236}">
-                <a16:creationId xmlns:a16="http://schemas.microsoft.com/office/drawing/2014/main" id="{12D55E68-A511-4017-8948-25549B0AE3E6}"/>
+                <a16:creationId xmlns:a16="http://schemas.microsoft.com/office/drawing/2014/main" id="{D40DFEE8-49DD-46DB-A95D-F7E4481D4D63}"/>
               </a:ext>
             </a:extLst>
           </p:cNvPr>
@@ -5483,8 +4298,8 @@
         </p:blipFill>
         <p:spPr>
           <a:xfrm>
-            <a:off x="762083" y="704603"/>
-            <a:ext cx="10355126" cy="2618960"/>
+            <a:off x="374114" y="70683"/>
+            <a:ext cx="11651667" cy="2940502"/>
           </a:xfrm>
           <a:prstGeom prst="rect">
             <a:avLst/>
@@ -5515,36 +4330,6 @@
           <a:xfrm>
             <a:off x="267236" y="4083082"/>
             <a:ext cx="3885632" cy="2556510"/>
-          </a:xfrm>
-          <a:prstGeom prst="rect">
-            <a:avLst/>
-          </a:prstGeom>
-        </p:spPr>
-      </p:pic>
-      <p:pic>
-        <p:nvPicPr>
-          <p:cNvPr id="5" name="Picture 4">
-            <a:extLst>
-              <a:ext uri="{FF2B5EF4-FFF2-40B4-BE49-F238E27FC236}">
-                <a16:creationId xmlns:a16="http://schemas.microsoft.com/office/drawing/2014/main" id="{8763BA18-66D0-4AC9-B4D5-3C36EBEE5F9F}"/>
-              </a:ext>
-            </a:extLst>
-          </p:cNvPr>
-          <p:cNvPicPr>
-            <a:picLocks noChangeAspect="1"/>
-          </p:cNvPicPr>
-          <p:nvPr/>
-        </p:nvPicPr>
-        <p:blipFill>
-          <a:blip r:embed="rId5"/>
-          <a:stretch>
-            <a:fillRect/>
-          </a:stretch>
-        </p:blipFill>
-        <p:spPr>
-          <a:xfrm>
-            <a:off x="7543579" y="3656479"/>
-            <a:ext cx="4275500" cy="3173568"/>
           </a:xfrm>
           <a:prstGeom prst="rect">
             <a:avLst/>
@@ -6276,8 +5061,8 @@
         </p:nvSpPr>
         <p:spPr>
           <a:xfrm>
-            <a:off x="5598979" y="634838"/>
-            <a:ext cx="3306229" cy="751323"/>
+            <a:off x="5753358" y="214023"/>
+            <a:ext cx="3675650" cy="751323"/>
           </a:xfrm>
           <a:prstGeom prst="rect">
             <a:avLst/>
@@ -6328,8 +5113,8 @@
         </p:nvSpPr>
         <p:spPr>
           <a:xfrm>
-            <a:off x="8081060" y="1418247"/>
-            <a:ext cx="2979103" cy="457147"/>
+            <a:off x="8585765" y="965346"/>
+            <a:ext cx="3306229" cy="488887"/>
           </a:xfrm>
           <a:prstGeom prst="rect">
             <a:avLst/>
@@ -6380,8 +5165,8 @@
         </p:nvSpPr>
         <p:spPr>
           <a:xfrm>
-            <a:off x="5177853" y="1892004"/>
-            <a:ext cx="3306229" cy="751323"/>
+            <a:off x="5284731" y="1458728"/>
+            <a:ext cx="3734578" cy="751323"/>
           </a:xfrm>
           <a:prstGeom prst="rect">
             <a:avLst/>
@@ -6432,8 +5217,8 @@
         </p:nvSpPr>
         <p:spPr>
           <a:xfrm>
-            <a:off x="6764791" y="2647822"/>
-            <a:ext cx="3829436" cy="668288"/>
+            <a:off x="7055736" y="2243765"/>
+            <a:ext cx="4297073" cy="668288"/>
           </a:xfrm>
           <a:prstGeom prst="rect">
             <a:avLst/>
@@ -6470,6 +5255,139 @@
           </a:p>
         </p:txBody>
       </p:sp>
+      <p:pic>
+        <p:nvPicPr>
+          <p:cNvPr id="8" name="Picture 7">
+            <a:extLst>
+              <a:ext uri="{FF2B5EF4-FFF2-40B4-BE49-F238E27FC236}">
+                <a16:creationId xmlns:a16="http://schemas.microsoft.com/office/drawing/2014/main" id="{893D8D4C-27AA-419E-9065-62CF50225A27}"/>
+              </a:ext>
+            </a:extLst>
+          </p:cNvPr>
+          <p:cNvPicPr>
+            <a:picLocks noChangeAspect="1"/>
+          </p:cNvPicPr>
+          <p:nvPr/>
+        </p:nvPicPr>
+        <p:blipFill>
+          <a:blip r:embed="rId9"/>
+          <a:stretch>
+            <a:fillRect/>
+          </a:stretch>
+        </p:blipFill>
+        <p:spPr>
+          <a:xfrm>
+            <a:off x="1359659" y="3079524"/>
+            <a:ext cx="3274810" cy="387391"/>
+          </a:xfrm>
+          <a:prstGeom prst="rect">
+            <a:avLst/>
+          </a:prstGeom>
+        </p:spPr>
+      </p:pic>
+      <p:grpSp>
+        <p:nvGrpSpPr>
+          <p:cNvPr id="11" name="Group 10">
+            <a:extLst>
+              <a:ext uri="{FF2B5EF4-FFF2-40B4-BE49-F238E27FC236}">
+                <a16:creationId xmlns:a16="http://schemas.microsoft.com/office/drawing/2014/main" id="{1815FA33-1823-47C2-B202-0092C956733B}"/>
+              </a:ext>
+            </a:extLst>
+          </p:cNvPr>
+          <p:cNvGrpSpPr/>
+          <p:nvPr/>
+        </p:nvGrpSpPr>
+        <p:grpSpPr>
+          <a:xfrm>
+            <a:off x="7469579" y="3648167"/>
+            <a:ext cx="4349500" cy="3181880"/>
+            <a:chOff x="7469579" y="3648167"/>
+            <a:chExt cx="4349500" cy="3181880"/>
+          </a:xfrm>
+        </p:grpSpPr>
+        <p:pic>
+          <p:nvPicPr>
+            <p:cNvPr id="5" name="Picture 4">
+              <a:extLst>
+                <a:ext uri="{FF2B5EF4-FFF2-40B4-BE49-F238E27FC236}">
+                  <a16:creationId xmlns:a16="http://schemas.microsoft.com/office/drawing/2014/main" id="{8763BA18-66D0-4AC9-B4D5-3C36EBEE5F9F}"/>
+                </a:ext>
+              </a:extLst>
+            </p:cNvPr>
+            <p:cNvPicPr>
+              <a:picLocks noChangeAspect="1"/>
+            </p:cNvPicPr>
+            <p:nvPr/>
+          </p:nvPicPr>
+          <p:blipFill>
+            <a:blip r:embed="rId10"/>
+            <a:stretch>
+              <a:fillRect/>
+            </a:stretch>
+          </p:blipFill>
+          <p:spPr>
+            <a:xfrm>
+              <a:off x="7543579" y="3656479"/>
+              <a:ext cx="4275500" cy="3173568"/>
+            </a:xfrm>
+            <a:prstGeom prst="rect">
+              <a:avLst/>
+            </a:prstGeom>
+          </p:spPr>
+        </p:pic>
+        <p:sp>
+          <p:nvSpPr>
+            <p:cNvPr id="9" name="Rectangle 8">
+              <a:extLst>
+                <a:ext uri="{FF2B5EF4-FFF2-40B4-BE49-F238E27FC236}">
+                  <a16:creationId xmlns:a16="http://schemas.microsoft.com/office/drawing/2014/main" id="{121D2B21-1AB1-4EB8-84EB-4AFD6CAF26D6}"/>
+                </a:ext>
+              </a:extLst>
+            </p:cNvPr>
+            <p:cNvSpPr/>
+            <p:nvPr/>
+          </p:nvSpPr>
+          <p:spPr>
+            <a:xfrm>
+              <a:off x="7469579" y="3648167"/>
+              <a:ext cx="421574" cy="555698"/>
+            </a:xfrm>
+            <a:prstGeom prst="rect">
+              <a:avLst/>
+            </a:prstGeom>
+            <a:solidFill>
+              <a:schemeClr val="bg1"/>
+            </a:solidFill>
+            <a:ln>
+              <a:noFill/>
+            </a:ln>
+          </p:spPr>
+          <p:style>
+            <a:lnRef idx="2">
+              <a:schemeClr val="accent1">
+                <a:shade val="50000"/>
+              </a:schemeClr>
+            </a:lnRef>
+            <a:fillRef idx="1">
+              <a:schemeClr val="accent1"/>
+            </a:fillRef>
+            <a:effectRef idx="0">
+              <a:schemeClr val="accent1"/>
+            </a:effectRef>
+            <a:fontRef idx="minor">
+              <a:schemeClr val="lt1"/>
+            </a:fontRef>
+          </p:style>
+          <p:txBody>
+            <a:bodyPr rtlCol="0" anchor="ctr"/>
+            <a:lstStyle/>
+            <a:p>
+              <a:pPr algn="ctr"/>
+              <a:endParaRPr lang="en-US"/>
+            </a:p>
+          </p:txBody>
+        </p:sp>
+      </p:grpSp>
     </p:spTree>
     <p:extLst>
       <p:ext uri="{BB962C8B-B14F-4D97-AF65-F5344CB8AC3E}">
@@ -6770,59 +5688,6 @@
                       </p:childTnLst>
                     </p:cTn>
                   </p:par>
-                  <p:par>
-                    <p:cTn id="29" fill="hold">
-                      <p:stCondLst>
-                        <p:cond delay="indefinite"/>
-                      </p:stCondLst>
-                      <p:childTnLst>
-                        <p:par>
-                          <p:cTn id="30" fill="hold">
-                            <p:stCondLst>
-                              <p:cond delay="0"/>
-                            </p:stCondLst>
-                            <p:childTnLst>
-                              <p:par>
-                                <p:cTn id="31" presetID="10" presetClass="entr" presetSubtype="0" fill="hold" nodeType="clickEffect">
-                                  <p:stCondLst>
-                                    <p:cond delay="0"/>
-                                  </p:stCondLst>
-                                  <p:childTnLst>
-                                    <p:set>
-                                      <p:cBhvr>
-                                        <p:cTn id="32" dur="1" fill="hold">
-                                          <p:stCondLst>
-                                            <p:cond delay="0"/>
-                                          </p:stCondLst>
-                                        </p:cTn>
-                                        <p:tgtEl>
-                                          <p:spTgt spid="5"/>
-                                        </p:tgtEl>
-                                        <p:attrNameLst>
-                                          <p:attrName>style.visibility</p:attrName>
-                                        </p:attrNameLst>
-                                      </p:cBhvr>
-                                      <p:to>
-                                        <p:strVal val="visible"/>
-                                      </p:to>
-                                    </p:set>
-                                    <p:animEffect transition="in" filter="fade">
-                                      <p:cBhvr>
-                                        <p:cTn id="33" dur="500"/>
-                                        <p:tgtEl>
-                                          <p:spTgt spid="5"/>
-                                        </p:tgtEl>
-                                      </p:cBhvr>
-                                    </p:animEffect>
-                                  </p:childTnLst>
-                                </p:cTn>
-                              </p:par>
-                            </p:childTnLst>
-                          </p:cTn>
-                        </p:par>
-                      </p:childTnLst>
-                    </p:cTn>
-                  </p:par>
                 </p:childTnLst>
               </p:cTn>
               <p:prevCondLst>
@@ -6854,7 +5719,7 @@
 </p:sld>
 </file>
 
-<file path=ppt/slides/slide12.xml><?xml version="1.0" encoding="utf-8"?>
+<file path=ppt/slides/slide11.xml><?xml version="1.0" encoding="utf-8"?>
 <p:sld xmlns:a="http://schemas.openxmlformats.org/drawingml/2006/main" xmlns:r="http://schemas.openxmlformats.org/officeDocument/2006/relationships" xmlns:p="http://schemas.openxmlformats.org/presentationml/2006/main">
   <p:cSld>
     <p:spTree>
@@ -6926,36 +5791,6 @@
           </a:p>
         </p:txBody>
       </p:sp>
-      <p:pic>
-        <p:nvPicPr>
-          <p:cNvPr id="5" name="Picture 4">
-            <a:extLst>
-              <a:ext uri="{FF2B5EF4-FFF2-40B4-BE49-F238E27FC236}">
-                <a16:creationId xmlns:a16="http://schemas.microsoft.com/office/drawing/2014/main" id="{3E277853-968F-451C-B847-461ACCD41260}"/>
-              </a:ext>
-            </a:extLst>
-          </p:cNvPr>
-          <p:cNvPicPr>
-            <a:picLocks noChangeAspect="1"/>
-          </p:cNvPicPr>
-          <p:nvPr/>
-        </p:nvPicPr>
-        <p:blipFill>
-          <a:blip r:embed="rId2"/>
-          <a:stretch>
-            <a:fillRect/>
-          </a:stretch>
-        </p:blipFill>
-        <p:spPr>
-          <a:xfrm>
-            <a:off x="3738069" y="1757657"/>
-            <a:ext cx="6830637" cy="833787"/>
-          </a:xfrm>
-          <a:prstGeom prst="rect">
-            <a:avLst/>
-          </a:prstGeom>
-        </p:spPr>
-      </p:pic>
       <p:sp>
         <p:nvSpPr>
           <p:cNvPr id="6" name="TextBox 5">
@@ -6994,170 +5829,212 @@
           </a:p>
         </p:txBody>
       </p:sp>
-      <p:pic>
-        <p:nvPicPr>
-          <p:cNvPr id="8" name="Picture 7">
+      <p:grpSp>
+        <p:nvGrpSpPr>
+          <p:cNvPr id="7" name="Group 6">
             <a:extLst>
               <a:ext uri="{FF2B5EF4-FFF2-40B4-BE49-F238E27FC236}">
-                <a16:creationId xmlns:a16="http://schemas.microsoft.com/office/drawing/2014/main" id="{03EF2004-00C1-4EAF-8190-F6B42AD3B688}"/>
+                <a16:creationId xmlns:a16="http://schemas.microsoft.com/office/drawing/2014/main" id="{1A11D74A-B83B-4F73-A638-ED29C1D22885}"/>
               </a:ext>
             </a:extLst>
           </p:cNvPr>
-          <p:cNvPicPr>
-            <a:picLocks noChangeAspect="1"/>
-          </p:cNvPicPr>
+          <p:cNvGrpSpPr/>
           <p:nvPr/>
-        </p:nvPicPr>
-        <p:blipFill>
-          <a:blip r:embed="rId3"/>
-          <a:stretch>
-            <a:fillRect/>
-          </a:stretch>
-        </p:blipFill>
-        <p:spPr>
+        </p:nvGrpSpPr>
+        <p:grpSpPr>
           <a:xfrm>
-            <a:off x="6390156" y="2720435"/>
-            <a:ext cx="4526399" cy="3337559"/>
+            <a:off x="511092" y="2720434"/>
+            <a:ext cx="4804131" cy="3337559"/>
+            <a:chOff x="511092" y="2720434"/>
+            <a:chExt cx="4804131" cy="3337559"/>
           </a:xfrm>
-          <a:prstGeom prst="rect">
-            <a:avLst/>
-          </a:prstGeom>
-        </p:spPr>
-      </p:pic>
-      <p:pic>
-        <p:nvPicPr>
-          <p:cNvPr id="9" name="Picture 8">
+        </p:grpSpPr>
+        <p:pic>
+          <p:nvPicPr>
+            <p:cNvPr id="9" name="Picture 8">
+              <a:extLst>
+                <a:ext uri="{FF2B5EF4-FFF2-40B4-BE49-F238E27FC236}">
+                  <a16:creationId xmlns:a16="http://schemas.microsoft.com/office/drawing/2014/main" id="{C762AEC6-4390-4481-8192-BE952DF50E29}"/>
+                </a:ext>
+              </a:extLst>
+            </p:cNvPr>
+            <p:cNvPicPr>
+              <a:picLocks noChangeAspect="1"/>
+            </p:cNvPicPr>
+            <p:nvPr/>
+          </p:nvPicPr>
+          <p:blipFill>
+            <a:blip r:embed="rId2"/>
+            <a:stretch>
+              <a:fillRect/>
+            </a:stretch>
+          </p:blipFill>
+          <p:spPr>
+            <a:xfrm>
+              <a:off x="628624" y="2720434"/>
+              <a:ext cx="4686599" cy="3337559"/>
+            </a:xfrm>
+            <a:prstGeom prst="rect">
+              <a:avLst/>
+            </a:prstGeom>
+          </p:spPr>
+        </p:pic>
+        <p:sp>
+          <p:nvSpPr>
+            <p:cNvPr id="10" name="Rectangle 9">
+              <a:extLst>
+                <a:ext uri="{FF2B5EF4-FFF2-40B4-BE49-F238E27FC236}">
+                  <a16:creationId xmlns:a16="http://schemas.microsoft.com/office/drawing/2014/main" id="{D6AFB728-BCA9-495F-BD55-88C6B5BB7219}"/>
+                </a:ext>
+              </a:extLst>
+            </p:cNvPr>
+            <p:cNvSpPr/>
+            <p:nvPr/>
+          </p:nvSpPr>
+          <p:spPr>
+            <a:xfrm>
+              <a:off x="511092" y="2775264"/>
+              <a:ext cx="497924" cy="731520"/>
+            </a:xfrm>
+            <a:prstGeom prst="rect">
+              <a:avLst/>
+            </a:prstGeom>
+            <a:solidFill>
+              <a:schemeClr val="bg1"/>
+            </a:solidFill>
+            <a:ln>
+              <a:noFill/>
+            </a:ln>
+          </p:spPr>
+          <p:style>
+            <a:lnRef idx="2">
+              <a:schemeClr val="accent1">
+                <a:shade val="50000"/>
+              </a:schemeClr>
+            </a:lnRef>
+            <a:fillRef idx="1">
+              <a:schemeClr val="accent1"/>
+            </a:fillRef>
+            <a:effectRef idx="0">
+              <a:schemeClr val="accent1"/>
+            </a:effectRef>
+            <a:fontRef idx="minor">
+              <a:schemeClr val="lt1"/>
+            </a:fontRef>
+          </p:style>
+          <p:txBody>
+            <a:bodyPr rtlCol="0" anchor="ctr"/>
+            <a:lstStyle/>
+            <a:p>
+              <a:pPr algn="ctr"/>
+              <a:endParaRPr lang="en-US"/>
+            </a:p>
+          </p:txBody>
+        </p:sp>
+      </p:grpSp>
+      <p:grpSp>
+        <p:nvGrpSpPr>
+          <p:cNvPr id="13" name="Group 12">
             <a:extLst>
               <a:ext uri="{FF2B5EF4-FFF2-40B4-BE49-F238E27FC236}">
-                <a16:creationId xmlns:a16="http://schemas.microsoft.com/office/drawing/2014/main" id="{C762AEC6-4390-4481-8192-BE952DF50E29}"/>
+                <a16:creationId xmlns:a16="http://schemas.microsoft.com/office/drawing/2014/main" id="{95E4C85B-45EA-4992-8AB9-8EBC6B836347}"/>
               </a:ext>
             </a:extLst>
           </p:cNvPr>
-          <p:cNvPicPr>
-            <a:picLocks noChangeAspect="1"/>
-          </p:cNvPicPr>
+          <p:cNvGrpSpPr/>
           <p:nvPr/>
-        </p:nvPicPr>
-        <p:blipFill>
-          <a:blip r:embed="rId4"/>
-          <a:stretch>
-            <a:fillRect/>
-          </a:stretch>
-        </p:blipFill>
-        <p:spPr>
+        </p:nvGrpSpPr>
+        <p:grpSpPr>
           <a:xfrm>
-            <a:off x="640499" y="2720435"/>
-            <a:ext cx="4686599" cy="3337559"/>
+            <a:off x="6319539" y="2696537"/>
+            <a:ext cx="4597016" cy="3361457"/>
+            <a:chOff x="6319539" y="2696537"/>
+            <a:chExt cx="4597016" cy="3361457"/>
           </a:xfrm>
-          <a:prstGeom prst="rect">
-            <a:avLst/>
-          </a:prstGeom>
-        </p:spPr>
-      </p:pic>
-      <p:sp>
-        <p:nvSpPr>
-          <p:cNvPr id="10" name="Rectangle 9">
-            <a:extLst>
-              <a:ext uri="{FF2B5EF4-FFF2-40B4-BE49-F238E27FC236}">
-                <a16:creationId xmlns:a16="http://schemas.microsoft.com/office/drawing/2014/main" id="{D6AFB728-BCA9-495F-BD55-88C6B5BB7219}"/>
-              </a:ext>
-            </a:extLst>
-          </p:cNvPr>
-          <p:cNvSpPr/>
-          <p:nvPr/>
-        </p:nvSpPr>
-        <p:spPr>
-          <a:xfrm>
-            <a:off x="391538" y="2876204"/>
-            <a:ext cx="497924" cy="731520"/>
-          </a:xfrm>
-          <a:prstGeom prst="rect">
-            <a:avLst/>
-          </a:prstGeom>
-          <a:solidFill>
-            <a:schemeClr val="bg1"/>
-          </a:solidFill>
-          <a:ln>
-            <a:noFill/>
-          </a:ln>
-        </p:spPr>
-        <p:style>
-          <a:lnRef idx="2">
-            <a:schemeClr val="accent1">
-              <a:shade val="50000"/>
-            </a:schemeClr>
-          </a:lnRef>
-          <a:fillRef idx="1">
-            <a:schemeClr val="accent1"/>
-          </a:fillRef>
-          <a:effectRef idx="0">
-            <a:schemeClr val="accent1"/>
-          </a:effectRef>
-          <a:fontRef idx="minor">
-            <a:schemeClr val="lt1"/>
-          </a:fontRef>
-        </p:style>
-        <p:txBody>
-          <a:bodyPr rtlCol="0" anchor="ctr"/>
-          <a:lstStyle/>
-          <a:p>
-            <a:pPr algn="ctr"/>
-            <a:endParaRPr lang="en-US"/>
-          </a:p>
-        </p:txBody>
-      </p:sp>
-      <p:sp>
-        <p:nvSpPr>
-          <p:cNvPr id="11" name="Rectangle 10">
-            <a:extLst>
-              <a:ext uri="{FF2B5EF4-FFF2-40B4-BE49-F238E27FC236}">
-                <a16:creationId xmlns:a16="http://schemas.microsoft.com/office/drawing/2014/main" id="{90922BBF-A1A9-4571-9364-55504BBEA5AD}"/>
-              </a:ext>
-            </a:extLst>
-          </p:cNvPr>
-          <p:cNvSpPr/>
-          <p:nvPr/>
-        </p:nvSpPr>
-        <p:spPr>
-          <a:xfrm>
-            <a:off x="6051085" y="2956366"/>
-            <a:ext cx="497924" cy="731520"/>
-          </a:xfrm>
-          <a:prstGeom prst="rect">
-            <a:avLst/>
-          </a:prstGeom>
-          <a:solidFill>
-            <a:schemeClr val="bg1"/>
-          </a:solidFill>
-          <a:ln>
-            <a:noFill/>
-          </a:ln>
-        </p:spPr>
-        <p:style>
-          <a:lnRef idx="2">
-            <a:schemeClr val="accent1">
-              <a:shade val="50000"/>
-            </a:schemeClr>
-          </a:lnRef>
-          <a:fillRef idx="1">
-            <a:schemeClr val="accent1"/>
-          </a:fillRef>
-          <a:effectRef idx="0">
-            <a:schemeClr val="accent1"/>
-          </a:effectRef>
-          <a:fontRef idx="minor">
-            <a:schemeClr val="lt1"/>
-          </a:fontRef>
-        </p:style>
-        <p:txBody>
-          <a:bodyPr rtlCol="0" anchor="ctr"/>
-          <a:lstStyle/>
-          <a:p>
-            <a:pPr algn="ctr"/>
-            <a:endParaRPr lang="en-US"/>
-          </a:p>
-        </p:txBody>
-      </p:sp>
+        </p:grpSpPr>
+        <p:pic>
+          <p:nvPicPr>
+            <p:cNvPr id="8" name="Picture 7">
+              <a:extLst>
+                <a:ext uri="{FF2B5EF4-FFF2-40B4-BE49-F238E27FC236}">
+                  <a16:creationId xmlns:a16="http://schemas.microsoft.com/office/drawing/2014/main" id="{03EF2004-00C1-4EAF-8190-F6B42AD3B688}"/>
+                </a:ext>
+              </a:extLst>
+            </p:cNvPr>
+            <p:cNvPicPr>
+              <a:picLocks noChangeAspect="1"/>
+            </p:cNvPicPr>
+            <p:nvPr/>
+          </p:nvPicPr>
+          <p:blipFill>
+            <a:blip r:embed="rId3"/>
+            <a:stretch>
+              <a:fillRect/>
+            </a:stretch>
+          </p:blipFill>
+          <p:spPr>
+            <a:xfrm>
+              <a:off x="6390156" y="2720435"/>
+              <a:ext cx="4526399" cy="3337559"/>
+            </a:xfrm>
+            <a:prstGeom prst="rect">
+              <a:avLst/>
+            </a:prstGeom>
+          </p:spPr>
+        </p:pic>
+        <p:sp>
+          <p:nvSpPr>
+            <p:cNvPr id="11" name="Rectangle 10">
+              <a:extLst>
+                <a:ext uri="{FF2B5EF4-FFF2-40B4-BE49-F238E27FC236}">
+                  <a16:creationId xmlns:a16="http://schemas.microsoft.com/office/drawing/2014/main" id="{90922BBF-A1A9-4571-9364-55504BBEA5AD}"/>
+                </a:ext>
+              </a:extLst>
+            </p:cNvPr>
+            <p:cNvSpPr/>
+            <p:nvPr/>
+          </p:nvSpPr>
+          <p:spPr>
+            <a:xfrm>
+              <a:off x="6319539" y="2696537"/>
+              <a:ext cx="497924" cy="731520"/>
+            </a:xfrm>
+            <a:prstGeom prst="rect">
+              <a:avLst/>
+            </a:prstGeom>
+            <a:solidFill>
+              <a:schemeClr val="bg1"/>
+            </a:solidFill>
+            <a:ln>
+              <a:noFill/>
+            </a:ln>
+          </p:spPr>
+          <p:style>
+            <a:lnRef idx="2">
+              <a:schemeClr val="accent1">
+                <a:shade val="50000"/>
+              </a:schemeClr>
+            </a:lnRef>
+            <a:fillRef idx="1">
+              <a:schemeClr val="accent1"/>
+            </a:fillRef>
+            <a:effectRef idx="0">
+              <a:schemeClr val="accent1"/>
+            </a:effectRef>
+            <a:fontRef idx="minor">
+              <a:schemeClr val="lt1"/>
+            </a:fontRef>
+          </p:style>
+          <p:txBody>
+            <a:bodyPr rtlCol="0" anchor="ctr"/>
+            <a:lstStyle/>
+            <a:p>
+              <a:pPr algn="ctr"/>
+              <a:endParaRPr lang="en-US"/>
+            </a:p>
+          </p:txBody>
+        </p:sp>
+      </p:grpSp>
       <p:sp>
         <p:nvSpPr>
           <p:cNvPr id="12" name="TextBox 11">
@@ -7213,6 +6090,66 @@
           </a:p>
         </p:txBody>
       </p:sp>
+      <p:pic>
+        <p:nvPicPr>
+          <p:cNvPr id="3" name="Picture 2">
+            <a:extLst>
+              <a:ext uri="{FF2B5EF4-FFF2-40B4-BE49-F238E27FC236}">
+                <a16:creationId xmlns:a16="http://schemas.microsoft.com/office/drawing/2014/main" id="{486C555D-2CD4-4164-B911-EA1F4829424A}"/>
+              </a:ext>
+            </a:extLst>
+          </p:cNvPr>
+          <p:cNvPicPr>
+            <a:picLocks noChangeAspect="1"/>
+          </p:cNvPicPr>
+          <p:nvPr/>
+        </p:nvPicPr>
+        <p:blipFill>
+          <a:blip r:embed="rId4"/>
+          <a:stretch>
+            <a:fillRect/>
+          </a:stretch>
+        </p:blipFill>
+        <p:spPr>
+          <a:xfrm>
+            <a:off x="3303644" y="5712033"/>
+            <a:ext cx="1420355" cy="284948"/>
+          </a:xfrm>
+          <a:prstGeom prst="rect">
+            <a:avLst/>
+          </a:prstGeom>
+        </p:spPr>
+      </p:pic>
+      <p:pic>
+        <p:nvPicPr>
+          <p:cNvPr id="14" name="Picture 13">
+            <a:extLst>
+              <a:ext uri="{FF2B5EF4-FFF2-40B4-BE49-F238E27FC236}">
+                <a16:creationId xmlns:a16="http://schemas.microsoft.com/office/drawing/2014/main" id="{DE30AF73-1394-45A3-9534-7E9DCDB87E96}"/>
+              </a:ext>
+            </a:extLst>
+          </p:cNvPr>
+          <p:cNvPicPr>
+            <a:picLocks noChangeAspect="1"/>
+          </p:cNvPicPr>
+          <p:nvPr/>
+        </p:nvPicPr>
+        <p:blipFill>
+          <a:blip r:embed="rId5"/>
+          <a:stretch>
+            <a:fillRect/>
+          </a:stretch>
+        </p:blipFill>
+        <p:spPr>
+          <a:xfrm>
+            <a:off x="3670142" y="1650670"/>
+            <a:ext cx="6505350" cy="930693"/>
+          </a:xfrm>
+          <a:prstGeom prst="rect">
+            <a:avLst/>
+          </a:prstGeom>
+        </p:spPr>
+      </p:pic>
     </p:spTree>
     <p:extLst>
       <p:ext uri="{BB962C8B-B14F-4D97-AF65-F5344CB8AC3E}">
@@ -7376,8 +6313,8 @@
           </a:prstGeom>
         </p:spPr>
       </p:pic>
-      <mc:AlternateContent xmlns:mc="http://schemas.openxmlformats.org/markup-compatibility/2006">
-        <mc:Choice xmlns:a14="http://schemas.microsoft.com/office/drawing/2010/main" Requires="a14">
+      <mc:AlternateContent xmlns:mc="http://schemas.openxmlformats.org/markup-compatibility/2006" xmlns:a14="http://schemas.microsoft.com/office/drawing/2010/main">
+        <mc:Choice Requires="a14">
           <p:sp>
             <p:nvSpPr>
               <p:cNvPr id="21" name="TextBox 20"/>
@@ -7556,7 +6493,7 @@
             </p:txBody>
           </p:sp>
         </mc:Choice>
-        <mc:Fallback>
+        <mc:Fallback xmlns="">
           <p:sp>
             <p:nvSpPr>
               <p:cNvPr id="21" name="TextBox 20"/>
@@ -7595,8 +6532,8 @@
           </p:sp>
         </mc:Fallback>
       </mc:AlternateContent>
-      <mc:AlternateContent xmlns:mc="http://schemas.openxmlformats.org/markup-compatibility/2006">
-        <mc:Choice xmlns:a14="http://schemas.microsoft.com/office/drawing/2010/main" Requires="a14">
+      <mc:AlternateContent xmlns:mc="http://schemas.openxmlformats.org/markup-compatibility/2006" xmlns:a14="http://schemas.microsoft.com/office/drawing/2010/main">
+        <mc:Choice Requires="a14">
           <p:sp>
             <p:nvSpPr>
               <p:cNvPr id="26" name="TextBox 25"/>
@@ -7719,7 +6656,7 @@
             </p:txBody>
           </p:sp>
         </mc:Choice>
-        <mc:Fallback>
+        <mc:Fallback xmlns="">
           <p:sp>
             <p:nvSpPr>
               <p:cNvPr id="26" name="TextBox 25"/>
@@ -9157,6 +8094,66 @@
           <a:chExt cx="0" cy="0"/>
         </a:xfrm>
       </p:grpSpPr>
+      <p:pic>
+        <p:nvPicPr>
+          <p:cNvPr id="3" name="Picture 2">
+            <a:extLst>
+              <a:ext uri="{FF2B5EF4-FFF2-40B4-BE49-F238E27FC236}">
+                <a16:creationId xmlns:a16="http://schemas.microsoft.com/office/drawing/2014/main" id="{6C62DD51-E99A-4E11-8313-C9BC99B12B1E}"/>
+              </a:ext>
+            </a:extLst>
+          </p:cNvPr>
+          <p:cNvPicPr>
+            <a:picLocks noChangeAspect="1"/>
+          </p:cNvPicPr>
+          <p:nvPr/>
+        </p:nvPicPr>
+        <p:blipFill>
+          <a:blip r:embed="rId2"/>
+          <a:stretch>
+            <a:fillRect/>
+          </a:stretch>
+        </p:blipFill>
+        <p:spPr>
+          <a:xfrm>
+            <a:off x="7226650" y="3584354"/>
+            <a:ext cx="3301634" cy="967649"/>
+          </a:xfrm>
+          <a:prstGeom prst="rect">
+            <a:avLst/>
+          </a:prstGeom>
+        </p:spPr>
+      </p:pic>
+      <p:pic>
+        <p:nvPicPr>
+          <p:cNvPr id="2" name="Picture 1">
+            <a:extLst>
+              <a:ext uri="{FF2B5EF4-FFF2-40B4-BE49-F238E27FC236}">
+                <a16:creationId xmlns:a16="http://schemas.microsoft.com/office/drawing/2014/main" id="{D7EBD90D-B0CD-4008-9704-B09F42E382AC}"/>
+              </a:ext>
+            </a:extLst>
+          </p:cNvPr>
+          <p:cNvPicPr>
+            <a:picLocks noChangeAspect="1"/>
+          </p:cNvPicPr>
+          <p:nvPr/>
+        </p:nvPicPr>
+        <p:blipFill>
+          <a:blip r:embed="rId3"/>
+          <a:stretch>
+            <a:fillRect/>
+          </a:stretch>
+        </p:blipFill>
+        <p:spPr>
+          <a:xfrm>
+            <a:off x="2469780" y="3588742"/>
+            <a:ext cx="2891574" cy="830254"/>
+          </a:xfrm>
+          <a:prstGeom prst="rect">
+            <a:avLst/>
+          </a:prstGeom>
+        </p:spPr>
+      </p:pic>
       <p:sp>
         <p:nvSpPr>
           <p:cNvPr id="6" name="TextBox 5"/>
@@ -9336,7 +8333,7 @@
         </p:nvSpPr>
         <p:spPr>
           <a:xfrm>
-            <a:off x="7359512" y="4936060"/>
+            <a:off x="7429850" y="4943305"/>
             <a:ext cx="3286477" cy="461665"/>
           </a:xfrm>
           <a:prstGeom prst="rect">
@@ -9360,66 +8357,6 @@
           </a:p>
         </p:txBody>
       </p:sp>
-      <p:pic>
-        <p:nvPicPr>
-          <p:cNvPr id="8" name="Picture 7">
-            <a:extLst>
-              <a:ext uri="{FF2B5EF4-FFF2-40B4-BE49-F238E27FC236}">
-                <a16:creationId xmlns:a16="http://schemas.microsoft.com/office/drawing/2014/main" id="{05206996-F887-4733-BA2B-6ECE028243B5}"/>
-              </a:ext>
-            </a:extLst>
-          </p:cNvPr>
-          <p:cNvPicPr>
-            <a:picLocks noChangeAspect="1"/>
-          </p:cNvPicPr>
-          <p:nvPr/>
-        </p:nvPicPr>
-        <p:blipFill>
-          <a:blip r:embed="rId2"/>
-          <a:stretch>
-            <a:fillRect/>
-          </a:stretch>
-        </p:blipFill>
-        <p:spPr>
-          <a:xfrm>
-            <a:off x="2370331" y="3642962"/>
-            <a:ext cx="2990850" cy="876300"/>
-          </a:xfrm>
-          <a:prstGeom prst="rect">
-            <a:avLst/>
-          </a:prstGeom>
-        </p:spPr>
-      </p:pic>
-      <p:pic>
-        <p:nvPicPr>
-          <p:cNvPr id="10" name="Picture 9">
-            <a:extLst>
-              <a:ext uri="{FF2B5EF4-FFF2-40B4-BE49-F238E27FC236}">
-                <a16:creationId xmlns:a16="http://schemas.microsoft.com/office/drawing/2014/main" id="{F5C82AE7-C1EF-45C2-B60F-0B7006F48CA4}"/>
-              </a:ext>
-            </a:extLst>
-          </p:cNvPr>
-          <p:cNvPicPr>
-            <a:picLocks noChangeAspect="1"/>
-          </p:cNvPicPr>
-          <p:nvPr/>
-        </p:nvPicPr>
-        <p:blipFill>
-          <a:blip r:embed="rId3"/>
-          <a:stretch>
-            <a:fillRect/>
-          </a:stretch>
-        </p:blipFill>
-        <p:spPr>
-          <a:xfrm>
-            <a:off x="7331289" y="3642961"/>
-            <a:ext cx="3314700" cy="876300"/>
-          </a:xfrm>
-          <a:prstGeom prst="rect">
-            <a:avLst/>
-          </a:prstGeom>
-        </p:spPr>
-      </p:pic>
       <p:cxnSp>
         <p:nvCxnSpPr>
           <p:cNvPr id="16" name="Straight Arrow Connector 15">
@@ -9436,7 +8373,7 @@
         </p:nvCxnSpPr>
         <p:spPr>
           <a:xfrm flipV="1">
-            <a:off x="3865756" y="4219762"/>
+            <a:off x="3918414" y="4292586"/>
             <a:ext cx="416312" cy="723543"/>
           </a:xfrm>
           <a:prstGeom prst="straightConnector1">
@@ -9480,8 +8417,8 @@
         </p:nvCxnSpPr>
         <p:spPr>
           <a:xfrm flipH="1" flipV="1">
-            <a:off x="9345045" y="4169984"/>
-            <a:ext cx="476624" cy="766076"/>
+            <a:off x="9245596" y="4298000"/>
+            <a:ext cx="398589" cy="663557"/>
           </a:xfrm>
           <a:prstGeom prst="straightConnector1">
             <a:avLst/>
@@ -10425,7 +9362,7 @@
         </p:blipFill>
         <p:spPr>
           <a:xfrm>
-            <a:off x="1517185" y="2706474"/>
+            <a:off x="1413867" y="1691365"/>
             <a:ext cx="9463258" cy="1916310"/>
           </a:xfrm>
           <a:prstGeom prst="rect">
@@ -10433,71 +9370,23 @@
           </a:prstGeom>
         </p:spPr>
       </p:pic>
-    </p:spTree>
-    <p:extLst>
-      <p:ext uri="{BB962C8B-B14F-4D97-AF65-F5344CB8AC3E}">
-        <p14:creationId xmlns:p14="http://schemas.microsoft.com/office/powerpoint/2010/main" val="2011256831"/>
-      </p:ext>
-    </p:extLst>
-  </p:cSld>
-  <p:clrMapOvr>
-    <a:masterClrMapping/>
-  </p:clrMapOvr>
-</p:sld>
-</file>
-
-<file path=ppt/slides/slide7.xml><?xml version="1.0" encoding="utf-8"?>
-<p:sld xmlns:a="http://schemas.openxmlformats.org/drawingml/2006/main" xmlns:r="http://schemas.openxmlformats.org/officeDocument/2006/relationships" xmlns:p="http://schemas.openxmlformats.org/presentationml/2006/main">
-  <p:cSld>
-    <p:spTree>
-      <p:nvGrpSpPr>
-        <p:cNvPr id="1" name=""/>
-        <p:cNvGrpSpPr/>
-        <p:nvPr/>
-      </p:nvGrpSpPr>
-      <p:grpSpPr>
-        <a:xfrm>
-          <a:off x="0" y="0"/>
-          <a:ext cx="0" cy="0"/>
-          <a:chOff x="0" y="0"/>
-          <a:chExt cx="0" cy="0"/>
-        </a:xfrm>
-      </p:grpSpPr>
-      <p:pic>
-        <p:nvPicPr>
-          <p:cNvPr id="4" name="Picture 3"/>
-          <p:cNvPicPr>
-            <a:picLocks noChangeAspect="1"/>
-          </p:cNvPicPr>
-          <p:nvPr/>
-        </p:nvPicPr>
-        <p:blipFill>
-          <a:blip r:embed="rId2"/>
-          <a:stretch>
-            <a:fillRect/>
-          </a:stretch>
-        </p:blipFill>
-        <p:spPr>
-          <a:xfrm>
-            <a:off x="555880" y="3163392"/>
-            <a:ext cx="4590760" cy="3512502"/>
-          </a:xfrm>
-          <a:prstGeom prst="rect">
-            <a:avLst/>
-          </a:prstGeom>
-        </p:spPr>
-      </p:pic>
-      <mc:AlternateContent xmlns:mc="http://schemas.openxmlformats.org/markup-compatibility/2006" xmlns:a14="http://schemas.microsoft.com/office/drawing/2010/main">
-        <mc:Choice Requires="a14">
+      <mc:AlternateContent xmlns:mc="http://schemas.openxmlformats.org/markup-compatibility/2006">
+        <mc:Choice xmlns:a14="http://schemas.microsoft.com/office/drawing/2010/main" Requires="a14">
           <p:sp>
             <p:nvSpPr>
-              <p:cNvPr id="5" name="TextBox 4"/>
+              <p:cNvPr id="5" name="TextBox 4">
+                <a:extLst>
+                  <a:ext uri="{FF2B5EF4-FFF2-40B4-BE49-F238E27FC236}">
+                    <a16:creationId xmlns:a16="http://schemas.microsoft.com/office/drawing/2014/main" id="{7C6D44B7-E18A-44AC-90DD-82B9E1C31378}"/>
+                  </a:ext>
+                </a:extLst>
+              </p:cNvPr>
               <p:cNvSpPr txBox="1"/>
               <p:nvPr/>
             </p:nvSpPr>
             <p:spPr>
               <a:xfrm>
-                <a:off x="877644" y="2101072"/>
+                <a:off x="1346720" y="5695512"/>
                 <a:ext cx="4590760" cy="939360"/>
               </a:xfrm>
               <a:prstGeom prst="rect">
@@ -10754,10 +9643,16 @@
             </p:txBody>
           </p:sp>
         </mc:Choice>
-        <mc:Fallback xmlns="">
+        <mc:Fallback>
           <p:sp>
             <p:nvSpPr>
-              <p:cNvPr id="5" name="TextBox 4"/>
+              <p:cNvPr id="5" name="TextBox 4">
+                <a:extLst>
+                  <a:ext uri="{FF2B5EF4-FFF2-40B4-BE49-F238E27FC236}">
+                    <a16:creationId xmlns:a16="http://schemas.microsoft.com/office/drawing/2014/main" id="{7C6D44B7-E18A-44AC-90DD-82B9E1C31378}"/>
+                  </a:ext>
+                </a:extLst>
+              </p:cNvPr>
               <p:cNvSpPr txBox="1">
                 <a:spLocks noRot="1" noChangeAspect="1" noMove="1" noResize="1" noEditPoints="1" noAdjustHandles="1" noChangeArrowheads="1" noChangeShapeType="1" noTextEdit="1"/>
               </p:cNvSpPr>
@@ -10765,7 +9660,7 @@
             </p:nvSpPr>
             <p:spPr>
               <a:xfrm>
-                <a:off x="877644" y="2101072"/>
+                <a:off x="1346720" y="5695512"/>
                 <a:ext cx="4590760" cy="939360"/>
               </a:xfrm>
               <a:prstGeom prst="rect">
@@ -10795,7 +9690,13 @@
       </mc:AlternateContent>
       <p:pic>
         <p:nvPicPr>
-          <p:cNvPr id="12" name="Picture 11"/>
+          <p:cNvPr id="6" name="Picture 5">
+            <a:extLst>
+              <a:ext uri="{FF2B5EF4-FFF2-40B4-BE49-F238E27FC236}">
+                <a16:creationId xmlns:a16="http://schemas.microsoft.com/office/drawing/2014/main" id="{DDA62FF8-50AE-49C8-BA38-21D12CFE7ECC}"/>
+              </a:ext>
+            </a:extLst>
+          </p:cNvPr>
           <p:cNvPicPr>
             <a:picLocks noChangeAspect="1"/>
           </p:cNvPicPr>
@@ -10809,8 +9710,8 @@
         </p:blipFill>
         <p:spPr>
           <a:xfrm>
-            <a:off x="5987086" y="273181"/>
-            <a:ext cx="5323702" cy="2805182"/>
+            <a:off x="1413867" y="3658242"/>
+            <a:ext cx="4304879" cy="1873888"/>
           </a:xfrm>
           <a:prstGeom prst="rect">
             <a:avLst/>
@@ -10819,7 +9720,13 @@
       </p:pic>
       <p:pic>
         <p:nvPicPr>
-          <p:cNvPr id="11" name="Picture 10"/>
+          <p:cNvPr id="7" name="Picture 6">
+            <a:extLst>
+              <a:ext uri="{FF2B5EF4-FFF2-40B4-BE49-F238E27FC236}">
+                <a16:creationId xmlns:a16="http://schemas.microsoft.com/office/drawing/2014/main" id="{6F77B828-4FAE-4E5D-8126-3F7CAB5FDE2D}"/>
+              </a:ext>
+            </a:extLst>
+          </p:cNvPr>
           <p:cNvPicPr>
             <a:picLocks noChangeAspect="1"/>
           </p:cNvPicPr>
@@ -10833,624 +9740,28 @@
         </p:blipFill>
         <p:spPr>
           <a:xfrm>
-            <a:off x="881212" y="182106"/>
-            <a:ext cx="4304879" cy="1873888"/>
+            <a:off x="6724042" y="3658242"/>
+            <a:ext cx="3934062" cy="3144744"/>
           </a:xfrm>
           <a:prstGeom prst="rect">
             <a:avLst/>
           </a:prstGeom>
         </p:spPr>
       </p:pic>
-      <p:grpSp>
-        <p:nvGrpSpPr>
-          <p:cNvPr id="21" name="Group 20">
-            <a:extLst>
-              <a:ext uri="{FF2B5EF4-FFF2-40B4-BE49-F238E27FC236}">
-                <a16:creationId xmlns:a16="http://schemas.microsoft.com/office/drawing/2014/main" id="{60BB2E1E-D06B-4BF8-9392-E0A8BB305A70}"/>
-              </a:ext>
-            </a:extLst>
-          </p:cNvPr>
-          <p:cNvGrpSpPr/>
-          <p:nvPr/>
-        </p:nvGrpSpPr>
-        <p:grpSpPr>
-          <a:xfrm>
-            <a:off x="6364061" y="3351950"/>
-            <a:ext cx="3984695" cy="2692711"/>
-            <a:chOff x="6963955" y="2953959"/>
-            <a:chExt cx="3420955" cy="2064134"/>
-          </a:xfrm>
-        </p:grpSpPr>
-        <p:cxnSp>
-          <p:nvCxnSpPr>
-            <p:cNvPr id="3" name="Straight Arrow Connector 2">
-              <a:extLst>
-                <a:ext uri="{FF2B5EF4-FFF2-40B4-BE49-F238E27FC236}">
-                  <a16:creationId xmlns:a16="http://schemas.microsoft.com/office/drawing/2014/main" id="{2D23B733-2F01-41DE-8234-CE8B6F7FD2B5}"/>
-                </a:ext>
-              </a:extLst>
-            </p:cNvPr>
-            <p:cNvCxnSpPr/>
-            <p:nvPr/>
-          </p:nvCxnSpPr>
-          <p:spPr>
-            <a:xfrm>
-              <a:off x="7222013" y="4919643"/>
-              <a:ext cx="2189900" cy="0"/>
-            </a:xfrm>
-            <a:prstGeom prst="straightConnector1">
-              <a:avLst/>
-            </a:prstGeom>
-            <a:ln w="38100">
-              <a:solidFill>
-                <a:schemeClr val="accent1"/>
-              </a:solidFill>
-              <a:tailEnd type="triangle"/>
-            </a:ln>
-          </p:spPr>
-          <p:style>
-            <a:lnRef idx="1">
-              <a:schemeClr val="accent1"/>
-            </a:lnRef>
-            <a:fillRef idx="0">
-              <a:schemeClr val="accent1"/>
-            </a:fillRef>
-            <a:effectRef idx="0">
-              <a:schemeClr val="accent1"/>
-            </a:effectRef>
-            <a:fontRef idx="minor">
-              <a:schemeClr val="tx1"/>
-            </a:fontRef>
-          </p:style>
-        </p:cxnSp>
-        <p:cxnSp>
-          <p:nvCxnSpPr>
-            <p:cNvPr id="10" name="Straight Arrow Connector 9">
-              <a:extLst>
-                <a:ext uri="{FF2B5EF4-FFF2-40B4-BE49-F238E27FC236}">
-                  <a16:creationId xmlns:a16="http://schemas.microsoft.com/office/drawing/2014/main" id="{3D29222F-A22A-4946-A8BA-D46A41393B1C}"/>
-                </a:ext>
-              </a:extLst>
-            </p:cNvPr>
-            <p:cNvCxnSpPr>
-              <a:cxnSpLocks/>
-            </p:cNvCxnSpPr>
-            <p:nvPr/>
-          </p:nvCxnSpPr>
-          <p:spPr>
-            <a:xfrm flipV="1">
-              <a:off x="7227837" y="3220784"/>
-              <a:ext cx="0" cy="1710507"/>
-            </a:xfrm>
-            <a:prstGeom prst="straightConnector1">
-              <a:avLst/>
-            </a:prstGeom>
-            <a:ln w="38100">
-              <a:solidFill>
-                <a:schemeClr val="accent1"/>
-              </a:solidFill>
-              <a:tailEnd type="triangle"/>
-            </a:ln>
-          </p:spPr>
-          <p:style>
-            <a:lnRef idx="1">
-              <a:schemeClr val="accent1"/>
-            </a:lnRef>
-            <a:fillRef idx="0">
-              <a:schemeClr val="accent1"/>
-            </a:fillRef>
-            <a:effectRef idx="0">
-              <a:schemeClr val="accent1"/>
-            </a:effectRef>
-            <a:fontRef idx="minor">
-              <a:schemeClr val="tx1"/>
-            </a:fontRef>
-          </p:style>
-        </p:cxnSp>
-        <p:sp>
-          <p:nvSpPr>
-            <p:cNvPr id="13" name="Oval 12">
-              <a:extLst>
-                <a:ext uri="{FF2B5EF4-FFF2-40B4-BE49-F238E27FC236}">
-                  <a16:creationId xmlns:a16="http://schemas.microsoft.com/office/drawing/2014/main" id="{778B0A47-05CA-42B8-9656-E9761C280DE6}"/>
-                </a:ext>
-              </a:extLst>
-            </p:cNvPr>
-            <p:cNvSpPr/>
-            <p:nvPr/>
-          </p:nvSpPr>
-          <p:spPr>
-            <a:xfrm>
-              <a:off x="7687950" y="4407815"/>
-              <a:ext cx="215495" cy="198021"/>
-            </a:xfrm>
-            <a:prstGeom prst="ellipse">
-              <a:avLst/>
-            </a:prstGeom>
-            <a:solidFill>
-              <a:schemeClr val="accent6"/>
-            </a:solidFill>
-          </p:spPr>
-          <p:style>
-            <a:lnRef idx="2">
-              <a:schemeClr val="accent1">
-                <a:shade val="50000"/>
-              </a:schemeClr>
-            </a:lnRef>
-            <a:fillRef idx="1">
-              <a:schemeClr val="accent1"/>
-            </a:fillRef>
-            <a:effectRef idx="0">
-              <a:schemeClr val="accent1"/>
-            </a:effectRef>
-            <a:fontRef idx="minor">
-              <a:schemeClr val="lt1"/>
-            </a:fontRef>
-          </p:style>
-          <p:txBody>
-            <a:bodyPr rtlCol="0" anchor="ctr"/>
-            <a:lstStyle/>
-            <a:p>
-              <a:pPr algn="ctr"/>
-              <a:endParaRPr lang="en-US"/>
-            </a:p>
-          </p:txBody>
-        </p:sp>
-        <p:cxnSp>
-          <p:nvCxnSpPr>
-            <p:cNvPr id="17" name="Straight Arrow Connector 16">
-              <a:extLst>
-                <a:ext uri="{FF2B5EF4-FFF2-40B4-BE49-F238E27FC236}">
-                  <a16:creationId xmlns:a16="http://schemas.microsoft.com/office/drawing/2014/main" id="{73AF2763-CB65-4DC4-8650-B6684FC130F6}"/>
-                </a:ext>
-              </a:extLst>
-            </p:cNvPr>
-            <p:cNvCxnSpPr>
-              <a:cxnSpLocks/>
-            </p:cNvCxnSpPr>
-            <p:nvPr/>
-          </p:nvCxnSpPr>
-          <p:spPr>
-            <a:xfrm>
-              <a:off x="7795697" y="4506825"/>
-              <a:ext cx="372748" cy="0"/>
-            </a:xfrm>
-            <a:prstGeom prst="straightConnector1">
-              <a:avLst/>
-            </a:prstGeom>
-            <a:ln w="38100">
-              <a:solidFill>
-                <a:srgbClr val="00B050"/>
-              </a:solidFill>
-              <a:tailEnd type="triangle"/>
-            </a:ln>
-          </p:spPr>
-          <p:style>
-            <a:lnRef idx="1">
-              <a:schemeClr val="accent1"/>
-            </a:lnRef>
-            <a:fillRef idx="0">
-              <a:schemeClr val="accent1"/>
-            </a:fillRef>
-            <a:effectRef idx="0">
-              <a:schemeClr val="accent1"/>
-            </a:effectRef>
-            <a:fontRef idx="minor">
-              <a:schemeClr val="tx1"/>
-            </a:fontRef>
-          </p:style>
-        </p:cxnSp>
-        <mc:AlternateContent xmlns:mc="http://schemas.openxmlformats.org/markup-compatibility/2006" xmlns:a14="http://schemas.microsoft.com/office/drawing/2010/main">
-          <mc:Choice Requires="a14">
-            <p:sp>
-              <p:nvSpPr>
-                <p:cNvPr id="19" name="TextBox 18">
-                  <a:extLst>
-                    <a:ext uri="{FF2B5EF4-FFF2-40B4-BE49-F238E27FC236}">
-                      <a16:creationId xmlns:a16="http://schemas.microsoft.com/office/drawing/2014/main" id="{65727270-FF59-4881-ABE5-F5876D23C1A4}"/>
-                    </a:ext>
-                  </a:extLst>
-                </p:cNvPr>
-                <p:cNvSpPr txBox="1"/>
-                <p:nvPr/>
-              </p:nvSpPr>
-              <p:spPr>
-                <a:xfrm>
-                  <a:off x="9493453" y="4734977"/>
-                  <a:ext cx="891457" cy="283116"/>
-                </a:xfrm>
-                <a:prstGeom prst="rect">
-                  <a:avLst/>
-                </a:prstGeom>
-                <a:noFill/>
-              </p:spPr>
-              <p:txBody>
-                <a:bodyPr wrap="none" rtlCol="0">
-                  <a:spAutoFit/>
-                </a:bodyPr>
-                <a:lstStyle/>
-                <a:p>
-                  <a:pPr/>
-                  <a14:m>
-                    <m:oMathPara xmlns:m="http://schemas.openxmlformats.org/officeDocument/2006/math">
-                      <m:oMathParaPr>
-                        <m:jc m:val="centerGroup"/>
-                      </m:oMathParaPr>
-                      <m:oMath xmlns:m="http://schemas.openxmlformats.org/officeDocument/2006/math">
-                        <m:r>
-                          <a:rPr lang="en-US" b="0" i="1" smtClean="0">
-                            <a:latin typeface="Cambria Math" panose="02040503050406030204" pitchFamily="18" charset="0"/>
-                          </a:rPr>
-                          <m:t>𝑇</m:t>
-                        </m:r>
-                        <m:sSub>
-                          <m:sSubPr>
-                            <m:ctrlPr>
-                              <a:rPr lang="en-US" b="0" i="1" smtClean="0">
-                                <a:latin typeface="Cambria Math" panose="02040503050406030204" pitchFamily="18" charset="0"/>
-                              </a:rPr>
-                            </m:ctrlPr>
-                          </m:sSubPr>
-                          <m:e>
-                            <m:r>
-                              <a:rPr lang="en-US" b="0" i="1" smtClean="0">
-                                <a:latin typeface="Cambria Math" panose="02040503050406030204" pitchFamily="18" charset="0"/>
-                              </a:rPr>
-                              <m:t>𝐸</m:t>
-                            </m:r>
-                          </m:e>
-                          <m:sub>
-                            <m:r>
-                              <a:rPr lang="en-US" b="0" i="1" smtClean="0">
-                                <a:latin typeface="Cambria Math" panose="02040503050406030204" pitchFamily="18" charset="0"/>
-                              </a:rPr>
-                              <m:t>10</m:t>
-                            </m:r>
-                          </m:sub>
-                        </m:sSub>
-                        <m:r>
-                          <a:rPr lang="en-US" b="0" i="1" smtClean="0">
-                            <a:latin typeface="Cambria Math" panose="02040503050406030204" pitchFamily="18" charset="0"/>
-                          </a:rPr>
-                          <m:t>(</m:t>
-                        </m:r>
-                        <m:r>
-                          <a:rPr lang="en-US" b="0" i="1" smtClean="0">
-                            <a:latin typeface="Cambria Math" panose="02040503050406030204" pitchFamily="18" charset="0"/>
-                          </a:rPr>
-                          <m:t>𝑦</m:t>
-                        </m:r>
-                        <m:r>
-                          <a:rPr lang="en-US" b="0" i="1" smtClean="0">
-                            <a:latin typeface="Cambria Math" panose="02040503050406030204" pitchFamily="18" charset="0"/>
-                          </a:rPr>
-                          <m:t>)</m:t>
-                        </m:r>
-                      </m:oMath>
-                    </m:oMathPara>
-                  </a14:m>
-                  <a:endParaRPr lang="en-US" dirty="0"/>
-                </a:p>
-              </p:txBody>
-            </p:sp>
-          </mc:Choice>
-          <mc:Fallback xmlns="">
-            <p:sp>
-              <p:nvSpPr>
-                <p:cNvPr id="19" name="TextBox 18">
-                  <a:extLst>
-                    <a:ext uri="{FF2B5EF4-FFF2-40B4-BE49-F238E27FC236}">
-                      <a16:creationId xmlns:a16="http://schemas.microsoft.com/office/drawing/2014/main" id="{65727270-FF59-4881-ABE5-F5876D23C1A4}"/>
-                    </a:ext>
-                  </a:extLst>
-                </p:cNvPr>
-                <p:cNvSpPr txBox="1">
-                  <a:spLocks noRot="1" noChangeAspect="1" noMove="1" noResize="1" noEditPoints="1" noAdjustHandles="1" noChangeArrowheads="1" noChangeShapeType="1" noTextEdit="1"/>
-                </p:cNvSpPr>
-                <p:nvPr/>
-              </p:nvSpPr>
-              <p:spPr>
-                <a:xfrm>
-                  <a:off x="9493453" y="4734977"/>
-                  <a:ext cx="891457" cy="283116"/>
-                </a:xfrm>
-                <a:prstGeom prst="rect">
-                  <a:avLst/>
-                </a:prstGeom>
-                <a:blipFill>
-                  <a:blip r:embed="rId6"/>
-                  <a:stretch>
-                    <a:fillRect b="-11475"/>
-                  </a:stretch>
-                </a:blipFill>
-              </p:spPr>
-              <p:txBody>
-                <a:bodyPr/>
-                <a:lstStyle/>
-                <a:p>
-                  <a:r>
-                    <a:rPr lang="en-US">
-                      <a:noFill/>
-                    </a:rPr>
-                    <a:t> </a:t>
-                  </a:r>
-                </a:p>
-              </p:txBody>
-            </p:sp>
-          </mc:Fallback>
-        </mc:AlternateContent>
-        <mc:AlternateContent xmlns:mc="http://schemas.openxmlformats.org/markup-compatibility/2006" xmlns:a14="http://schemas.microsoft.com/office/drawing/2010/main">
-          <mc:Choice Requires="a14">
-            <p:sp>
-              <p:nvSpPr>
-                <p:cNvPr id="20" name="TextBox 19">
-                  <a:extLst>
-                    <a:ext uri="{FF2B5EF4-FFF2-40B4-BE49-F238E27FC236}">
-                      <a16:creationId xmlns:a16="http://schemas.microsoft.com/office/drawing/2014/main" id="{1E77E2B9-D5AA-4279-83FF-0CFE0E0C16EB}"/>
-                    </a:ext>
-                  </a:extLst>
-                </p:cNvPr>
-                <p:cNvSpPr txBox="1"/>
-                <p:nvPr/>
-              </p:nvSpPr>
-              <p:spPr>
-                <a:xfrm>
-                  <a:off x="6963955" y="2953959"/>
-                  <a:ext cx="893109" cy="283116"/>
-                </a:xfrm>
-                <a:prstGeom prst="rect">
-                  <a:avLst/>
-                </a:prstGeom>
-                <a:noFill/>
-              </p:spPr>
-              <p:txBody>
-                <a:bodyPr wrap="none" rtlCol="0">
-                  <a:spAutoFit/>
-                </a:bodyPr>
-                <a:lstStyle/>
-                <a:p>
-                  <a:pPr/>
-                  <a14:m>
-                    <m:oMathPara xmlns:m="http://schemas.openxmlformats.org/officeDocument/2006/math">
-                      <m:oMathParaPr>
-                        <m:jc m:val="centerGroup"/>
-                      </m:oMathParaPr>
-                      <m:oMath xmlns:m="http://schemas.openxmlformats.org/officeDocument/2006/math">
-                        <m:r>
-                          <a:rPr lang="en-US" b="0" i="1" smtClean="0">
-                            <a:latin typeface="Cambria Math" panose="02040503050406030204" pitchFamily="18" charset="0"/>
-                          </a:rPr>
-                          <m:t>𝑇</m:t>
-                        </m:r>
-                        <m:sSub>
-                          <m:sSubPr>
-                            <m:ctrlPr>
-                              <a:rPr lang="en-US" b="0" i="1" smtClean="0">
-                                <a:latin typeface="Cambria Math" panose="02040503050406030204" pitchFamily="18" charset="0"/>
-                              </a:rPr>
-                            </m:ctrlPr>
-                          </m:sSubPr>
-                          <m:e>
-                            <m:r>
-                              <a:rPr lang="en-US" b="0" i="1" smtClean="0">
-                                <a:latin typeface="Cambria Math" panose="02040503050406030204" pitchFamily="18" charset="0"/>
-                              </a:rPr>
-                              <m:t>𝐸</m:t>
-                            </m:r>
-                          </m:e>
-                          <m:sub>
-                            <m:r>
-                              <a:rPr lang="en-US" b="0" i="1" smtClean="0">
-                                <a:latin typeface="Cambria Math" panose="02040503050406030204" pitchFamily="18" charset="0"/>
-                              </a:rPr>
-                              <m:t>01</m:t>
-                            </m:r>
-                          </m:sub>
-                        </m:sSub>
-                        <m:r>
-                          <a:rPr lang="en-US" b="0" i="1" smtClean="0">
-                            <a:latin typeface="Cambria Math" panose="02040503050406030204" pitchFamily="18" charset="0"/>
-                          </a:rPr>
-                          <m:t>(</m:t>
-                        </m:r>
-                        <m:r>
-                          <a:rPr lang="en-US" b="0" i="1" smtClean="0">
-                            <a:latin typeface="Cambria Math" panose="02040503050406030204" pitchFamily="18" charset="0"/>
-                          </a:rPr>
-                          <m:t>𝑥</m:t>
-                        </m:r>
-                        <m:r>
-                          <a:rPr lang="en-US" b="0" i="1" smtClean="0">
-                            <a:latin typeface="Cambria Math" panose="02040503050406030204" pitchFamily="18" charset="0"/>
-                          </a:rPr>
-                          <m:t>)</m:t>
-                        </m:r>
-                      </m:oMath>
-                    </m:oMathPara>
-                  </a14:m>
-                  <a:endParaRPr lang="en-US" dirty="0"/>
-                </a:p>
-              </p:txBody>
-            </p:sp>
-          </mc:Choice>
-          <mc:Fallback xmlns="">
-            <p:sp>
-              <p:nvSpPr>
-                <p:cNvPr id="20" name="TextBox 19">
-                  <a:extLst>
-                    <a:ext uri="{FF2B5EF4-FFF2-40B4-BE49-F238E27FC236}">
-                      <a16:creationId xmlns:a16="http://schemas.microsoft.com/office/drawing/2014/main" id="{1E77E2B9-D5AA-4279-83FF-0CFE0E0C16EB}"/>
-                    </a:ext>
-                  </a:extLst>
-                </p:cNvPr>
-                <p:cNvSpPr txBox="1">
-                  <a:spLocks noRot="1" noChangeAspect="1" noMove="1" noResize="1" noEditPoints="1" noAdjustHandles="1" noChangeArrowheads="1" noChangeShapeType="1" noTextEdit="1"/>
-                </p:cNvSpPr>
-                <p:nvPr/>
-              </p:nvSpPr>
-              <p:spPr>
-                <a:xfrm>
-                  <a:off x="6963955" y="2953959"/>
-                  <a:ext cx="893109" cy="283116"/>
-                </a:xfrm>
-                <a:prstGeom prst="rect">
-                  <a:avLst/>
-                </a:prstGeom>
-                <a:blipFill>
-                  <a:blip r:embed="rId7"/>
-                  <a:stretch>
-                    <a:fillRect b="-13333"/>
-                  </a:stretch>
-                </a:blipFill>
-              </p:spPr>
-              <p:txBody>
-                <a:bodyPr/>
-                <a:lstStyle/>
-                <a:p>
-                  <a:r>
-                    <a:rPr lang="en-US">
-                      <a:noFill/>
-                    </a:rPr>
-                    <a:t> </a:t>
-                  </a:r>
-                </a:p>
-              </p:txBody>
-            </p:sp>
-          </mc:Fallback>
-        </mc:AlternateContent>
-      </p:grpSp>
     </p:spTree>
     <p:extLst>
       <p:ext uri="{BB962C8B-B14F-4D97-AF65-F5344CB8AC3E}">
-        <p14:creationId xmlns:p14="http://schemas.microsoft.com/office/powerpoint/2010/main" val="1535645616"/>
+        <p14:creationId xmlns:p14="http://schemas.microsoft.com/office/powerpoint/2010/main" val="2011256831"/>
       </p:ext>
     </p:extLst>
   </p:cSld>
   <p:clrMapOvr>
     <a:masterClrMapping/>
   </p:clrMapOvr>
-  <p:timing>
-    <p:tnLst>
-      <p:par>
-        <p:cTn id="1" dur="indefinite" restart="never" nodeType="tmRoot">
-          <p:childTnLst>
-            <p:seq concurrent="1" nextAc="seek">
-              <p:cTn id="2" dur="indefinite" nodeType="mainSeq">
-                <p:childTnLst>
-                  <p:par>
-                    <p:cTn id="3" fill="hold">
-                      <p:stCondLst>
-                        <p:cond delay="indefinite"/>
-                      </p:stCondLst>
-                      <p:childTnLst>
-                        <p:par>
-                          <p:cTn id="4" fill="hold">
-                            <p:stCondLst>
-                              <p:cond delay="0"/>
-                            </p:stCondLst>
-                            <p:childTnLst>
-                              <p:par>
-                                <p:cTn id="5" presetID="10" presetClass="entr" presetSubtype="0" fill="hold" nodeType="clickEffect">
-                                  <p:stCondLst>
-                                    <p:cond delay="0"/>
-                                  </p:stCondLst>
-                                  <p:childTnLst>
-                                    <p:set>
-                                      <p:cBhvr>
-                                        <p:cTn id="6" dur="1" fill="hold">
-                                          <p:stCondLst>
-                                            <p:cond delay="0"/>
-                                          </p:stCondLst>
-                                        </p:cTn>
-                                        <p:tgtEl>
-                                          <p:spTgt spid="21"/>
-                                        </p:tgtEl>
-                                        <p:attrNameLst>
-                                          <p:attrName>style.visibility</p:attrName>
-                                        </p:attrNameLst>
-                                      </p:cBhvr>
-                                      <p:to>
-                                        <p:strVal val="visible"/>
-                                      </p:to>
-                                    </p:set>
-                                    <p:animEffect transition="in" filter="fade">
-                                      <p:cBhvr>
-                                        <p:cTn id="7" dur="500"/>
-                                        <p:tgtEl>
-                                          <p:spTgt spid="21"/>
-                                        </p:tgtEl>
-                                      </p:cBhvr>
-                                    </p:animEffect>
-                                  </p:childTnLst>
-                                </p:cTn>
-                              </p:par>
-                              <p:par>
-                                <p:cTn id="8" presetID="10" presetClass="entr" presetSubtype="0" fill="hold" nodeType="withEffect">
-                                  <p:stCondLst>
-                                    <p:cond delay="0"/>
-                                  </p:stCondLst>
-                                  <p:childTnLst>
-                                    <p:set>
-                                      <p:cBhvr>
-                                        <p:cTn id="9" dur="1" fill="hold">
-                                          <p:stCondLst>
-                                            <p:cond delay="0"/>
-                                          </p:stCondLst>
-                                        </p:cTn>
-                                        <p:tgtEl>
-                                          <p:spTgt spid="12"/>
-                                        </p:tgtEl>
-                                        <p:attrNameLst>
-                                          <p:attrName>style.visibility</p:attrName>
-                                        </p:attrNameLst>
-                                      </p:cBhvr>
-                                      <p:to>
-                                        <p:strVal val="visible"/>
-                                      </p:to>
-                                    </p:set>
-                                    <p:animEffect transition="in" filter="fade">
-                                      <p:cBhvr>
-                                        <p:cTn id="10" dur="500"/>
-                                        <p:tgtEl>
-                                          <p:spTgt spid="12"/>
-                                        </p:tgtEl>
-                                      </p:cBhvr>
-                                    </p:animEffect>
-                                  </p:childTnLst>
-                                </p:cTn>
-                              </p:par>
-                            </p:childTnLst>
-                          </p:cTn>
-                        </p:par>
-                      </p:childTnLst>
-                    </p:cTn>
-                  </p:par>
-                </p:childTnLst>
-              </p:cTn>
-              <p:prevCondLst>
-                <p:cond evt="onPrev" delay="0">
-                  <p:tgtEl>
-                    <p:sldTgt/>
-                  </p:tgtEl>
-                </p:cond>
-              </p:prevCondLst>
-              <p:nextCondLst>
-                <p:cond evt="onNext" delay="0">
-                  <p:tgtEl>
-                    <p:sldTgt/>
-                  </p:tgtEl>
-                </p:cond>
-              </p:nextCondLst>
-            </p:seq>
-          </p:childTnLst>
-        </p:cTn>
-      </p:par>
-    </p:tnLst>
-  </p:timing>
 </p:sld>
 </file>
 
-<file path=ppt/slides/slide8.xml><?xml version="1.0" encoding="utf-8"?>
+<file path=ppt/slides/slide7.xml><?xml version="1.0" encoding="utf-8"?>
 <p:sld xmlns:a="http://schemas.openxmlformats.org/drawingml/2006/main" xmlns:r="http://schemas.openxmlformats.org/officeDocument/2006/relationships" xmlns:p="http://schemas.openxmlformats.org/presentationml/2006/main">
   <p:cSld>
     <p:spTree>
@@ -14547,7 +12858,7 @@
 </p:sld>
 </file>
 
-<file path=ppt/slides/slide9.xml><?xml version="1.0" encoding="utf-8"?>
+<file path=ppt/slides/slide8.xml><?xml version="1.0" encoding="utf-8"?>
 <p:sld xmlns:a="http://schemas.openxmlformats.org/drawingml/2006/main" xmlns:r="http://schemas.openxmlformats.org/officeDocument/2006/relationships" xmlns:p="http://schemas.openxmlformats.org/presentationml/2006/main">
   <p:cSld>
     <p:spTree>
@@ -15792,6 +14103,1112 @@
 </p:sld>
 </file>
 
+<file path=ppt/slides/slide9.xml><?xml version="1.0" encoding="utf-8"?>
+<p:sld xmlns:a="http://schemas.openxmlformats.org/drawingml/2006/main" xmlns:r="http://schemas.openxmlformats.org/officeDocument/2006/relationships" xmlns:p="http://schemas.openxmlformats.org/presentationml/2006/main">
+  <p:cSld>
+    <p:spTree>
+      <p:nvGrpSpPr>
+        <p:cNvPr id="1" name=""/>
+        <p:cNvGrpSpPr/>
+        <p:nvPr/>
+      </p:nvGrpSpPr>
+      <p:grpSpPr>
+        <a:xfrm>
+          <a:off x="0" y="0"/>
+          <a:ext cx="0" cy="0"/>
+          <a:chOff x="0" y="0"/>
+          <a:chExt cx="0" cy="0"/>
+        </a:xfrm>
+      </p:grpSpPr>
+      <p:pic>
+        <p:nvPicPr>
+          <p:cNvPr id="4" name="Picture 3">
+            <a:extLst>
+              <a:ext uri="{FF2B5EF4-FFF2-40B4-BE49-F238E27FC236}">
+                <a16:creationId xmlns:a16="http://schemas.microsoft.com/office/drawing/2014/main" id="{6CE99690-6F42-448A-BFDA-E0DF4FB4FDA1}"/>
+              </a:ext>
+            </a:extLst>
+          </p:cNvPr>
+          <p:cNvPicPr>
+            <a:picLocks noChangeAspect="1"/>
+          </p:cNvPicPr>
+          <p:nvPr/>
+        </p:nvPicPr>
+        <p:blipFill>
+          <a:blip r:embed="rId2"/>
+          <a:stretch>
+            <a:fillRect/>
+          </a:stretch>
+        </p:blipFill>
+        <p:spPr>
+          <a:xfrm>
+            <a:off x="134293" y="1691491"/>
+            <a:ext cx="11923414" cy="2172407"/>
+          </a:xfrm>
+          <a:prstGeom prst="rect">
+            <a:avLst/>
+          </a:prstGeom>
+        </p:spPr>
+      </p:pic>
+      <p:sp>
+        <p:nvSpPr>
+          <p:cNvPr id="5" name="Rectangle 4">
+            <a:extLst>
+              <a:ext uri="{FF2B5EF4-FFF2-40B4-BE49-F238E27FC236}">
+                <a16:creationId xmlns:a16="http://schemas.microsoft.com/office/drawing/2014/main" id="{CC60A3F1-C7BB-4986-8D4D-8582BA93A0B0}"/>
+              </a:ext>
+            </a:extLst>
+          </p:cNvPr>
+          <p:cNvSpPr/>
+          <p:nvPr/>
+        </p:nvSpPr>
+        <p:spPr>
+          <a:xfrm>
+            <a:off x="0" y="594291"/>
+            <a:ext cx="12192000" cy="829312"/>
+          </a:xfrm>
+          <a:prstGeom prst="rect">
+            <a:avLst/>
+          </a:prstGeom>
+          <a:solidFill>
+            <a:schemeClr val="tx1"/>
+          </a:solidFill>
+        </p:spPr>
+        <p:style>
+          <a:lnRef idx="2">
+            <a:schemeClr val="accent1">
+              <a:shade val="50000"/>
+            </a:schemeClr>
+          </a:lnRef>
+          <a:fillRef idx="1">
+            <a:schemeClr val="accent1"/>
+          </a:fillRef>
+          <a:effectRef idx="0">
+            <a:schemeClr val="accent1"/>
+          </a:effectRef>
+          <a:fontRef idx="minor">
+            <a:schemeClr val="lt1"/>
+          </a:fontRef>
+        </p:style>
+        <p:txBody>
+          <a:bodyPr rtlCol="0" anchor="ctr"/>
+          <a:lstStyle/>
+          <a:p>
+            <a:pPr algn="ctr"/>
+            <a:r>
+              <a:rPr lang="en-US" sz="3200" dirty="0">
+                <a:latin typeface="Arial" panose="020B0604020202020204" pitchFamily="34" charset="0"/>
+                <a:cs typeface="Arial" panose="020B0604020202020204" pitchFamily="34" charset="0"/>
+              </a:rPr>
+              <a:t>Three-level system</a:t>
+            </a:r>
+          </a:p>
+        </p:txBody>
+      </p:sp>
+      <p:cxnSp>
+        <p:nvCxnSpPr>
+          <p:cNvPr id="7" name="Straight Arrow Connector 6">
+            <a:extLst>
+              <a:ext uri="{FF2B5EF4-FFF2-40B4-BE49-F238E27FC236}">
+                <a16:creationId xmlns:a16="http://schemas.microsoft.com/office/drawing/2014/main" id="{3D6F8913-67CC-4B5F-9DBD-2102953EB275}"/>
+              </a:ext>
+            </a:extLst>
+          </p:cNvPr>
+          <p:cNvCxnSpPr>
+            <a:cxnSpLocks/>
+          </p:cNvCxnSpPr>
+          <p:nvPr/>
+        </p:nvCxnSpPr>
+        <p:spPr>
+          <a:xfrm>
+            <a:off x="1349298" y="5887844"/>
+            <a:ext cx="6802244" cy="0"/>
+          </a:xfrm>
+          <a:prstGeom prst="straightConnector1">
+            <a:avLst/>
+          </a:prstGeom>
+          <a:ln w="38100">
+            <a:solidFill>
+              <a:schemeClr val="tx1"/>
+            </a:solidFill>
+            <a:tailEnd type="triangle"/>
+          </a:ln>
+        </p:spPr>
+        <p:style>
+          <a:lnRef idx="1">
+            <a:schemeClr val="accent1"/>
+          </a:lnRef>
+          <a:fillRef idx="0">
+            <a:schemeClr val="accent1"/>
+          </a:fillRef>
+          <a:effectRef idx="0">
+            <a:schemeClr val="accent1"/>
+          </a:effectRef>
+          <a:fontRef idx="minor">
+            <a:schemeClr val="tx1"/>
+          </a:fontRef>
+        </p:style>
+      </p:cxnSp>
+      <p:cxnSp>
+        <p:nvCxnSpPr>
+          <p:cNvPr id="9" name="Straight Arrow Connector 8">
+            <a:extLst>
+              <a:ext uri="{FF2B5EF4-FFF2-40B4-BE49-F238E27FC236}">
+                <a16:creationId xmlns:a16="http://schemas.microsoft.com/office/drawing/2014/main" id="{13195B68-13F8-4589-AE7F-36F40205E753}"/>
+              </a:ext>
+            </a:extLst>
+          </p:cNvPr>
+          <p:cNvCxnSpPr/>
+          <p:nvPr/>
+        </p:nvCxnSpPr>
+        <p:spPr>
+          <a:xfrm flipV="1">
+            <a:off x="4761571" y="4616605"/>
+            <a:ext cx="0" cy="1862254"/>
+          </a:xfrm>
+          <a:prstGeom prst="straightConnector1">
+            <a:avLst/>
+          </a:prstGeom>
+          <a:ln w="38100">
+            <a:solidFill>
+              <a:schemeClr val="tx1"/>
+            </a:solidFill>
+            <a:tailEnd type="triangle"/>
+          </a:ln>
+        </p:spPr>
+        <p:style>
+          <a:lnRef idx="1">
+            <a:schemeClr val="accent1"/>
+          </a:lnRef>
+          <a:fillRef idx="0">
+            <a:schemeClr val="accent1"/>
+          </a:fillRef>
+          <a:effectRef idx="0">
+            <a:schemeClr val="accent1"/>
+          </a:effectRef>
+          <a:fontRef idx="minor">
+            <a:schemeClr val="tx1"/>
+          </a:fontRef>
+        </p:style>
+      </p:cxnSp>
+      <mc:AlternateContent xmlns:mc="http://schemas.openxmlformats.org/markup-compatibility/2006" xmlns:a14="http://schemas.microsoft.com/office/drawing/2010/main">
+        <mc:Choice Requires="a14">
+          <p:sp>
+            <p:nvSpPr>
+              <p:cNvPr id="11" name="TextBox 10">
+                <a:extLst>
+                  <a:ext uri="{FF2B5EF4-FFF2-40B4-BE49-F238E27FC236}">
+                    <a16:creationId xmlns:a16="http://schemas.microsoft.com/office/drawing/2014/main" id="{06529418-BAE2-4693-AEF4-4129A343A32C}"/>
+                  </a:ext>
+                </a:extLst>
+              </p:cNvPr>
+              <p:cNvSpPr txBox="1"/>
+              <p:nvPr/>
+            </p:nvSpPr>
+            <p:spPr>
+              <a:xfrm>
+                <a:off x="8151542" y="5580844"/>
+                <a:ext cx="498085" cy="584775"/>
+              </a:xfrm>
+              <a:prstGeom prst="rect">
+                <a:avLst/>
+              </a:prstGeom>
+              <a:noFill/>
+            </p:spPr>
+            <p:txBody>
+              <a:bodyPr wrap="none" rtlCol="0">
+                <a:spAutoFit/>
+              </a:bodyPr>
+              <a:lstStyle/>
+              <a:p>
+                <a:pPr/>
+                <a14:m>
+                  <m:oMathPara xmlns:m="http://schemas.openxmlformats.org/officeDocument/2006/math">
+                    <m:oMathParaPr>
+                      <m:jc m:val="centerGroup"/>
+                    </m:oMathParaPr>
+                    <m:oMath xmlns:m="http://schemas.openxmlformats.org/officeDocument/2006/math">
+                      <m:r>
+                        <a:rPr lang="en-US" sz="3200" b="0" i="1" smtClean="0">
+                          <a:latin typeface="Cambria Math" panose="02040503050406030204" pitchFamily="18" charset="0"/>
+                        </a:rPr>
+                        <m:t>𝜈</m:t>
+                      </m:r>
+                    </m:oMath>
+                  </m:oMathPara>
+                </a14:m>
+                <a:endParaRPr lang="en-US" sz="3200" dirty="0"/>
+              </a:p>
+            </p:txBody>
+          </p:sp>
+        </mc:Choice>
+        <mc:Fallback xmlns="">
+          <p:sp>
+            <p:nvSpPr>
+              <p:cNvPr id="11" name="TextBox 10">
+                <a:extLst>
+                  <a:ext uri="{FF2B5EF4-FFF2-40B4-BE49-F238E27FC236}">
+                    <a16:creationId xmlns:a16="http://schemas.microsoft.com/office/drawing/2014/main" id="{06529418-BAE2-4693-AEF4-4129A343A32C}"/>
+                  </a:ext>
+                </a:extLst>
+              </p:cNvPr>
+              <p:cNvSpPr txBox="1">
+                <a:spLocks noRot="1" noChangeAspect="1" noMove="1" noResize="1" noEditPoints="1" noAdjustHandles="1" noChangeArrowheads="1" noChangeShapeType="1" noTextEdit="1"/>
+              </p:cNvSpPr>
+              <p:nvPr/>
+            </p:nvSpPr>
+            <p:spPr>
+              <a:xfrm>
+                <a:off x="8151542" y="5580844"/>
+                <a:ext cx="498085" cy="584775"/>
+              </a:xfrm>
+              <a:prstGeom prst="rect">
+                <a:avLst/>
+              </a:prstGeom>
+              <a:blipFill>
+                <a:blip r:embed="rId3"/>
+                <a:stretch>
+                  <a:fillRect/>
+                </a:stretch>
+              </a:blipFill>
+            </p:spPr>
+            <p:txBody>
+              <a:bodyPr/>
+              <a:lstStyle/>
+              <a:p>
+                <a:r>
+                  <a:rPr lang="en-US">
+                    <a:noFill/>
+                  </a:rPr>
+                  <a:t> </a:t>
+                </a:r>
+              </a:p>
+            </p:txBody>
+          </p:sp>
+        </mc:Fallback>
+      </mc:AlternateContent>
+      <p:sp>
+        <p:nvSpPr>
+          <p:cNvPr id="12" name="Rectangle 11">
+            <a:extLst>
+              <a:ext uri="{FF2B5EF4-FFF2-40B4-BE49-F238E27FC236}">
+                <a16:creationId xmlns:a16="http://schemas.microsoft.com/office/drawing/2014/main" id="{70B9DF46-1EE7-4720-94A5-1943A9E204CC}"/>
+              </a:ext>
+            </a:extLst>
+          </p:cNvPr>
+          <p:cNvSpPr/>
+          <p:nvPr/>
+        </p:nvSpPr>
+        <p:spPr>
+          <a:xfrm>
+            <a:off x="1873406" y="5084956"/>
+            <a:ext cx="2888152" cy="802884"/>
+          </a:xfrm>
+          <a:prstGeom prst="rect">
+            <a:avLst/>
+          </a:prstGeom>
+          <a:gradFill>
+            <a:gsLst>
+              <a:gs pos="0">
+                <a:schemeClr val="accent1">
+                  <a:lumMod val="5000"/>
+                  <a:lumOff val="95000"/>
+                  <a:alpha val="96000"/>
+                </a:schemeClr>
+              </a:gs>
+              <a:gs pos="100000">
+                <a:srgbClr val="FF0000"/>
+              </a:gs>
+            </a:gsLst>
+            <a:lin ang="0" scaled="0"/>
+          </a:gradFill>
+        </p:spPr>
+        <p:style>
+          <a:lnRef idx="2">
+            <a:schemeClr val="accent1">
+              <a:shade val="50000"/>
+            </a:schemeClr>
+          </a:lnRef>
+          <a:fillRef idx="1">
+            <a:schemeClr val="accent1"/>
+          </a:fillRef>
+          <a:effectRef idx="0">
+            <a:schemeClr val="accent1"/>
+          </a:effectRef>
+          <a:fontRef idx="minor">
+            <a:schemeClr val="lt1"/>
+          </a:fontRef>
+        </p:style>
+        <p:txBody>
+          <a:bodyPr rtlCol="0" anchor="ctr"/>
+          <a:lstStyle/>
+          <a:p>
+            <a:pPr algn="ctr"/>
+            <a:endParaRPr lang="en-US"/>
+          </a:p>
+        </p:txBody>
+      </p:sp>
+      <p:sp>
+        <p:nvSpPr>
+          <p:cNvPr id="13" name="Rectangle 12">
+            <a:extLst>
+              <a:ext uri="{FF2B5EF4-FFF2-40B4-BE49-F238E27FC236}">
+                <a16:creationId xmlns:a16="http://schemas.microsoft.com/office/drawing/2014/main" id="{C1052E5D-3B72-48D6-A382-D99AAA3B3BE1}"/>
+              </a:ext>
+            </a:extLst>
+          </p:cNvPr>
+          <p:cNvSpPr/>
+          <p:nvPr/>
+        </p:nvSpPr>
+        <p:spPr>
+          <a:xfrm>
+            <a:off x="4761572" y="5084951"/>
+            <a:ext cx="2888152" cy="788281"/>
+          </a:xfrm>
+          <a:prstGeom prst="rect">
+            <a:avLst/>
+          </a:prstGeom>
+          <a:gradFill>
+            <a:gsLst>
+              <a:gs pos="0">
+                <a:srgbClr val="00B050"/>
+              </a:gs>
+              <a:gs pos="100000">
+                <a:schemeClr val="bg1"/>
+              </a:gs>
+            </a:gsLst>
+            <a:lin ang="0" scaled="0"/>
+          </a:gradFill>
+        </p:spPr>
+        <p:style>
+          <a:lnRef idx="2">
+            <a:schemeClr val="accent1">
+              <a:shade val="50000"/>
+            </a:schemeClr>
+          </a:lnRef>
+          <a:fillRef idx="1">
+            <a:schemeClr val="accent1"/>
+          </a:fillRef>
+          <a:effectRef idx="0">
+            <a:schemeClr val="accent1"/>
+          </a:effectRef>
+          <a:fontRef idx="minor">
+            <a:schemeClr val="lt1"/>
+          </a:fontRef>
+        </p:style>
+        <p:txBody>
+          <a:bodyPr rtlCol="0" anchor="ctr"/>
+          <a:lstStyle/>
+          <a:p>
+            <a:pPr algn="ctr"/>
+            <a:endParaRPr lang="en-US"/>
+          </a:p>
+        </p:txBody>
+      </p:sp>
+      <p:cxnSp>
+        <p:nvCxnSpPr>
+          <p:cNvPr id="15" name="Straight Connector 14">
+            <a:extLst>
+              <a:ext uri="{FF2B5EF4-FFF2-40B4-BE49-F238E27FC236}">
+                <a16:creationId xmlns:a16="http://schemas.microsoft.com/office/drawing/2014/main" id="{F72A98BA-801A-4876-9B3D-A708DEA7190D}"/>
+              </a:ext>
+            </a:extLst>
+          </p:cNvPr>
+          <p:cNvCxnSpPr/>
+          <p:nvPr/>
+        </p:nvCxnSpPr>
+        <p:spPr>
+          <a:xfrm>
+            <a:off x="5704092" y="4733351"/>
+            <a:ext cx="0" cy="1694986"/>
+          </a:xfrm>
+          <a:prstGeom prst="line">
+            <a:avLst/>
+          </a:prstGeom>
+          <a:ln w="19050"/>
+        </p:spPr>
+        <p:style>
+          <a:lnRef idx="1">
+            <a:schemeClr val="accent1"/>
+          </a:lnRef>
+          <a:fillRef idx="0">
+            <a:schemeClr val="accent1"/>
+          </a:fillRef>
+          <a:effectRef idx="0">
+            <a:schemeClr val="accent1"/>
+          </a:effectRef>
+          <a:fontRef idx="minor">
+            <a:schemeClr val="tx1"/>
+          </a:fontRef>
+        </p:style>
+      </p:cxnSp>
+      <p:cxnSp>
+        <p:nvCxnSpPr>
+          <p:cNvPr id="16" name="Straight Connector 15">
+            <a:extLst>
+              <a:ext uri="{FF2B5EF4-FFF2-40B4-BE49-F238E27FC236}">
+                <a16:creationId xmlns:a16="http://schemas.microsoft.com/office/drawing/2014/main" id="{9762BB2B-429A-4D95-9476-8B631F53279B}"/>
+              </a:ext>
+            </a:extLst>
+          </p:cNvPr>
+          <p:cNvCxnSpPr/>
+          <p:nvPr/>
+        </p:nvCxnSpPr>
+        <p:spPr>
+          <a:xfrm>
+            <a:off x="3821152" y="4700239"/>
+            <a:ext cx="0" cy="1694986"/>
+          </a:xfrm>
+          <a:prstGeom prst="line">
+            <a:avLst/>
+          </a:prstGeom>
+          <a:ln w="19050"/>
+        </p:spPr>
+        <p:style>
+          <a:lnRef idx="1">
+            <a:schemeClr val="accent1"/>
+          </a:lnRef>
+          <a:fillRef idx="0">
+            <a:schemeClr val="accent1"/>
+          </a:fillRef>
+          <a:effectRef idx="0">
+            <a:schemeClr val="accent1"/>
+          </a:effectRef>
+          <a:fontRef idx="minor">
+            <a:schemeClr val="tx1"/>
+          </a:fontRef>
+        </p:style>
+      </p:cxnSp>
+      <mc:AlternateContent xmlns:mc="http://schemas.openxmlformats.org/markup-compatibility/2006" xmlns:a14="http://schemas.microsoft.com/office/drawing/2010/main">
+        <mc:Choice Requires="a14">
+          <p:sp>
+            <p:nvSpPr>
+              <p:cNvPr id="17" name="TextBox 16">
+                <a:extLst>
+                  <a:ext uri="{FF2B5EF4-FFF2-40B4-BE49-F238E27FC236}">
+                    <a16:creationId xmlns:a16="http://schemas.microsoft.com/office/drawing/2014/main" id="{8AFE32B6-E320-46F9-871C-FAE7B14D5B3C}"/>
+                  </a:ext>
+                </a:extLst>
+              </p:cNvPr>
+              <p:cNvSpPr txBox="1"/>
+              <p:nvPr/>
+            </p:nvSpPr>
+            <p:spPr>
+              <a:xfrm>
+                <a:off x="4467910" y="4031830"/>
+                <a:ext cx="765979" cy="584775"/>
+              </a:xfrm>
+              <a:prstGeom prst="rect">
+                <a:avLst/>
+              </a:prstGeom>
+              <a:noFill/>
+            </p:spPr>
+            <p:txBody>
+              <a:bodyPr wrap="none" rtlCol="0">
+                <a:spAutoFit/>
+              </a:bodyPr>
+              <a:lstStyle/>
+              <a:p>
+                <a:pPr/>
+                <a14:m>
+                  <m:oMathPara xmlns:m="http://schemas.openxmlformats.org/officeDocument/2006/math">
+                    <m:oMathParaPr>
+                      <m:jc m:val="centerGroup"/>
+                    </m:oMathParaPr>
+                    <m:oMath xmlns:m="http://schemas.openxmlformats.org/officeDocument/2006/math">
+                      <m:sSub>
+                        <m:sSubPr>
+                          <m:ctrlPr>
+                            <a:rPr lang="en-US" sz="3200" b="0" i="1" smtClean="0">
+                              <a:latin typeface="Cambria Math" panose="02040503050406030204" pitchFamily="18" charset="0"/>
+                            </a:rPr>
+                          </m:ctrlPr>
+                        </m:sSubPr>
+                        <m:e>
+                          <m:r>
+                            <a:rPr lang="en-US" sz="3200" b="0" i="1" smtClean="0">
+                              <a:latin typeface="Cambria Math" panose="02040503050406030204" pitchFamily="18" charset="0"/>
+                            </a:rPr>
+                            <m:t>𝜔</m:t>
+                          </m:r>
+                        </m:e>
+                        <m:sub>
+                          <m:r>
+                            <a:rPr lang="en-US" sz="3200" b="0" i="1" smtClean="0">
+                              <a:latin typeface="Cambria Math" panose="02040503050406030204" pitchFamily="18" charset="0"/>
+                            </a:rPr>
+                            <m:t>0</m:t>
+                          </m:r>
+                        </m:sub>
+                      </m:sSub>
+                    </m:oMath>
+                  </m:oMathPara>
+                </a14:m>
+                <a:endParaRPr lang="en-US" sz="3200" dirty="0"/>
+              </a:p>
+            </p:txBody>
+          </p:sp>
+        </mc:Choice>
+        <mc:Fallback xmlns="">
+          <p:sp>
+            <p:nvSpPr>
+              <p:cNvPr id="17" name="TextBox 16">
+                <a:extLst>
+                  <a:ext uri="{FF2B5EF4-FFF2-40B4-BE49-F238E27FC236}">
+                    <a16:creationId xmlns:a16="http://schemas.microsoft.com/office/drawing/2014/main" id="{8AFE32B6-E320-46F9-871C-FAE7B14D5B3C}"/>
+                  </a:ext>
+                </a:extLst>
+              </p:cNvPr>
+              <p:cNvSpPr txBox="1">
+                <a:spLocks noRot="1" noChangeAspect="1" noMove="1" noResize="1" noEditPoints="1" noAdjustHandles="1" noChangeArrowheads="1" noChangeShapeType="1" noTextEdit="1"/>
+              </p:cNvSpPr>
+              <p:nvPr/>
+            </p:nvSpPr>
+            <p:spPr>
+              <a:xfrm>
+                <a:off x="4467910" y="4031830"/>
+                <a:ext cx="765979" cy="584775"/>
+              </a:xfrm>
+              <a:prstGeom prst="rect">
+                <a:avLst/>
+              </a:prstGeom>
+              <a:blipFill>
+                <a:blip r:embed="rId4"/>
+                <a:stretch>
+                  <a:fillRect/>
+                </a:stretch>
+              </a:blipFill>
+            </p:spPr>
+            <p:txBody>
+              <a:bodyPr/>
+              <a:lstStyle/>
+              <a:p>
+                <a:r>
+                  <a:rPr lang="en-US">
+                    <a:noFill/>
+                  </a:rPr>
+                  <a:t> </a:t>
+                </a:r>
+              </a:p>
+            </p:txBody>
+          </p:sp>
+        </mc:Fallback>
+      </mc:AlternateContent>
+      <mc:AlternateContent xmlns:mc="http://schemas.openxmlformats.org/markup-compatibility/2006" xmlns:a14="http://schemas.microsoft.com/office/drawing/2010/main">
+        <mc:Choice Requires="a14">
+          <p:sp>
+            <p:nvSpPr>
+              <p:cNvPr id="18" name="TextBox 17">
+                <a:extLst>
+                  <a:ext uri="{FF2B5EF4-FFF2-40B4-BE49-F238E27FC236}">
+                    <a16:creationId xmlns:a16="http://schemas.microsoft.com/office/drawing/2014/main" id="{7E61CF3F-9AE5-4057-8FCA-6ED1D3C9697B}"/>
+                  </a:ext>
+                </a:extLst>
+              </p:cNvPr>
+              <p:cNvSpPr txBox="1"/>
+              <p:nvPr/>
+            </p:nvSpPr>
+            <p:spPr>
+              <a:xfrm>
+                <a:off x="5582287" y="4207787"/>
+                <a:ext cx="967957" cy="584775"/>
+              </a:xfrm>
+              <a:prstGeom prst="rect">
+                <a:avLst/>
+              </a:prstGeom>
+              <a:noFill/>
+            </p:spPr>
+            <p:txBody>
+              <a:bodyPr wrap="none" rtlCol="0">
+                <a:spAutoFit/>
+              </a:bodyPr>
+              <a:lstStyle/>
+              <a:p>
+                <a:pPr/>
+                <a14:m>
+                  <m:oMathPara xmlns:m="http://schemas.openxmlformats.org/officeDocument/2006/math">
+                    <m:oMathParaPr>
+                      <m:jc m:val="centerGroup"/>
+                    </m:oMathParaPr>
+                    <m:oMath xmlns:m="http://schemas.openxmlformats.org/officeDocument/2006/math">
+                      <m:sSub>
+                        <m:sSubPr>
+                          <m:ctrlPr>
+                            <a:rPr lang="en-US" sz="3200" b="0" i="1" smtClean="0">
+                              <a:latin typeface="Cambria Math" panose="02040503050406030204" pitchFamily="18" charset="0"/>
+                            </a:rPr>
+                          </m:ctrlPr>
+                        </m:sSubPr>
+                        <m:e>
+                          <m:r>
+                            <a:rPr lang="en-US" sz="3200" b="0" i="1" smtClean="0">
+                              <a:latin typeface="Cambria Math" panose="02040503050406030204" pitchFamily="18" charset="0"/>
+                            </a:rPr>
+                            <m:t>𝜔</m:t>
+                          </m:r>
+                        </m:e>
+                        <m:sub>
+                          <m:r>
+                            <a:rPr lang="en-US" sz="3200" b="0" i="1" smtClean="0">
+                              <a:latin typeface="Cambria Math" panose="02040503050406030204" pitchFamily="18" charset="0"/>
+                            </a:rPr>
+                            <m:t>𝑎𝑏</m:t>
+                          </m:r>
+                        </m:sub>
+                      </m:sSub>
+                    </m:oMath>
+                  </m:oMathPara>
+                </a14:m>
+                <a:endParaRPr lang="en-US" sz="3200" dirty="0"/>
+              </a:p>
+            </p:txBody>
+          </p:sp>
+        </mc:Choice>
+        <mc:Fallback xmlns="">
+          <p:sp>
+            <p:nvSpPr>
+              <p:cNvPr id="18" name="TextBox 17">
+                <a:extLst>
+                  <a:ext uri="{FF2B5EF4-FFF2-40B4-BE49-F238E27FC236}">
+                    <a16:creationId xmlns:a16="http://schemas.microsoft.com/office/drawing/2014/main" id="{7E61CF3F-9AE5-4057-8FCA-6ED1D3C9697B}"/>
+                  </a:ext>
+                </a:extLst>
+              </p:cNvPr>
+              <p:cNvSpPr txBox="1">
+                <a:spLocks noRot="1" noChangeAspect="1" noMove="1" noResize="1" noEditPoints="1" noAdjustHandles="1" noChangeArrowheads="1" noChangeShapeType="1" noTextEdit="1"/>
+              </p:cNvSpPr>
+              <p:nvPr/>
+            </p:nvSpPr>
+            <p:spPr>
+              <a:xfrm>
+                <a:off x="5582287" y="4207787"/>
+                <a:ext cx="967957" cy="584775"/>
+              </a:xfrm>
+              <a:prstGeom prst="rect">
+                <a:avLst/>
+              </a:prstGeom>
+              <a:blipFill>
+                <a:blip r:embed="rId5"/>
+                <a:stretch>
+                  <a:fillRect/>
+                </a:stretch>
+              </a:blipFill>
+            </p:spPr>
+            <p:txBody>
+              <a:bodyPr/>
+              <a:lstStyle/>
+              <a:p>
+                <a:r>
+                  <a:rPr lang="en-US">
+                    <a:noFill/>
+                  </a:rPr>
+                  <a:t> </a:t>
+                </a:r>
+              </a:p>
+            </p:txBody>
+          </p:sp>
+        </mc:Fallback>
+      </mc:AlternateContent>
+      <mc:AlternateContent xmlns:mc="http://schemas.openxmlformats.org/markup-compatibility/2006" xmlns:a14="http://schemas.microsoft.com/office/drawing/2010/main">
+        <mc:Choice Requires="a14">
+          <p:sp>
+            <p:nvSpPr>
+              <p:cNvPr id="19" name="TextBox 18">
+                <a:extLst>
+                  <a:ext uri="{FF2B5EF4-FFF2-40B4-BE49-F238E27FC236}">
+                    <a16:creationId xmlns:a16="http://schemas.microsoft.com/office/drawing/2014/main" id="{6F525BB4-D6DB-454B-81BB-41F2DF4F2BB0}"/>
+                  </a:ext>
+                </a:extLst>
+              </p:cNvPr>
+              <p:cNvSpPr txBox="1"/>
+              <p:nvPr/>
+            </p:nvSpPr>
+            <p:spPr>
+              <a:xfrm>
+                <a:off x="3008293" y="4207787"/>
+                <a:ext cx="932563" cy="584775"/>
+              </a:xfrm>
+              <a:prstGeom prst="rect">
+                <a:avLst/>
+              </a:prstGeom>
+              <a:noFill/>
+            </p:spPr>
+            <p:txBody>
+              <a:bodyPr wrap="none" rtlCol="0">
+                <a:spAutoFit/>
+              </a:bodyPr>
+              <a:lstStyle/>
+              <a:p>
+                <a:pPr/>
+                <a14:m>
+                  <m:oMathPara xmlns:m="http://schemas.openxmlformats.org/officeDocument/2006/math">
+                    <m:oMathParaPr>
+                      <m:jc m:val="centerGroup"/>
+                    </m:oMathParaPr>
+                    <m:oMath xmlns:m="http://schemas.openxmlformats.org/officeDocument/2006/math">
+                      <m:sSub>
+                        <m:sSubPr>
+                          <m:ctrlPr>
+                            <a:rPr lang="en-US" sz="3200" b="0" i="1" smtClean="0">
+                              <a:latin typeface="Cambria Math" panose="02040503050406030204" pitchFamily="18" charset="0"/>
+                            </a:rPr>
+                          </m:ctrlPr>
+                        </m:sSubPr>
+                        <m:e>
+                          <m:r>
+                            <a:rPr lang="en-US" sz="3200" b="0" i="1" smtClean="0">
+                              <a:latin typeface="Cambria Math" panose="02040503050406030204" pitchFamily="18" charset="0"/>
+                            </a:rPr>
+                            <m:t>𝜔</m:t>
+                          </m:r>
+                        </m:e>
+                        <m:sub>
+                          <m:r>
+                            <a:rPr lang="en-US" sz="3200" b="0" i="1" smtClean="0">
+                              <a:latin typeface="Cambria Math" panose="02040503050406030204" pitchFamily="18" charset="0"/>
+                            </a:rPr>
+                            <m:t>𝑏𝑐</m:t>
+                          </m:r>
+                        </m:sub>
+                      </m:sSub>
+                    </m:oMath>
+                  </m:oMathPara>
+                </a14:m>
+                <a:endParaRPr lang="en-US" sz="3200" dirty="0"/>
+              </a:p>
+            </p:txBody>
+          </p:sp>
+        </mc:Choice>
+        <mc:Fallback xmlns="">
+          <p:sp>
+            <p:nvSpPr>
+              <p:cNvPr id="19" name="TextBox 18">
+                <a:extLst>
+                  <a:ext uri="{FF2B5EF4-FFF2-40B4-BE49-F238E27FC236}">
+                    <a16:creationId xmlns:a16="http://schemas.microsoft.com/office/drawing/2014/main" id="{6F525BB4-D6DB-454B-81BB-41F2DF4F2BB0}"/>
+                  </a:ext>
+                </a:extLst>
+              </p:cNvPr>
+              <p:cNvSpPr txBox="1">
+                <a:spLocks noRot="1" noChangeAspect="1" noMove="1" noResize="1" noEditPoints="1" noAdjustHandles="1" noChangeArrowheads="1" noChangeShapeType="1" noTextEdit="1"/>
+              </p:cNvSpPr>
+              <p:nvPr/>
+            </p:nvSpPr>
+            <p:spPr>
+              <a:xfrm>
+                <a:off x="3008293" y="4207787"/>
+                <a:ext cx="932563" cy="584775"/>
+              </a:xfrm>
+              <a:prstGeom prst="rect">
+                <a:avLst/>
+              </a:prstGeom>
+              <a:blipFill>
+                <a:blip r:embed="rId6"/>
+                <a:stretch>
+                  <a:fillRect/>
+                </a:stretch>
+              </a:blipFill>
+            </p:spPr>
+            <p:txBody>
+              <a:bodyPr/>
+              <a:lstStyle/>
+              <a:p>
+                <a:r>
+                  <a:rPr lang="en-US">
+                    <a:noFill/>
+                  </a:rPr>
+                  <a:t> </a:t>
+                </a:r>
+              </a:p>
+            </p:txBody>
+          </p:sp>
+        </mc:Fallback>
+      </mc:AlternateContent>
+      <p:cxnSp>
+        <p:nvCxnSpPr>
+          <p:cNvPr id="3" name="Straight Arrow Connector 2">
+            <a:extLst>
+              <a:ext uri="{FF2B5EF4-FFF2-40B4-BE49-F238E27FC236}">
+                <a16:creationId xmlns:a16="http://schemas.microsoft.com/office/drawing/2014/main" id="{65AAE861-9717-4B1A-AB93-2BF5CA2B42DD}"/>
+              </a:ext>
+            </a:extLst>
+          </p:cNvPr>
+          <p:cNvCxnSpPr/>
+          <p:nvPr/>
+        </p:nvCxnSpPr>
+        <p:spPr>
+          <a:xfrm>
+            <a:off x="3821152" y="4879571"/>
+            <a:ext cx="940406" cy="0"/>
+          </a:xfrm>
+          <a:prstGeom prst="straightConnector1">
+            <a:avLst/>
+          </a:prstGeom>
+          <a:ln>
+            <a:headEnd type="triangle"/>
+            <a:tailEnd type="triangle"/>
+          </a:ln>
+        </p:spPr>
+        <p:style>
+          <a:lnRef idx="1">
+            <a:schemeClr val="accent1"/>
+          </a:lnRef>
+          <a:fillRef idx="0">
+            <a:schemeClr val="accent1"/>
+          </a:fillRef>
+          <a:effectRef idx="0">
+            <a:schemeClr val="accent1"/>
+          </a:effectRef>
+          <a:fontRef idx="minor">
+            <a:schemeClr val="tx1"/>
+          </a:fontRef>
+        </p:style>
+      </p:cxnSp>
+      <p:cxnSp>
+        <p:nvCxnSpPr>
+          <p:cNvPr id="20" name="Straight Arrow Connector 19">
+            <a:extLst>
+              <a:ext uri="{FF2B5EF4-FFF2-40B4-BE49-F238E27FC236}">
+                <a16:creationId xmlns:a16="http://schemas.microsoft.com/office/drawing/2014/main" id="{DBF663AC-1251-4F25-B995-446672D39283}"/>
+              </a:ext>
+            </a:extLst>
+          </p:cNvPr>
+          <p:cNvCxnSpPr/>
+          <p:nvPr/>
+        </p:nvCxnSpPr>
+        <p:spPr>
+          <a:xfrm>
+            <a:off x="4763686" y="4879571"/>
+            <a:ext cx="940406" cy="0"/>
+          </a:xfrm>
+          <a:prstGeom prst="straightConnector1">
+            <a:avLst/>
+          </a:prstGeom>
+          <a:ln>
+            <a:headEnd type="triangle"/>
+            <a:tailEnd type="triangle"/>
+          </a:ln>
+        </p:spPr>
+        <p:style>
+          <a:lnRef idx="1">
+            <a:schemeClr val="accent1"/>
+          </a:lnRef>
+          <a:fillRef idx="0">
+            <a:schemeClr val="accent1"/>
+          </a:fillRef>
+          <a:effectRef idx="0">
+            <a:schemeClr val="accent1"/>
+          </a:effectRef>
+          <a:fontRef idx="minor">
+            <a:schemeClr val="tx1"/>
+          </a:fontRef>
+        </p:style>
+      </p:cxnSp>
+      <mc:AlternateContent xmlns:mc="http://schemas.openxmlformats.org/markup-compatibility/2006" xmlns:a14="http://schemas.microsoft.com/office/drawing/2010/main">
+        <mc:Choice Requires="a14">
+          <p:sp>
+            <p:nvSpPr>
+              <p:cNvPr id="21" name="TextBox 20">
+                <a:extLst>
+                  <a:ext uri="{FF2B5EF4-FFF2-40B4-BE49-F238E27FC236}">
+                    <a16:creationId xmlns:a16="http://schemas.microsoft.com/office/drawing/2014/main" id="{A509792F-5770-4DB2-A7FC-9355A693EAD9}"/>
+                  </a:ext>
+                </a:extLst>
+              </p:cNvPr>
+              <p:cNvSpPr txBox="1"/>
+              <p:nvPr/>
+            </p:nvSpPr>
+            <p:spPr>
+              <a:xfrm>
+                <a:off x="4768889" y="5082992"/>
+                <a:ext cx="806053" cy="584775"/>
+              </a:xfrm>
+              <a:prstGeom prst="rect">
+                <a:avLst/>
+              </a:prstGeom>
+              <a:noFill/>
+            </p:spPr>
+            <p:txBody>
+              <a:bodyPr wrap="none" rtlCol="0">
+                <a:spAutoFit/>
+              </a:bodyPr>
+              <a:lstStyle/>
+              <a:p>
+                <a:pPr/>
+                <a14:m>
+                  <m:oMathPara xmlns:m="http://schemas.openxmlformats.org/officeDocument/2006/math">
+                    <m:oMathParaPr>
+                      <m:jc m:val="centerGroup"/>
+                    </m:oMathParaPr>
+                    <m:oMath xmlns:m="http://schemas.openxmlformats.org/officeDocument/2006/math">
+                      <m:r>
+                        <a:rPr lang="en-US" sz="3200" b="0" i="1" smtClean="0">
+                          <a:latin typeface="Cambria Math" panose="02040503050406030204" pitchFamily="18" charset="0"/>
+                        </a:rPr>
+                        <m:t>𝛿𝜔</m:t>
+                      </m:r>
+                    </m:oMath>
+                  </m:oMathPara>
+                </a14:m>
+                <a:endParaRPr lang="en-US" sz="3200" dirty="0"/>
+              </a:p>
+            </p:txBody>
+          </p:sp>
+        </mc:Choice>
+        <mc:Fallback xmlns="">
+          <p:sp>
+            <p:nvSpPr>
+              <p:cNvPr id="21" name="TextBox 20">
+                <a:extLst>
+                  <a:ext uri="{FF2B5EF4-FFF2-40B4-BE49-F238E27FC236}">
+                    <a16:creationId xmlns:a16="http://schemas.microsoft.com/office/drawing/2014/main" id="{A509792F-5770-4DB2-A7FC-9355A693EAD9}"/>
+                  </a:ext>
+                </a:extLst>
+              </p:cNvPr>
+              <p:cNvSpPr txBox="1">
+                <a:spLocks noRot="1" noChangeAspect="1" noMove="1" noResize="1" noEditPoints="1" noAdjustHandles="1" noChangeArrowheads="1" noChangeShapeType="1" noTextEdit="1"/>
+              </p:cNvSpPr>
+              <p:nvPr/>
+            </p:nvSpPr>
+            <p:spPr>
+              <a:xfrm>
+                <a:off x="4768889" y="5082992"/>
+                <a:ext cx="806053" cy="584775"/>
+              </a:xfrm>
+              <a:prstGeom prst="rect">
+                <a:avLst/>
+              </a:prstGeom>
+              <a:blipFill>
+                <a:blip r:embed="rId7"/>
+                <a:stretch>
+                  <a:fillRect/>
+                </a:stretch>
+              </a:blipFill>
+            </p:spPr>
+            <p:txBody>
+              <a:bodyPr/>
+              <a:lstStyle/>
+              <a:p>
+                <a:r>
+                  <a:rPr lang="en-US">
+                    <a:noFill/>
+                  </a:rPr>
+                  <a:t> </a:t>
+                </a:r>
+              </a:p>
+            </p:txBody>
+          </p:sp>
+        </mc:Fallback>
+      </mc:AlternateContent>
+      <mc:AlternateContent xmlns:mc="http://schemas.openxmlformats.org/markup-compatibility/2006" xmlns:a14="http://schemas.microsoft.com/office/drawing/2010/main">
+        <mc:Choice Requires="a14">
+          <p:sp>
+            <p:nvSpPr>
+              <p:cNvPr id="22" name="TextBox 21">
+                <a:extLst>
+                  <a:ext uri="{FF2B5EF4-FFF2-40B4-BE49-F238E27FC236}">
+                    <a16:creationId xmlns:a16="http://schemas.microsoft.com/office/drawing/2014/main" id="{65810985-95C6-411B-8737-D1CEB1108521}"/>
+                  </a:ext>
+                </a:extLst>
+              </p:cNvPr>
+              <p:cNvSpPr txBox="1"/>
+              <p:nvPr/>
+            </p:nvSpPr>
+            <p:spPr>
+              <a:xfrm>
+                <a:off x="3856726" y="5099562"/>
+                <a:ext cx="806053" cy="584775"/>
+              </a:xfrm>
+              <a:prstGeom prst="rect">
+                <a:avLst/>
+              </a:prstGeom>
+              <a:noFill/>
+            </p:spPr>
+            <p:txBody>
+              <a:bodyPr wrap="none" rtlCol="0">
+                <a:spAutoFit/>
+              </a:bodyPr>
+              <a:lstStyle/>
+              <a:p>
+                <a:pPr/>
+                <a14:m>
+                  <m:oMathPara xmlns:m="http://schemas.openxmlformats.org/officeDocument/2006/math">
+                    <m:oMathParaPr>
+                      <m:jc m:val="centerGroup"/>
+                    </m:oMathParaPr>
+                    <m:oMath xmlns:m="http://schemas.openxmlformats.org/officeDocument/2006/math">
+                      <m:r>
+                        <a:rPr lang="en-US" sz="3200" b="0" i="1" smtClean="0">
+                          <a:latin typeface="Cambria Math" panose="02040503050406030204" pitchFamily="18" charset="0"/>
+                        </a:rPr>
+                        <m:t>𝛿𝜔</m:t>
+                      </m:r>
+                    </m:oMath>
+                  </m:oMathPara>
+                </a14:m>
+                <a:endParaRPr lang="en-US" sz="3200" dirty="0"/>
+              </a:p>
+            </p:txBody>
+          </p:sp>
+        </mc:Choice>
+        <mc:Fallback xmlns="">
+          <p:sp>
+            <p:nvSpPr>
+              <p:cNvPr id="22" name="TextBox 21">
+                <a:extLst>
+                  <a:ext uri="{FF2B5EF4-FFF2-40B4-BE49-F238E27FC236}">
+                    <a16:creationId xmlns:a16="http://schemas.microsoft.com/office/drawing/2014/main" id="{65810985-95C6-411B-8737-D1CEB1108521}"/>
+                  </a:ext>
+                </a:extLst>
+              </p:cNvPr>
+              <p:cNvSpPr txBox="1">
+                <a:spLocks noRot="1" noChangeAspect="1" noMove="1" noResize="1" noEditPoints="1" noAdjustHandles="1" noChangeArrowheads="1" noChangeShapeType="1" noTextEdit="1"/>
+              </p:cNvSpPr>
+              <p:nvPr/>
+            </p:nvSpPr>
+            <p:spPr>
+              <a:xfrm>
+                <a:off x="3856726" y="5099562"/>
+                <a:ext cx="806053" cy="584775"/>
+              </a:xfrm>
+              <a:prstGeom prst="rect">
+                <a:avLst/>
+              </a:prstGeom>
+              <a:blipFill>
+                <a:blip r:embed="rId8"/>
+                <a:stretch>
+                  <a:fillRect/>
+                </a:stretch>
+              </a:blipFill>
+            </p:spPr>
+            <p:txBody>
+              <a:bodyPr/>
+              <a:lstStyle/>
+              <a:p>
+                <a:r>
+                  <a:rPr lang="en-US">
+                    <a:noFill/>
+                  </a:rPr>
+                  <a:t> </a:t>
+                </a:r>
+              </a:p>
+            </p:txBody>
+          </p:sp>
+        </mc:Fallback>
+      </mc:AlternateContent>
+    </p:spTree>
+    <p:extLst>
+      <p:ext uri="{BB962C8B-B14F-4D97-AF65-F5344CB8AC3E}">
+        <p14:creationId xmlns:p14="http://schemas.microsoft.com/office/powerpoint/2010/main" val="3350501891"/>
+      </p:ext>
+    </p:extLst>
+  </p:cSld>
+  <p:clrMapOvr>
+    <a:masterClrMapping/>
+  </p:clrMapOvr>
+</p:sld>
+</file>
+
 <file path=ppt/theme/theme1.xml><?xml version="1.0" encoding="utf-8"?>
 <a:theme xmlns:a="http://schemas.openxmlformats.org/drawingml/2006/main" name="Office Theme">
   <a:themeElements>
